--- a/dtc_team16_pitch_presentation.pptx
+++ b/dtc_team16_pitch_presentation.pptx
@@ -6,10 +6,15 @@
   </p:sldMasterIdLst>
   <p:sldIdLst>
     <p:sldId id="256" r:id="rId2"/>
-    <p:sldId id="257" r:id="rId3"/>
-    <p:sldId id="258" r:id="rId4"/>
-    <p:sldId id="259" r:id="rId5"/>
-    <p:sldId id="260" r:id="rId6"/>
+    <p:sldId id="266" r:id="rId3"/>
+    <p:sldId id="263" r:id="rId4"/>
+    <p:sldId id="257" r:id="rId5"/>
+    <p:sldId id="262" r:id="rId6"/>
+    <p:sldId id="264" r:id="rId7"/>
+    <p:sldId id="265" r:id="rId8"/>
+    <p:sldId id="258" r:id="rId9"/>
+    <p:sldId id="259" r:id="rId10"/>
+    <p:sldId id="260" r:id="rId11"/>
   </p:sldIdLst>
   <p:sldSz cx="12192000" cy="6858000"/>
   <p:notesSz cx="6858000" cy="9144000"/>
@@ -294,7 +299,7 @@
           <a:p>
             <a:fld id="{48A87A34-81AB-432B-8DAE-1953F412C126}" type="datetimeFigureOut">
               <a:rPr lang="en-US" dirty="0"/>
-              <a:t>10/2/2018</a:t>
+              <a:t>10/3/2018</a:t>
             </a:fld>
             <a:endParaRPr lang="en-US" dirty="0"/>
           </a:p>
@@ -556,7 +561,7 @@
           <a:p>
             <a:fld id="{48A87A34-81AB-432B-8DAE-1953F412C126}" type="datetimeFigureOut">
               <a:rPr lang="en-US" dirty="0"/>
-              <a:t>10/2/2018</a:t>
+              <a:t>10/3/2018</a:t>
             </a:fld>
             <a:endParaRPr lang="en-US" dirty="0"/>
           </a:p>
@@ -783,7 +788,7 @@
             <a:fld id="{48A87A34-81AB-432B-8DAE-1953F412C126}" type="datetimeFigureOut">
               <a:rPr lang="en-US" dirty="0"/>
               <a:pPr/>
-              <a:t>10/2/2018</a:t>
+              <a:t>10/3/2018</a:t>
             </a:fld>
             <a:endParaRPr lang="en-US" dirty="0"/>
           </a:p>
@@ -1089,7 +1094,7 @@
             <a:fld id="{48A87A34-81AB-432B-8DAE-1953F412C126}" type="datetimeFigureOut">
               <a:rPr lang="en-US" dirty="0"/>
               <a:pPr/>
-              <a:t>10/2/2018</a:t>
+              <a:t>10/3/2018</a:t>
             </a:fld>
             <a:endParaRPr lang="en-US" dirty="0"/>
           </a:p>
@@ -1558,7 +1563,7 @@
             <a:fld id="{48A87A34-81AB-432B-8DAE-1953F412C126}" type="datetimeFigureOut">
               <a:rPr lang="en-US" dirty="0"/>
               <a:pPr/>
-              <a:t>10/2/2018</a:t>
+              <a:t>10/3/2018</a:t>
             </a:fld>
             <a:endParaRPr lang="en-US" dirty="0"/>
           </a:p>
@@ -2100,7 +2105,7 @@
           <a:p>
             <a:fld id="{48A87A34-81AB-432B-8DAE-1953F412C126}" type="datetimeFigureOut">
               <a:rPr lang="en-US" dirty="0"/>
-              <a:t>10/2/2018</a:t>
+              <a:t>10/3/2018</a:t>
             </a:fld>
             <a:endParaRPr lang="en-US" dirty="0"/>
           </a:p>
@@ -2869,7 +2874,7 @@
           <a:p>
             <a:fld id="{48A87A34-81AB-432B-8DAE-1953F412C126}" type="datetimeFigureOut">
               <a:rPr lang="en-US" dirty="0"/>
-              <a:t>10/2/2018</a:t>
+              <a:t>10/3/2018</a:t>
             </a:fld>
             <a:endParaRPr lang="en-US" dirty="0"/>
           </a:p>
@@ -3039,7 +3044,7 @@
           <a:p>
             <a:fld id="{48A87A34-81AB-432B-8DAE-1953F412C126}" type="datetimeFigureOut">
               <a:rPr lang="en-US" dirty="0"/>
-              <a:t>10/2/2018</a:t>
+              <a:t>10/3/2018</a:t>
             </a:fld>
             <a:endParaRPr lang="en-US" dirty="0"/>
           </a:p>
@@ -3258,7 +3263,7 @@
             <a:fld id="{48A87A34-81AB-432B-8DAE-1953F412C126}" type="datetimeFigureOut">
               <a:rPr lang="en-US" dirty="0"/>
               <a:pPr/>
-              <a:t>10/2/2018</a:t>
+              <a:t>10/3/2018</a:t>
             </a:fld>
             <a:endParaRPr lang="en-US" dirty="0"/>
           </a:p>
@@ -3433,7 +3438,7 @@
           <a:p>
             <a:fld id="{48A87A34-81AB-432B-8DAE-1953F412C126}" type="datetimeFigureOut">
               <a:rPr lang="en-US" dirty="0"/>
-              <a:t>10/2/2018</a:t>
+              <a:t>10/3/2018</a:t>
             </a:fld>
             <a:endParaRPr lang="en-US" dirty="0"/>
           </a:p>
@@ -3718,7 +3723,7 @@
             <a:fld id="{48A87A34-81AB-432B-8DAE-1953F412C126}" type="datetimeFigureOut">
               <a:rPr lang="en-US" dirty="0"/>
               <a:pPr/>
-              <a:t>10/2/2018</a:t>
+              <a:t>10/3/2018</a:t>
             </a:fld>
             <a:endParaRPr lang="en-US" dirty="0"/>
           </a:p>
@@ -3955,7 +3960,7 @@
           <a:p>
             <a:fld id="{48A87A34-81AB-432B-8DAE-1953F412C126}" type="datetimeFigureOut">
               <a:rPr lang="en-US" dirty="0"/>
-              <a:t>10/2/2018</a:t>
+              <a:t>10/3/2018</a:t>
             </a:fld>
             <a:endParaRPr lang="en-US" dirty="0"/>
           </a:p>
@@ -4329,7 +4334,7 @@
           <a:p>
             <a:fld id="{48A87A34-81AB-432B-8DAE-1953F412C126}" type="datetimeFigureOut">
               <a:rPr lang="en-US" dirty="0"/>
-              <a:t>10/2/2018</a:t>
+              <a:t>10/3/2018</a:t>
             </a:fld>
             <a:endParaRPr lang="en-US" dirty="0"/>
           </a:p>
@@ -4442,7 +4447,7 @@
           <a:p>
             <a:fld id="{48A87A34-81AB-432B-8DAE-1953F412C126}" type="datetimeFigureOut">
               <a:rPr lang="en-US" dirty="0"/>
-              <a:t>10/2/2018</a:t>
+              <a:t>10/3/2018</a:t>
             </a:fld>
             <a:endParaRPr lang="en-US" dirty="0"/>
           </a:p>
@@ -4532,7 +4537,7 @@
           <a:p>
             <a:fld id="{48A87A34-81AB-432B-8DAE-1953F412C126}" type="datetimeFigureOut">
               <a:rPr lang="en-US" dirty="0"/>
-              <a:t>10/2/2018</a:t>
+              <a:t>10/3/2018</a:t>
             </a:fld>
             <a:endParaRPr lang="en-US" dirty="0"/>
           </a:p>
@@ -4776,7 +4781,7 @@
           <a:p>
             <a:fld id="{48A87A34-81AB-432B-8DAE-1953F412C126}" type="datetimeFigureOut">
               <a:rPr lang="en-US" dirty="0"/>
-              <a:t>10/2/2018</a:t>
+              <a:t>10/3/2018</a:t>
             </a:fld>
             <a:endParaRPr lang="en-US" dirty="0"/>
           </a:p>
@@ -5028,7 +5033,7 @@
           <a:p>
             <a:fld id="{48A87A34-81AB-432B-8DAE-1953F412C126}" type="datetimeFigureOut">
               <a:rPr lang="en-US" dirty="0"/>
-              <a:t>10/2/2018</a:t>
+              <a:t>10/3/2018</a:t>
             </a:fld>
             <a:endParaRPr lang="en-US" dirty="0"/>
           </a:p>
@@ -5267,7 +5272,7 @@
             <a:fld id="{48A87A34-81AB-432B-8DAE-1953F412C126}" type="datetimeFigureOut">
               <a:rPr lang="en-US" dirty="0"/>
               <a:pPr/>
-              <a:t>10/2/2018</a:t>
+              <a:t>10/3/2018</a:t>
             </a:fld>
             <a:endParaRPr lang="en-US" dirty="0"/>
           </a:p>
@@ -5740,7 +5745,7 @@
 </p:sld>
 </file>
 
-<file path=ppt/slides/slide2.xml><?xml version="1.0" encoding="utf-8"?>
+<file path=ppt/slides/slide10.xml><?xml version="1.0" encoding="utf-8"?>
 <p:sld xmlns:a="http://schemas.openxmlformats.org/drawingml/2006/main" xmlns:r="http://schemas.openxmlformats.org/officeDocument/2006/relationships" xmlns:p="http://schemas.openxmlformats.org/presentationml/2006/main">
   <p:cSld>
     <p:spTree>
@@ -5762,6 +5767,220 @@
           <p:cNvPr id="2" name="Title 1">
             <a:extLst>
               <a:ext uri="{FF2B5EF4-FFF2-40B4-BE49-F238E27FC236}">
+                <a16:creationId xmlns:a16="http://schemas.microsoft.com/office/drawing/2014/main" id="{60FBE992-B63A-4C88-B8A4-BFA1087398DD}"/>
+              </a:ext>
+            </a:extLst>
+          </p:cNvPr>
+          <p:cNvSpPr>
+            <a:spLocks noGrp="1"/>
+          </p:cNvSpPr>
+          <p:nvPr>
+            <p:ph type="title"/>
+          </p:nvPr>
+        </p:nvSpPr>
+        <p:spPr/>
+        <p:txBody>
+          <a:bodyPr/>
+          <a:lstStyle/>
+          <a:p>
+            <a:r>
+              <a:rPr lang="en-CA" dirty="0"/>
+              <a:t>Solution 1</a:t>
+            </a:r>
+          </a:p>
+        </p:txBody>
+      </p:sp>
+      <p:sp>
+        <p:nvSpPr>
+          <p:cNvPr id="3" name="Content Placeholder 2">
+            <a:extLst>
+              <a:ext uri="{FF2B5EF4-FFF2-40B4-BE49-F238E27FC236}">
+                <a16:creationId xmlns:a16="http://schemas.microsoft.com/office/drawing/2014/main" id="{F44E741A-FE57-4D53-865D-34CC64A6F4D1}"/>
+              </a:ext>
+            </a:extLst>
+          </p:cNvPr>
+          <p:cNvSpPr>
+            <a:spLocks noGrp="1"/>
+          </p:cNvSpPr>
+          <p:nvPr>
+            <p:ph idx="1"/>
+          </p:nvPr>
+        </p:nvSpPr>
+        <p:spPr/>
+        <p:txBody>
+          <a:bodyPr/>
+          <a:lstStyle/>
+          <a:p>
+            <a:r>
+              <a:rPr lang="en-CA" dirty="0"/>
+              <a:t>Provide a legal resource for player-managers that will contain:</a:t>
+            </a:r>
+          </a:p>
+          <a:p>
+            <a:r>
+              <a:rPr lang="en-CA" dirty="0"/>
+              <a:t>-legal documentation</a:t>
+            </a:r>
+          </a:p>
+          <a:p>
+            <a:r>
+              <a:rPr lang="en-CA" dirty="0"/>
+              <a:t>-labor law documentation.</a:t>
+            </a:r>
+          </a:p>
+          <a:p>
+            <a:r>
+              <a:rPr lang="en-CA" dirty="0"/>
+              <a:t>-Attorney contact.</a:t>
+            </a:r>
+          </a:p>
+          <a:p>
+            <a:r>
+              <a:rPr lang="en-CA" dirty="0"/>
+              <a:t>-contract aide.</a:t>
+            </a:r>
+          </a:p>
+          <a:p>
+            <a:pPr marL="0" indent="0">
+              <a:buNone/>
+            </a:pPr>
+            <a:endParaRPr lang="en-CA" dirty="0"/>
+          </a:p>
+        </p:txBody>
+      </p:sp>
+    </p:spTree>
+    <p:extLst>
+      <p:ext uri="{BB962C8B-B14F-4D97-AF65-F5344CB8AC3E}">
+        <p14:creationId xmlns:p14="http://schemas.microsoft.com/office/powerpoint/2010/main" val="882208448"/>
+      </p:ext>
+    </p:extLst>
+  </p:cSld>
+  <p:clrMapOvr>
+    <a:masterClrMapping/>
+  </p:clrMapOvr>
+</p:sld>
+</file>
+
+<file path=ppt/slides/slide2.xml><?xml version="1.0" encoding="utf-8"?>
+<p:sld xmlns:a="http://schemas.openxmlformats.org/drawingml/2006/main" xmlns:r="http://schemas.openxmlformats.org/officeDocument/2006/relationships" xmlns:p="http://schemas.openxmlformats.org/presentationml/2006/main">
+  <p:cSld>
+    <p:bg>
+      <p:bgPr>
+        <a:solidFill>
+          <a:schemeClr val="bg1"/>
+        </a:solidFill>
+        <a:effectLst/>
+      </p:bgPr>
+    </p:bg>
+    <p:spTree>
+      <p:nvGrpSpPr>
+        <p:cNvPr id="1" name=""/>
+        <p:cNvGrpSpPr/>
+        <p:nvPr/>
+      </p:nvGrpSpPr>
+      <p:grpSpPr>
+        <a:xfrm>
+          <a:off x="0" y="0"/>
+          <a:ext cx="0" cy="0"/>
+          <a:chOff x="0" y="0"/>
+          <a:chExt cx="0" cy="0"/>
+        </a:xfrm>
+      </p:grpSpPr>
+      <p:pic>
+        <p:nvPicPr>
+          <p:cNvPr id="17" name="Picture 11">
+            <a:extLst>
+              <a:ext uri="{FF2B5EF4-FFF2-40B4-BE49-F238E27FC236}">
+                <a16:creationId xmlns:a16="http://schemas.microsoft.com/office/drawing/2014/main" id="{CFD580F5-E7BF-4C1D-BEFD-4A4601EBA876}"/>
+              </a:ext>
+              <a:ext uri="{C183D7F6-B498-43B3-948B-1728B52AA6E4}">
+                <adec:decorative xmlns:adec="http://schemas.microsoft.com/office/drawing/2017/decorative" val="1"/>
+              </a:ext>
+            </a:extLst>
+          </p:cNvPr>
+          <p:cNvPicPr>
+            <a:picLocks noGrp="1" noRot="1" noChangeAspect="1" noMove="1" noResize="1" noEditPoints="1" noAdjustHandles="1" noChangeArrowheads="1" noChangeShapeType="1" noCrop="1"/>
+          </p:cNvPicPr>
+          <p:nvPr>
+            <p:extLst>
+              <p:ext uri="{386F3935-93C4-4BCD-93E2-E3B085C9AB24}">
+                <p16:designElem xmlns:p16="http://schemas.microsoft.com/office/powerpoint/2015/main" val="1"/>
+              </p:ext>
+            </p:extLst>
+          </p:nvPr>
+        </p:nvPicPr>
+        <p:blipFill>
+          <a:blip r:embed="rId2">
+            <a:extLst>
+              <a:ext uri="{28A0092B-C50C-407E-A947-70E740481C1C}">
+                <a14:useLocalDpi xmlns:a14="http://schemas.microsoft.com/office/drawing/2010/main" val="0"/>
+              </a:ext>
+            </a:extLst>
+          </a:blip>
+          <a:stretch>
+            <a:fillRect/>
+          </a:stretch>
+        </p:blipFill>
+        <p:spPr>
+          <a:xfrm>
+            <a:off x="0" y="0"/>
+            <a:ext cx="12192000" cy="1441450"/>
+          </a:xfrm>
+          <a:prstGeom prst="rect">
+            <a:avLst/>
+          </a:prstGeom>
+        </p:spPr>
+      </p:pic>
+      <p:pic>
+        <p:nvPicPr>
+          <p:cNvPr id="19" name="Picture 13">
+            <a:extLst>
+              <a:ext uri="{FF2B5EF4-FFF2-40B4-BE49-F238E27FC236}">
+                <a16:creationId xmlns:a16="http://schemas.microsoft.com/office/drawing/2014/main" id="{F0F06750-78FE-4472-8DA5-14CF3336F811}"/>
+              </a:ext>
+              <a:ext uri="{C183D7F6-B498-43B3-948B-1728B52AA6E4}">
+                <adec:decorative xmlns:adec="http://schemas.microsoft.com/office/drawing/2017/decorative" val="1"/>
+              </a:ext>
+            </a:extLst>
+          </p:cNvPr>
+          <p:cNvPicPr>
+            <a:picLocks noGrp="1" noRot="1" noChangeAspect="1" noMove="1" noResize="1" noEditPoints="1" noAdjustHandles="1" noChangeArrowheads="1" noChangeShapeType="1" noCrop="1"/>
+          </p:cNvPicPr>
+          <p:nvPr>
+            <p:extLst>
+              <p:ext uri="{386F3935-93C4-4BCD-93E2-E3B085C9AB24}">
+                <p16:designElem xmlns:p16="http://schemas.microsoft.com/office/powerpoint/2015/main" val="1"/>
+              </p:ext>
+            </p:extLst>
+          </p:nvPr>
+        </p:nvPicPr>
+        <p:blipFill>
+          <a:blip r:embed="rId3">
+            <a:extLst>
+              <a:ext uri="{28A0092B-C50C-407E-A947-70E740481C1C}">
+                <a14:useLocalDpi xmlns:a14="http://schemas.microsoft.com/office/drawing/2010/main" val="0"/>
+              </a:ext>
+            </a:extLst>
+          </a:blip>
+          <a:stretch>
+            <a:fillRect/>
+          </a:stretch>
+        </p:blipFill>
+        <p:spPr>
+          <a:xfrm>
+            <a:off x="0" y="4375150"/>
+            <a:ext cx="12192000" cy="2482850"/>
+          </a:xfrm>
+          <a:prstGeom prst="rect">
+            <a:avLst/>
+          </a:prstGeom>
+        </p:spPr>
+      </p:pic>
+      <p:sp>
+        <p:nvSpPr>
+          <p:cNvPr id="2" name="Title 1">
+            <a:extLst>
+              <a:ext uri="{FF2B5EF4-FFF2-40B4-BE49-F238E27FC236}">
                 <a16:creationId xmlns:a16="http://schemas.microsoft.com/office/drawing/2014/main" id="{A384375E-3C8C-43AC-AB18-7E7FB941AE65}"/>
               </a:ext>
             </a:extLst>
@@ -5773,68 +5992,189 @@
             <p:ph type="title"/>
           </p:nvPr>
         </p:nvSpPr>
-        <p:spPr/>
-        <p:txBody>
-          <a:bodyPr/>
-          <a:lstStyle/>
-          <a:p>
-            <a:r>
-              <a:rPr lang="en-CA" dirty="0"/>
-              <a:t>Problem</a:t>
-            </a:r>
-          </a:p>
-        </p:txBody>
-      </p:sp>
-      <p:sp>
-        <p:nvSpPr>
-          <p:cNvPr id="3" name="Content Placeholder 2">
+        <p:spPr>
+          <a:xfrm>
+            <a:off x="8536277" y="673240"/>
+            <a:ext cx="3031524" cy="3446373"/>
+          </a:xfrm>
+          <a:noFill/>
+          <a:ln w="19050">
+            <a:noFill/>
+            <a:prstDash val="dash"/>
+          </a:ln>
+        </p:spPr>
+        <p:txBody>
+          <a:bodyPr vert="horz" lIns="91440" tIns="45720" rIns="91440" bIns="45720" rtlCol="0" anchor="b">
+            <a:normAutofit/>
+          </a:bodyPr>
+          <a:lstStyle/>
+          <a:p>
+            <a:r>
+              <a:rPr lang="en-US" sz="4400"/>
+              <a:t>Problem-rapid growth</a:t>
+            </a:r>
+          </a:p>
+        </p:txBody>
+      </p:sp>
+      <p:pic>
+        <p:nvPicPr>
+          <p:cNvPr id="7" name="Picture 6">
             <a:extLst>
               <a:ext uri="{FF2B5EF4-FFF2-40B4-BE49-F238E27FC236}">
-                <a16:creationId xmlns:a16="http://schemas.microsoft.com/office/drawing/2014/main" id="{DD82222C-BF2E-4E1E-B6C7-1D000FB0B799}"/>
+                <a16:creationId xmlns:a16="http://schemas.microsoft.com/office/drawing/2014/main" id="{F04765AA-62BC-4774-9DC0-C9C734AE9230}"/>
               </a:ext>
             </a:extLst>
           </p:cNvPr>
-          <p:cNvSpPr>
-            <a:spLocks noGrp="1"/>
-          </p:cNvSpPr>
-          <p:nvPr>
-            <p:ph idx="1"/>
-          </p:nvPr>
-        </p:nvSpPr>
-        <p:spPr/>
-        <p:txBody>
-          <a:bodyPr/>
-          <a:lstStyle/>
-          <a:p>
-            <a:r>
-              <a:rPr lang="en-CA" dirty="0"/>
-              <a:t>E-sports is new</a:t>
-            </a:r>
-          </a:p>
-          <a:p>
-            <a:r>
-              <a:rPr lang="en-CA" dirty="0"/>
-              <a:t>People that want to get into e-sports have little to zero experience with the business industry, and many aspiring individuals can be taken advantage of.</a:t>
-            </a:r>
-          </a:p>
-          <a:p>
-            <a:r>
-              <a:rPr lang="en-CA" dirty="0"/>
-              <a:t>Mainly, young adults/youth who have very little life experience, and a lot of big business people are in their to take advantage of them.</a:t>
-            </a:r>
-          </a:p>
-          <a:p>
-            <a:pPr marL="0" indent="0">
-              <a:buNone/>
-            </a:pPr>
-            <a:endParaRPr lang="en-CA" dirty="0"/>
+          <p:cNvPicPr>
+            <a:picLocks noChangeAspect="1"/>
+          </p:cNvPicPr>
+          <p:nvPr/>
+        </p:nvPicPr>
+        <p:blipFill rotWithShape="1">
+          <a:blip r:embed="rId4"/>
+          <a:srcRect r="14761"/>
+          <a:stretch/>
+        </p:blipFill>
+        <p:spPr>
+          <a:xfrm>
+            <a:off x="2405" y="10"/>
+            <a:ext cx="7794245" cy="6857990"/>
+          </a:xfrm>
+          <a:prstGeom prst="rect">
+            <a:avLst/>
+          </a:prstGeom>
+        </p:spPr>
+      </p:pic>
+      <p:sp>
+        <p:nvSpPr>
+          <p:cNvPr id="16" name="Rectangle 15">
+            <a:extLst>
+              <a:ext uri="{FF2B5EF4-FFF2-40B4-BE49-F238E27FC236}">
+                <a16:creationId xmlns:a16="http://schemas.microsoft.com/office/drawing/2014/main" id="{2DFFD9D3-0E77-42C3-B89D-A987E7760A5E}"/>
+              </a:ext>
+              <a:ext uri="{C183D7F6-B498-43B3-948B-1728B52AA6E4}">
+                <adec:decorative xmlns:adec="http://schemas.microsoft.com/office/drawing/2017/decorative" val="1"/>
+              </a:ext>
+            </a:extLst>
+          </p:cNvPr>
+          <p:cNvSpPr>
+            <a:spLocks noGrp="1" noRot="1" noChangeAspect="1" noMove="1" noResize="1" noEditPoints="1" noAdjustHandles="1" noChangeArrowheads="1" noChangeShapeType="1" noTextEdit="1"/>
+          </p:cNvSpPr>
+          <p:nvPr>
+            <p:extLst>
+              <p:ext uri="{386F3935-93C4-4BCD-93E2-E3B085C9AB24}">
+                <p16:designElem xmlns:p16="http://schemas.microsoft.com/office/powerpoint/2015/main" val="1"/>
+              </p:ext>
+            </p:extLst>
+          </p:nvPr>
+        </p:nvSpPr>
+        <p:spPr>
+          <a:xfrm>
+            <a:off x="7946782" y="-1"/>
+            <a:ext cx="4245218" cy="536715"/>
+          </a:xfrm>
+          <a:prstGeom prst="rect">
+            <a:avLst/>
+          </a:prstGeom>
+          <a:solidFill>
+            <a:schemeClr val="bg1"/>
+          </a:solidFill>
+          <a:ln>
+            <a:noFill/>
+          </a:ln>
+        </p:spPr>
+        <p:style>
+          <a:lnRef idx="2">
+            <a:schemeClr val="accent1">
+              <a:shade val="50000"/>
+            </a:schemeClr>
+          </a:lnRef>
+          <a:fillRef idx="1">
+            <a:schemeClr val="accent1"/>
+          </a:fillRef>
+          <a:effectRef idx="0">
+            <a:schemeClr val="accent1"/>
+          </a:effectRef>
+          <a:fontRef idx="minor">
+            <a:schemeClr val="lt1"/>
+          </a:fontRef>
+        </p:style>
+        <p:txBody>
+          <a:bodyPr rtlCol="0" anchor="ctr"/>
+          <a:lstStyle/>
+          <a:p>
+            <a:pPr algn="ctr"/>
+            <a:endParaRPr lang="en-US"/>
+          </a:p>
+        </p:txBody>
+      </p:sp>
+      <p:sp>
+        <p:nvSpPr>
+          <p:cNvPr id="18" name="Rectangle 17">
+            <a:extLst>
+              <a:ext uri="{FF2B5EF4-FFF2-40B4-BE49-F238E27FC236}">
+                <a16:creationId xmlns:a16="http://schemas.microsoft.com/office/drawing/2014/main" id="{3C48F185-A6F4-40C2-A466-5CB3F23F2F48}"/>
+              </a:ext>
+              <a:ext uri="{C183D7F6-B498-43B3-948B-1728B52AA6E4}">
+                <adec:decorative xmlns:adec="http://schemas.microsoft.com/office/drawing/2017/decorative" val="1"/>
+              </a:ext>
+            </a:extLst>
+          </p:cNvPr>
+          <p:cNvSpPr>
+            <a:spLocks noGrp="1" noRot="1" noChangeAspect="1" noMove="1" noResize="1" noEditPoints="1" noAdjustHandles="1" noChangeArrowheads="1" noChangeShapeType="1" noTextEdit="1"/>
+          </p:cNvSpPr>
+          <p:nvPr>
+            <p:extLst>
+              <p:ext uri="{386F3935-93C4-4BCD-93E2-E3B085C9AB24}">
+                <p16:designElem xmlns:p16="http://schemas.microsoft.com/office/powerpoint/2015/main" val="1"/>
+              </p:ext>
+            </p:extLst>
+          </p:nvPr>
+        </p:nvSpPr>
+        <p:spPr>
+          <a:xfrm>
+            <a:off x="7796651" y="0"/>
+            <a:ext cx="164592" cy="6858000"/>
+          </a:xfrm>
+          <a:prstGeom prst="rect">
+            <a:avLst/>
+          </a:prstGeom>
+          <a:solidFill>
+            <a:schemeClr val="bg1"/>
+          </a:solidFill>
+          <a:ln>
+            <a:noFill/>
+          </a:ln>
+        </p:spPr>
+        <p:style>
+          <a:lnRef idx="2">
+            <a:schemeClr val="accent1">
+              <a:shade val="50000"/>
+            </a:schemeClr>
+          </a:lnRef>
+          <a:fillRef idx="1">
+            <a:schemeClr val="accent1"/>
+          </a:fillRef>
+          <a:effectRef idx="0">
+            <a:schemeClr val="accent1"/>
+          </a:effectRef>
+          <a:fontRef idx="minor">
+            <a:schemeClr val="lt1"/>
+          </a:fontRef>
+        </p:style>
+        <p:txBody>
+          <a:bodyPr rtlCol="0" anchor="ctr"/>
+          <a:lstStyle/>
+          <a:p>
+            <a:pPr algn="ctr"/>
+            <a:endParaRPr lang="en-US"/>
           </a:p>
         </p:txBody>
       </p:sp>
     </p:spTree>
     <p:extLst>
       <p:ext uri="{BB962C8B-B14F-4D97-AF65-F5344CB8AC3E}">
-        <p14:creationId xmlns:p14="http://schemas.microsoft.com/office/powerpoint/2010/main" val="361759928"/>
+        <p14:creationId xmlns:p14="http://schemas.microsoft.com/office/powerpoint/2010/main" val="1101432828"/>
       </p:ext>
     </p:extLst>
   </p:cSld>
@@ -5869,86 +6209,12 @@
           <a:chExt cx="0" cy="0"/>
         </a:xfrm>
       </p:grpSpPr>
-      <p:sp>
-        <p:nvSpPr>
-          <p:cNvPr id="2" name="Title 1">
+      <p:sp useBgFill="1">
+        <p:nvSpPr>
+          <p:cNvPr id="23" name="Rectangle 18">
             <a:extLst>
               <a:ext uri="{FF2B5EF4-FFF2-40B4-BE49-F238E27FC236}">
-                <a16:creationId xmlns:a16="http://schemas.microsoft.com/office/drawing/2014/main" id="{C0012968-7C8C-4CDD-97B6-902A7555D4E0}"/>
-              </a:ext>
-            </a:extLst>
-          </p:cNvPr>
-          <p:cNvSpPr>
-            <a:spLocks noGrp="1"/>
-          </p:cNvSpPr>
-          <p:nvPr>
-            <p:ph type="title"/>
-          </p:nvPr>
-        </p:nvSpPr>
-        <p:spPr>
-          <a:xfrm>
-            <a:off x="685799" y="764373"/>
-            <a:ext cx="3977639" cy="1600200"/>
-          </a:xfrm>
-        </p:spPr>
-        <p:txBody>
-          <a:bodyPr anchor="b">
-            <a:normAutofit/>
-          </a:bodyPr>
-          <a:lstStyle/>
-          <a:p>
-            <a:pPr algn="l"/>
-            <a:r>
-              <a:rPr lang="en-CA" sz="3200"/>
-              <a:t>Target</a:t>
-            </a:r>
-          </a:p>
-        </p:txBody>
-      </p:sp>
-      <p:sp>
-        <p:nvSpPr>
-          <p:cNvPr id="3" name="Content Placeholder 2">
-            <a:extLst>
-              <a:ext uri="{FF2B5EF4-FFF2-40B4-BE49-F238E27FC236}">
-                <a16:creationId xmlns:a16="http://schemas.microsoft.com/office/drawing/2014/main" id="{A687CC1B-A7CC-46FB-9302-09A7091C47D1}"/>
-              </a:ext>
-            </a:extLst>
-          </p:cNvPr>
-          <p:cNvSpPr>
-            <a:spLocks noGrp="1"/>
-          </p:cNvSpPr>
-          <p:nvPr>
-            <p:ph idx="1"/>
-          </p:nvPr>
-        </p:nvSpPr>
-        <p:spPr>
-          <a:xfrm>
-            <a:off x="685800" y="2364573"/>
-            <a:ext cx="3977639" cy="3854112"/>
-          </a:xfrm>
-        </p:spPr>
-        <p:txBody>
-          <a:bodyPr>
-            <a:normAutofit/>
-          </a:bodyPr>
-          <a:lstStyle/>
-          <a:p>
-            <a:r>
-              <a:rPr lang="en-CA" sz="1600"/>
-              <a:t>E-sports Player manger:</a:t>
-            </a:r>
-          </a:p>
-          <a:p>
-            <a:endParaRPr lang="en-CA" sz="1600"/>
-          </a:p>
-        </p:txBody>
-      </p:sp>
-      <p:sp useBgFill="1">
-        <p:nvSpPr>
-          <p:cNvPr id="10" name="Rectangle 9">
-            <a:extLst>
-              <a:ext uri="{FF2B5EF4-FFF2-40B4-BE49-F238E27FC236}">
-                <a16:creationId xmlns:a16="http://schemas.microsoft.com/office/drawing/2014/main" id="{8D25211A-4CA0-4B53-82BB-1EE7C7F3C725}"/>
+                <a16:creationId xmlns:a16="http://schemas.microsoft.com/office/drawing/2014/main" id="{D9013873-DDB8-4ED0-8ECC-C97272972A4D}"/>
               </a:ext>
               <a:ext uri="{C183D7F6-B498-43B3-948B-1728B52AA6E4}">
                 <adec:decorative xmlns:adec="http://schemas.microsoft.com/office/drawing/2017/decorative" val="1"/>
@@ -5968,8 +6234,8 @@
         </p:nvSpPr>
         <p:spPr>
           <a:xfrm>
-            <a:off x="4951379" y="0"/>
-            <a:ext cx="7240615" cy="6858000"/>
+            <a:off x="0" y="0"/>
+            <a:ext cx="12192000" cy="6858000"/>
           </a:xfrm>
           <a:prstGeom prst="rect">
             <a:avLst/>
@@ -6005,10 +6271,89 @@
       </p:sp>
       <p:pic>
         <p:nvPicPr>
-          <p:cNvPr id="5" name="Picture 4">
+          <p:cNvPr id="24" name="Picture 20">
             <a:extLst>
               <a:ext uri="{FF2B5EF4-FFF2-40B4-BE49-F238E27FC236}">
-                <a16:creationId xmlns:a16="http://schemas.microsoft.com/office/drawing/2014/main" id="{9D8A0C46-CE78-456B-B5C0-ACC02733DBA7}"/>
+                <a16:creationId xmlns:a16="http://schemas.microsoft.com/office/drawing/2014/main" id="{0C3E96B3-6D54-4601-9711-C9F5E46087AA}"/>
+              </a:ext>
+              <a:ext uri="{C183D7F6-B498-43B3-948B-1728B52AA6E4}">
+                <adec:decorative xmlns:adec="http://schemas.microsoft.com/office/drawing/2017/decorative" val="1"/>
+              </a:ext>
+            </a:extLst>
+          </p:cNvPr>
+          <p:cNvPicPr>
+            <a:picLocks noGrp="1" noRot="1" noChangeAspect="1" noMove="1" noResize="1" noEditPoints="1" noAdjustHandles="1" noChangeArrowheads="1" noChangeShapeType="1" noCrop="1"/>
+          </p:cNvPicPr>
+          <p:nvPr>
+            <p:extLst>
+              <p:ext uri="{386F3935-93C4-4BCD-93E2-E3B085C9AB24}">
+                <p16:designElem xmlns:p16="http://schemas.microsoft.com/office/powerpoint/2015/main" val="1"/>
+              </p:ext>
+            </p:extLst>
+          </p:nvPr>
+        </p:nvPicPr>
+        <p:blipFill rotWithShape="1">
+          <a:blip r:embed="rId2">
+            <a:extLst>
+              <a:ext uri="{28A0092B-C50C-407E-A947-70E740481C1C}">
+                <a14:useLocalDpi xmlns:a14="http://schemas.microsoft.com/office/drawing/2010/main" val="0"/>
+              </a:ext>
+            </a:extLst>
+          </a:blip>
+          <a:srcRect r="35781"/>
+          <a:stretch/>
+        </p:blipFill>
+        <p:spPr>
+          <a:xfrm>
+            <a:off x="0" y="0"/>
+            <a:ext cx="7829550" cy="1441450"/>
+          </a:xfrm>
+          <a:prstGeom prst="rect">
+            <a:avLst/>
+          </a:prstGeom>
+        </p:spPr>
+      </p:pic>
+      <p:sp>
+        <p:nvSpPr>
+          <p:cNvPr id="2" name="Title 1">
+            <a:extLst>
+              <a:ext uri="{FF2B5EF4-FFF2-40B4-BE49-F238E27FC236}">
+                <a16:creationId xmlns:a16="http://schemas.microsoft.com/office/drawing/2014/main" id="{4E0BB5D3-DDD7-4161-923F-9AE2D200AAB5}"/>
+              </a:ext>
+            </a:extLst>
+          </p:cNvPr>
+          <p:cNvSpPr>
+            <a:spLocks noGrp="1"/>
+          </p:cNvSpPr>
+          <p:nvPr>
+            <p:ph type="title"/>
+          </p:nvPr>
+        </p:nvSpPr>
+        <p:spPr>
+          <a:xfrm>
+            <a:off x="685799" y="764373"/>
+            <a:ext cx="6848855" cy="1293028"/>
+          </a:xfrm>
+        </p:spPr>
+        <p:txBody>
+          <a:bodyPr>
+            <a:normAutofit/>
+          </a:bodyPr>
+          <a:lstStyle/>
+          <a:p>
+            <a:r>
+              <a:rPr lang="en-CA" sz="2800" dirty="0"/>
+              <a:t>Problem-rapid-growth</a:t>
+            </a:r>
+          </a:p>
+        </p:txBody>
+      </p:sp>
+      <p:pic>
+        <p:nvPicPr>
+          <p:cNvPr id="9" name="Picture 8">
+            <a:extLst>
+              <a:ext uri="{FF2B5EF4-FFF2-40B4-BE49-F238E27FC236}">
+                <a16:creationId xmlns:a16="http://schemas.microsoft.com/office/drawing/2014/main" id="{354C9786-DA59-4F6D-A7DD-839B76792A15}"/>
               </a:ext>
             </a:extLst>
           </p:cNvPr>
@@ -6018,14 +6363,184 @@
           <p:nvPr/>
         </p:nvPicPr>
         <p:blipFill rotWithShape="1">
-          <a:blip r:embed="rId2"/>
-          <a:srcRect r="10361"/>
+          <a:blip r:embed="rId3"/>
+          <a:srcRect t="7488" b="31880"/>
           <a:stretch/>
         </p:blipFill>
         <p:spPr>
           <a:xfrm>
-            <a:off x="5304147" y="10"/>
-            <a:ext cx="6887853" cy="6857990"/>
+            <a:off x="8112631" y="10"/>
+            <a:ext cx="4079369" cy="1645910"/>
+          </a:xfrm>
+          <a:prstGeom prst="rect">
+            <a:avLst/>
+          </a:prstGeom>
+        </p:spPr>
+      </p:pic>
+      <p:sp>
+        <p:nvSpPr>
+          <p:cNvPr id="25" name="Content Placeholder 15">
+            <a:extLst>
+              <a:ext uri="{FF2B5EF4-FFF2-40B4-BE49-F238E27FC236}">
+                <a16:creationId xmlns:a16="http://schemas.microsoft.com/office/drawing/2014/main" id="{195C0924-F523-45F9-810E-CFD8E2EBD511}"/>
+              </a:ext>
+            </a:extLst>
+          </p:cNvPr>
+          <p:cNvSpPr>
+            <a:spLocks noGrp="1"/>
+          </p:cNvSpPr>
+          <p:nvPr>
+            <p:ph idx="1"/>
+          </p:nvPr>
+        </p:nvSpPr>
+        <p:spPr>
+          <a:xfrm>
+            <a:off x="685800" y="2194560"/>
+            <a:ext cx="6848854" cy="4024125"/>
+          </a:xfrm>
+        </p:spPr>
+        <p:txBody>
+          <a:bodyPr>
+            <a:normAutofit/>
+          </a:bodyPr>
+          <a:lstStyle/>
+          <a:p>
+            <a:r>
+              <a:rPr lang="en-US" dirty="0"/>
+              <a:t>Why is rapid growth a problem?</a:t>
+            </a:r>
+          </a:p>
+          <a:p>
+            <a:pPr lvl="1"/>
+            <a:endParaRPr lang="en-US" dirty="0"/>
+          </a:p>
+          <a:p>
+            <a:pPr lvl="1"/>
+            <a:r>
+              <a:rPr lang="en-US" dirty="0"/>
+              <a:t>Lack of experienced professionals in business and legal.</a:t>
+            </a:r>
+          </a:p>
+          <a:p>
+            <a:pPr lvl="1"/>
+            <a:r>
+              <a:rPr lang="en-US" dirty="0"/>
+              <a:t>Leading to mismanaged teams</a:t>
+            </a:r>
+          </a:p>
+          <a:p>
+            <a:pPr lvl="1"/>
+            <a:r>
+              <a:rPr lang="en-US" dirty="0"/>
+              <a:t>Poor player lifestyle.</a:t>
+            </a:r>
+          </a:p>
+          <a:p>
+            <a:pPr lvl="1"/>
+            <a:r>
+              <a:rPr lang="en-US" dirty="0"/>
+              <a:t> Players taken advantage of. Bad contracts, unreasonable hours, short professional career</a:t>
+            </a:r>
+          </a:p>
+          <a:p>
+            <a:pPr lvl="1"/>
+            <a:r>
+              <a:rPr lang="en-US" dirty="0"/>
+              <a:t>General lack of support regarding the business side of esports.</a:t>
+            </a:r>
+          </a:p>
+          <a:p>
+            <a:pPr marL="0" indent="0">
+              <a:buNone/>
+            </a:pPr>
+            <a:r>
+              <a:rPr lang="en-US" dirty="0"/>
+              <a:t>	</a:t>
+            </a:r>
+          </a:p>
+        </p:txBody>
+      </p:sp>
+      <p:pic>
+        <p:nvPicPr>
+          <p:cNvPr id="7" name="Picture 6">
+            <a:extLst>
+              <a:ext uri="{FF2B5EF4-FFF2-40B4-BE49-F238E27FC236}">
+                <a16:creationId xmlns:a16="http://schemas.microsoft.com/office/drawing/2014/main" id="{E73A47F2-1733-4A2B-80B5-DC1A482A30F0}"/>
+              </a:ext>
+            </a:extLst>
+          </p:cNvPr>
+          <p:cNvPicPr>
+            <a:picLocks noChangeAspect="1"/>
+          </p:cNvPicPr>
+          <p:nvPr/>
+        </p:nvPicPr>
+        <p:blipFill rotWithShape="1">
+          <a:blip r:embed="rId4"/>
+          <a:srcRect t="8631" r="-2" b="10673"/>
+          <a:stretch/>
+        </p:blipFill>
+        <p:spPr>
+          <a:xfrm>
+            <a:off x="8112631" y="1737360"/>
+            <a:ext cx="4079369" cy="1645920"/>
+          </a:xfrm>
+          <a:prstGeom prst="rect">
+            <a:avLst/>
+          </a:prstGeom>
+        </p:spPr>
+      </p:pic>
+      <p:pic>
+        <p:nvPicPr>
+          <p:cNvPr id="11" name="Picture 10">
+            <a:extLst>
+              <a:ext uri="{FF2B5EF4-FFF2-40B4-BE49-F238E27FC236}">
+                <a16:creationId xmlns:a16="http://schemas.microsoft.com/office/drawing/2014/main" id="{174EADD4-06F8-420B-A84D-50E76F869DCF}"/>
+              </a:ext>
+            </a:extLst>
+          </p:cNvPr>
+          <p:cNvPicPr>
+            <a:picLocks noChangeAspect="1"/>
+          </p:cNvPicPr>
+          <p:nvPr/>
+        </p:nvPicPr>
+        <p:blipFill rotWithShape="1">
+          <a:blip r:embed="rId5"/>
+          <a:srcRect t="10199" r="-3" b="17991"/>
+          <a:stretch/>
+        </p:blipFill>
+        <p:spPr>
+          <a:xfrm>
+            <a:off x="8112631" y="3474720"/>
+            <a:ext cx="4079369" cy="1645920"/>
+          </a:xfrm>
+          <a:prstGeom prst="rect">
+            <a:avLst/>
+          </a:prstGeom>
+        </p:spPr>
+      </p:pic>
+      <p:pic>
+        <p:nvPicPr>
+          <p:cNvPr id="26" name="Content Placeholder 4">
+            <a:extLst>
+              <a:ext uri="{FF2B5EF4-FFF2-40B4-BE49-F238E27FC236}">
+                <a16:creationId xmlns:a16="http://schemas.microsoft.com/office/drawing/2014/main" id="{2656661D-F2C6-4BAB-908A-41D6F38EB237}"/>
+              </a:ext>
+            </a:extLst>
+          </p:cNvPr>
+          <p:cNvPicPr>
+            <a:picLocks noChangeAspect="1"/>
+          </p:cNvPicPr>
+          <p:nvPr/>
+        </p:nvPicPr>
+        <p:blipFill rotWithShape="1">
+          <a:blip r:embed="rId6"/>
+          <a:srcRect t="11022" r="-3" b="-3"/>
+          <a:stretch/>
+        </p:blipFill>
+        <p:spPr>
+          <a:xfrm>
+            <a:off x="8112631" y="5212080"/>
+            <a:ext cx="4079369" cy="1645920"/>
           </a:xfrm>
           <a:prstGeom prst="rect">
             <a:avLst/>
@@ -6035,7 +6550,7 @@
     </p:spTree>
     <p:extLst>
       <p:ext uri="{BB962C8B-B14F-4D97-AF65-F5344CB8AC3E}">
-        <p14:creationId xmlns:p14="http://schemas.microsoft.com/office/powerpoint/2010/main" val="2496220051"/>
+        <p14:creationId xmlns:p14="http://schemas.microsoft.com/office/powerpoint/2010/main" val="3784933388"/>
       </p:ext>
     </p:extLst>
   </p:cSld>
@@ -6067,7 +6582,7 @@
           <p:cNvPr id="2" name="Title 1">
             <a:extLst>
               <a:ext uri="{FF2B5EF4-FFF2-40B4-BE49-F238E27FC236}">
-                <a16:creationId xmlns:a16="http://schemas.microsoft.com/office/drawing/2014/main" id="{5052E9FB-DC39-423A-90AC-FE4A3A6F86F3}"/>
+                <a16:creationId xmlns:a16="http://schemas.microsoft.com/office/drawing/2014/main" id="{A384375E-3C8C-43AC-AB18-7E7FB941AE65}"/>
               </a:ext>
             </a:extLst>
           </p:cNvPr>
@@ -6085,40 +6600,44 @@
           <a:p>
             <a:r>
               <a:rPr lang="en-CA" dirty="0"/>
-              <a:t>Talk to your user</a:t>
-            </a:r>
-          </a:p>
-        </p:txBody>
-      </p:sp>
-      <p:sp>
-        <p:nvSpPr>
-          <p:cNvPr id="3" name="Content Placeholder 2">
+              <a:t>Problem-lack of understanding</a:t>
+            </a:r>
+          </a:p>
+        </p:txBody>
+      </p:sp>
+      <p:pic>
+        <p:nvPicPr>
+          <p:cNvPr id="8" name="Content Placeholder 4">
             <a:extLst>
               <a:ext uri="{FF2B5EF4-FFF2-40B4-BE49-F238E27FC236}">
-                <a16:creationId xmlns:a16="http://schemas.microsoft.com/office/drawing/2014/main" id="{0FEDF32F-3E49-424C-BB0E-E68353F38682}"/>
+                <a16:creationId xmlns:a16="http://schemas.microsoft.com/office/drawing/2014/main" id="{6B73E1D0-3113-4E01-801B-609F5C80925B}"/>
               </a:ext>
             </a:extLst>
           </p:cNvPr>
-          <p:cNvSpPr>
-            <a:spLocks noGrp="1"/>
-          </p:cNvSpPr>
+          <p:cNvPicPr>
+            <a:picLocks noGrp="1" noChangeAspect="1"/>
+          </p:cNvPicPr>
           <p:nvPr>
             <p:ph idx="1"/>
           </p:nvPr>
-        </p:nvSpPr>
-        <p:spPr/>
-        <p:txBody>
-          <a:bodyPr/>
-          <a:lstStyle/>
-          <a:p>
-            <a:endParaRPr lang="en-CA"/>
-          </a:p>
-        </p:txBody>
-      </p:sp>
+        </p:nvPicPr>
+        <p:blipFill>
+          <a:blip r:embed="rId2"/>
+          <a:stretch>
+            <a:fillRect/>
+          </a:stretch>
+        </p:blipFill>
+        <p:spPr>
+          <a:xfrm>
+            <a:off x="3413125" y="2193925"/>
+            <a:ext cx="5365750" cy="4024313"/>
+          </a:xfrm>
+        </p:spPr>
+      </p:pic>
     </p:spTree>
     <p:extLst>
       <p:ext uri="{BB962C8B-B14F-4D97-AF65-F5344CB8AC3E}">
-        <p14:creationId xmlns:p14="http://schemas.microsoft.com/office/powerpoint/2010/main" val="1934468901"/>
+        <p14:creationId xmlns:p14="http://schemas.microsoft.com/office/powerpoint/2010/main" val="361759928"/>
       </p:ext>
     </p:extLst>
   </p:cSld>
@@ -6129,6 +6648,938 @@
 </file>
 
 <file path=ppt/slides/slide5.xml><?xml version="1.0" encoding="utf-8"?>
+<p:sld xmlns:a="http://schemas.openxmlformats.org/drawingml/2006/main" xmlns:r="http://schemas.openxmlformats.org/officeDocument/2006/relationships" xmlns:p="http://schemas.openxmlformats.org/presentationml/2006/main">
+  <p:cSld>
+    <p:bg>
+      <p:bgPr>
+        <a:solidFill>
+          <a:schemeClr val="bg1"/>
+        </a:solidFill>
+        <a:effectLst/>
+      </p:bgPr>
+    </p:bg>
+    <p:spTree>
+      <p:nvGrpSpPr>
+        <p:cNvPr id="1" name=""/>
+        <p:cNvGrpSpPr/>
+        <p:nvPr/>
+      </p:nvGrpSpPr>
+      <p:grpSpPr>
+        <a:xfrm>
+          <a:off x="0" y="0"/>
+          <a:ext cx="0" cy="0"/>
+          <a:chOff x="0" y="0"/>
+          <a:chExt cx="0" cy="0"/>
+        </a:xfrm>
+      </p:grpSpPr>
+      <p:sp>
+        <p:nvSpPr>
+          <p:cNvPr id="10" name="Rectangle 9">
+            <a:extLst>
+              <a:ext uri="{FF2B5EF4-FFF2-40B4-BE49-F238E27FC236}">
+                <a16:creationId xmlns:a16="http://schemas.microsoft.com/office/drawing/2014/main" id="{1EA5387D-64D8-4D6C-B109-FF4E81DF609A}"/>
+              </a:ext>
+              <a:ext uri="{C183D7F6-B498-43B3-948B-1728B52AA6E4}">
+                <adec:decorative xmlns:adec="http://schemas.microsoft.com/office/drawing/2017/decorative" val="1"/>
+              </a:ext>
+            </a:extLst>
+          </p:cNvPr>
+          <p:cNvSpPr>
+            <a:spLocks noGrp="1" noRot="1" noChangeAspect="1" noMove="1" noResize="1" noEditPoints="1" noAdjustHandles="1" noChangeArrowheads="1" noChangeShapeType="1" noTextEdit="1"/>
+          </p:cNvSpPr>
+          <p:nvPr>
+            <p:extLst>
+              <p:ext uri="{386F3935-93C4-4BCD-93E2-E3B085C9AB24}">
+                <p16:designElem xmlns:p16="http://schemas.microsoft.com/office/powerpoint/2015/main" val="1"/>
+              </p:ext>
+            </p:extLst>
+          </p:nvPr>
+        </p:nvSpPr>
+        <p:spPr>
+          <a:xfrm>
+            <a:off x="0" y="0"/>
+            <a:ext cx="12192000" cy="6858000"/>
+          </a:xfrm>
+          <a:prstGeom prst="rect">
+            <a:avLst/>
+          </a:prstGeom>
+          <a:solidFill>
+            <a:schemeClr val="bg1"/>
+          </a:solidFill>
+          <a:ln>
+            <a:noFill/>
+          </a:ln>
+        </p:spPr>
+        <p:style>
+          <a:lnRef idx="2">
+            <a:schemeClr val="accent1">
+              <a:shade val="50000"/>
+            </a:schemeClr>
+          </a:lnRef>
+          <a:fillRef idx="1">
+            <a:schemeClr val="accent1"/>
+          </a:fillRef>
+          <a:effectRef idx="0">
+            <a:schemeClr val="accent1"/>
+          </a:effectRef>
+          <a:fontRef idx="minor">
+            <a:schemeClr val="lt1"/>
+          </a:fontRef>
+        </p:style>
+        <p:txBody>
+          <a:bodyPr rtlCol="0" anchor="ctr"/>
+          <a:lstStyle/>
+          <a:p>
+            <a:pPr algn="ctr"/>
+            <a:endParaRPr lang="en-US"/>
+          </a:p>
+        </p:txBody>
+      </p:sp>
+      <p:pic>
+        <p:nvPicPr>
+          <p:cNvPr id="5" name="Picture 4">
+            <a:extLst>
+              <a:ext uri="{FF2B5EF4-FFF2-40B4-BE49-F238E27FC236}">
+                <a16:creationId xmlns:a16="http://schemas.microsoft.com/office/drawing/2014/main" id="{3229A000-F3B3-4F85-A6CB-61681792EA83}"/>
+              </a:ext>
+            </a:extLst>
+          </p:cNvPr>
+          <p:cNvPicPr>
+            <a:picLocks noChangeAspect="1"/>
+          </p:cNvPicPr>
+          <p:nvPr/>
+        </p:nvPicPr>
+        <p:blipFill rotWithShape="1">
+          <a:blip r:embed="rId2">
+            <a:alphaModFix amt="30000"/>
+            <a:extLst/>
+          </a:blip>
+          <a:srcRect t="16666" b="8334"/>
+          <a:stretch/>
+        </p:blipFill>
+        <p:spPr>
+          <a:xfrm>
+            <a:off x="20" y="10"/>
+            <a:ext cx="12191980" cy="6857990"/>
+          </a:xfrm>
+          <a:prstGeom prst="rect">
+            <a:avLst/>
+          </a:prstGeom>
+        </p:spPr>
+      </p:pic>
+      <p:sp>
+        <p:nvSpPr>
+          <p:cNvPr id="2" name="Title 1">
+            <a:extLst>
+              <a:ext uri="{FF2B5EF4-FFF2-40B4-BE49-F238E27FC236}">
+                <a16:creationId xmlns:a16="http://schemas.microsoft.com/office/drawing/2014/main" id="{A0F50593-ABA4-4092-9569-5A423C42E604}"/>
+              </a:ext>
+            </a:extLst>
+          </p:cNvPr>
+          <p:cNvSpPr>
+            <a:spLocks noGrp="1"/>
+          </p:cNvSpPr>
+          <p:nvPr>
+            <p:ph type="title"/>
+          </p:nvPr>
+        </p:nvSpPr>
+        <p:spPr>
+          <a:xfrm>
+            <a:off x="2895600" y="764373"/>
+            <a:ext cx="8610600" cy="1293028"/>
+          </a:xfrm>
+        </p:spPr>
+        <p:txBody>
+          <a:bodyPr>
+            <a:normAutofit/>
+          </a:bodyPr>
+          <a:lstStyle/>
+          <a:p>
+            <a:r>
+              <a:rPr lang="en-CA" dirty="0"/>
+              <a:t>Lack of understanding</a:t>
+            </a:r>
+          </a:p>
+        </p:txBody>
+      </p:sp>
+      <p:sp>
+        <p:nvSpPr>
+          <p:cNvPr id="3" name="Content Placeholder 2">
+            <a:extLst>
+              <a:ext uri="{FF2B5EF4-FFF2-40B4-BE49-F238E27FC236}">
+                <a16:creationId xmlns:a16="http://schemas.microsoft.com/office/drawing/2014/main" id="{FB873DE7-C113-47A4-A82C-835264181CED}"/>
+              </a:ext>
+            </a:extLst>
+          </p:cNvPr>
+          <p:cNvSpPr>
+            <a:spLocks noGrp="1"/>
+          </p:cNvSpPr>
+          <p:nvPr>
+            <p:ph idx="1"/>
+          </p:nvPr>
+        </p:nvSpPr>
+        <p:spPr>
+          <a:xfrm>
+            <a:off x="685800" y="2194560"/>
+            <a:ext cx="10820400" cy="4024125"/>
+          </a:xfrm>
+        </p:spPr>
+        <p:txBody>
+          <a:bodyPr>
+            <a:normAutofit/>
+          </a:bodyPr>
+          <a:lstStyle/>
+          <a:p>
+            <a:r>
+              <a:rPr lang="en-CA" dirty="0"/>
+              <a:t>A career based around videogames?</a:t>
+            </a:r>
+          </a:p>
+          <a:p>
+            <a:pPr lvl="1"/>
+            <a:r>
+              <a:rPr lang="en-CA" dirty="0"/>
+              <a:t>A new type of career, one which is based around something that is traditionally treated as a leisure.</a:t>
+            </a:r>
+          </a:p>
+          <a:p>
+            <a:pPr lvl="1"/>
+            <a:r>
+              <a:rPr lang="en-CA" dirty="0"/>
+              <a:t>Historically, videogames have been seen as a waste of time.</a:t>
+            </a:r>
+          </a:p>
+          <a:p>
+            <a:pPr lvl="1"/>
+            <a:r>
+              <a:rPr lang="en-CA" dirty="0"/>
+              <a:t>Has only “really” become huge in the last decade.</a:t>
+            </a:r>
+          </a:p>
+          <a:p>
+            <a:pPr lvl="1"/>
+            <a:r>
+              <a:rPr lang="en-CA" dirty="0"/>
+              <a:t>A lot of players are young adults.</a:t>
+            </a:r>
+          </a:p>
+          <a:p>
+            <a:pPr lvl="1"/>
+            <a:r>
+              <a:rPr lang="en-CA" dirty="0"/>
+              <a:t>Parents don’t understand!</a:t>
+            </a:r>
+          </a:p>
+        </p:txBody>
+      </p:sp>
+    </p:spTree>
+    <p:extLst>
+      <p:ext uri="{BB962C8B-B14F-4D97-AF65-F5344CB8AC3E}">
+        <p14:creationId xmlns:p14="http://schemas.microsoft.com/office/powerpoint/2010/main" val="1010281515"/>
+      </p:ext>
+    </p:extLst>
+  </p:cSld>
+  <p:clrMapOvr>
+    <a:masterClrMapping/>
+  </p:clrMapOvr>
+</p:sld>
+</file>
+
+<file path=ppt/slides/slide6.xml><?xml version="1.0" encoding="utf-8"?>
+<p:sld xmlns:a="http://schemas.openxmlformats.org/drawingml/2006/main" xmlns:r="http://schemas.openxmlformats.org/officeDocument/2006/relationships" xmlns:p="http://schemas.openxmlformats.org/presentationml/2006/main">
+  <p:cSld>
+    <p:bg>
+      <p:bgPr>
+        <a:solidFill>
+          <a:schemeClr val="bg1"/>
+        </a:solidFill>
+        <a:effectLst/>
+      </p:bgPr>
+    </p:bg>
+    <p:spTree>
+      <p:nvGrpSpPr>
+        <p:cNvPr id="1" name=""/>
+        <p:cNvGrpSpPr/>
+        <p:nvPr/>
+      </p:nvGrpSpPr>
+      <p:grpSpPr>
+        <a:xfrm>
+          <a:off x="0" y="0"/>
+          <a:ext cx="0" cy="0"/>
+          <a:chOff x="0" y="0"/>
+          <a:chExt cx="0" cy="0"/>
+        </a:xfrm>
+      </p:grpSpPr>
+      <p:pic>
+        <p:nvPicPr>
+          <p:cNvPr id="18" name="Picture 17">
+            <a:extLst>
+              <a:ext uri="{FF2B5EF4-FFF2-40B4-BE49-F238E27FC236}">
+                <a16:creationId xmlns:a16="http://schemas.microsoft.com/office/drawing/2014/main" id="{CFD580F5-E7BF-4C1D-BEFD-4A4601EBA876}"/>
+              </a:ext>
+              <a:ext uri="{C183D7F6-B498-43B3-948B-1728B52AA6E4}">
+                <adec:decorative xmlns:adec="http://schemas.microsoft.com/office/drawing/2017/decorative" val="1"/>
+              </a:ext>
+            </a:extLst>
+          </p:cNvPr>
+          <p:cNvPicPr>
+            <a:picLocks noGrp="1" noRot="1" noChangeAspect="1" noMove="1" noResize="1" noEditPoints="1" noAdjustHandles="1" noChangeArrowheads="1" noChangeShapeType="1" noCrop="1"/>
+          </p:cNvPicPr>
+          <p:nvPr>
+            <p:extLst>
+              <p:ext uri="{386F3935-93C4-4BCD-93E2-E3B085C9AB24}">
+                <p16:designElem xmlns:p16="http://schemas.microsoft.com/office/powerpoint/2015/main" val="1"/>
+              </p:ext>
+            </p:extLst>
+          </p:nvPr>
+        </p:nvPicPr>
+        <p:blipFill>
+          <a:blip r:embed="rId2">
+            <a:extLst>
+              <a:ext uri="{28A0092B-C50C-407E-A947-70E740481C1C}">
+                <a14:useLocalDpi xmlns:a14="http://schemas.microsoft.com/office/drawing/2010/main" val="0"/>
+              </a:ext>
+            </a:extLst>
+          </a:blip>
+          <a:stretch>
+            <a:fillRect/>
+          </a:stretch>
+        </p:blipFill>
+        <p:spPr>
+          <a:xfrm>
+            <a:off x="0" y="0"/>
+            <a:ext cx="12192000" cy="1441450"/>
+          </a:xfrm>
+          <a:prstGeom prst="rect">
+            <a:avLst/>
+          </a:prstGeom>
+        </p:spPr>
+      </p:pic>
+      <p:pic>
+        <p:nvPicPr>
+          <p:cNvPr id="20" name="Picture 19">
+            <a:extLst>
+              <a:ext uri="{FF2B5EF4-FFF2-40B4-BE49-F238E27FC236}">
+                <a16:creationId xmlns:a16="http://schemas.microsoft.com/office/drawing/2014/main" id="{F0F06750-78FE-4472-8DA5-14CF3336F811}"/>
+              </a:ext>
+              <a:ext uri="{C183D7F6-B498-43B3-948B-1728B52AA6E4}">
+                <adec:decorative xmlns:adec="http://schemas.microsoft.com/office/drawing/2017/decorative" val="1"/>
+              </a:ext>
+            </a:extLst>
+          </p:cNvPr>
+          <p:cNvPicPr>
+            <a:picLocks noGrp="1" noRot="1" noChangeAspect="1" noMove="1" noResize="1" noEditPoints="1" noAdjustHandles="1" noChangeArrowheads="1" noChangeShapeType="1" noCrop="1"/>
+          </p:cNvPicPr>
+          <p:nvPr>
+            <p:extLst>
+              <p:ext uri="{386F3935-93C4-4BCD-93E2-E3B085C9AB24}">
+                <p16:designElem xmlns:p16="http://schemas.microsoft.com/office/powerpoint/2015/main" val="1"/>
+              </p:ext>
+            </p:extLst>
+          </p:nvPr>
+        </p:nvPicPr>
+        <p:blipFill>
+          <a:blip r:embed="rId3">
+            <a:extLst>
+              <a:ext uri="{28A0092B-C50C-407E-A947-70E740481C1C}">
+                <a14:useLocalDpi xmlns:a14="http://schemas.microsoft.com/office/drawing/2010/main" val="0"/>
+              </a:ext>
+            </a:extLst>
+          </a:blip>
+          <a:stretch>
+            <a:fillRect/>
+          </a:stretch>
+        </p:blipFill>
+        <p:spPr>
+          <a:xfrm>
+            <a:off x="0" y="4375150"/>
+            <a:ext cx="12192000" cy="2482850"/>
+          </a:xfrm>
+          <a:prstGeom prst="rect">
+            <a:avLst/>
+          </a:prstGeom>
+        </p:spPr>
+      </p:pic>
+      <p:pic>
+        <p:nvPicPr>
+          <p:cNvPr id="8" name="Content Placeholder 4">
+            <a:extLst>
+              <a:ext uri="{FF2B5EF4-FFF2-40B4-BE49-F238E27FC236}">
+                <a16:creationId xmlns:a16="http://schemas.microsoft.com/office/drawing/2014/main" id="{75706A7C-3327-4DB6-8C5C-4CB837DAFB07}"/>
+              </a:ext>
+            </a:extLst>
+          </p:cNvPr>
+          <p:cNvPicPr>
+            <a:picLocks noChangeAspect="1"/>
+          </p:cNvPicPr>
+          <p:nvPr/>
+        </p:nvPicPr>
+        <p:blipFill rotWithShape="1">
+          <a:blip r:embed="rId4">
+            <a:alphaModFix amt="40000"/>
+            <a:extLst/>
+          </a:blip>
+          <a:srcRect l="6667"/>
+          <a:stretch/>
+        </p:blipFill>
+        <p:spPr>
+          <a:xfrm>
+            <a:off x="20" y="10"/>
+            <a:ext cx="12191980" cy="6857990"/>
+          </a:xfrm>
+          <a:prstGeom prst="rect">
+            <a:avLst/>
+          </a:prstGeom>
+        </p:spPr>
+      </p:pic>
+      <p:sp>
+        <p:nvSpPr>
+          <p:cNvPr id="2" name="Title 1">
+            <a:extLst>
+              <a:ext uri="{FF2B5EF4-FFF2-40B4-BE49-F238E27FC236}">
+                <a16:creationId xmlns:a16="http://schemas.microsoft.com/office/drawing/2014/main" id="{C20E38C2-BEF9-4F67-ADC0-4121A3630AD0}"/>
+              </a:ext>
+            </a:extLst>
+          </p:cNvPr>
+          <p:cNvSpPr>
+            <a:spLocks noGrp="1"/>
+          </p:cNvSpPr>
+          <p:nvPr>
+            <p:ph type="title"/>
+          </p:nvPr>
+        </p:nvSpPr>
+        <p:spPr>
+          <a:xfrm>
+            <a:off x="1371600" y="2237173"/>
+            <a:ext cx="9448800" cy="2602062"/>
+          </a:xfrm>
+        </p:spPr>
+        <p:txBody>
+          <a:bodyPr vert="horz" lIns="91440" tIns="45720" rIns="91440" bIns="45720" rtlCol="0" anchor="b">
+            <a:normAutofit/>
+          </a:bodyPr>
+          <a:lstStyle/>
+          <a:p>
+            <a:pPr algn="l"/>
+            <a:r>
+              <a:rPr lang="en-US" sz="6000"/>
+              <a:t>Problem-young people?</a:t>
+            </a:r>
+          </a:p>
+        </p:txBody>
+      </p:sp>
+    </p:spTree>
+    <p:extLst>
+      <p:ext uri="{BB962C8B-B14F-4D97-AF65-F5344CB8AC3E}">
+        <p14:creationId xmlns:p14="http://schemas.microsoft.com/office/powerpoint/2010/main" val="1087930761"/>
+      </p:ext>
+    </p:extLst>
+  </p:cSld>
+  <p:clrMapOvr>
+    <a:masterClrMapping/>
+  </p:clrMapOvr>
+</p:sld>
+</file>
+
+<file path=ppt/slides/slide7.xml><?xml version="1.0" encoding="utf-8"?>
+<p:sld xmlns:a="http://schemas.openxmlformats.org/drawingml/2006/main" xmlns:r="http://schemas.openxmlformats.org/officeDocument/2006/relationships" xmlns:p="http://schemas.openxmlformats.org/presentationml/2006/main">
+  <p:cSld>
+    <p:bg>
+      <p:bgPr>
+        <a:solidFill>
+          <a:schemeClr val="bg1"/>
+        </a:solidFill>
+        <a:effectLst/>
+      </p:bgPr>
+    </p:bg>
+    <p:spTree>
+      <p:nvGrpSpPr>
+        <p:cNvPr id="1" name=""/>
+        <p:cNvGrpSpPr/>
+        <p:nvPr/>
+      </p:nvGrpSpPr>
+      <p:grpSpPr>
+        <a:xfrm>
+          <a:off x="0" y="0"/>
+          <a:ext cx="0" cy="0"/>
+          <a:chOff x="0" y="0"/>
+          <a:chExt cx="0" cy="0"/>
+        </a:xfrm>
+      </p:grpSpPr>
+      <p:sp>
+        <p:nvSpPr>
+          <p:cNvPr id="13" name="Rectangle 9">
+            <a:extLst>
+              <a:ext uri="{FF2B5EF4-FFF2-40B4-BE49-F238E27FC236}">
+                <a16:creationId xmlns:a16="http://schemas.microsoft.com/office/drawing/2014/main" id="{1EA5387D-64D8-4D6C-B109-FF4E81DF609A}"/>
+              </a:ext>
+              <a:ext uri="{C183D7F6-B498-43B3-948B-1728B52AA6E4}">
+                <adec:decorative xmlns:adec="http://schemas.microsoft.com/office/drawing/2017/decorative" val="1"/>
+              </a:ext>
+            </a:extLst>
+          </p:cNvPr>
+          <p:cNvSpPr>
+            <a:spLocks noGrp="1" noRot="1" noChangeAspect="1" noMove="1" noResize="1" noEditPoints="1" noAdjustHandles="1" noChangeArrowheads="1" noChangeShapeType="1" noTextEdit="1"/>
+          </p:cNvSpPr>
+          <p:nvPr>
+            <p:extLst>
+              <p:ext uri="{386F3935-93C4-4BCD-93E2-E3B085C9AB24}">
+                <p16:designElem xmlns:p16="http://schemas.microsoft.com/office/powerpoint/2015/main" val="1"/>
+              </p:ext>
+            </p:extLst>
+          </p:nvPr>
+        </p:nvSpPr>
+        <p:spPr>
+          <a:xfrm>
+            <a:off x="0" y="0"/>
+            <a:ext cx="12192000" cy="6858000"/>
+          </a:xfrm>
+          <a:prstGeom prst="rect">
+            <a:avLst/>
+          </a:prstGeom>
+          <a:solidFill>
+            <a:schemeClr val="bg1"/>
+          </a:solidFill>
+          <a:ln>
+            <a:noFill/>
+          </a:ln>
+        </p:spPr>
+        <p:style>
+          <a:lnRef idx="2">
+            <a:schemeClr val="accent1">
+              <a:shade val="50000"/>
+            </a:schemeClr>
+          </a:lnRef>
+          <a:fillRef idx="1">
+            <a:schemeClr val="accent1"/>
+          </a:fillRef>
+          <a:effectRef idx="0">
+            <a:schemeClr val="accent1"/>
+          </a:effectRef>
+          <a:fontRef idx="minor">
+            <a:schemeClr val="lt1"/>
+          </a:fontRef>
+        </p:style>
+        <p:txBody>
+          <a:bodyPr rtlCol="0" anchor="ctr"/>
+          <a:lstStyle/>
+          <a:p>
+            <a:pPr algn="ctr"/>
+            <a:endParaRPr lang="en-US"/>
+          </a:p>
+        </p:txBody>
+      </p:sp>
+      <p:pic>
+        <p:nvPicPr>
+          <p:cNvPr id="5" name="Picture 4">
+            <a:extLst>
+              <a:ext uri="{FF2B5EF4-FFF2-40B4-BE49-F238E27FC236}">
+                <a16:creationId xmlns:a16="http://schemas.microsoft.com/office/drawing/2014/main" id="{9A8F5D27-F04C-4A8D-BB48-6B7D48B715D0}"/>
+              </a:ext>
+            </a:extLst>
+          </p:cNvPr>
+          <p:cNvPicPr>
+            <a:picLocks noChangeAspect="1"/>
+          </p:cNvPicPr>
+          <p:nvPr/>
+        </p:nvPicPr>
+        <p:blipFill rotWithShape="1">
+          <a:blip r:embed="rId2">
+            <a:duotone>
+              <a:prstClr val="black"/>
+              <a:schemeClr val="tx2">
+                <a:tint val="45000"/>
+                <a:satMod val="400000"/>
+              </a:schemeClr>
+            </a:duotone>
+            <a:alphaModFix amt="30000"/>
+            <a:extLst/>
+          </a:blip>
+          <a:srcRect/>
+          <a:stretch/>
+        </p:blipFill>
+        <p:spPr>
+          <a:xfrm>
+            <a:off x="0" y="0"/>
+            <a:ext cx="12192000" cy="6858000"/>
+          </a:xfrm>
+          <a:prstGeom prst="rect">
+            <a:avLst/>
+          </a:prstGeom>
+        </p:spPr>
+      </p:pic>
+      <p:pic>
+        <p:nvPicPr>
+          <p:cNvPr id="12" name="Picture 11">
+            <a:extLst>
+              <a:ext uri="{FF2B5EF4-FFF2-40B4-BE49-F238E27FC236}">
+                <a16:creationId xmlns:a16="http://schemas.microsoft.com/office/drawing/2014/main" id="{6319FFD2-07B5-4029-BFB3-26FCFCC2F1B8}"/>
+              </a:ext>
+              <a:ext uri="{C183D7F6-B498-43B3-948B-1728B52AA6E4}">
+                <adec:decorative xmlns:adec="http://schemas.microsoft.com/office/drawing/2017/decorative" val="1"/>
+              </a:ext>
+            </a:extLst>
+          </p:cNvPr>
+          <p:cNvPicPr>
+            <a:picLocks noGrp="1" noRot="1" noChangeAspect="1" noMove="1" noResize="1" noEditPoints="1" noAdjustHandles="1" noChangeArrowheads="1" noChangeShapeType="1" noCrop="1"/>
+          </p:cNvPicPr>
+          <p:nvPr>
+            <p:extLst>
+              <p:ext uri="{386F3935-93C4-4BCD-93E2-E3B085C9AB24}">
+                <p16:designElem xmlns:p16="http://schemas.microsoft.com/office/powerpoint/2015/main" val="1"/>
+              </p:ext>
+            </p:extLst>
+          </p:nvPr>
+        </p:nvPicPr>
+        <p:blipFill>
+          <a:blip r:embed="rId3">
+            <a:extLst>
+              <a:ext uri="{28A0092B-C50C-407E-A947-70E740481C1C}">
+                <a14:useLocalDpi xmlns:a14="http://schemas.microsoft.com/office/drawing/2010/main" val="0"/>
+              </a:ext>
+            </a:extLst>
+          </a:blip>
+          <a:stretch>
+            <a:fillRect/>
+          </a:stretch>
+        </p:blipFill>
+        <p:spPr>
+          <a:xfrm>
+            <a:off x="0" y="0"/>
+            <a:ext cx="12192000" cy="1441450"/>
+          </a:xfrm>
+          <a:prstGeom prst="rect">
+            <a:avLst/>
+          </a:prstGeom>
+        </p:spPr>
+      </p:pic>
+      <p:sp>
+        <p:nvSpPr>
+          <p:cNvPr id="2" name="Title 1">
+            <a:extLst>
+              <a:ext uri="{FF2B5EF4-FFF2-40B4-BE49-F238E27FC236}">
+                <a16:creationId xmlns:a16="http://schemas.microsoft.com/office/drawing/2014/main" id="{A0F50593-ABA4-4092-9569-5A423C42E604}"/>
+              </a:ext>
+            </a:extLst>
+          </p:cNvPr>
+          <p:cNvSpPr>
+            <a:spLocks noGrp="1"/>
+          </p:cNvSpPr>
+          <p:nvPr>
+            <p:ph type="title"/>
+          </p:nvPr>
+        </p:nvSpPr>
+        <p:spPr>
+          <a:xfrm>
+            <a:off x="2895600" y="764373"/>
+            <a:ext cx="8610600" cy="1293028"/>
+          </a:xfrm>
+        </p:spPr>
+        <p:txBody>
+          <a:bodyPr>
+            <a:normAutofit/>
+          </a:bodyPr>
+          <a:lstStyle/>
+          <a:p>
+            <a:r>
+              <a:rPr lang="en-CA" dirty="0"/>
+              <a:t>Problem-young people</a:t>
+            </a:r>
+          </a:p>
+        </p:txBody>
+      </p:sp>
+      <p:sp>
+        <p:nvSpPr>
+          <p:cNvPr id="3" name="Content Placeholder 2">
+            <a:extLst>
+              <a:ext uri="{FF2B5EF4-FFF2-40B4-BE49-F238E27FC236}">
+                <a16:creationId xmlns:a16="http://schemas.microsoft.com/office/drawing/2014/main" id="{FB873DE7-C113-47A4-A82C-835264181CED}"/>
+              </a:ext>
+            </a:extLst>
+          </p:cNvPr>
+          <p:cNvSpPr>
+            <a:spLocks noGrp="1"/>
+          </p:cNvSpPr>
+          <p:nvPr>
+            <p:ph idx="1"/>
+          </p:nvPr>
+        </p:nvSpPr>
+        <p:spPr>
+          <a:xfrm>
+            <a:off x="685800" y="2194560"/>
+            <a:ext cx="10820400" cy="4024125"/>
+          </a:xfrm>
+        </p:spPr>
+        <p:txBody>
+          <a:bodyPr>
+            <a:normAutofit/>
+          </a:bodyPr>
+          <a:lstStyle/>
+          <a:p>
+            <a:r>
+              <a:rPr lang="en-CA" dirty="0"/>
+              <a:t>A career based around videogames? Really?</a:t>
+            </a:r>
+          </a:p>
+          <a:p>
+            <a:pPr lvl="1"/>
+            <a:r>
+              <a:rPr lang="en-CA" dirty="0"/>
+              <a:t>A majority of aspiring e-sports players are young adults that just graduated high school or in their early to mid twenties.</a:t>
+            </a:r>
+          </a:p>
+          <a:p>
+            <a:pPr lvl="1"/>
+            <a:r>
+              <a:rPr lang="en-CA" dirty="0"/>
+              <a:t>They lack the maturity and knowledge to make sound business decisions.</a:t>
+            </a:r>
+          </a:p>
+          <a:p>
+            <a:pPr lvl="1"/>
+            <a:r>
+              <a:rPr lang="en-CA" dirty="0"/>
+              <a:t>They get locked into terrible contracts.</a:t>
+            </a:r>
+          </a:p>
+          <a:p>
+            <a:pPr lvl="1"/>
+            <a:r>
+              <a:rPr lang="en-CA" dirty="0"/>
+              <a:t>Undergo tremendous amounts of stress (sometimes playing for 10 hours or more a day of practice).</a:t>
+            </a:r>
+          </a:p>
+          <a:p>
+            <a:pPr lvl="1"/>
+            <a:r>
+              <a:rPr lang="en-CA" dirty="0"/>
+              <a:t>On average the career of a professional in e-sports is around two years.</a:t>
+            </a:r>
+          </a:p>
+          <a:p>
+            <a:pPr lvl="1"/>
+            <a:r>
+              <a:rPr lang="en-CA" dirty="0"/>
+              <a:t>What are they left with after that?</a:t>
+            </a:r>
+          </a:p>
+        </p:txBody>
+      </p:sp>
+    </p:spTree>
+    <p:extLst>
+      <p:ext uri="{BB962C8B-B14F-4D97-AF65-F5344CB8AC3E}">
+        <p14:creationId xmlns:p14="http://schemas.microsoft.com/office/powerpoint/2010/main" val="3834321707"/>
+      </p:ext>
+    </p:extLst>
+  </p:cSld>
+  <p:clrMapOvr>
+    <a:masterClrMapping/>
+  </p:clrMapOvr>
+</p:sld>
+</file>
+
+<file path=ppt/slides/slide8.xml><?xml version="1.0" encoding="utf-8"?>
+<p:sld xmlns:a="http://schemas.openxmlformats.org/drawingml/2006/main" xmlns:r="http://schemas.openxmlformats.org/officeDocument/2006/relationships" xmlns:p="http://schemas.openxmlformats.org/presentationml/2006/main">
+  <p:cSld>
+    <p:bg>
+      <p:bgPr>
+        <a:solidFill>
+          <a:schemeClr val="bg1"/>
+        </a:solidFill>
+        <a:effectLst/>
+      </p:bgPr>
+    </p:bg>
+    <p:spTree>
+      <p:nvGrpSpPr>
+        <p:cNvPr id="1" name=""/>
+        <p:cNvGrpSpPr/>
+        <p:nvPr/>
+      </p:nvGrpSpPr>
+      <p:grpSpPr>
+        <a:xfrm>
+          <a:off x="0" y="0"/>
+          <a:ext cx="0" cy="0"/>
+          <a:chOff x="0" y="0"/>
+          <a:chExt cx="0" cy="0"/>
+        </a:xfrm>
+      </p:grpSpPr>
+      <p:sp>
+        <p:nvSpPr>
+          <p:cNvPr id="2" name="Title 1">
+            <a:extLst>
+              <a:ext uri="{FF2B5EF4-FFF2-40B4-BE49-F238E27FC236}">
+                <a16:creationId xmlns:a16="http://schemas.microsoft.com/office/drawing/2014/main" id="{C0012968-7C8C-4CDD-97B6-902A7555D4E0}"/>
+              </a:ext>
+            </a:extLst>
+          </p:cNvPr>
+          <p:cNvSpPr>
+            <a:spLocks noGrp="1"/>
+          </p:cNvSpPr>
+          <p:nvPr>
+            <p:ph type="title"/>
+          </p:nvPr>
+        </p:nvSpPr>
+        <p:spPr>
+          <a:xfrm>
+            <a:off x="685799" y="764373"/>
+            <a:ext cx="3977639" cy="1600200"/>
+          </a:xfrm>
+        </p:spPr>
+        <p:txBody>
+          <a:bodyPr anchor="b">
+            <a:normAutofit/>
+          </a:bodyPr>
+          <a:lstStyle/>
+          <a:p>
+            <a:pPr algn="l"/>
+            <a:r>
+              <a:rPr lang="en-CA" sz="3200"/>
+              <a:t>Target</a:t>
+            </a:r>
+          </a:p>
+        </p:txBody>
+      </p:sp>
+      <p:sp>
+        <p:nvSpPr>
+          <p:cNvPr id="3" name="Content Placeholder 2">
+            <a:extLst>
+              <a:ext uri="{FF2B5EF4-FFF2-40B4-BE49-F238E27FC236}">
+                <a16:creationId xmlns:a16="http://schemas.microsoft.com/office/drawing/2014/main" id="{A687CC1B-A7CC-46FB-9302-09A7091C47D1}"/>
+              </a:ext>
+            </a:extLst>
+          </p:cNvPr>
+          <p:cNvSpPr>
+            <a:spLocks noGrp="1"/>
+          </p:cNvSpPr>
+          <p:nvPr>
+            <p:ph idx="1"/>
+          </p:nvPr>
+        </p:nvSpPr>
+        <p:spPr>
+          <a:xfrm>
+            <a:off x="685800" y="2364573"/>
+            <a:ext cx="3977639" cy="3854112"/>
+          </a:xfrm>
+        </p:spPr>
+        <p:txBody>
+          <a:bodyPr>
+            <a:normAutofit/>
+          </a:bodyPr>
+          <a:lstStyle/>
+          <a:p>
+            <a:r>
+              <a:rPr lang="en-CA" sz="1600"/>
+              <a:t>E-sports Player manger:</a:t>
+            </a:r>
+          </a:p>
+          <a:p>
+            <a:endParaRPr lang="en-CA" sz="1600"/>
+          </a:p>
+        </p:txBody>
+      </p:sp>
+      <p:sp useBgFill="1">
+        <p:nvSpPr>
+          <p:cNvPr id="10" name="Rectangle 9">
+            <a:extLst>
+              <a:ext uri="{FF2B5EF4-FFF2-40B4-BE49-F238E27FC236}">
+                <a16:creationId xmlns:a16="http://schemas.microsoft.com/office/drawing/2014/main" id="{8D25211A-4CA0-4B53-82BB-1EE7C7F3C725}"/>
+              </a:ext>
+              <a:ext uri="{C183D7F6-B498-43B3-948B-1728B52AA6E4}">
+                <adec:decorative xmlns:adec="http://schemas.microsoft.com/office/drawing/2017/decorative" val="1"/>
+              </a:ext>
+            </a:extLst>
+          </p:cNvPr>
+          <p:cNvSpPr>
+            <a:spLocks noGrp="1" noRot="1" noChangeAspect="1" noMove="1" noResize="1" noEditPoints="1" noAdjustHandles="1" noChangeArrowheads="1" noChangeShapeType="1" noTextEdit="1"/>
+          </p:cNvSpPr>
+          <p:nvPr>
+            <p:extLst>
+              <p:ext uri="{386F3935-93C4-4BCD-93E2-E3B085C9AB24}">
+                <p16:designElem xmlns:p16="http://schemas.microsoft.com/office/powerpoint/2015/main" val="1"/>
+              </p:ext>
+            </p:extLst>
+          </p:nvPr>
+        </p:nvSpPr>
+        <p:spPr>
+          <a:xfrm>
+            <a:off x="4951379" y="0"/>
+            <a:ext cx="7240615" cy="6858000"/>
+          </a:xfrm>
+          <a:prstGeom prst="rect">
+            <a:avLst/>
+          </a:prstGeom>
+          <a:ln>
+            <a:noFill/>
+          </a:ln>
+        </p:spPr>
+        <p:style>
+          <a:lnRef idx="2">
+            <a:schemeClr val="accent1">
+              <a:shade val="50000"/>
+            </a:schemeClr>
+          </a:lnRef>
+          <a:fillRef idx="1">
+            <a:schemeClr val="accent1"/>
+          </a:fillRef>
+          <a:effectRef idx="0">
+            <a:schemeClr val="accent1"/>
+          </a:effectRef>
+          <a:fontRef idx="minor">
+            <a:schemeClr val="lt1"/>
+          </a:fontRef>
+        </p:style>
+        <p:txBody>
+          <a:bodyPr rtlCol="0" anchor="ctr"/>
+          <a:lstStyle/>
+          <a:p>
+            <a:pPr algn="ctr"/>
+            <a:endParaRPr lang="en-US"/>
+          </a:p>
+        </p:txBody>
+      </p:sp>
+      <p:pic>
+        <p:nvPicPr>
+          <p:cNvPr id="5" name="Picture 4">
+            <a:extLst>
+              <a:ext uri="{FF2B5EF4-FFF2-40B4-BE49-F238E27FC236}">
+                <a16:creationId xmlns:a16="http://schemas.microsoft.com/office/drawing/2014/main" id="{9D8A0C46-CE78-456B-B5C0-ACC02733DBA7}"/>
+              </a:ext>
+            </a:extLst>
+          </p:cNvPr>
+          <p:cNvPicPr>
+            <a:picLocks noChangeAspect="1"/>
+          </p:cNvPicPr>
+          <p:nvPr/>
+        </p:nvPicPr>
+        <p:blipFill rotWithShape="1">
+          <a:blip r:embed="rId2"/>
+          <a:srcRect r="10361"/>
+          <a:stretch/>
+        </p:blipFill>
+        <p:spPr>
+          <a:xfrm>
+            <a:off x="5304147" y="10"/>
+            <a:ext cx="6887853" cy="6857990"/>
+          </a:xfrm>
+          <a:prstGeom prst="rect">
+            <a:avLst/>
+          </a:prstGeom>
+        </p:spPr>
+      </p:pic>
+    </p:spTree>
+    <p:extLst>
+      <p:ext uri="{BB962C8B-B14F-4D97-AF65-F5344CB8AC3E}">
+        <p14:creationId xmlns:p14="http://schemas.microsoft.com/office/powerpoint/2010/main" val="2496220051"/>
+      </p:ext>
+    </p:extLst>
+  </p:cSld>
+  <p:clrMapOvr>
+    <a:masterClrMapping/>
+  </p:clrMapOvr>
+</p:sld>
+</file>
+
+<file path=ppt/slides/slide9.xml><?xml version="1.0" encoding="utf-8"?>
 <p:sld xmlns:a="http://schemas.openxmlformats.org/drawingml/2006/main" xmlns:r="http://schemas.openxmlformats.org/officeDocument/2006/relationships" xmlns:p="http://schemas.openxmlformats.org/presentationml/2006/main">
   <p:cSld>
     <p:spTree>
@@ -6150,7 +7601,7 @@
           <p:cNvPr id="2" name="Title 1">
             <a:extLst>
               <a:ext uri="{FF2B5EF4-FFF2-40B4-BE49-F238E27FC236}">
-                <a16:creationId xmlns:a16="http://schemas.microsoft.com/office/drawing/2014/main" id="{60FBE992-B63A-4C88-B8A4-BFA1087398DD}"/>
+                <a16:creationId xmlns:a16="http://schemas.microsoft.com/office/drawing/2014/main" id="{5052E9FB-DC39-423A-90AC-FE4A3A6F86F3}"/>
               </a:ext>
             </a:extLst>
           </p:cNvPr>
@@ -6168,7 +7619,7 @@
           <a:p>
             <a:r>
               <a:rPr lang="en-CA" dirty="0"/>
-              <a:t>Solution 1</a:t>
+              <a:t>Talk to your user</a:t>
             </a:r>
           </a:p>
         </p:txBody>
@@ -6178,7 +7629,7 @@
           <p:cNvPr id="3" name="Content Placeholder 2">
             <a:extLst>
               <a:ext uri="{FF2B5EF4-FFF2-40B4-BE49-F238E27FC236}">
-                <a16:creationId xmlns:a16="http://schemas.microsoft.com/office/drawing/2014/main" id="{F44E741A-FE57-4D53-865D-34CC64A6F4D1}"/>
+                <a16:creationId xmlns:a16="http://schemas.microsoft.com/office/drawing/2014/main" id="{0FEDF32F-3E49-424C-BB0E-E68353F38682}"/>
               </a:ext>
             </a:extLst>
           </p:cNvPr>
@@ -6194,47 +7645,14 @@
           <a:bodyPr/>
           <a:lstStyle/>
           <a:p>
-            <a:r>
-              <a:rPr lang="en-CA" dirty="0"/>
-              <a:t>Provide a legal resource for player-managers that will contain:</a:t>
-            </a:r>
-          </a:p>
-          <a:p>
-            <a:r>
-              <a:rPr lang="en-CA" dirty="0"/>
-              <a:t>-legal documentation</a:t>
-            </a:r>
-          </a:p>
-          <a:p>
-            <a:r>
-              <a:rPr lang="en-CA" dirty="0"/>
-              <a:t>-labor law documentation.</a:t>
-            </a:r>
-          </a:p>
-          <a:p>
-            <a:r>
-              <a:rPr lang="en-CA" dirty="0"/>
-              <a:t>-Attorney contact.</a:t>
-            </a:r>
-          </a:p>
-          <a:p>
-            <a:r>
-              <a:rPr lang="en-CA" dirty="0"/>
-              <a:t>-contract aide.</a:t>
-            </a:r>
-          </a:p>
-          <a:p>
-            <a:pPr marL="0" indent="0">
-              <a:buNone/>
-            </a:pPr>
-            <a:endParaRPr lang="en-CA" dirty="0"/>
+            <a:endParaRPr lang="en-CA"/>
           </a:p>
         </p:txBody>
       </p:sp>
     </p:spTree>
     <p:extLst>
       <p:ext uri="{BB962C8B-B14F-4D97-AF65-F5344CB8AC3E}">
-        <p14:creationId xmlns:p14="http://schemas.microsoft.com/office/powerpoint/2010/main" val="882208448"/>
+        <p14:creationId xmlns:p14="http://schemas.microsoft.com/office/powerpoint/2010/main" val="1934468901"/>
       </p:ext>
     </p:extLst>
   </p:cSld>

--- a/dtc_team16_pitch_presentation.pptx
+++ b/dtc_team16_pitch_presentation.pptx
@@ -26,6 +26,7 @@
     <p:sldId id="260" r:id="rId20"/>
     <p:sldId id="271" r:id="rId21"/>
     <p:sldId id="272" r:id="rId22"/>
+    <p:sldId id="279" r:id="rId23"/>
   </p:sldIdLst>
   <p:sldSz cx="12192000" cy="6858000"/>
   <p:notesSz cx="6858000" cy="9144000"/>
@@ -3675,7 +3676,7 @@
 <dgm:dataModel xmlns:dgm="http://schemas.openxmlformats.org/drawingml/2006/diagram" xmlns:a="http://schemas.openxmlformats.org/drawingml/2006/main">
   <dgm:ptLst>
     <dgm:pt modelId="{48A553F8-1375-4B59-9C3B-E9BE1F237E99}" type="doc">
-      <dgm:prSet loTypeId="urn:microsoft.com/office/officeart/2005/8/layout/vList2" loCatId="list" qsTypeId="urn:microsoft.com/office/officeart/2005/8/quickstyle/simple3" qsCatId="simple" csTypeId="urn:microsoft.com/office/officeart/2005/8/colors/accent0_3" csCatId="mainScheme"/>
+      <dgm:prSet loTypeId="urn:microsoft.com/office/officeart/2005/8/layout/vList2" loCatId="list" qsTypeId="urn:microsoft.com/office/officeart/2005/8/quickstyle/simple3" qsCatId="simple" csTypeId="urn:microsoft.com/office/officeart/2005/8/colors/accent0_3" csCatId="mainScheme" phldr="1"/>
       <dgm:spPr/>
       <dgm:t>
         <a:bodyPr/>
@@ -3694,7 +3695,7 @@
         <a:p>
           <a:r>
             <a:rPr lang="en-US" dirty="0"/>
-            <a:t>Would like to pursue a career in professional gaming, but does not know what steps to take</a:t>
+            <a:t>Does not know how to pursue a career in eSports</a:t>
           </a:r>
         </a:p>
       </dgm:t>
@@ -3730,7 +3731,7 @@
         <a:p>
           <a:r>
             <a:rPr lang="en-US" dirty="0"/>
-            <a:t>Would like to show to eSport organizations that he has the skills to join a professional team</a:t>
+            <a:t>Lack of exposure to professional teams</a:t>
           </a:r>
         </a:p>
       </dgm:t>
@@ -3766,7 +3767,7 @@
         <a:p>
           <a:r>
             <a:rPr lang="en-US" dirty="0"/>
-            <a:t>Lacks the connections to get in contact with someone in the industry</a:t>
+            <a:t>Lacks connections to people in the industry</a:t>
           </a:r>
         </a:p>
       </dgm:t>
@@ -3801,8 +3802,8 @@
         <a:lstStyle/>
         <a:p>
           <a:r>
-            <a:rPr lang="en-US"/>
-            <a:t>Has to decide soon if he will go to college or pursue a career in eSports</a:t>
+            <a:rPr lang="en-US" dirty="0"/>
+            <a:t>Deciding between college or eSports career</a:t>
           </a:r>
         </a:p>
       </dgm:t>
@@ -3838,7 +3839,7 @@
         <a:p>
           <a:r>
             <a:rPr lang="en-US" dirty="0"/>
-            <a:t>Parents would disagree with him pursuing a career in video games</a:t>
+            <a:t>Parents disapprove career in gaming</a:t>
           </a:r>
         </a:p>
       </dgm:t>
@@ -5224,8 +5225,8 @@
       </dsp:nvSpPr>
       <dsp:spPr>
         <a:xfrm>
-          <a:off x="0" y="334294"/>
-          <a:ext cx="6403994" cy="835379"/>
+          <a:off x="0" y="18664"/>
+          <a:ext cx="6403994" cy="954719"/>
         </a:xfrm>
         <a:prstGeom prst="roundRect">
           <a:avLst/>
@@ -5296,12 +5297,12 @@
         </a:fontRef>
       </dsp:style>
       <dsp:txBody>
-        <a:bodyPr spcFirstLastPara="0" vert="horz" wrap="square" lIns="80010" tIns="80010" rIns="80010" bIns="80010" numCol="1" spcCol="1270" anchor="ctr" anchorCtr="0">
+        <a:bodyPr spcFirstLastPara="0" vert="horz" wrap="square" lIns="91440" tIns="91440" rIns="91440" bIns="91440" numCol="1" spcCol="1270" anchor="ctr" anchorCtr="0">
           <a:noAutofit/>
         </a:bodyPr>
         <a:lstStyle/>
         <a:p>
-          <a:pPr marL="0" lvl="0" indent="0" algn="l" defTabSz="933450">
+          <a:pPr marL="0" lvl="0" indent="0" algn="l" defTabSz="1066800">
             <a:lnSpc>
               <a:spcPct val="90000"/>
             </a:lnSpc>
@@ -5314,14 +5315,14 @@
             <a:buNone/>
           </a:pPr>
           <a:r>
-            <a:rPr lang="en-US" sz="2100" kern="1200" dirty="0"/>
-            <a:t>Would like to pursue a career in professional gaming, but does not know what steps to take</a:t>
+            <a:rPr lang="en-US" sz="2400" kern="1200" dirty="0"/>
+            <a:t>Does not know how to pursue a career in eSports</a:t>
           </a:r>
         </a:p>
       </dsp:txBody>
       <dsp:txXfrm>
-        <a:off x="40780" y="375074"/>
-        <a:ext cx="6322434" cy="753819"/>
+        <a:off x="46606" y="65270"/>
+        <a:ext cx="6310782" cy="861507"/>
       </dsp:txXfrm>
     </dsp:sp>
     <dsp:sp modelId="{5485F246-DEFA-4976-B2BC-8CFB92BDC223}">
@@ -5331,8 +5332,8 @@
       </dsp:nvSpPr>
       <dsp:spPr>
         <a:xfrm>
-          <a:off x="0" y="1230154"/>
-          <a:ext cx="6403994" cy="835379"/>
+          <a:off x="0" y="1042504"/>
+          <a:ext cx="6403994" cy="954719"/>
         </a:xfrm>
         <a:prstGeom prst="roundRect">
           <a:avLst/>
@@ -5403,12 +5404,12 @@
         </a:fontRef>
       </dsp:style>
       <dsp:txBody>
-        <a:bodyPr spcFirstLastPara="0" vert="horz" wrap="square" lIns="80010" tIns="80010" rIns="80010" bIns="80010" numCol="1" spcCol="1270" anchor="ctr" anchorCtr="0">
+        <a:bodyPr spcFirstLastPara="0" vert="horz" wrap="square" lIns="91440" tIns="91440" rIns="91440" bIns="91440" numCol="1" spcCol="1270" anchor="ctr" anchorCtr="0">
           <a:noAutofit/>
         </a:bodyPr>
         <a:lstStyle/>
         <a:p>
-          <a:pPr marL="0" lvl="0" indent="0" algn="l" defTabSz="933450">
+          <a:pPr marL="0" lvl="0" indent="0" algn="l" defTabSz="1066800">
             <a:lnSpc>
               <a:spcPct val="90000"/>
             </a:lnSpc>
@@ -5421,14 +5422,14 @@
             <a:buNone/>
           </a:pPr>
           <a:r>
-            <a:rPr lang="en-US" sz="2100" kern="1200" dirty="0"/>
-            <a:t>Would like to show to eSport organizations that he has the skills to join a professional team</a:t>
+            <a:rPr lang="en-US" sz="2400" kern="1200" dirty="0"/>
+            <a:t>Lack of exposure to professional teams</a:t>
           </a:r>
         </a:p>
       </dsp:txBody>
       <dsp:txXfrm>
-        <a:off x="40780" y="1270934"/>
-        <a:ext cx="6322434" cy="753819"/>
+        <a:off x="46606" y="1089110"/>
+        <a:ext cx="6310782" cy="861507"/>
       </dsp:txXfrm>
     </dsp:sp>
     <dsp:sp modelId="{906EE988-06F9-4885-AB4E-38E250C514D0}">
@@ -5438,8 +5439,8 @@
       </dsp:nvSpPr>
       <dsp:spPr>
         <a:xfrm>
-          <a:off x="0" y="2126014"/>
-          <a:ext cx="6403994" cy="835379"/>
+          <a:off x="0" y="2066344"/>
+          <a:ext cx="6403994" cy="954719"/>
         </a:xfrm>
         <a:prstGeom prst="roundRect">
           <a:avLst/>
@@ -5510,12 +5511,12 @@
         </a:fontRef>
       </dsp:style>
       <dsp:txBody>
-        <a:bodyPr spcFirstLastPara="0" vert="horz" wrap="square" lIns="80010" tIns="80010" rIns="80010" bIns="80010" numCol="1" spcCol="1270" anchor="ctr" anchorCtr="0">
+        <a:bodyPr spcFirstLastPara="0" vert="horz" wrap="square" lIns="91440" tIns="91440" rIns="91440" bIns="91440" numCol="1" spcCol="1270" anchor="ctr" anchorCtr="0">
           <a:noAutofit/>
         </a:bodyPr>
         <a:lstStyle/>
         <a:p>
-          <a:pPr marL="0" lvl="0" indent="0" algn="l" defTabSz="933450">
+          <a:pPr marL="0" lvl="0" indent="0" algn="l" defTabSz="1066800">
             <a:lnSpc>
               <a:spcPct val="90000"/>
             </a:lnSpc>
@@ -5528,14 +5529,14 @@
             <a:buNone/>
           </a:pPr>
           <a:r>
-            <a:rPr lang="en-US" sz="2100" kern="1200" dirty="0"/>
-            <a:t>Lacks the connections to get in contact with someone in the industry</a:t>
+            <a:rPr lang="en-US" sz="2400" kern="1200" dirty="0"/>
+            <a:t>Lacks connections to people in the industry</a:t>
           </a:r>
         </a:p>
       </dsp:txBody>
       <dsp:txXfrm>
-        <a:off x="40780" y="2166794"/>
-        <a:ext cx="6322434" cy="753819"/>
+        <a:off x="46606" y="2112950"/>
+        <a:ext cx="6310782" cy="861507"/>
       </dsp:txXfrm>
     </dsp:sp>
     <dsp:sp modelId="{1840526C-71B7-4370-AFE5-8F3061E910DD}">
@@ -5545,8 +5546,8 @@
       </dsp:nvSpPr>
       <dsp:spPr>
         <a:xfrm>
-          <a:off x="0" y="3021874"/>
-          <a:ext cx="6403994" cy="835379"/>
+          <a:off x="0" y="3090184"/>
+          <a:ext cx="6403994" cy="954719"/>
         </a:xfrm>
         <a:prstGeom prst="roundRect">
           <a:avLst/>
@@ -5617,12 +5618,12 @@
         </a:fontRef>
       </dsp:style>
       <dsp:txBody>
-        <a:bodyPr spcFirstLastPara="0" vert="horz" wrap="square" lIns="80010" tIns="80010" rIns="80010" bIns="80010" numCol="1" spcCol="1270" anchor="ctr" anchorCtr="0">
+        <a:bodyPr spcFirstLastPara="0" vert="horz" wrap="square" lIns="91440" tIns="91440" rIns="91440" bIns="91440" numCol="1" spcCol="1270" anchor="ctr" anchorCtr="0">
           <a:noAutofit/>
         </a:bodyPr>
         <a:lstStyle/>
         <a:p>
-          <a:pPr marL="0" lvl="0" indent="0" algn="l" defTabSz="933450">
+          <a:pPr marL="0" lvl="0" indent="0" algn="l" defTabSz="1066800">
             <a:lnSpc>
               <a:spcPct val="90000"/>
             </a:lnSpc>
@@ -5635,14 +5636,14 @@
             <a:buNone/>
           </a:pPr>
           <a:r>
-            <a:rPr lang="en-US" sz="2100" kern="1200"/>
-            <a:t>Has to decide soon if he will go to college or pursue a career in eSports</a:t>
+            <a:rPr lang="en-US" sz="2400" kern="1200" dirty="0"/>
+            <a:t>Deciding between college or eSports career</a:t>
           </a:r>
         </a:p>
       </dsp:txBody>
       <dsp:txXfrm>
-        <a:off x="40780" y="3062654"/>
-        <a:ext cx="6322434" cy="753819"/>
+        <a:off x="46606" y="3136790"/>
+        <a:ext cx="6310782" cy="861507"/>
       </dsp:txXfrm>
     </dsp:sp>
     <dsp:sp modelId="{8315D037-A13B-4A66-9220-340DE4DBEC3D}">
@@ -5652,8 +5653,8 @@
       </dsp:nvSpPr>
       <dsp:spPr>
         <a:xfrm>
-          <a:off x="0" y="3917734"/>
-          <a:ext cx="6403994" cy="835379"/>
+          <a:off x="0" y="4114024"/>
+          <a:ext cx="6403994" cy="954719"/>
         </a:xfrm>
         <a:prstGeom prst="roundRect">
           <a:avLst/>
@@ -5724,12 +5725,12 @@
         </a:fontRef>
       </dsp:style>
       <dsp:txBody>
-        <a:bodyPr spcFirstLastPara="0" vert="horz" wrap="square" lIns="80010" tIns="80010" rIns="80010" bIns="80010" numCol="1" spcCol="1270" anchor="ctr" anchorCtr="0">
+        <a:bodyPr spcFirstLastPara="0" vert="horz" wrap="square" lIns="91440" tIns="91440" rIns="91440" bIns="91440" numCol="1" spcCol="1270" anchor="ctr" anchorCtr="0">
           <a:noAutofit/>
         </a:bodyPr>
         <a:lstStyle/>
         <a:p>
-          <a:pPr marL="0" lvl="0" indent="0" algn="l" defTabSz="933450">
+          <a:pPr marL="0" lvl="0" indent="0" algn="l" defTabSz="1066800">
             <a:lnSpc>
               <a:spcPct val="90000"/>
             </a:lnSpc>
@@ -5742,14 +5743,14 @@
             <a:buNone/>
           </a:pPr>
           <a:r>
-            <a:rPr lang="en-US" sz="2100" kern="1200" dirty="0"/>
-            <a:t>Parents would disagree with him pursuing a career in video games</a:t>
+            <a:rPr lang="en-US" sz="2400" kern="1200" dirty="0"/>
+            <a:t>Parents disapprove career in gaming</a:t>
           </a:r>
         </a:p>
       </dsp:txBody>
       <dsp:txXfrm>
-        <a:off x="40780" y="3958514"/>
-        <a:ext cx="6322434" cy="753819"/>
+        <a:off x="46606" y="4160630"/>
+        <a:ext cx="6310782" cy="861507"/>
       </dsp:txXfrm>
     </dsp:sp>
   </dsp:spTree>
@@ -18403,7 +18404,7 @@
           <a:p>
             <a:r>
               <a:rPr lang="en-CA" dirty="0"/>
-              <a:t>Presented by: Kyle Brown, Wade Schmidt, Vincent Liang</a:t>
+              <a:t>Presented by: Kyle Brown, Vincent Liang, Wade Schmidt</a:t>
             </a:r>
           </a:p>
         </p:txBody>
@@ -18641,7 +18642,7 @@
             <p:ph idx="1"/>
             <p:extLst>
               <p:ext uri="{D42A27DB-BD31-4B8C-83A1-F6EECF244321}">
-                <p14:modId xmlns:p14="http://schemas.microsoft.com/office/powerpoint/2010/main" val="112126926"/>
+                <p14:modId xmlns:p14="http://schemas.microsoft.com/office/powerpoint/2010/main" val="3561953309"/>
               </p:ext>
             </p:extLst>
           </p:nvPr>
@@ -18807,7 +18808,7 @@
           <a:lstStyle/>
           <a:p>
             <a:r>
-              <a:rPr lang="en-CA"/>
+              <a:rPr lang="en-CA" dirty="0"/>
               <a:t>Goals</a:t>
             </a:r>
           </a:p>
@@ -19029,7 +19030,7 @@
           <a:p>
             <a:r>
               <a:rPr lang="en-US" sz="2000" dirty="0"/>
-              <a:t>Persuade his parents to let him go into professional gaming</a:t>
+              <a:t>Persuade his parents to accept professional gaming</a:t>
             </a:r>
             <a:endParaRPr lang="en-CA" sz="2000" dirty="0"/>
           </a:p>
@@ -19371,7 +19372,7 @@
           <a:p>
             <a:r>
               <a:rPr lang="en-US" sz="2000" dirty="0"/>
-              <a:t>Guidance on how to pursue an eSports career</a:t>
+              <a:t>Guidance on pursuing an eSports career</a:t>
             </a:r>
           </a:p>
           <a:p>
@@ -20951,6 +20952,72 @@
 </p:sld>
 </file>
 
+<file path=ppt/slides/slide22.xml><?xml version="1.0" encoding="utf-8"?>
+<p:sld xmlns:a="http://schemas.openxmlformats.org/drawingml/2006/main" xmlns:r="http://schemas.openxmlformats.org/officeDocument/2006/relationships" xmlns:p="http://schemas.openxmlformats.org/presentationml/2006/main">
+  <p:cSld>
+    <p:spTree>
+      <p:nvGrpSpPr>
+        <p:cNvPr id="1" name=""/>
+        <p:cNvGrpSpPr/>
+        <p:nvPr/>
+      </p:nvGrpSpPr>
+      <p:grpSpPr>
+        <a:xfrm>
+          <a:off x="0" y="0"/>
+          <a:ext cx="0" cy="0"/>
+          <a:chOff x="0" y="0"/>
+          <a:chExt cx="0" cy="0"/>
+        </a:xfrm>
+      </p:grpSpPr>
+      <p:sp>
+        <p:nvSpPr>
+          <p:cNvPr id="2" name="Title 1">
+            <a:extLst>
+              <a:ext uri="{FF2B5EF4-FFF2-40B4-BE49-F238E27FC236}">
+                <a16:creationId xmlns:a16="http://schemas.microsoft.com/office/drawing/2014/main" id="{8D658B45-B270-4737-9A45-DAF18805AC92}"/>
+              </a:ext>
+            </a:extLst>
+          </p:cNvPr>
+          <p:cNvSpPr>
+            <a:spLocks noGrp="1"/>
+          </p:cNvSpPr>
+          <p:nvPr>
+            <p:ph type="title"/>
+          </p:nvPr>
+        </p:nvSpPr>
+        <p:spPr>
+          <a:xfrm>
+            <a:off x="1447800" y="2610465"/>
+            <a:ext cx="9296400" cy="1388807"/>
+          </a:xfrm>
+        </p:spPr>
+        <p:txBody>
+          <a:bodyPr>
+            <a:normAutofit/>
+          </a:bodyPr>
+          <a:lstStyle/>
+          <a:p>
+            <a:pPr algn="ctr"/>
+            <a:r>
+              <a:rPr lang="en-CA" sz="6600" dirty="0"/>
+              <a:t>THANK YOU!</a:t>
+            </a:r>
+          </a:p>
+        </p:txBody>
+      </p:sp>
+    </p:spTree>
+    <p:extLst>
+      <p:ext uri="{BB962C8B-B14F-4D97-AF65-F5344CB8AC3E}">
+        <p14:creationId xmlns:p14="http://schemas.microsoft.com/office/powerpoint/2010/main" val="1737256653"/>
+      </p:ext>
+    </p:extLst>
+  </p:cSld>
+  <p:clrMapOvr>
+    <a:masterClrMapping/>
+  </p:clrMapOvr>
+</p:sld>
+</file>
+
 <file path=ppt/slides/slide3.xml><?xml version="1.0" encoding="utf-8"?>
 <p:sld xmlns:a="http://schemas.openxmlformats.org/drawingml/2006/main" xmlns:r="http://schemas.openxmlformats.org/officeDocument/2006/relationships" xmlns:p="http://schemas.openxmlformats.org/presentationml/2006/main">
   <p:cSld>
@@ -21192,7 +21259,7 @@
             <a:pPr lvl="1"/>
             <a:r>
               <a:rPr lang="en-US" dirty="0"/>
-              <a:t>Leading to mismanaged teams</a:t>
+              <a:t>Leading to mismanaged teams.</a:t>
             </a:r>
           </a:p>
           <a:p>
@@ -21206,7 +21273,7 @@
             <a:pPr lvl="1"/>
             <a:r>
               <a:rPr lang="en-US" dirty="0"/>
-              <a:t> Players taken advantage of. Bad contracts, unreasonable hours, short professional career</a:t>
+              <a:t>Players taken advantage of. Bad contracts, unreasonable hours, short professional career.</a:t>
             </a:r>
           </a:p>
           <a:p>
@@ -21531,7 +21598,7 @@
         </p:blipFill>
         <p:spPr>
           <a:xfrm>
-            <a:off x="20" y="10"/>
+            <a:off x="20" y="54088"/>
             <a:ext cx="12191980" cy="6857990"/>
           </a:xfrm>
           <a:prstGeom prst="rect">
@@ -21618,7 +21685,7 @@
             <a:pPr lvl="1"/>
             <a:r>
               <a:rPr lang="en-CA" dirty="0"/>
-              <a:t>Historically, videogames have been seen as a waste of time.</a:t>
+              <a:t>Historically, video games have been seen as a waste of time.</a:t>
             </a:r>
           </a:p>
           <a:p>

--- a/dtc_team16_pitch_presentation.pptx
+++ b/dtc_team16_pitch_presentation.pptx
@@ -23,10 +23,14 @@
     <p:sldId id="269" r:id="rId17"/>
     <p:sldId id="258" r:id="rId18"/>
     <p:sldId id="259" r:id="rId19"/>
-    <p:sldId id="260" r:id="rId20"/>
-    <p:sldId id="271" r:id="rId21"/>
-    <p:sldId id="272" r:id="rId22"/>
-    <p:sldId id="279" r:id="rId23"/>
+    <p:sldId id="281" r:id="rId20"/>
+    <p:sldId id="280" r:id="rId21"/>
+    <p:sldId id="282" r:id="rId22"/>
+    <p:sldId id="283" r:id="rId23"/>
+    <p:sldId id="260" r:id="rId24"/>
+    <p:sldId id="271" r:id="rId25"/>
+    <p:sldId id="272" r:id="rId26"/>
+    <p:sldId id="279" r:id="rId27"/>
   </p:sldIdLst>
   <p:sldSz cx="12192000" cy="6858000"/>
   <p:notesSz cx="6858000" cy="9144000"/>
@@ -3307,6 +3311,1539 @@
     <dgm:fillClrLst meth="repeat">
       <a:schemeClr val="accent6">
         <a:tint val="60000"/>
+      </a:schemeClr>
+    </dgm:fillClrLst>
+    <dgm:linClrLst meth="repeat">
+      <a:schemeClr val="lt1"/>
+    </dgm:linClrLst>
+    <dgm:effectClrLst/>
+    <dgm:txLinClrLst/>
+    <dgm:txFillClrLst meth="repeat">
+      <a:schemeClr val="dk1"/>
+    </dgm:txFillClrLst>
+    <dgm:txEffectClrLst/>
+  </dgm:styleLbl>
+  <dgm:styleLbl name="revTx">
+    <dgm:fillClrLst meth="repeat">
+      <a:schemeClr val="lt1">
+        <a:alpha val="0"/>
+      </a:schemeClr>
+    </dgm:fillClrLst>
+    <dgm:linClrLst meth="repeat">
+      <a:schemeClr val="dk1">
+        <a:alpha val="0"/>
+      </a:schemeClr>
+    </dgm:linClrLst>
+    <dgm:effectClrLst/>
+    <dgm:txLinClrLst/>
+    <dgm:txFillClrLst meth="repeat">
+      <a:schemeClr val="tx1"/>
+    </dgm:txFillClrLst>
+    <dgm:txEffectClrLst/>
+  </dgm:styleLbl>
+</dgm:colorsDef>
+</file>
+
+<file path=ppt/diagrams/colors5.xml><?xml version="1.0" encoding="utf-8"?>
+<dgm:colorsDef xmlns:dgm="http://schemas.openxmlformats.org/drawingml/2006/diagram" xmlns:a="http://schemas.openxmlformats.org/drawingml/2006/main" uniqueId="urn:microsoft.com/office/officeart/2018/5/colors/Iconchunking_neutralicon_accent1_2">
+  <dgm:title val=""/>
+  <dgm:desc val=""/>
+  <dgm:catLst>
+    <dgm:cat type="accent1" pri="11200"/>
+  </dgm:catLst>
+  <dgm:styleLbl name="node0">
+    <dgm:fillClrLst meth="repeat">
+      <a:schemeClr val="accent1"/>
+    </dgm:fillClrLst>
+    <dgm:linClrLst meth="repeat">
+      <a:schemeClr val="lt1"/>
+    </dgm:linClrLst>
+    <dgm:effectClrLst/>
+    <dgm:txLinClrLst/>
+    <dgm:txFillClrLst/>
+    <dgm:txEffectClrLst/>
+  </dgm:styleLbl>
+  <dgm:styleLbl name="alignNode1">
+    <dgm:fillClrLst meth="repeat">
+      <a:schemeClr val="accent1"/>
+    </dgm:fillClrLst>
+    <dgm:linClrLst meth="repeat">
+      <a:schemeClr val="accent1"/>
+    </dgm:linClrLst>
+    <dgm:effectClrLst/>
+    <dgm:txLinClrLst/>
+    <dgm:txFillClrLst/>
+    <dgm:txEffectClrLst/>
+  </dgm:styleLbl>
+  <dgm:styleLbl name="node1">
+    <dgm:fillClrLst meth="repeat">
+      <a:schemeClr val="bg1"/>
+    </dgm:fillClrLst>
+    <dgm:linClrLst meth="repeat">
+      <a:schemeClr val="lt1">
+        <a:alpha val="0"/>
+      </a:schemeClr>
+    </dgm:linClrLst>
+    <dgm:effectClrLst/>
+    <dgm:txLinClrLst/>
+    <dgm:txFillClrLst meth="repeat">
+      <a:schemeClr val="dk1"/>
+    </dgm:txFillClrLst>
+    <dgm:txEffectClrLst/>
+  </dgm:styleLbl>
+  <dgm:styleLbl name="lnNode1">
+    <dgm:fillClrLst meth="repeat">
+      <a:schemeClr val="accent1"/>
+    </dgm:fillClrLst>
+    <dgm:linClrLst meth="repeat">
+      <a:schemeClr val="lt1"/>
+    </dgm:linClrLst>
+    <dgm:effectClrLst/>
+    <dgm:txLinClrLst/>
+    <dgm:txFillClrLst/>
+    <dgm:txEffectClrLst/>
+  </dgm:styleLbl>
+  <dgm:styleLbl name="vennNode1">
+    <dgm:fillClrLst meth="repeat">
+      <a:schemeClr val="accent1">
+        <a:alpha val="50000"/>
+      </a:schemeClr>
+    </dgm:fillClrLst>
+    <dgm:linClrLst meth="repeat">
+      <a:schemeClr val="lt1"/>
+    </dgm:linClrLst>
+    <dgm:effectClrLst/>
+    <dgm:txLinClrLst/>
+    <dgm:txFillClrLst/>
+    <dgm:txEffectClrLst/>
+  </dgm:styleLbl>
+  <dgm:styleLbl name="node2">
+    <dgm:fillClrLst meth="repeat">
+      <a:schemeClr val="accent1"/>
+    </dgm:fillClrLst>
+    <dgm:linClrLst meth="repeat">
+      <a:schemeClr val="lt1"/>
+    </dgm:linClrLst>
+    <dgm:effectClrLst/>
+    <dgm:txLinClrLst/>
+    <dgm:txFillClrLst/>
+    <dgm:txEffectClrLst/>
+  </dgm:styleLbl>
+  <dgm:styleLbl name="node3">
+    <dgm:fillClrLst meth="repeat">
+      <a:schemeClr val="accent1"/>
+    </dgm:fillClrLst>
+    <dgm:linClrLst meth="repeat">
+      <a:schemeClr val="lt1"/>
+    </dgm:linClrLst>
+    <dgm:effectClrLst/>
+    <dgm:txLinClrLst/>
+    <dgm:txFillClrLst/>
+    <dgm:txEffectClrLst/>
+  </dgm:styleLbl>
+  <dgm:styleLbl name="node4">
+    <dgm:fillClrLst meth="repeat">
+      <a:schemeClr val="accent1"/>
+    </dgm:fillClrLst>
+    <dgm:linClrLst meth="repeat">
+      <a:schemeClr val="lt1"/>
+    </dgm:linClrLst>
+    <dgm:effectClrLst/>
+    <dgm:txLinClrLst/>
+    <dgm:txFillClrLst/>
+    <dgm:txEffectClrLst/>
+  </dgm:styleLbl>
+  <dgm:styleLbl name="fgImgPlace1">
+    <dgm:fillClrLst meth="repeat">
+      <a:schemeClr val="accent1">
+        <a:tint val="50000"/>
+      </a:schemeClr>
+    </dgm:fillClrLst>
+    <dgm:linClrLst meth="repeat">
+      <a:schemeClr val="lt1"/>
+    </dgm:linClrLst>
+    <dgm:effectClrLst/>
+    <dgm:txLinClrLst/>
+    <dgm:txFillClrLst meth="repeat">
+      <a:schemeClr val="lt1"/>
+    </dgm:txFillClrLst>
+    <dgm:txEffectClrLst/>
+  </dgm:styleLbl>
+  <dgm:styleLbl name="alignImgPlace1">
+    <dgm:fillClrLst meth="repeat">
+      <a:schemeClr val="accent1">
+        <a:tint val="50000"/>
+      </a:schemeClr>
+    </dgm:fillClrLst>
+    <dgm:linClrLst meth="repeat">
+      <a:schemeClr val="lt1"/>
+    </dgm:linClrLst>
+    <dgm:effectClrLst/>
+    <dgm:txLinClrLst/>
+    <dgm:txFillClrLst meth="repeat">
+      <a:schemeClr val="lt1"/>
+    </dgm:txFillClrLst>
+    <dgm:txEffectClrLst/>
+  </dgm:styleLbl>
+  <dgm:styleLbl name="bgImgPlace1">
+    <dgm:fillClrLst meth="repeat">
+      <a:schemeClr val="accent1">
+        <a:tint val="50000"/>
+      </a:schemeClr>
+    </dgm:fillClrLst>
+    <dgm:linClrLst meth="repeat">
+      <a:schemeClr val="lt1"/>
+    </dgm:linClrLst>
+    <dgm:effectClrLst/>
+    <dgm:txLinClrLst/>
+    <dgm:txFillClrLst meth="repeat">
+      <a:schemeClr val="lt1"/>
+    </dgm:txFillClrLst>
+    <dgm:txEffectClrLst/>
+  </dgm:styleLbl>
+  <dgm:styleLbl name="sibTrans2D1">
+    <dgm:fillClrLst meth="repeat">
+      <a:schemeClr val="accent1">
+        <a:tint val="60000"/>
+      </a:schemeClr>
+    </dgm:fillClrLst>
+    <dgm:linClrLst meth="repeat">
+      <a:schemeClr val="accent1">
+        <a:tint val="60000"/>
+      </a:schemeClr>
+    </dgm:linClrLst>
+    <dgm:effectClrLst/>
+    <dgm:txLinClrLst/>
+    <dgm:txFillClrLst/>
+    <dgm:txEffectClrLst/>
+  </dgm:styleLbl>
+  <dgm:styleLbl name="fgSibTrans2D1">
+    <dgm:fillClrLst meth="repeat">
+      <a:schemeClr val="accent1">
+        <a:tint val="60000"/>
+      </a:schemeClr>
+    </dgm:fillClrLst>
+    <dgm:linClrLst meth="repeat">
+      <a:schemeClr val="accent1">
+        <a:tint val="60000"/>
+      </a:schemeClr>
+    </dgm:linClrLst>
+    <dgm:effectClrLst/>
+    <dgm:txLinClrLst/>
+    <dgm:txFillClrLst/>
+    <dgm:txEffectClrLst/>
+  </dgm:styleLbl>
+  <dgm:styleLbl name="bgSibTrans2D1">
+    <dgm:fillClrLst meth="repeat">
+      <a:schemeClr val="accent1">
+        <a:tint val="60000"/>
+      </a:schemeClr>
+    </dgm:fillClrLst>
+    <dgm:linClrLst meth="repeat">
+      <a:schemeClr val="accent1">
+        <a:tint val="60000"/>
+      </a:schemeClr>
+    </dgm:linClrLst>
+    <dgm:effectClrLst/>
+    <dgm:txLinClrLst/>
+    <dgm:txFillClrLst/>
+    <dgm:txEffectClrLst/>
+  </dgm:styleLbl>
+  <dgm:styleLbl name="sibTrans1D1">
+    <dgm:fillClrLst meth="repeat">
+      <a:schemeClr val="accent1"/>
+    </dgm:fillClrLst>
+    <dgm:linClrLst meth="repeat">
+      <a:schemeClr val="accent1"/>
+    </dgm:linClrLst>
+    <dgm:effectClrLst/>
+    <dgm:txLinClrLst/>
+    <dgm:txFillClrLst meth="repeat">
+      <a:schemeClr val="tx1"/>
+    </dgm:txFillClrLst>
+    <dgm:txEffectClrLst/>
+  </dgm:styleLbl>
+  <dgm:styleLbl name="callout">
+    <dgm:fillClrLst meth="repeat">
+      <a:schemeClr val="accent1"/>
+    </dgm:fillClrLst>
+    <dgm:linClrLst meth="repeat">
+      <a:schemeClr val="accent1">
+        <a:tint val="50000"/>
+      </a:schemeClr>
+    </dgm:linClrLst>
+    <dgm:effectClrLst/>
+    <dgm:txLinClrLst/>
+    <dgm:txFillClrLst meth="repeat">
+      <a:schemeClr val="tx1"/>
+    </dgm:txFillClrLst>
+    <dgm:txEffectClrLst/>
+  </dgm:styleLbl>
+  <dgm:styleLbl name="asst0">
+    <dgm:fillClrLst meth="repeat">
+      <a:schemeClr val="accent1"/>
+    </dgm:fillClrLst>
+    <dgm:linClrLst meth="repeat">
+      <a:schemeClr val="lt1"/>
+    </dgm:linClrLst>
+    <dgm:effectClrLst/>
+    <dgm:txLinClrLst/>
+    <dgm:txFillClrLst/>
+    <dgm:txEffectClrLst/>
+  </dgm:styleLbl>
+  <dgm:styleLbl name="asst1">
+    <dgm:fillClrLst meth="repeat">
+      <a:schemeClr val="accent1"/>
+    </dgm:fillClrLst>
+    <dgm:linClrLst meth="repeat">
+      <a:schemeClr val="lt1"/>
+    </dgm:linClrLst>
+    <dgm:effectClrLst/>
+    <dgm:txLinClrLst/>
+    <dgm:txFillClrLst/>
+    <dgm:txEffectClrLst/>
+  </dgm:styleLbl>
+  <dgm:styleLbl name="asst2">
+    <dgm:fillClrLst meth="repeat">
+      <a:schemeClr val="accent1"/>
+    </dgm:fillClrLst>
+    <dgm:linClrLst meth="repeat">
+      <a:schemeClr val="lt1"/>
+    </dgm:linClrLst>
+    <dgm:effectClrLst/>
+    <dgm:txLinClrLst/>
+    <dgm:txFillClrLst/>
+    <dgm:txEffectClrLst/>
+  </dgm:styleLbl>
+  <dgm:styleLbl name="asst3">
+    <dgm:fillClrLst meth="repeat">
+      <a:schemeClr val="accent1"/>
+    </dgm:fillClrLst>
+    <dgm:linClrLst meth="repeat">
+      <a:schemeClr val="lt1"/>
+    </dgm:linClrLst>
+    <dgm:effectClrLst/>
+    <dgm:txLinClrLst/>
+    <dgm:txFillClrLst/>
+    <dgm:txEffectClrLst/>
+  </dgm:styleLbl>
+  <dgm:styleLbl name="asst4">
+    <dgm:fillClrLst meth="repeat">
+      <a:schemeClr val="accent1"/>
+    </dgm:fillClrLst>
+    <dgm:linClrLst meth="repeat">
+      <a:schemeClr val="lt1"/>
+    </dgm:linClrLst>
+    <dgm:effectClrLst/>
+    <dgm:txLinClrLst/>
+    <dgm:txFillClrLst/>
+    <dgm:txEffectClrLst/>
+  </dgm:styleLbl>
+  <dgm:styleLbl name="parChTrans2D1">
+    <dgm:fillClrLst meth="repeat">
+      <a:schemeClr val="accent1">
+        <a:tint val="60000"/>
+      </a:schemeClr>
+    </dgm:fillClrLst>
+    <dgm:linClrLst meth="repeat">
+      <a:schemeClr val="accent1">
+        <a:tint val="60000"/>
+      </a:schemeClr>
+    </dgm:linClrLst>
+    <dgm:effectClrLst/>
+    <dgm:txLinClrLst/>
+    <dgm:txFillClrLst meth="repeat">
+      <a:schemeClr val="lt1"/>
+    </dgm:txFillClrLst>
+    <dgm:txEffectClrLst/>
+  </dgm:styleLbl>
+  <dgm:styleLbl name="parChTrans2D2">
+    <dgm:fillClrLst meth="repeat">
+      <a:schemeClr val="accent1"/>
+    </dgm:fillClrLst>
+    <dgm:linClrLst meth="repeat">
+      <a:schemeClr val="accent1"/>
+    </dgm:linClrLst>
+    <dgm:effectClrLst/>
+    <dgm:txLinClrLst/>
+    <dgm:txFillClrLst meth="repeat">
+      <a:schemeClr val="lt1"/>
+    </dgm:txFillClrLst>
+    <dgm:txEffectClrLst/>
+  </dgm:styleLbl>
+  <dgm:styleLbl name="parChTrans2D3">
+    <dgm:fillClrLst meth="repeat">
+      <a:schemeClr val="accent1"/>
+    </dgm:fillClrLst>
+    <dgm:linClrLst meth="repeat">
+      <a:schemeClr val="accent1"/>
+    </dgm:linClrLst>
+    <dgm:effectClrLst/>
+    <dgm:txLinClrLst/>
+    <dgm:txFillClrLst meth="repeat">
+      <a:schemeClr val="lt1"/>
+    </dgm:txFillClrLst>
+    <dgm:txEffectClrLst/>
+  </dgm:styleLbl>
+  <dgm:styleLbl name="parChTrans2D4">
+    <dgm:fillClrLst meth="repeat">
+      <a:schemeClr val="accent1"/>
+    </dgm:fillClrLst>
+    <dgm:linClrLst meth="repeat">
+      <a:schemeClr val="accent1"/>
+    </dgm:linClrLst>
+    <dgm:effectClrLst/>
+    <dgm:txLinClrLst/>
+    <dgm:txFillClrLst meth="repeat">
+      <a:schemeClr val="lt1"/>
+    </dgm:txFillClrLst>
+    <dgm:txEffectClrLst/>
+  </dgm:styleLbl>
+  <dgm:styleLbl name="parChTrans1D1">
+    <dgm:fillClrLst meth="repeat">
+      <a:schemeClr val="accent1"/>
+    </dgm:fillClrLst>
+    <dgm:linClrLst meth="repeat">
+      <a:schemeClr val="accent1">
+        <a:shade val="60000"/>
+      </a:schemeClr>
+    </dgm:linClrLst>
+    <dgm:effectClrLst/>
+    <dgm:txLinClrLst/>
+    <dgm:txFillClrLst meth="repeat">
+      <a:schemeClr val="tx1"/>
+    </dgm:txFillClrLst>
+    <dgm:txEffectClrLst/>
+  </dgm:styleLbl>
+  <dgm:styleLbl name="parChTrans1D2">
+    <dgm:fillClrLst meth="repeat">
+      <a:schemeClr val="accent1"/>
+    </dgm:fillClrLst>
+    <dgm:linClrLst meth="repeat">
+      <a:schemeClr val="accent1">
+        <a:shade val="60000"/>
+      </a:schemeClr>
+    </dgm:linClrLst>
+    <dgm:effectClrLst/>
+    <dgm:txLinClrLst/>
+    <dgm:txFillClrLst meth="repeat">
+      <a:schemeClr val="tx1"/>
+    </dgm:txFillClrLst>
+    <dgm:txEffectClrLst/>
+  </dgm:styleLbl>
+  <dgm:styleLbl name="parChTrans1D3">
+    <dgm:fillClrLst meth="repeat">
+      <a:schemeClr val="accent1"/>
+    </dgm:fillClrLst>
+    <dgm:linClrLst meth="repeat">
+      <a:schemeClr val="accent1">
+        <a:shade val="80000"/>
+      </a:schemeClr>
+    </dgm:linClrLst>
+    <dgm:effectClrLst/>
+    <dgm:txLinClrLst/>
+    <dgm:txFillClrLst meth="repeat">
+      <a:schemeClr val="tx1"/>
+    </dgm:txFillClrLst>
+    <dgm:txEffectClrLst/>
+  </dgm:styleLbl>
+  <dgm:styleLbl name="parChTrans1D4">
+    <dgm:fillClrLst meth="repeat">
+      <a:schemeClr val="accent1"/>
+    </dgm:fillClrLst>
+    <dgm:linClrLst meth="repeat">
+      <a:schemeClr val="accent1">
+        <a:shade val="80000"/>
+      </a:schemeClr>
+    </dgm:linClrLst>
+    <dgm:effectClrLst/>
+    <dgm:txLinClrLst/>
+    <dgm:txFillClrLst meth="repeat">
+      <a:schemeClr val="tx1"/>
+    </dgm:txFillClrLst>
+    <dgm:txEffectClrLst/>
+  </dgm:styleLbl>
+  <dgm:styleLbl name="fgAcc1">
+    <dgm:fillClrLst meth="repeat">
+      <a:schemeClr val="lt1">
+        <a:alpha val="90000"/>
+      </a:schemeClr>
+    </dgm:fillClrLst>
+    <dgm:linClrLst meth="repeat">
+      <a:schemeClr val="accent1"/>
+    </dgm:linClrLst>
+    <dgm:effectClrLst/>
+    <dgm:txLinClrLst/>
+    <dgm:txFillClrLst meth="repeat">
+      <a:schemeClr val="dk1"/>
+    </dgm:txFillClrLst>
+    <dgm:txEffectClrLst/>
+  </dgm:styleLbl>
+  <dgm:styleLbl name="conFgAcc1">
+    <dgm:fillClrLst meth="repeat">
+      <a:schemeClr val="lt1">
+        <a:alpha val="90000"/>
+      </a:schemeClr>
+    </dgm:fillClrLst>
+    <dgm:linClrLst meth="repeat">
+      <a:schemeClr val="accent1"/>
+    </dgm:linClrLst>
+    <dgm:effectClrLst/>
+    <dgm:txLinClrLst/>
+    <dgm:txFillClrLst meth="repeat">
+      <a:schemeClr val="dk1"/>
+    </dgm:txFillClrLst>
+    <dgm:txEffectClrLst/>
+  </dgm:styleLbl>
+  <dgm:styleLbl name="alignAcc1">
+    <dgm:fillClrLst meth="repeat">
+      <a:schemeClr val="lt1">
+        <a:alpha val="90000"/>
+      </a:schemeClr>
+    </dgm:fillClrLst>
+    <dgm:linClrLst meth="repeat">
+      <a:schemeClr val="accent1"/>
+    </dgm:linClrLst>
+    <dgm:effectClrLst/>
+    <dgm:txLinClrLst/>
+    <dgm:txFillClrLst meth="repeat">
+      <a:schemeClr val="dk1"/>
+    </dgm:txFillClrLst>
+    <dgm:txEffectClrLst/>
+  </dgm:styleLbl>
+  <dgm:styleLbl name="trAlignAcc1">
+    <dgm:fillClrLst meth="repeat">
+      <a:schemeClr val="lt1">
+        <a:alpha val="40000"/>
+      </a:schemeClr>
+    </dgm:fillClrLst>
+    <dgm:linClrLst meth="repeat">
+      <a:schemeClr val="accent1"/>
+    </dgm:linClrLst>
+    <dgm:effectClrLst/>
+    <dgm:txLinClrLst/>
+    <dgm:txFillClrLst meth="repeat">
+      <a:schemeClr val="dk1"/>
+    </dgm:txFillClrLst>
+    <dgm:txEffectClrLst/>
+  </dgm:styleLbl>
+  <dgm:styleLbl name="bgAcc1">
+    <dgm:fillClrLst meth="repeat">
+      <a:schemeClr val="lt1">
+        <a:alpha val="90000"/>
+      </a:schemeClr>
+    </dgm:fillClrLst>
+    <dgm:linClrLst meth="repeat">
+      <a:schemeClr val="accent1"/>
+    </dgm:linClrLst>
+    <dgm:effectClrLst/>
+    <dgm:txLinClrLst/>
+    <dgm:txFillClrLst meth="repeat">
+      <a:schemeClr val="dk1"/>
+    </dgm:txFillClrLst>
+    <dgm:txEffectClrLst/>
+  </dgm:styleLbl>
+  <dgm:styleLbl name="solidFgAcc1">
+    <dgm:fillClrLst meth="repeat">
+      <a:schemeClr val="lt1"/>
+    </dgm:fillClrLst>
+    <dgm:linClrLst meth="repeat">
+      <a:schemeClr val="accent1"/>
+    </dgm:linClrLst>
+    <dgm:effectClrLst/>
+    <dgm:txLinClrLst/>
+    <dgm:txFillClrLst meth="repeat">
+      <a:schemeClr val="dk1"/>
+    </dgm:txFillClrLst>
+    <dgm:txEffectClrLst/>
+  </dgm:styleLbl>
+  <dgm:styleLbl name="solidAlignAcc1">
+    <dgm:fillClrLst meth="repeat">
+      <a:schemeClr val="lt1"/>
+    </dgm:fillClrLst>
+    <dgm:linClrLst meth="repeat">
+      <a:schemeClr val="accent1"/>
+    </dgm:linClrLst>
+    <dgm:effectClrLst/>
+    <dgm:txLinClrLst/>
+    <dgm:txFillClrLst meth="repeat">
+      <a:schemeClr val="dk1"/>
+    </dgm:txFillClrLst>
+    <dgm:txEffectClrLst/>
+  </dgm:styleLbl>
+  <dgm:styleLbl name="solidBgAcc1">
+    <dgm:fillClrLst meth="repeat">
+      <a:schemeClr val="lt1"/>
+    </dgm:fillClrLst>
+    <dgm:linClrLst meth="repeat">
+      <a:schemeClr val="accent1"/>
+    </dgm:linClrLst>
+    <dgm:effectClrLst/>
+    <dgm:txLinClrLst/>
+    <dgm:txFillClrLst meth="repeat">
+      <a:schemeClr val="dk1"/>
+    </dgm:txFillClrLst>
+    <dgm:txEffectClrLst/>
+  </dgm:styleLbl>
+  <dgm:styleLbl name="fgAccFollowNode1">
+    <dgm:fillClrLst meth="repeat">
+      <a:schemeClr val="accent1">
+        <a:alpha val="90000"/>
+        <a:tint val="40000"/>
+      </a:schemeClr>
+    </dgm:fillClrLst>
+    <dgm:linClrLst meth="repeat">
+      <a:schemeClr val="accent1">
+        <a:alpha val="90000"/>
+        <a:tint val="40000"/>
+      </a:schemeClr>
+    </dgm:linClrLst>
+    <dgm:effectClrLst/>
+    <dgm:txLinClrLst/>
+    <dgm:txFillClrLst meth="repeat">
+      <a:schemeClr val="dk1"/>
+    </dgm:txFillClrLst>
+    <dgm:txEffectClrLst/>
+  </dgm:styleLbl>
+  <dgm:styleLbl name="alignAccFollowNode1">
+    <dgm:fillClrLst meth="repeat">
+      <a:schemeClr val="accent1">
+        <a:alpha val="90000"/>
+        <a:tint val="40000"/>
+      </a:schemeClr>
+    </dgm:fillClrLst>
+    <dgm:linClrLst meth="repeat">
+      <a:schemeClr val="accent1">
+        <a:alpha val="90000"/>
+        <a:tint val="40000"/>
+      </a:schemeClr>
+    </dgm:linClrLst>
+    <dgm:effectClrLst/>
+    <dgm:txLinClrLst/>
+    <dgm:txFillClrLst meth="repeat">
+      <a:schemeClr val="dk1"/>
+    </dgm:txFillClrLst>
+    <dgm:txEffectClrLst/>
+  </dgm:styleLbl>
+  <dgm:styleLbl name="bgAccFollowNode1">
+    <dgm:fillClrLst meth="repeat">
+      <a:schemeClr val="accent1">
+        <a:alpha val="90000"/>
+        <a:tint val="40000"/>
+      </a:schemeClr>
+    </dgm:fillClrLst>
+    <dgm:linClrLst meth="repeat">
+      <a:schemeClr val="accent1">
+        <a:alpha val="90000"/>
+        <a:tint val="40000"/>
+      </a:schemeClr>
+    </dgm:linClrLst>
+    <dgm:effectClrLst/>
+    <dgm:txLinClrLst/>
+    <dgm:txFillClrLst meth="repeat">
+      <a:schemeClr val="dk1"/>
+    </dgm:txFillClrLst>
+    <dgm:txEffectClrLst/>
+  </dgm:styleLbl>
+  <dgm:styleLbl name="fgAcc0">
+    <dgm:fillClrLst meth="repeat">
+      <a:schemeClr val="lt1">
+        <a:alpha val="90000"/>
+      </a:schemeClr>
+    </dgm:fillClrLst>
+    <dgm:linClrLst meth="repeat">
+      <a:schemeClr val="accent1"/>
+    </dgm:linClrLst>
+    <dgm:effectClrLst/>
+    <dgm:txLinClrLst/>
+    <dgm:txFillClrLst meth="repeat">
+      <a:schemeClr val="dk1"/>
+    </dgm:txFillClrLst>
+    <dgm:txEffectClrLst/>
+  </dgm:styleLbl>
+  <dgm:styleLbl name="fgAcc2">
+    <dgm:fillClrLst meth="repeat">
+      <a:schemeClr val="lt1">
+        <a:alpha val="90000"/>
+      </a:schemeClr>
+    </dgm:fillClrLst>
+    <dgm:linClrLst meth="repeat">
+      <a:schemeClr val="accent1"/>
+    </dgm:linClrLst>
+    <dgm:effectClrLst/>
+    <dgm:txLinClrLst/>
+    <dgm:txFillClrLst meth="repeat">
+      <a:schemeClr val="dk1"/>
+    </dgm:txFillClrLst>
+    <dgm:txEffectClrLst/>
+  </dgm:styleLbl>
+  <dgm:styleLbl name="fgAcc3">
+    <dgm:fillClrLst meth="repeat">
+      <a:schemeClr val="lt1">
+        <a:alpha val="90000"/>
+      </a:schemeClr>
+    </dgm:fillClrLst>
+    <dgm:linClrLst meth="repeat">
+      <a:schemeClr val="accent1"/>
+    </dgm:linClrLst>
+    <dgm:effectClrLst/>
+    <dgm:txLinClrLst/>
+    <dgm:txFillClrLst meth="repeat">
+      <a:schemeClr val="dk1"/>
+    </dgm:txFillClrLst>
+    <dgm:txEffectClrLst/>
+  </dgm:styleLbl>
+  <dgm:styleLbl name="fgAcc4">
+    <dgm:fillClrLst meth="repeat">
+      <a:schemeClr val="lt1">
+        <a:alpha val="90000"/>
+      </a:schemeClr>
+    </dgm:fillClrLst>
+    <dgm:linClrLst meth="repeat">
+      <a:schemeClr val="accent1"/>
+    </dgm:linClrLst>
+    <dgm:effectClrLst/>
+    <dgm:txLinClrLst/>
+    <dgm:txFillClrLst meth="repeat">
+      <a:schemeClr val="dk1"/>
+    </dgm:txFillClrLst>
+    <dgm:txEffectClrLst/>
+  </dgm:styleLbl>
+  <dgm:styleLbl name="bgShp">
+    <dgm:fillClrLst meth="repeat">
+      <a:schemeClr val="accent1"/>
+    </dgm:fillClrLst>
+    <dgm:linClrLst meth="repeat">
+      <a:schemeClr val="lt1">
+        <a:alpha val="0"/>
+      </a:schemeClr>
+    </dgm:linClrLst>
+    <dgm:effectClrLst/>
+    <dgm:txLinClrLst/>
+    <dgm:txFillClrLst/>
+    <dgm:txEffectClrLst/>
+  </dgm:styleLbl>
+  <dgm:styleLbl name="dkBgShp">
+    <dgm:fillClrLst meth="repeat">
+      <a:schemeClr val="accent1">
+        <a:shade val="80000"/>
+      </a:schemeClr>
+    </dgm:fillClrLst>
+    <dgm:linClrLst meth="repeat">
+      <a:schemeClr val="accent1"/>
+    </dgm:linClrLst>
+    <dgm:effectClrLst/>
+    <dgm:txLinClrLst/>
+    <dgm:txFillClrLst meth="repeat">
+      <a:schemeClr val="lt1"/>
+    </dgm:txFillClrLst>
+    <dgm:txEffectClrLst/>
+  </dgm:styleLbl>
+  <dgm:styleLbl name="trBgShp">
+    <dgm:fillClrLst meth="repeat">
+      <a:schemeClr val="accent1">
+        <a:tint val="50000"/>
+        <a:alpha val="40000"/>
+      </a:schemeClr>
+    </dgm:fillClrLst>
+    <dgm:linClrLst meth="repeat">
+      <a:schemeClr val="accent1"/>
+    </dgm:linClrLst>
+    <dgm:effectClrLst/>
+    <dgm:txLinClrLst/>
+    <dgm:txFillClrLst meth="repeat">
+      <a:schemeClr val="lt1"/>
+    </dgm:txFillClrLst>
+    <dgm:txEffectClrLst/>
+  </dgm:styleLbl>
+  <dgm:styleLbl name="fgShp">
+    <dgm:fillClrLst meth="repeat">
+      <a:schemeClr val="accent1">
+        <a:tint val="60000"/>
+      </a:schemeClr>
+    </dgm:fillClrLst>
+    <dgm:linClrLst meth="repeat">
+      <a:schemeClr val="lt1"/>
+    </dgm:linClrLst>
+    <dgm:effectClrLst/>
+    <dgm:txLinClrLst/>
+    <dgm:txFillClrLst meth="repeat">
+      <a:schemeClr val="dk1"/>
+    </dgm:txFillClrLst>
+    <dgm:txEffectClrLst/>
+  </dgm:styleLbl>
+  <dgm:styleLbl name="revTx">
+    <dgm:fillClrLst meth="repeat">
+      <a:schemeClr val="lt1">
+        <a:alpha val="0"/>
+      </a:schemeClr>
+    </dgm:fillClrLst>
+    <dgm:linClrLst meth="repeat">
+      <a:schemeClr val="dk1">
+        <a:alpha val="0"/>
+      </a:schemeClr>
+    </dgm:linClrLst>
+    <dgm:effectClrLst/>
+    <dgm:txLinClrLst/>
+    <dgm:txFillClrLst meth="repeat">
+      <a:schemeClr val="tx1"/>
+    </dgm:txFillClrLst>
+    <dgm:txEffectClrLst/>
+  </dgm:styleLbl>
+</dgm:colorsDef>
+</file>
+
+<file path=ppt/diagrams/colors6.xml><?xml version="1.0" encoding="utf-8"?>
+<dgm:colorsDef xmlns:dgm="http://schemas.openxmlformats.org/drawingml/2006/diagram" xmlns:a="http://schemas.openxmlformats.org/drawingml/2006/main" uniqueId="urn:microsoft.com/office/officeart/2018/5/colors/Iconchunking_neutralbg_colorful5">
+  <dgm:title val=""/>
+  <dgm:desc val=""/>
+  <dgm:catLst>
+    <dgm:cat type="colorful" pri="10500"/>
+  </dgm:catLst>
+  <dgm:styleLbl name="node0">
+    <dgm:fillClrLst meth="repeat">
+      <a:schemeClr val="accent4"/>
+    </dgm:fillClrLst>
+    <dgm:linClrLst meth="repeat">
+      <a:schemeClr val="lt1"/>
+    </dgm:linClrLst>
+    <dgm:effectClrLst/>
+    <dgm:txLinClrLst/>
+    <dgm:txFillClrLst/>
+    <dgm:txEffectClrLst/>
+  </dgm:styleLbl>
+  <dgm:styleLbl name="node1">
+    <dgm:fillClrLst>
+      <a:schemeClr val="accent5"/>
+      <a:schemeClr val="accent6"/>
+    </dgm:fillClrLst>
+    <dgm:linClrLst meth="repeat">
+      <a:schemeClr val="lt1">
+        <a:alpha val="0"/>
+      </a:schemeClr>
+    </dgm:linClrLst>
+    <dgm:effectClrLst/>
+    <dgm:txLinClrLst/>
+    <dgm:txFillClrLst/>
+    <dgm:txEffectClrLst/>
+  </dgm:styleLbl>
+  <dgm:styleLbl name="alignNode1">
+    <dgm:fillClrLst>
+      <a:schemeClr val="accent5"/>
+      <a:schemeClr val="accent6"/>
+    </dgm:fillClrLst>
+    <dgm:linClrLst>
+      <a:schemeClr val="accent5"/>
+      <a:schemeClr val="accent6"/>
+    </dgm:linClrLst>
+    <dgm:effectClrLst/>
+    <dgm:txLinClrLst/>
+    <dgm:txFillClrLst/>
+    <dgm:txEffectClrLst/>
+  </dgm:styleLbl>
+  <dgm:styleLbl name="lnNode1">
+    <dgm:fillClrLst>
+      <a:schemeClr val="accent5"/>
+      <a:schemeClr val="accent6"/>
+    </dgm:fillClrLst>
+    <dgm:linClrLst meth="repeat">
+      <a:schemeClr val="lt1"/>
+    </dgm:linClrLst>
+    <dgm:effectClrLst/>
+    <dgm:txLinClrLst/>
+    <dgm:txFillClrLst/>
+    <dgm:txEffectClrLst/>
+  </dgm:styleLbl>
+  <dgm:styleLbl name="vennNode1">
+    <dgm:fillClrLst>
+      <a:schemeClr val="accent5">
+        <a:alpha val="50000"/>
+      </a:schemeClr>
+      <a:schemeClr val="accent6">
+        <a:alpha val="50000"/>
+      </a:schemeClr>
+    </dgm:fillClrLst>
+    <dgm:linClrLst meth="repeat">
+      <a:schemeClr val="lt1"/>
+    </dgm:linClrLst>
+    <dgm:effectClrLst/>
+    <dgm:txLinClrLst/>
+    <dgm:txFillClrLst/>
+    <dgm:txEffectClrLst/>
+  </dgm:styleLbl>
+  <dgm:styleLbl name="node2">
+    <dgm:fillClrLst>
+      <a:schemeClr val="accent6"/>
+    </dgm:fillClrLst>
+    <dgm:linClrLst meth="repeat">
+      <a:schemeClr val="lt1"/>
+    </dgm:linClrLst>
+    <dgm:effectClrLst/>
+    <dgm:txLinClrLst/>
+    <dgm:txFillClrLst/>
+    <dgm:txEffectClrLst/>
+  </dgm:styleLbl>
+  <dgm:styleLbl name="node3">
+    <dgm:fillClrLst>
+      <a:schemeClr val="accent1"/>
+    </dgm:fillClrLst>
+    <dgm:linClrLst meth="repeat">
+      <a:schemeClr val="lt1"/>
+    </dgm:linClrLst>
+    <dgm:effectClrLst/>
+    <dgm:txLinClrLst/>
+    <dgm:txFillClrLst/>
+    <dgm:txEffectClrLst/>
+  </dgm:styleLbl>
+  <dgm:styleLbl name="node4">
+    <dgm:fillClrLst>
+      <a:schemeClr val="accent2"/>
+    </dgm:fillClrLst>
+    <dgm:linClrLst meth="repeat">
+      <a:schemeClr val="lt1"/>
+    </dgm:linClrLst>
+    <dgm:effectClrLst/>
+    <dgm:txLinClrLst/>
+    <dgm:txFillClrLst/>
+    <dgm:txEffectClrLst/>
+  </dgm:styleLbl>
+  <dgm:styleLbl name="fgImgPlace1">
+    <dgm:fillClrLst>
+      <a:schemeClr val="accent5">
+        <a:tint val="50000"/>
+      </a:schemeClr>
+      <a:schemeClr val="accent6">
+        <a:tint val="50000"/>
+      </a:schemeClr>
+    </dgm:fillClrLst>
+    <dgm:linClrLst meth="repeat">
+      <a:schemeClr val="lt1"/>
+    </dgm:linClrLst>
+    <dgm:effectClrLst/>
+    <dgm:txLinClrLst/>
+    <dgm:txFillClrLst meth="repeat">
+      <a:schemeClr val="lt1"/>
+    </dgm:txFillClrLst>
+    <dgm:txEffectClrLst/>
+  </dgm:styleLbl>
+  <dgm:styleLbl name="alignImgPlace1">
+    <dgm:fillClrLst>
+      <a:schemeClr val="accent5">
+        <a:tint val="50000"/>
+      </a:schemeClr>
+      <a:schemeClr val="accent6">
+        <a:tint val="20000"/>
+      </a:schemeClr>
+    </dgm:fillClrLst>
+    <dgm:linClrLst meth="repeat">
+      <a:schemeClr val="lt1"/>
+    </dgm:linClrLst>
+    <dgm:effectClrLst/>
+    <dgm:txLinClrLst/>
+    <dgm:txFillClrLst meth="repeat">
+      <a:schemeClr val="lt1"/>
+    </dgm:txFillClrLst>
+    <dgm:txEffectClrLst/>
+  </dgm:styleLbl>
+  <dgm:styleLbl name="bgImgPlace1">
+    <dgm:fillClrLst>
+      <a:schemeClr val="accent5">
+        <a:tint val="50000"/>
+      </a:schemeClr>
+      <a:schemeClr val="accent6">
+        <a:tint val="20000"/>
+      </a:schemeClr>
+    </dgm:fillClrLst>
+    <dgm:linClrLst meth="repeat">
+      <a:schemeClr val="lt1"/>
+    </dgm:linClrLst>
+    <dgm:effectClrLst/>
+    <dgm:txLinClrLst/>
+    <dgm:txFillClrLst meth="repeat">
+      <a:schemeClr val="lt1"/>
+    </dgm:txFillClrLst>
+    <dgm:txEffectClrLst/>
+  </dgm:styleLbl>
+  <dgm:styleLbl name="sibTrans2D1">
+    <dgm:fillClrLst>
+      <a:schemeClr val="accent5"/>
+      <a:schemeClr val="accent6"/>
+    </dgm:fillClrLst>
+    <dgm:linClrLst meth="repeat">
+      <a:schemeClr val="lt1"/>
+    </dgm:linClrLst>
+    <dgm:effectClrLst/>
+    <dgm:txLinClrLst/>
+    <dgm:txFillClrLst/>
+    <dgm:txEffectClrLst/>
+  </dgm:styleLbl>
+  <dgm:styleLbl name="fgSibTrans2D1">
+    <dgm:fillClrLst>
+      <a:schemeClr val="accent5"/>
+      <a:schemeClr val="accent6"/>
+    </dgm:fillClrLst>
+    <dgm:linClrLst meth="repeat">
+      <a:schemeClr val="lt1"/>
+    </dgm:linClrLst>
+    <dgm:effectClrLst/>
+    <dgm:txLinClrLst/>
+    <dgm:txFillClrLst meth="repeat">
+      <a:schemeClr val="lt1"/>
+    </dgm:txFillClrLst>
+    <dgm:txEffectClrLst/>
+  </dgm:styleLbl>
+  <dgm:styleLbl name="bgSibTrans2D1">
+    <dgm:fillClrLst>
+      <a:schemeClr val="accent5"/>
+      <a:schemeClr val="accent6"/>
+    </dgm:fillClrLst>
+    <dgm:linClrLst meth="repeat">
+      <a:schemeClr val="lt1"/>
+    </dgm:linClrLst>
+    <dgm:effectClrLst/>
+    <dgm:txLinClrLst/>
+    <dgm:txFillClrLst meth="repeat">
+      <a:schemeClr val="lt1"/>
+    </dgm:txFillClrLst>
+    <dgm:txEffectClrLst/>
+  </dgm:styleLbl>
+  <dgm:styleLbl name="sibTrans1D1">
+    <dgm:fillClrLst/>
+    <dgm:linClrLst>
+      <a:schemeClr val="accent5"/>
+      <a:schemeClr val="accent6"/>
+    </dgm:linClrLst>
+    <dgm:effectClrLst/>
+    <dgm:txLinClrLst/>
+    <dgm:txFillClrLst meth="repeat">
+      <a:schemeClr val="tx1"/>
+    </dgm:txFillClrLst>
+    <dgm:txEffectClrLst/>
+  </dgm:styleLbl>
+  <dgm:styleLbl name="callout">
+    <dgm:fillClrLst meth="repeat">
+      <a:schemeClr val="accent5"/>
+    </dgm:fillClrLst>
+    <dgm:linClrLst meth="repeat">
+      <a:schemeClr val="accent5">
+        <a:tint val="50000"/>
+      </a:schemeClr>
+    </dgm:linClrLst>
+    <dgm:effectClrLst/>
+    <dgm:txLinClrLst/>
+    <dgm:txFillClrLst meth="repeat">
+      <a:schemeClr val="tx1"/>
+    </dgm:txFillClrLst>
+    <dgm:txEffectClrLst/>
+  </dgm:styleLbl>
+  <dgm:styleLbl name="asst0">
+    <dgm:fillClrLst meth="repeat">
+      <a:schemeClr val="accent5"/>
+    </dgm:fillClrLst>
+    <dgm:linClrLst meth="repeat">
+      <a:schemeClr val="lt1">
+        <a:shade val="80000"/>
+      </a:schemeClr>
+    </dgm:linClrLst>
+    <dgm:effectClrLst/>
+    <dgm:txLinClrLst/>
+    <dgm:txFillClrLst/>
+    <dgm:txEffectClrLst/>
+  </dgm:styleLbl>
+  <dgm:styleLbl name="asst1">
+    <dgm:fillClrLst meth="repeat">
+      <a:schemeClr val="accent6"/>
+    </dgm:fillClrLst>
+    <dgm:linClrLst meth="repeat">
+      <a:schemeClr val="lt1">
+        <a:shade val="80000"/>
+      </a:schemeClr>
+    </dgm:linClrLst>
+    <dgm:effectClrLst/>
+    <dgm:txLinClrLst/>
+    <dgm:txFillClrLst/>
+    <dgm:txEffectClrLst/>
+  </dgm:styleLbl>
+  <dgm:styleLbl name="asst2">
+    <dgm:fillClrLst>
+      <a:schemeClr val="accent1"/>
+    </dgm:fillClrLst>
+    <dgm:linClrLst meth="repeat">
+      <a:schemeClr val="lt1"/>
+    </dgm:linClrLst>
+    <dgm:effectClrLst/>
+    <dgm:txLinClrLst/>
+    <dgm:txFillClrLst/>
+    <dgm:txEffectClrLst/>
+  </dgm:styleLbl>
+  <dgm:styleLbl name="asst3">
+    <dgm:fillClrLst>
+      <a:schemeClr val="accent2"/>
+    </dgm:fillClrLst>
+    <dgm:linClrLst meth="repeat">
+      <a:schemeClr val="lt1"/>
+    </dgm:linClrLst>
+    <dgm:effectClrLst/>
+    <dgm:txLinClrLst/>
+    <dgm:txFillClrLst/>
+    <dgm:txEffectClrLst/>
+  </dgm:styleLbl>
+  <dgm:styleLbl name="asst4">
+    <dgm:fillClrLst>
+      <a:schemeClr val="accent3"/>
+    </dgm:fillClrLst>
+    <dgm:linClrLst meth="repeat">
+      <a:schemeClr val="lt1"/>
+    </dgm:linClrLst>
+    <dgm:effectClrLst/>
+    <dgm:txLinClrLst/>
+    <dgm:txFillClrLst/>
+    <dgm:txEffectClrLst/>
+  </dgm:styleLbl>
+  <dgm:styleLbl name="parChTrans2D1">
+    <dgm:fillClrLst meth="repeat">
+      <a:schemeClr val="accent5"/>
+    </dgm:fillClrLst>
+    <dgm:linClrLst meth="repeat">
+      <a:schemeClr val="lt1"/>
+    </dgm:linClrLst>
+    <dgm:effectClrLst/>
+    <dgm:txLinClrLst/>
+    <dgm:txFillClrLst meth="repeat">
+      <a:schemeClr val="lt1"/>
+    </dgm:txFillClrLst>
+    <dgm:txEffectClrLst/>
+  </dgm:styleLbl>
+  <dgm:styleLbl name="parChTrans2D2">
+    <dgm:fillClrLst meth="repeat">
+      <a:schemeClr val="accent6"/>
+    </dgm:fillClrLst>
+    <dgm:linClrLst meth="repeat">
+      <a:schemeClr val="lt1"/>
+    </dgm:linClrLst>
+    <dgm:effectClrLst/>
+    <dgm:txLinClrLst/>
+    <dgm:txFillClrLst/>
+    <dgm:txEffectClrLst/>
+  </dgm:styleLbl>
+  <dgm:styleLbl name="parChTrans2D3">
+    <dgm:fillClrLst meth="repeat">
+      <a:schemeClr val="accent6"/>
+    </dgm:fillClrLst>
+    <dgm:linClrLst meth="repeat">
+      <a:schemeClr val="lt1"/>
+    </dgm:linClrLst>
+    <dgm:effectClrLst/>
+    <dgm:txLinClrLst/>
+    <dgm:txFillClrLst/>
+    <dgm:txEffectClrLst/>
+  </dgm:styleLbl>
+  <dgm:styleLbl name="parChTrans2D4">
+    <dgm:fillClrLst meth="repeat">
+      <a:schemeClr val="accent1"/>
+    </dgm:fillClrLst>
+    <dgm:linClrLst meth="repeat">
+      <a:schemeClr val="lt1"/>
+    </dgm:linClrLst>
+    <dgm:effectClrLst/>
+    <dgm:txLinClrLst/>
+    <dgm:txFillClrLst meth="repeat">
+      <a:schemeClr val="lt1"/>
+    </dgm:txFillClrLst>
+    <dgm:txEffectClrLst/>
+  </dgm:styleLbl>
+  <dgm:styleLbl name="parChTrans1D1">
+    <dgm:fillClrLst meth="repeat">
+      <a:schemeClr val="accent5"/>
+    </dgm:fillClrLst>
+    <dgm:linClrLst meth="repeat">
+      <a:schemeClr val="accent5"/>
+    </dgm:linClrLst>
+    <dgm:effectClrLst/>
+    <dgm:txLinClrLst/>
+    <dgm:txFillClrLst meth="repeat">
+      <a:schemeClr val="tx1"/>
+    </dgm:txFillClrLst>
+    <dgm:txEffectClrLst/>
+  </dgm:styleLbl>
+  <dgm:styleLbl name="parChTrans1D2">
+    <dgm:fillClrLst meth="repeat">
+      <a:schemeClr val="accent6">
+        <a:tint val="90000"/>
+      </a:schemeClr>
+    </dgm:fillClrLst>
+    <dgm:linClrLst meth="repeat">
+      <a:schemeClr val="accent6"/>
+    </dgm:linClrLst>
+    <dgm:effectClrLst/>
+    <dgm:txLinClrLst/>
+    <dgm:txFillClrLst meth="repeat">
+      <a:schemeClr val="tx1"/>
+    </dgm:txFillClrLst>
+    <dgm:txEffectClrLst/>
+  </dgm:styleLbl>
+  <dgm:styleLbl name="parChTrans1D3">
+    <dgm:fillClrLst meth="repeat">
+      <a:schemeClr val="accent6">
+        <a:tint val="70000"/>
+      </a:schemeClr>
+    </dgm:fillClrLst>
+    <dgm:linClrLst meth="repeat">
+      <a:schemeClr val="accent1"/>
+    </dgm:linClrLst>
+    <dgm:effectClrLst/>
+    <dgm:txLinClrLst/>
+    <dgm:txFillClrLst meth="repeat">
+      <a:schemeClr val="tx1"/>
+    </dgm:txFillClrLst>
+    <dgm:txEffectClrLst/>
+  </dgm:styleLbl>
+  <dgm:styleLbl name="parChTrans1D4">
+    <dgm:fillClrLst meth="repeat">
+      <a:schemeClr val="accent6">
+        <a:tint val="50000"/>
+      </a:schemeClr>
+    </dgm:fillClrLst>
+    <dgm:linClrLst meth="repeat">
+      <a:schemeClr val="accent2"/>
+    </dgm:linClrLst>
+    <dgm:effectClrLst/>
+    <dgm:txLinClrLst/>
+    <dgm:txFillClrLst meth="repeat">
+      <a:schemeClr val="tx1"/>
+    </dgm:txFillClrLst>
+    <dgm:txEffectClrLst/>
+  </dgm:styleLbl>
+  <dgm:styleLbl name="fgAcc1">
+    <dgm:fillClrLst meth="repeat">
+      <a:schemeClr val="lt1">
+        <a:alpha val="90000"/>
+      </a:schemeClr>
+    </dgm:fillClrLst>
+    <dgm:linClrLst>
+      <a:schemeClr val="accent5"/>
+      <a:schemeClr val="accent6"/>
+    </dgm:linClrLst>
+    <dgm:effectClrLst/>
+    <dgm:txLinClrLst/>
+    <dgm:txFillClrLst meth="repeat">
+      <a:schemeClr val="dk1"/>
+    </dgm:txFillClrLst>
+    <dgm:txEffectClrLst/>
+  </dgm:styleLbl>
+  <dgm:styleLbl name="conFgAcc1">
+    <dgm:fillClrLst meth="repeat">
+      <a:schemeClr val="lt1">
+        <a:alpha val="90000"/>
+      </a:schemeClr>
+    </dgm:fillClrLst>
+    <dgm:linClrLst>
+      <a:schemeClr val="accent5"/>
+      <a:schemeClr val="accent6"/>
+    </dgm:linClrLst>
+    <dgm:effectClrLst/>
+    <dgm:txLinClrLst/>
+    <dgm:txFillClrLst meth="repeat">
+      <a:schemeClr val="dk1"/>
+    </dgm:txFillClrLst>
+    <dgm:txEffectClrLst/>
+  </dgm:styleLbl>
+  <dgm:styleLbl name="alignAcc1">
+    <dgm:fillClrLst meth="repeat">
+      <a:schemeClr val="lt1">
+        <a:alpha val="90000"/>
+      </a:schemeClr>
+    </dgm:fillClrLst>
+    <dgm:linClrLst>
+      <a:schemeClr val="accent5"/>
+      <a:schemeClr val="accent6"/>
+    </dgm:linClrLst>
+    <dgm:effectClrLst/>
+    <dgm:txLinClrLst/>
+    <dgm:txFillClrLst meth="repeat">
+      <a:schemeClr val="dk1"/>
+    </dgm:txFillClrLst>
+    <dgm:txEffectClrLst/>
+  </dgm:styleLbl>
+  <dgm:styleLbl name="trAlignAcc1">
+    <dgm:fillClrLst meth="repeat">
+      <a:schemeClr val="lt1">
+        <a:alpha val="40000"/>
+      </a:schemeClr>
+    </dgm:fillClrLst>
+    <dgm:linClrLst meth="repeat">
+      <a:schemeClr val="accent5"/>
+    </dgm:linClrLst>
+    <dgm:effectClrLst/>
+    <dgm:txLinClrLst/>
+    <dgm:txFillClrLst meth="repeat">
+      <a:schemeClr val="dk1"/>
+    </dgm:txFillClrLst>
+    <dgm:txEffectClrLst/>
+  </dgm:styleLbl>
+  <dgm:styleLbl name="bgAcc1">
+    <dgm:fillClrLst meth="repeat">
+      <a:schemeClr val="lt1">
+        <a:alpha val="90000"/>
+      </a:schemeClr>
+    </dgm:fillClrLst>
+    <dgm:linClrLst>
+      <a:schemeClr val="accent5"/>
+      <a:schemeClr val="accent6"/>
+    </dgm:linClrLst>
+    <dgm:effectClrLst/>
+    <dgm:txLinClrLst/>
+    <dgm:txFillClrLst meth="repeat">
+      <a:schemeClr val="dk1"/>
+    </dgm:txFillClrLst>
+    <dgm:txEffectClrLst/>
+  </dgm:styleLbl>
+  <dgm:styleLbl name="solidFgAcc1">
+    <dgm:fillClrLst meth="repeat">
+      <a:schemeClr val="lt1"/>
+    </dgm:fillClrLst>
+    <dgm:linClrLst>
+      <a:schemeClr val="accent5"/>
+      <a:schemeClr val="accent6"/>
+    </dgm:linClrLst>
+    <dgm:effectClrLst/>
+    <dgm:txLinClrLst/>
+    <dgm:txFillClrLst meth="repeat">
+      <a:schemeClr val="dk1"/>
+    </dgm:txFillClrLst>
+    <dgm:txEffectClrLst/>
+  </dgm:styleLbl>
+  <dgm:styleLbl name="solidAlignAcc1">
+    <dgm:fillClrLst meth="repeat">
+      <a:schemeClr val="lt1"/>
+    </dgm:fillClrLst>
+    <dgm:linClrLst>
+      <a:schemeClr val="accent5"/>
+      <a:schemeClr val="accent6"/>
+    </dgm:linClrLst>
+    <dgm:effectClrLst/>
+    <dgm:txLinClrLst/>
+    <dgm:txFillClrLst meth="repeat">
+      <a:schemeClr val="dk1"/>
+    </dgm:txFillClrLst>
+    <dgm:txEffectClrLst/>
+  </dgm:styleLbl>
+  <dgm:styleLbl name="solidBgAcc1">
+    <dgm:fillClrLst meth="repeat">
+      <a:schemeClr val="lt1"/>
+    </dgm:fillClrLst>
+    <dgm:linClrLst>
+      <a:schemeClr val="accent5"/>
+      <a:schemeClr val="accent6"/>
+    </dgm:linClrLst>
+    <dgm:effectClrLst/>
+    <dgm:txLinClrLst/>
+    <dgm:txFillClrLst meth="repeat">
+      <a:schemeClr val="dk1"/>
+    </dgm:txFillClrLst>
+    <dgm:txEffectClrLst/>
+  </dgm:styleLbl>
+  <dgm:styleLbl name="fgAccFollowNode1">
+    <dgm:fillClrLst>
+      <a:schemeClr val="accent5">
+        <a:tint val="40000"/>
+        <a:alpha val="90000"/>
+      </a:schemeClr>
+      <a:schemeClr val="accent6">
+        <a:tint val="40000"/>
+        <a:alpha val="90000"/>
+      </a:schemeClr>
+    </dgm:fillClrLst>
+    <dgm:linClrLst>
+      <a:schemeClr val="accent5">
+        <a:tint val="40000"/>
+        <a:alpha val="90000"/>
+      </a:schemeClr>
+      <a:schemeClr val="accent5">
+        <a:tint val="40000"/>
+        <a:alpha val="90000"/>
+      </a:schemeClr>
+    </dgm:linClrLst>
+    <dgm:effectClrLst/>
+    <dgm:txLinClrLst/>
+    <dgm:txFillClrLst meth="repeat">
+      <a:schemeClr val="dk1"/>
+    </dgm:txFillClrLst>
+    <dgm:txEffectClrLst/>
+  </dgm:styleLbl>
+  <dgm:styleLbl name="alignAccFollowNode1">
+    <dgm:fillClrLst>
+      <a:schemeClr val="accent5">
+        <a:tint val="40000"/>
+        <a:alpha val="90000"/>
+      </a:schemeClr>
+      <a:schemeClr val="accent6">
+        <a:tint val="40000"/>
+        <a:alpha val="90000"/>
+      </a:schemeClr>
+    </dgm:fillClrLst>
+    <dgm:linClrLst>
+      <a:schemeClr val="accent5">
+        <a:tint val="40000"/>
+        <a:alpha val="90000"/>
+      </a:schemeClr>
+      <a:schemeClr val="accent6">
+        <a:tint val="40000"/>
+        <a:alpha val="90000"/>
+      </a:schemeClr>
+    </dgm:linClrLst>
+    <dgm:effectClrLst/>
+    <dgm:txLinClrLst/>
+    <dgm:txFillClrLst meth="repeat">
+      <a:schemeClr val="dk1"/>
+    </dgm:txFillClrLst>
+    <dgm:txEffectClrLst/>
+  </dgm:styleLbl>
+  <dgm:styleLbl name="bgAccFollowNode1">
+    <dgm:fillClrLst>
+      <a:schemeClr val="accent5">
+        <a:tint val="40000"/>
+        <a:alpha val="90000"/>
+      </a:schemeClr>
+      <a:schemeClr val="accent6">
+        <a:tint val="40000"/>
+        <a:alpha val="90000"/>
+      </a:schemeClr>
+    </dgm:fillClrLst>
+    <dgm:linClrLst>
+      <a:schemeClr val="accent5">
+        <a:tint val="40000"/>
+        <a:alpha val="90000"/>
+      </a:schemeClr>
+      <a:schemeClr val="accent6">
+        <a:tint val="40000"/>
+        <a:alpha val="90000"/>
+      </a:schemeClr>
+    </dgm:linClrLst>
+    <dgm:effectClrLst/>
+    <dgm:txLinClrLst/>
+    <dgm:txFillClrLst meth="repeat">
+      <a:schemeClr val="dk1"/>
+    </dgm:txFillClrLst>
+    <dgm:txEffectClrLst/>
+  </dgm:styleLbl>
+  <dgm:styleLbl name="fgAcc0">
+    <dgm:fillClrLst meth="repeat">
+      <a:schemeClr val="lt1">
+        <a:alpha val="90000"/>
+      </a:schemeClr>
+    </dgm:fillClrLst>
+    <dgm:linClrLst>
+      <a:schemeClr val="accent4"/>
+    </dgm:linClrLst>
+    <dgm:effectClrLst/>
+    <dgm:txLinClrLst/>
+    <dgm:txFillClrLst meth="repeat">
+      <a:schemeClr val="dk1"/>
+    </dgm:txFillClrLst>
+    <dgm:txEffectClrLst/>
+  </dgm:styleLbl>
+  <dgm:styleLbl name="fgAcc2">
+    <dgm:fillClrLst meth="repeat">
+      <a:schemeClr val="lt1">
+        <a:alpha val="90000"/>
+      </a:schemeClr>
+    </dgm:fillClrLst>
+    <dgm:linClrLst>
+      <a:schemeClr val="accent6"/>
+    </dgm:linClrLst>
+    <dgm:effectClrLst/>
+    <dgm:txLinClrLst/>
+    <dgm:txFillClrLst meth="repeat">
+      <a:schemeClr val="dk1"/>
+    </dgm:txFillClrLst>
+    <dgm:txEffectClrLst/>
+  </dgm:styleLbl>
+  <dgm:styleLbl name="fgAcc3">
+    <dgm:fillClrLst meth="repeat">
+      <a:schemeClr val="lt1">
+        <a:alpha val="90000"/>
+      </a:schemeClr>
+    </dgm:fillClrLst>
+    <dgm:linClrLst>
+      <a:schemeClr val="accent1"/>
+    </dgm:linClrLst>
+    <dgm:effectClrLst/>
+    <dgm:txLinClrLst/>
+    <dgm:txFillClrLst meth="repeat">
+      <a:schemeClr val="dk1"/>
+    </dgm:txFillClrLst>
+    <dgm:txEffectClrLst/>
+  </dgm:styleLbl>
+  <dgm:styleLbl name="fgAcc4">
+    <dgm:fillClrLst meth="repeat">
+      <a:schemeClr val="lt1">
+        <a:alpha val="90000"/>
+      </a:schemeClr>
+    </dgm:fillClrLst>
+    <dgm:linClrLst>
+      <a:schemeClr val="accent2"/>
+    </dgm:linClrLst>
+    <dgm:effectClrLst/>
+    <dgm:txLinClrLst/>
+    <dgm:txFillClrLst meth="repeat">
+      <a:schemeClr val="dk1"/>
+    </dgm:txFillClrLst>
+    <dgm:txEffectClrLst/>
+  </dgm:styleLbl>
+  <dgm:styleLbl name="bgShp">
+    <dgm:fillClrLst meth="repeat">
+      <a:schemeClr val="bg1">
+        <a:lumMod val="95000"/>
+      </a:schemeClr>
+    </dgm:fillClrLst>
+    <dgm:linClrLst meth="repeat">
+      <a:schemeClr val="dk1"/>
+    </dgm:linClrLst>
+    <dgm:effectClrLst/>
+    <dgm:txLinClrLst/>
+    <dgm:txFillClrLst meth="repeat">
+      <a:schemeClr val="dk1"/>
+    </dgm:txFillClrLst>
+    <dgm:txEffectClrLst/>
+  </dgm:styleLbl>
+  <dgm:styleLbl name="dkBgShp">
+    <dgm:fillClrLst meth="repeat">
+      <a:schemeClr val="accent5">
+        <a:shade val="90000"/>
+      </a:schemeClr>
+    </dgm:fillClrLst>
+    <dgm:linClrLst meth="repeat">
+      <a:schemeClr val="dk1"/>
+    </dgm:linClrLst>
+    <dgm:effectClrLst/>
+    <dgm:txLinClrLst/>
+    <dgm:txFillClrLst meth="repeat">
+      <a:schemeClr val="lt1"/>
+    </dgm:txFillClrLst>
+    <dgm:txEffectClrLst/>
+  </dgm:styleLbl>
+  <dgm:styleLbl name="trBgShp">
+    <dgm:fillClrLst meth="repeat">
+      <a:schemeClr val="accent5">
+        <a:tint val="50000"/>
+        <a:alpha val="40000"/>
+      </a:schemeClr>
+    </dgm:fillClrLst>
+    <dgm:linClrLst meth="repeat">
+      <a:schemeClr val="accent5"/>
+    </dgm:linClrLst>
+    <dgm:effectClrLst/>
+    <dgm:txLinClrLst/>
+    <dgm:txFillClrLst meth="repeat">
+      <a:schemeClr val="lt1"/>
+    </dgm:txFillClrLst>
+    <dgm:txEffectClrLst/>
+  </dgm:styleLbl>
+  <dgm:styleLbl name="fgShp">
+    <dgm:fillClrLst meth="repeat">
+      <a:schemeClr val="accent5">
+        <a:tint val="40000"/>
       </a:schemeClr>
     </dgm:fillClrLst>
     <dgm:linClrLst meth="repeat">
@@ -4543,6 +6080,995 @@
   <dgm:extLst>
     <a:ext uri="http://schemas.microsoft.com/office/drawing/2008/diagram">
       <dsp:dataModelExt xmlns:dsp="http://schemas.microsoft.com/office/drawing/2008/diagram" relId="rId6" minVer="http://schemas.openxmlformats.org/drawingml/2006/diagram"/>
+    </a:ext>
+  </dgm:extLst>
+</dgm:dataModel>
+</file>
+
+<file path=ppt/diagrams/data5.xml><?xml version="1.0" encoding="utf-8"?>
+<dgm:dataModel xmlns:dgm="http://schemas.openxmlformats.org/drawingml/2006/diagram" xmlns:a="http://schemas.openxmlformats.org/drawingml/2006/main">
+  <dgm:ptLst>
+    <dgm:pt modelId="{312DA6AD-AD62-4424-B1EE-3BCDA350D41E}" type="doc">
+      <dgm:prSet loTypeId="urn:microsoft.com/office/officeart/2018/2/layout/IconCircleList" loCatId="icon" qsTypeId="urn:microsoft.com/office/officeart/2005/8/quickstyle/simple4" qsCatId="simple" csTypeId="urn:microsoft.com/office/officeart/2018/5/colors/Iconchunking_neutralicon_accent1_2" csCatId="accent1" phldr="1"/>
+      <dgm:spPr/>
+      <dgm:t>
+        <a:bodyPr/>
+        <a:lstStyle/>
+        <a:p>
+          <a:endParaRPr lang="en-US"/>
+        </a:p>
+      </dgm:t>
+    </dgm:pt>
+    <dgm:pt modelId="{480D3A88-C751-4B20-8BDF-2A756EC53929}">
+      <dgm:prSet/>
+      <dgm:spPr/>
+      <dgm:t>
+        <a:bodyPr/>
+        <a:lstStyle/>
+        <a:p>
+          <a:r>
+            <a:rPr lang="en-US"/>
+            <a:t>retired e-sports professional</a:t>
+          </a:r>
+        </a:p>
+      </dgm:t>
+    </dgm:pt>
+    <dgm:pt modelId="{870BD7B6-D599-47DF-AAB0-08A94B408F0E}" type="parTrans" cxnId="{B24DC064-21A4-49A4-B82F-D2A8300D367B}">
+      <dgm:prSet/>
+      <dgm:spPr/>
+      <dgm:t>
+        <a:bodyPr/>
+        <a:lstStyle/>
+        <a:p>
+          <a:endParaRPr lang="en-US"/>
+        </a:p>
+      </dgm:t>
+    </dgm:pt>
+    <dgm:pt modelId="{55416B8D-A72D-4250-90DD-C2813A48E429}" type="sibTrans" cxnId="{B24DC064-21A4-49A4-B82F-D2A8300D367B}">
+      <dgm:prSet/>
+      <dgm:spPr/>
+      <dgm:t>
+        <a:bodyPr/>
+        <a:lstStyle/>
+        <a:p>
+          <a:endParaRPr lang="en-US"/>
+        </a:p>
+      </dgm:t>
+    </dgm:pt>
+    <dgm:pt modelId="{EF725548-84EF-4BD7-8249-8954C07472F2}">
+      <dgm:prSet/>
+      <dgm:spPr/>
+      <dgm:t>
+        <a:bodyPr/>
+        <a:lstStyle/>
+        <a:p>
+          <a:r>
+            <a:rPr lang="en-US"/>
+            <a:t>Leader</a:t>
+          </a:r>
+        </a:p>
+      </dgm:t>
+    </dgm:pt>
+    <dgm:pt modelId="{76DA4B55-C747-4FA7-916B-E25935F92930}" type="parTrans" cxnId="{8B9CE0B1-2743-4DBC-B5C6-0BBBEFE907CF}">
+      <dgm:prSet/>
+      <dgm:spPr/>
+      <dgm:t>
+        <a:bodyPr/>
+        <a:lstStyle/>
+        <a:p>
+          <a:endParaRPr lang="en-US"/>
+        </a:p>
+      </dgm:t>
+    </dgm:pt>
+    <dgm:pt modelId="{0825A81A-79FB-4BEF-871E-0B4D9CFDCA9A}" type="sibTrans" cxnId="{8B9CE0B1-2743-4DBC-B5C6-0BBBEFE907CF}">
+      <dgm:prSet/>
+      <dgm:spPr/>
+      <dgm:t>
+        <a:bodyPr/>
+        <a:lstStyle/>
+        <a:p>
+          <a:endParaRPr lang="en-US"/>
+        </a:p>
+      </dgm:t>
+    </dgm:pt>
+    <dgm:pt modelId="{79ABD07A-3687-44D9-B2C1-AC55DFE784ED}">
+      <dgm:prSet/>
+      <dgm:spPr/>
+      <dgm:t>
+        <a:bodyPr/>
+        <a:lstStyle/>
+        <a:p>
+          <a:r>
+            <a:rPr lang="en-US"/>
+            <a:t>works well in team </a:t>
+          </a:r>
+        </a:p>
+      </dgm:t>
+    </dgm:pt>
+    <dgm:pt modelId="{267DE53D-E41D-4B6A-B49B-3FD30B337815}" type="parTrans" cxnId="{70963DB9-8E54-4CCB-A90E-0252CCCB0B44}">
+      <dgm:prSet/>
+      <dgm:spPr/>
+      <dgm:t>
+        <a:bodyPr/>
+        <a:lstStyle/>
+        <a:p>
+          <a:endParaRPr lang="en-US"/>
+        </a:p>
+      </dgm:t>
+    </dgm:pt>
+    <dgm:pt modelId="{B1AEF20D-E379-4236-B8EF-18A47AAAB18D}" type="sibTrans" cxnId="{70963DB9-8E54-4CCB-A90E-0252CCCB0B44}">
+      <dgm:prSet/>
+      <dgm:spPr/>
+      <dgm:t>
+        <a:bodyPr/>
+        <a:lstStyle/>
+        <a:p>
+          <a:endParaRPr lang="en-US"/>
+        </a:p>
+      </dgm:t>
+    </dgm:pt>
+    <dgm:pt modelId="{87DB3289-A83D-417E-AAEE-A950A233A23B}">
+      <dgm:prSet/>
+      <dgm:spPr/>
+      <dgm:t>
+        <a:bodyPr/>
+        <a:lstStyle/>
+        <a:p>
+          <a:r>
+            <a:rPr lang="en-US"/>
+            <a:t>Good people skills</a:t>
+          </a:r>
+        </a:p>
+      </dgm:t>
+    </dgm:pt>
+    <dgm:pt modelId="{CEE617F8-7E64-4D68-8A7B-24490CECB559}" type="parTrans" cxnId="{CA189D03-933E-4D62-8F1B-1E2B2346750E}">
+      <dgm:prSet/>
+      <dgm:spPr/>
+      <dgm:t>
+        <a:bodyPr/>
+        <a:lstStyle/>
+        <a:p>
+          <a:endParaRPr lang="en-US"/>
+        </a:p>
+      </dgm:t>
+    </dgm:pt>
+    <dgm:pt modelId="{32051E41-9671-4193-B3C4-A75239DD1DB8}" type="sibTrans" cxnId="{CA189D03-933E-4D62-8F1B-1E2B2346750E}">
+      <dgm:prSet/>
+      <dgm:spPr/>
+      <dgm:t>
+        <a:bodyPr/>
+        <a:lstStyle/>
+        <a:p>
+          <a:endParaRPr lang="en-US"/>
+        </a:p>
+      </dgm:t>
+    </dgm:pt>
+    <dgm:pt modelId="{D44FBA91-2D9A-4043-BFA1-16E47797FB3E}">
+      <dgm:prSet/>
+      <dgm:spPr/>
+      <dgm:t>
+        <a:bodyPr/>
+        <a:lstStyle/>
+        <a:p>
+          <a:r>
+            <a:rPr lang="en-US"/>
+            <a:t>Organized</a:t>
+          </a:r>
+        </a:p>
+      </dgm:t>
+    </dgm:pt>
+    <dgm:pt modelId="{B13FE511-F4DA-4538-BAE6-1E5AA024F9BA}" type="parTrans" cxnId="{EA3EA262-ED15-46EB-B682-7AAAEF0DD191}">
+      <dgm:prSet/>
+      <dgm:spPr/>
+      <dgm:t>
+        <a:bodyPr/>
+        <a:lstStyle/>
+        <a:p>
+          <a:endParaRPr lang="en-US"/>
+        </a:p>
+      </dgm:t>
+    </dgm:pt>
+    <dgm:pt modelId="{90E7ACA1-407A-4E08-88BA-A058E3A00784}" type="sibTrans" cxnId="{EA3EA262-ED15-46EB-B682-7AAAEF0DD191}">
+      <dgm:prSet/>
+      <dgm:spPr/>
+      <dgm:t>
+        <a:bodyPr/>
+        <a:lstStyle/>
+        <a:p>
+          <a:endParaRPr lang="en-US"/>
+        </a:p>
+      </dgm:t>
+    </dgm:pt>
+    <dgm:pt modelId="{72440F12-D021-4619-A8E6-DDF810E56AE4}">
+      <dgm:prSet/>
+      <dgm:spPr/>
+      <dgm:t>
+        <a:bodyPr/>
+        <a:lstStyle/>
+        <a:p>
+          <a:r>
+            <a:rPr lang="en-US"/>
+            <a:t>Lacks business/law knowledge</a:t>
+          </a:r>
+          <a:br>
+            <a:rPr lang="en-US"/>
+          </a:br>
+          <a:endParaRPr lang="en-US"/>
+        </a:p>
+      </dgm:t>
+    </dgm:pt>
+    <dgm:pt modelId="{A9492878-70E3-494C-9FD5-60E826C7784D}" type="parTrans" cxnId="{D7474526-1D4D-4160-80D2-AD596A468E20}">
+      <dgm:prSet/>
+      <dgm:spPr/>
+      <dgm:t>
+        <a:bodyPr/>
+        <a:lstStyle/>
+        <a:p>
+          <a:endParaRPr lang="en-US"/>
+        </a:p>
+      </dgm:t>
+    </dgm:pt>
+    <dgm:pt modelId="{4AE3F36F-6158-438A-892F-5343530513AE}" type="sibTrans" cxnId="{D7474526-1D4D-4160-80D2-AD596A468E20}">
+      <dgm:prSet/>
+      <dgm:spPr/>
+      <dgm:t>
+        <a:bodyPr/>
+        <a:lstStyle/>
+        <a:p>
+          <a:endParaRPr lang="en-US"/>
+        </a:p>
+      </dgm:t>
+    </dgm:pt>
+    <dgm:pt modelId="{24FD3731-4282-41E6-96AF-706B448213B6}" type="pres">
+      <dgm:prSet presAssocID="{312DA6AD-AD62-4424-B1EE-3BCDA350D41E}" presName="root" presStyleCnt="0">
+        <dgm:presLayoutVars>
+          <dgm:dir/>
+          <dgm:resizeHandles val="exact"/>
+        </dgm:presLayoutVars>
+      </dgm:prSet>
+      <dgm:spPr/>
+    </dgm:pt>
+    <dgm:pt modelId="{A39A77F9-62AD-4CB9-83A3-15D5AD55E550}" type="pres">
+      <dgm:prSet presAssocID="{312DA6AD-AD62-4424-B1EE-3BCDA350D41E}" presName="container" presStyleCnt="0">
+        <dgm:presLayoutVars>
+          <dgm:dir/>
+          <dgm:resizeHandles val="exact"/>
+        </dgm:presLayoutVars>
+      </dgm:prSet>
+      <dgm:spPr/>
+    </dgm:pt>
+    <dgm:pt modelId="{3192A49A-73D9-498E-9BE2-CD29692BA58F}" type="pres">
+      <dgm:prSet presAssocID="{480D3A88-C751-4B20-8BDF-2A756EC53929}" presName="compNode" presStyleCnt="0"/>
+      <dgm:spPr/>
+    </dgm:pt>
+    <dgm:pt modelId="{538B1702-1C91-4713-86B7-5E1F78D97FFC}" type="pres">
+      <dgm:prSet presAssocID="{480D3A88-C751-4B20-8BDF-2A756EC53929}" presName="iconBgRect" presStyleLbl="bgShp" presStyleIdx="0" presStyleCnt="6"/>
+      <dgm:spPr/>
+    </dgm:pt>
+    <dgm:pt modelId="{2DA1180E-CEAB-4F4B-B5BC-BE30E6347A71}" type="pres">
+      <dgm:prSet presAssocID="{480D3A88-C751-4B20-8BDF-2A756EC53929}" presName="iconRect" presStyleLbl="node1" presStyleIdx="0" presStyleCnt="6"/>
+      <dgm:spPr>
+        <a:blipFill>
+          <a:blip xmlns:r="http://schemas.openxmlformats.org/officeDocument/2006/relationships" r:embed="rId1">
+            <a:extLst>
+              <a:ext uri="{28A0092B-C50C-407E-A947-70E740481C1C}">
+                <a14:useLocalDpi xmlns:a14="http://schemas.microsoft.com/office/drawing/2010/main" val="0"/>
+              </a:ext>
+              <a:ext uri="{96DAC541-7B7A-43D3-8B79-37D633B846F1}">
+                <asvg:svgBlip xmlns:asvg="http://schemas.microsoft.com/office/drawing/2016/SVG/main" r:embed="rId2"/>
+              </a:ext>
+            </a:extLst>
+          </a:blip>
+          <a:stretch>
+            <a:fillRect/>
+          </a:stretch>
+        </a:blipFill>
+        <a:ln>
+          <a:noFill/>
+        </a:ln>
+      </dgm:spPr>
+      <dgm:extLst>
+        <a:ext uri="{E40237B7-FDA0-4F09-8148-C483321AD2D9}">
+          <dgm14:cNvPr xmlns:dgm14="http://schemas.microsoft.com/office/drawing/2010/diagram" id="0" name="" descr="Basketball"/>
+        </a:ext>
+      </dgm:extLst>
+    </dgm:pt>
+    <dgm:pt modelId="{A201F555-25C8-4077-9E33-9E6960288C77}" type="pres">
+      <dgm:prSet presAssocID="{480D3A88-C751-4B20-8BDF-2A756EC53929}" presName="spaceRect" presStyleCnt="0"/>
+      <dgm:spPr/>
+    </dgm:pt>
+    <dgm:pt modelId="{6A6B1469-1637-4468-89C5-63AB60B5A4CE}" type="pres">
+      <dgm:prSet presAssocID="{480D3A88-C751-4B20-8BDF-2A756EC53929}" presName="textRect" presStyleLbl="revTx" presStyleIdx="0" presStyleCnt="6">
+        <dgm:presLayoutVars>
+          <dgm:chMax val="1"/>
+          <dgm:chPref val="1"/>
+        </dgm:presLayoutVars>
+      </dgm:prSet>
+      <dgm:spPr/>
+    </dgm:pt>
+    <dgm:pt modelId="{1CB0C8A0-FA0C-4EF5-A314-9BC008978D6B}" type="pres">
+      <dgm:prSet presAssocID="{55416B8D-A72D-4250-90DD-C2813A48E429}" presName="sibTrans" presStyleLbl="sibTrans2D1" presStyleIdx="0" presStyleCnt="0"/>
+      <dgm:spPr/>
+    </dgm:pt>
+    <dgm:pt modelId="{B0A79145-9F25-4FB2-8DF2-DD1B0F1201C1}" type="pres">
+      <dgm:prSet presAssocID="{EF725548-84EF-4BD7-8249-8954C07472F2}" presName="compNode" presStyleCnt="0"/>
+      <dgm:spPr/>
+    </dgm:pt>
+    <dgm:pt modelId="{DCB7CF60-F9C6-4652-984F-B93C79B21666}" type="pres">
+      <dgm:prSet presAssocID="{EF725548-84EF-4BD7-8249-8954C07472F2}" presName="iconBgRect" presStyleLbl="bgShp" presStyleIdx="1" presStyleCnt="6"/>
+      <dgm:spPr/>
+    </dgm:pt>
+    <dgm:pt modelId="{9778EC62-0A73-434F-8D38-9E86589356B4}" type="pres">
+      <dgm:prSet presAssocID="{EF725548-84EF-4BD7-8249-8954C07472F2}" presName="iconRect" presStyleLbl="node1" presStyleIdx="1" presStyleCnt="6"/>
+      <dgm:spPr>
+        <a:blipFill>
+          <a:blip xmlns:r="http://schemas.openxmlformats.org/officeDocument/2006/relationships" r:embed="rId3">
+            <a:extLst>
+              <a:ext uri="{28A0092B-C50C-407E-A947-70E740481C1C}">
+                <a14:useLocalDpi xmlns:a14="http://schemas.microsoft.com/office/drawing/2010/main" val="0"/>
+              </a:ext>
+              <a:ext uri="{96DAC541-7B7A-43D3-8B79-37D633B846F1}">
+                <asvg:svgBlip xmlns:asvg="http://schemas.microsoft.com/office/drawing/2016/SVG/main" r:embed="rId4"/>
+              </a:ext>
+            </a:extLst>
+          </a:blip>
+          <a:stretch>
+            <a:fillRect/>
+          </a:stretch>
+        </a:blipFill>
+        <a:ln>
+          <a:noFill/>
+        </a:ln>
+      </dgm:spPr>
+      <dgm:extLst>
+        <a:ext uri="{E40237B7-FDA0-4F09-8148-C483321AD2D9}">
+          <dgm14:cNvPr xmlns:dgm14="http://schemas.microsoft.com/office/drawing/2010/diagram" id="0" name="" descr="Teacher"/>
+        </a:ext>
+      </dgm:extLst>
+    </dgm:pt>
+    <dgm:pt modelId="{5AFED75D-A53F-4FB6-8ED6-D5F52DAC1B6E}" type="pres">
+      <dgm:prSet presAssocID="{EF725548-84EF-4BD7-8249-8954C07472F2}" presName="spaceRect" presStyleCnt="0"/>
+      <dgm:spPr/>
+    </dgm:pt>
+    <dgm:pt modelId="{1DB8CACD-0303-4099-8CA8-DC25383F8100}" type="pres">
+      <dgm:prSet presAssocID="{EF725548-84EF-4BD7-8249-8954C07472F2}" presName="textRect" presStyleLbl="revTx" presStyleIdx="1" presStyleCnt="6">
+        <dgm:presLayoutVars>
+          <dgm:chMax val="1"/>
+          <dgm:chPref val="1"/>
+        </dgm:presLayoutVars>
+      </dgm:prSet>
+      <dgm:spPr/>
+    </dgm:pt>
+    <dgm:pt modelId="{E47BE3EC-4BC1-48F7-B0DE-0F94AD077C95}" type="pres">
+      <dgm:prSet presAssocID="{0825A81A-79FB-4BEF-871E-0B4D9CFDCA9A}" presName="sibTrans" presStyleLbl="sibTrans2D1" presStyleIdx="0" presStyleCnt="0"/>
+      <dgm:spPr/>
+    </dgm:pt>
+    <dgm:pt modelId="{5A043EA3-C4D5-411B-96CE-2B26F7E6D423}" type="pres">
+      <dgm:prSet presAssocID="{79ABD07A-3687-44D9-B2C1-AC55DFE784ED}" presName="compNode" presStyleCnt="0"/>
+      <dgm:spPr/>
+    </dgm:pt>
+    <dgm:pt modelId="{71635D27-A9CE-426E-A62D-C6F6CCAAEF93}" type="pres">
+      <dgm:prSet presAssocID="{79ABD07A-3687-44D9-B2C1-AC55DFE784ED}" presName="iconBgRect" presStyleLbl="bgShp" presStyleIdx="2" presStyleCnt="6"/>
+      <dgm:spPr/>
+    </dgm:pt>
+    <dgm:pt modelId="{EF1057F5-BDEE-4AA2-99A3-264ADF572099}" type="pres">
+      <dgm:prSet presAssocID="{79ABD07A-3687-44D9-B2C1-AC55DFE784ED}" presName="iconRect" presStyleLbl="node1" presStyleIdx="2" presStyleCnt="6"/>
+      <dgm:spPr>
+        <a:blipFill>
+          <a:blip xmlns:r="http://schemas.openxmlformats.org/officeDocument/2006/relationships" r:embed="rId5">
+            <a:extLst>
+              <a:ext uri="{28A0092B-C50C-407E-A947-70E740481C1C}">
+                <a14:useLocalDpi xmlns:a14="http://schemas.microsoft.com/office/drawing/2010/main" val="0"/>
+              </a:ext>
+              <a:ext uri="{96DAC541-7B7A-43D3-8B79-37D633B846F1}">
+                <asvg:svgBlip xmlns:asvg="http://schemas.microsoft.com/office/drawing/2016/SVG/main" r:embed="rId6"/>
+              </a:ext>
+            </a:extLst>
+          </a:blip>
+          <a:stretch>
+            <a:fillRect/>
+          </a:stretch>
+        </a:blipFill>
+        <a:ln>
+          <a:noFill/>
+        </a:ln>
+      </dgm:spPr>
+      <dgm:extLst>
+        <a:ext uri="{E40237B7-FDA0-4F09-8148-C483321AD2D9}">
+          <dgm14:cNvPr xmlns:dgm14="http://schemas.microsoft.com/office/drawing/2010/diagram" id="0" name="" descr="Group"/>
+        </a:ext>
+      </dgm:extLst>
+    </dgm:pt>
+    <dgm:pt modelId="{E9AFC5ED-F36F-4B4A-B1B5-11DF366363AB}" type="pres">
+      <dgm:prSet presAssocID="{79ABD07A-3687-44D9-B2C1-AC55DFE784ED}" presName="spaceRect" presStyleCnt="0"/>
+      <dgm:spPr/>
+    </dgm:pt>
+    <dgm:pt modelId="{23C683C4-5A1B-45B0-A5C6-D3A0A197A2E5}" type="pres">
+      <dgm:prSet presAssocID="{79ABD07A-3687-44D9-B2C1-AC55DFE784ED}" presName="textRect" presStyleLbl="revTx" presStyleIdx="2" presStyleCnt="6">
+        <dgm:presLayoutVars>
+          <dgm:chMax val="1"/>
+          <dgm:chPref val="1"/>
+        </dgm:presLayoutVars>
+      </dgm:prSet>
+      <dgm:spPr/>
+    </dgm:pt>
+    <dgm:pt modelId="{82FFBDCE-37B2-41D4-B24D-1FCE111D6D0F}" type="pres">
+      <dgm:prSet presAssocID="{B1AEF20D-E379-4236-B8EF-18A47AAAB18D}" presName="sibTrans" presStyleLbl="sibTrans2D1" presStyleIdx="0" presStyleCnt="0"/>
+      <dgm:spPr/>
+    </dgm:pt>
+    <dgm:pt modelId="{53BA0114-4124-4E8B-BEAB-0B5E7B7D8A89}" type="pres">
+      <dgm:prSet presAssocID="{87DB3289-A83D-417E-AAEE-A950A233A23B}" presName="compNode" presStyleCnt="0"/>
+      <dgm:spPr/>
+    </dgm:pt>
+    <dgm:pt modelId="{33FBD606-1F76-4111-87C2-BA3C6BD1684C}" type="pres">
+      <dgm:prSet presAssocID="{87DB3289-A83D-417E-AAEE-A950A233A23B}" presName="iconBgRect" presStyleLbl="bgShp" presStyleIdx="3" presStyleCnt="6"/>
+      <dgm:spPr/>
+    </dgm:pt>
+    <dgm:pt modelId="{D683C019-271C-4E54-8AFE-2D86B08C3A04}" type="pres">
+      <dgm:prSet presAssocID="{87DB3289-A83D-417E-AAEE-A950A233A23B}" presName="iconRect" presStyleLbl="node1" presStyleIdx="3" presStyleCnt="6"/>
+      <dgm:spPr>
+        <a:blipFill>
+          <a:blip xmlns:r="http://schemas.openxmlformats.org/officeDocument/2006/relationships" r:embed="rId7">
+            <a:extLst>
+              <a:ext uri="{28A0092B-C50C-407E-A947-70E740481C1C}">
+                <a14:useLocalDpi xmlns:a14="http://schemas.microsoft.com/office/drawing/2010/main" val="0"/>
+              </a:ext>
+              <a:ext uri="{96DAC541-7B7A-43D3-8B79-37D633B846F1}">
+                <asvg:svgBlip xmlns:asvg="http://schemas.microsoft.com/office/drawing/2016/SVG/main" r:embed="rId8"/>
+              </a:ext>
+            </a:extLst>
+          </a:blip>
+          <a:stretch>
+            <a:fillRect/>
+          </a:stretch>
+        </a:blipFill>
+        <a:ln>
+          <a:noFill/>
+        </a:ln>
+      </dgm:spPr>
+      <dgm:extLst>
+        <a:ext uri="{E40237B7-FDA0-4F09-8148-C483321AD2D9}">
+          <dgm14:cNvPr xmlns:dgm14="http://schemas.microsoft.com/office/drawing/2010/diagram" id="0" name="" descr="Head with Gears"/>
+        </a:ext>
+      </dgm:extLst>
+    </dgm:pt>
+    <dgm:pt modelId="{8CF5CFF2-D261-42B2-AE9F-81606B4AEBF7}" type="pres">
+      <dgm:prSet presAssocID="{87DB3289-A83D-417E-AAEE-A950A233A23B}" presName="spaceRect" presStyleCnt="0"/>
+      <dgm:spPr/>
+    </dgm:pt>
+    <dgm:pt modelId="{FBA95410-AF5D-4DAE-A852-F7FCB52E970E}" type="pres">
+      <dgm:prSet presAssocID="{87DB3289-A83D-417E-AAEE-A950A233A23B}" presName="textRect" presStyleLbl="revTx" presStyleIdx="3" presStyleCnt="6">
+        <dgm:presLayoutVars>
+          <dgm:chMax val="1"/>
+          <dgm:chPref val="1"/>
+        </dgm:presLayoutVars>
+      </dgm:prSet>
+      <dgm:spPr/>
+    </dgm:pt>
+    <dgm:pt modelId="{E3A61F72-5649-45BF-A1B6-5D1BD7672208}" type="pres">
+      <dgm:prSet presAssocID="{32051E41-9671-4193-B3C4-A75239DD1DB8}" presName="sibTrans" presStyleLbl="sibTrans2D1" presStyleIdx="0" presStyleCnt="0"/>
+      <dgm:spPr/>
+    </dgm:pt>
+    <dgm:pt modelId="{EEFA6AEA-8C86-4689-A586-0EE6AAD7D552}" type="pres">
+      <dgm:prSet presAssocID="{D44FBA91-2D9A-4043-BFA1-16E47797FB3E}" presName="compNode" presStyleCnt="0"/>
+      <dgm:spPr/>
+    </dgm:pt>
+    <dgm:pt modelId="{A32F295C-6350-4245-B0C5-88479BA18886}" type="pres">
+      <dgm:prSet presAssocID="{D44FBA91-2D9A-4043-BFA1-16E47797FB3E}" presName="iconBgRect" presStyleLbl="bgShp" presStyleIdx="4" presStyleCnt="6"/>
+      <dgm:spPr/>
+    </dgm:pt>
+    <dgm:pt modelId="{E42DDB78-2B19-4FDE-B9C1-41E43982848B}" type="pres">
+      <dgm:prSet presAssocID="{D44FBA91-2D9A-4043-BFA1-16E47797FB3E}" presName="iconRect" presStyleLbl="node1" presStyleIdx="4" presStyleCnt="6"/>
+      <dgm:spPr>
+        <a:blipFill>
+          <a:blip xmlns:r="http://schemas.openxmlformats.org/officeDocument/2006/relationships" r:embed="rId9">
+            <a:extLst>
+              <a:ext uri="{28A0092B-C50C-407E-A947-70E740481C1C}">
+                <a14:useLocalDpi xmlns:a14="http://schemas.microsoft.com/office/drawing/2010/main" val="0"/>
+              </a:ext>
+              <a:ext uri="{96DAC541-7B7A-43D3-8B79-37D633B846F1}">
+                <asvg:svgBlip xmlns:asvg="http://schemas.microsoft.com/office/drawing/2016/SVG/main" r:embed="rId10"/>
+              </a:ext>
+            </a:extLst>
+          </a:blip>
+          <a:stretch>
+            <a:fillRect/>
+          </a:stretch>
+        </a:blipFill>
+        <a:ln>
+          <a:noFill/>
+        </a:ln>
+      </dgm:spPr>
+      <dgm:extLst>
+        <a:ext uri="{E40237B7-FDA0-4F09-8148-C483321AD2D9}">
+          <dgm14:cNvPr xmlns:dgm14="http://schemas.microsoft.com/office/drawing/2010/diagram" id="0" name="" descr="Checklist"/>
+        </a:ext>
+      </dgm:extLst>
+    </dgm:pt>
+    <dgm:pt modelId="{67C6328B-8D3A-4BC7-8583-F5752D7EBFCD}" type="pres">
+      <dgm:prSet presAssocID="{D44FBA91-2D9A-4043-BFA1-16E47797FB3E}" presName="spaceRect" presStyleCnt="0"/>
+      <dgm:spPr/>
+    </dgm:pt>
+    <dgm:pt modelId="{4A13BC47-8DAA-4AB5-BF16-C336A408D669}" type="pres">
+      <dgm:prSet presAssocID="{D44FBA91-2D9A-4043-BFA1-16E47797FB3E}" presName="textRect" presStyleLbl="revTx" presStyleIdx="4" presStyleCnt="6">
+        <dgm:presLayoutVars>
+          <dgm:chMax val="1"/>
+          <dgm:chPref val="1"/>
+        </dgm:presLayoutVars>
+      </dgm:prSet>
+      <dgm:spPr/>
+    </dgm:pt>
+    <dgm:pt modelId="{99481123-E5A5-4A7A-BA99-280FECFCB2DB}" type="pres">
+      <dgm:prSet presAssocID="{90E7ACA1-407A-4E08-88BA-A058E3A00784}" presName="sibTrans" presStyleLbl="sibTrans2D1" presStyleIdx="0" presStyleCnt="0"/>
+      <dgm:spPr/>
+    </dgm:pt>
+    <dgm:pt modelId="{39D5934B-ADB6-458B-86C8-F4ABAF6CD405}" type="pres">
+      <dgm:prSet presAssocID="{72440F12-D021-4619-A8E6-DDF810E56AE4}" presName="compNode" presStyleCnt="0"/>
+      <dgm:spPr/>
+    </dgm:pt>
+    <dgm:pt modelId="{100B3918-8DE9-4A40-A73E-6DA33ABD6997}" type="pres">
+      <dgm:prSet presAssocID="{72440F12-D021-4619-A8E6-DDF810E56AE4}" presName="iconBgRect" presStyleLbl="bgShp" presStyleIdx="5" presStyleCnt="6"/>
+      <dgm:spPr/>
+    </dgm:pt>
+    <dgm:pt modelId="{DC25B503-CDE2-4F82-BBA6-55A498AF0D22}" type="pres">
+      <dgm:prSet presAssocID="{72440F12-D021-4619-A8E6-DDF810E56AE4}" presName="iconRect" presStyleLbl="node1" presStyleIdx="5" presStyleCnt="6"/>
+      <dgm:spPr>
+        <a:blipFill>
+          <a:blip xmlns:r="http://schemas.openxmlformats.org/officeDocument/2006/relationships" r:embed="rId11">
+            <a:extLst>
+              <a:ext uri="{28A0092B-C50C-407E-A947-70E740481C1C}">
+                <a14:useLocalDpi xmlns:a14="http://schemas.microsoft.com/office/drawing/2010/main" val="0"/>
+              </a:ext>
+              <a:ext uri="{96DAC541-7B7A-43D3-8B79-37D633B846F1}">
+                <asvg:svgBlip xmlns:asvg="http://schemas.microsoft.com/office/drawing/2016/SVG/main" r:embed="rId12"/>
+              </a:ext>
+            </a:extLst>
+          </a:blip>
+          <a:stretch>
+            <a:fillRect/>
+          </a:stretch>
+        </a:blipFill>
+        <a:ln>
+          <a:noFill/>
+        </a:ln>
+      </dgm:spPr>
+      <dgm:extLst>
+        <a:ext uri="{E40237B7-FDA0-4F09-8148-C483321AD2D9}">
+          <dgm14:cNvPr xmlns:dgm14="http://schemas.microsoft.com/office/drawing/2010/diagram" id="0" name="" descr="Scales of Justice"/>
+        </a:ext>
+      </dgm:extLst>
+    </dgm:pt>
+    <dgm:pt modelId="{5941B03A-C23A-461E-B451-B2ABDD23CBCB}" type="pres">
+      <dgm:prSet presAssocID="{72440F12-D021-4619-A8E6-DDF810E56AE4}" presName="spaceRect" presStyleCnt="0"/>
+      <dgm:spPr/>
+    </dgm:pt>
+    <dgm:pt modelId="{CE87D238-87AF-4D58-A543-F7E118FF822C}" type="pres">
+      <dgm:prSet presAssocID="{72440F12-D021-4619-A8E6-DDF810E56AE4}" presName="textRect" presStyleLbl="revTx" presStyleIdx="5" presStyleCnt="6">
+        <dgm:presLayoutVars>
+          <dgm:chMax val="1"/>
+          <dgm:chPref val="1"/>
+        </dgm:presLayoutVars>
+      </dgm:prSet>
+      <dgm:spPr/>
+    </dgm:pt>
+  </dgm:ptLst>
+  <dgm:cxnLst>
+    <dgm:cxn modelId="{CA189D03-933E-4D62-8F1B-1E2B2346750E}" srcId="{312DA6AD-AD62-4424-B1EE-3BCDA350D41E}" destId="{87DB3289-A83D-417E-AAEE-A950A233A23B}" srcOrd="3" destOrd="0" parTransId="{CEE617F8-7E64-4D68-8A7B-24490CECB559}" sibTransId="{32051E41-9671-4193-B3C4-A75239DD1DB8}"/>
+    <dgm:cxn modelId="{3141B120-24A9-45D2-98F4-FACEA43AFD28}" type="presOf" srcId="{D44FBA91-2D9A-4043-BFA1-16E47797FB3E}" destId="{4A13BC47-8DAA-4AB5-BF16-C336A408D669}" srcOrd="0" destOrd="0" presId="urn:microsoft.com/office/officeart/2018/2/layout/IconCircleList"/>
+    <dgm:cxn modelId="{D7474526-1D4D-4160-80D2-AD596A468E20}" srcId="{312DA6AD-AD62-4424-B1EE-3BCDA350D41E}" destId="{72440F12-D021-4619-A8E6-DDF810E56AE4}" srcOrd="5" destOrd="0" parTransId="{A9492878-70E3-494C-9FD5-60E826C7784D}" sibTransId="{4AE3F36F-6158-438A-892F-5343530513AE}"/>
+    <dgm:cxn modelId="{F7B84F31-A614-4AF6-9C9F-798738A8EE82}" type="presOf" srcId="{EF725548-84EF-4BD7-8249-8954C07472F2}" destId="{1DB8CACD-0303-4099-8CA8-DC25383F8100}" srcOrd="0" destOrd="0" presId="urn:microsoft.com/office/officeart/2018/2/layout/IconCircleList"/>
+    <dgm:cxn modelId="{EA3EA262-ED15-46EB-B682-7AAAEF0DD191}" srcId="{312DA6AD-AD62-4424-B1EE-3BCDA350D41E}" destId="{D44FBA91-2D9A-4043-BFA1-16E47797FB3E}" srcOrd="4" destOrd="0" parTransId="{B13FE511-F4DA-4538-BAE6-1E5AA024F9BA}" sibTransId="{90E7ACA1-407A-4E08-88BA-A058E3A00784}"/>
+    <dgm:cxn modelId="{B24DC064-21A4-49A4-B82F-D2A8300D367B}" srcId="{312DA6AD-AD62-4424-B1EE-3BCDA350D41E}" destId="{480D3A88-C751-4B20-8BDF-2A756EC53929}" srcOrd="0" destOrd="0" parTransId="{870BD7B6-D599-47DF-AAB0-08A94B408F0E}" sibTransId="{55416B8D-A72D-4250-90DD-C2813A48E429}"/>
+    <dgm:cxn modelId="{FFD6126B-2D77-4F3B-96DC-4445FF138B28}" type="presOf" srcId="{32051E41-9671-4193-B3C4-A75239DD1DB8}" destId="{E3A61F72-5649-45BF-A1B6-5D1BD7672208}" srcOrd="0" destOrd="0" presId="urn:microsoft.com/office/officeart/2018/2/layout/IconCircleList"/>
+    <dgm:cxn modelId="{38E0304E-BB0F-427B-AB80-3EFACE97BD7D}" type="presOf" srcId="{0825A81A-79FB-4BEF-871E-0B4D9CFDCA9A}" destId="{E47BE3EC-4BC1-48F7-B0DE-0F94AD077C95}" srcOrd="0" destOrd="0" presId="urn:microsoft.com/office/officeart/2018/2/layout/IconCircleList"/>
+    <dgm:cxn modelId="{71EB5554-B8E9-4A5A-9743-B0C198CA86DA}" type="presOf" srcId="{55416B8D-A72D-4250-90DD-C2813A48E429}" destId="{1CB0C8A0-FA0C-4EF5-A314-9BC008978D6B}" srcOrd="0" destOrd="0" presId="urn:microsoft.com/office/officeart/2018/2/layout/IconCircleList"/>
+    <dgm:cxn modelId="{DAEB9C75-C6E7-44D3-8ED9-3651A12E068A}" type="presOf" srcId="{87DB3289-A83D-417E-AAEE-A950A233A23B}" destId="{FBA95410-AF5D-4DAE-A852-F7FCB52E970E}" srcOrd="0" destOrd="0" presId="urn:microsoft.com/office/officeart/2018/2/layout/IconCircleList"/>
+    <dgm:cxn modelId="{8F90E285-D37C-482D-8A9E-8DEAA84FE6AE}" type="presOf" srcId="{B1AEF20D-E379-4236-B8EF-18A47AAAB18D}" destId="{82FFBDCE-37B2-41D4-B24D-1FCE111D6D0F}" srcOrd="0" destOrd="0" presId="urn:microsoft.com/office/officeart/2018/2/layout/IconCircleList"/>
+    <dgm:cxn modelId="{A77F298C-A040-494B-A5D7-4DF1608970DD}" type="presOf" srcId="{480D3A88-C751-4B20-8BDF-2A756EC53929}" destId="{6A6B1469-1637-4468-89C5-63AB60B5A4CE}" srcOrd="0" destOrd="0" presId="urn:microsoft.com/office/officeart/2018/2/layout/IconCircleList"/>
+    <dgm:cxn modelId="{F4463695-D3D7-4C3B-AEFB-3C1583428950}" type="presOf" srcId="{312DA6AD-AD62-4424-B1EE-3BCDA350D41E}" destId="{24FD3731-4282-41E6-96AF-706B448213B6}" srcOrd="0" destOrd="0" presId="urn:microsoft.com/office/officeart/2018/2/layout/IconCircleList"/>
+    <dgm:cxn modelId="{23FBF598-6791-49DC-99A3-555F0E12DF00}" type="presOf" srcId="{72440F12-D021-4619-A8E6-DDF810E56AE4}" destId="{CE87D238-87AF-4D58-A543-F7E118FF822C}" srcOrd="0" destOrd="0" presId="urn:microsoft.com/office/officeart/2018/2/layout/IconCircleList"/>
+    <dgm:cxn modelId="{8B9CE0B1-2743-4DBC-B5C6-0BBBEFE907CF}" srcId="{312DA6AD-AD62-4424-B1EE-3BCDA350D41E}" destId="{EF725548-84EF-4BD7-8249-8954C07472F2}" srcOrd="1" destOrd="0" parTransId="{76DA4B55-C747-4FA7-916B-E25935F92930}" sibTransId="{0825A81A-79FB-4BEF-871E-0B4D9CFDCA9A}"/>
+    <dgm:cxn modelId="{70963DB9-8E54-4CCB-A90E-0252CCCB0B44}" srcId="{312DA6AD-AD62-4424-B1EE-3BCDA350D41E}" destId="{79ABD07A-3687-44D9-B2C1-AC55DFE784ED}" srcOrd="2" destOrd="0" parTransId="{267DE53D-E41D-4B6A-B49B-3FD30B337815}" sibTransId="{B1AEF20D-E379-4236-B8EF-18A47AAAB18D}"/>
+    <dgm:cxn modelId="{F72CCBD8-37D6-4522-8626-46D6F73B5317}" type="presOf" srcId="{79ABD07A-3687-44D9-B2C1-AC55DFE784ED}" destId="{23C683C4-5A1B-45B0-A5C6-D3A0A197A2E5}" srcOrd="0" destOrd="0" presId="urn:microsoft.com/office/officeart/2018/2/layout/IconCircleList"/>
+    <dgm:cxn modelId="{47FC3FFF-2B5B-4897-A918-2ECAF76848B2}" type="presOf" srcId="{90E7ACA1-407A-4E08-88BA-A058E3A00784}" destId="{99481123-E5A5-4A7A-BA99-280FECFCB2DB}" srcOrd="0" destOrd="0" presId="urn:microsoft.com/office/officeart/2018/2/layout/IconCircleList"/>
+    <dgm:cxn modelId="{2FC957E1-3701-4EDA-88E5-2B37692A6D65}" type="presParOf" srcId="{24FD3731-4282-41E6-96AF-706B448213B6}" destId="{A39A77F9-62AD-4CB9-83A3-15D5AD55E550}" srcOrd="0" destOrd="0" presId="urn:microsoft.com/office/officeart/2018/2/layout/IconCircleList"/>
+    <dgm:cxn modelId="{369F44B3-089F-4EA5-88E3-C40AD5F773B2}" type="presParOf" srcId="{A39A77F9-62AD-4CB9-83A3-15D5AD55E550}" destId="{3192A49A-73D9-498E-9BE2-CD29692BA58F}" srcOrd="0" destOrd="0" presId="urn:microsoft.com/office/officeart/2018/2/layout/IconCircleList"/>
+    <dgm:cxn modelId="{5D53D245-B094-46E6-9266-D9458668CCCC}" type="presParOf" srcId="{3192A49A-73D9-498E-9BE2-CD29692BA58F}" destId="{538B1702-1C91-4713-86B7-5E1F78D97FFC}" srcOrd="0" destOrd="0" presId="urn:microsoft.com/office/officeart/2018/2/layout/IconCircleList"/>
+    <dgm:cxn modelId="{96C8E370-B7FF-4B4C-854F-3C67C0D6969D}" type="presParOf" srcId="{3192A49A-73D9-498E-9BE2-CD29692BA58F}" destId="{2DA1180E-CEAB-4F4B-B5BC-BE30E6347A71}" srcOrd="1" destOrd="0" presId="urn:microsoft.com/office/officeart/2018/2/layout/IconCircleList"/>
+    <dgm:cxn modelId="{F67F53E3-965F-4DEF-97E6-C2C11E73CAD5}" type="presParOf" srcId="{3192A49A-73D9-498E-9BE2-CD29692BA58F}" destId="{A201F555-25C8-4077-9E33-9E6960288C77}" srcOrd="2" destOrd="0" presId="urn:microsoft.com/office/officeart/2018/2/layout/IconCircleList"/>
+    <dgm:cxn modelId="{BC851445-A510-4A05-8126-810FC2CE7929}" type="presParOf" srcId="{3192A49A-73D9-498E-9BE2-CD29692BA58F}" destId="{6A6B1469-1637-4468-89C5-63AB60B5A4CE}" srcOrd="3" destOrd="0" presId="urn:microsoft.com/office/officeart/2018/2/layout/IconCircleList"/>
+    <dgm:cxn modelId="{F5E4A546-BE1D-4B30-A9C2-A6CDFC035477}" type="presParOf" srcId="{A39A77F9-62AD-4CB9-83A3-15D5AD55E550}" destId="{1CB0C8A0-FA0C-4EF5-A314-9BC008978D6B}" srcOrd="1" destOrd="0" presId="urn:microsoft.com/office/officeart/2018/2/layout/IconCircleList"/>
+    <dgm:cxn modelId="{5788A634-3C68-4195-8D22-811724C374F4}" type="presParOf" srcId="{A39A77F9-62AD-4CB9-83A3-15D5AD55E550}" destId="{B0A79145-9F25-4FB2-8DF2-DD1B0F1201C1}" srcOrd="2" destOrd="0" presId="urn:microsoft.com/office/officeart/2018/2/layout/IconCircleList"/>
+    <dgm:cxn modelId="{229B48D1-B370-48AA-838E-CD14E17907F5}" type="presParOf" srcId="{B0A79145-9F25-4FB2-8DF2-DD1B0F1201C1}" destId="{DCB7CF60-F9C6-4652-984F-B93C79B21666}" srcOrd="0" destOrd="0" presId="urn:microsoft.com/office/officeart/2018/2/layout/IconCircleList"/>
+    <dgm:cxn modelId="{99FBEFCE-717B-4F3E-8393-5818EF257EF3}" type="presParOf" srcId="{B0A79145-9F25-4FB2-8DF2-DD1B0F1201C1}" destId="{9778EC62-0A73-434F-8D38-9E86589356B4}" srcOrd="1" destOrd="0" presId="urn:microsoft.com/office/officeart/2018/2/layout/IconCircleList"/>
+    <dgm:cxn modelId="{3F471789-4F14-4172-8958-6AA3D9CE33B7}" type="presParOf" srcId="{B0A79145-9F25-4FB2-8DF2-DD1B0F1201C1}" destId="{5AFED75D-A53F-4FB6-8ED6-D5F52DAC1B6E}" srcOrd="2" destOrd="0" presId="urn:microsoft.com/office/officeart/2018/2/layout/IconCircleList"/>
+    <dgm:cxn modelId="{BBAAB3C4-E42A-4646-AE52-E6FA050F5D22}" type="presParOf" srcId="{B0A79145-9F25-4FB2-8DF2-DD1B0F1201C1}" destId="{1DB8CACD-0303-4099-8CA8-DC25383F8100}" srcOrd="3" destOrd="0" presId="urn:microsoft.com/office/officeart/2018/2/layout/IconCircleList"/>
+    <dgm:cxn modelId="{6943241E-8DDF-4D78-ACAA-6F44FD0E42B6}" type="presParOf" srcId="{A39A77F9-62AD-4CB9-83A3-15D5AD55E550}" destId="{E47BE3EC-4BC1-48F7-B0DE-0F94AD077C95}" srcOrd="3" destOrd="0" presId="urn:microsoft.com/office/officeart/2018/2/layout/IconCircleList"/>
+    <dgm:cxn modelId="{C33AC9E7-DA78-4C9A-9DB8-BA5D2B6E0E69}" type="presParOf" srcId="{A39A77F9-62AD-4CB9-83A3-15D5AD55E550}" destId="{5A043EA3-C4D5-411B-96CE-2B26F7E6D423}" srcOrd="4" destOrd="0" presId="urn:microsoft.com/office/officeart/2018/2/layout/IconCircleList"/>
+    <dgm:cxn modelId="{E29B2E27-6F5F-4240-B48E-9A3F1424C493}" type="presParOf" srcId="{5A043EA3-C4D5-411B-96CE-2B26F7E6D423}" destId="{71635D27-A9CE-426E-A62D-C6F6CCAAEF93}" srcOrd="0" destOrd="0" presId="urn:microsoft.com/office/officeart/2018/2/layout/IconCircleList"/>
+    <dgm:cxn modelId="{07713512-CFFA-482F-BBF5-193962EFA88F}" type="presParOf" srcId="{5A043EA3-C4D5-411B-96CE-2B26F7E6D423}" destId="{EF1057F5-BDEE-4AA2-99A3-264ADF572099}" srcOrd="1" destOrd="0" presId="urn:microsoft.com/office/officeart/2018/2/layout/IconCircleList"/>
+    <dgm:cxn modelId="{1B378395-9B42-40A4-8038-2F419FEB6A67}" type="presParOf" srcId="{5A043EA3-C4D5-411B-96CE-2B26F7E6D423}" destId="{E9AFC5ED-F36F-4B4A-B1B5-11DF366363AB}" srcOrd="2" destOrd="0" presId="urn:microsoft.com/office/officeart/2018/2/layout/IconCircleList"/>
+    <dgm:cxn modelId="{52FBAADE-84F9-42CF-9533-DCAF29AFA1CF}" type="presParOf" srcId="{5A043EA3-C4D5-411B-96CE-2B26F7E6D423}" destId="{23C683C4-5A1B-45B0-A5C6-D3A0A197A2E5}" srcOrd="3" destOrd="0" presId="urn:microsoft.com/office/officeart/2018/2/layout/IconCircleList"/>
+    <dgm:cxn modelId="{9A6483C7-1C40-4201-B4EB-1C1CC4C9015F}" type="presParOf" srcId="{A39A77F9-62AD-4CB9-83A3-15D5AD55E550}" destId="{82FFBDCE-37B2-41D4-B24D-1FCE111D6D0F}" srcOrd="5" destOrd="0" presId="urn:microsoft.com/office/officeart/2018/2/layout/IconCircleList"/>
+    <dgm:cxn modelId="{FC2287B8-E4AA-4587-B108-7E1EFECC8F9E}" type="presParOf" srcId="{A39A77F9-62AD-4CB9-83A3-15D5AD55E550}" destId="{53BA0114-4124-4E8B-BEAB-0B5E7B7D8A89}" srcOrd="6" destOrd="0" presId="urn:microsoft.com/office/officeart/2018/2/layout/IconCircleList"/>
+    <dgm:cxn modelId="{E260BC7B-0980-4F32-A955-2E1D5BBB5CA3}" type="presParOf" srcId="{53BA0114-4124-4E8B-BEAB-0B5E7B7D8A89}" destId="{33FBD606-1F76-4111-87C2-BA3C6BD1684C}" srcOrd="0" destOrd="0" presId="urn:microsoft.com/office/officeart/2018/2/layout/IconCircleList"/>
+    <dgm:cxn modelId="{D3089412-6E13-4B66-8F3A-0E50AC24110F}" type="presParOf" srcId="{53BA0114-4124-4E8B-BEAB-0B5E7B7D8A89}" destId="{D683C019-271C-4E54-8AFE-2D86B08C3A04}" srcOrd="1" destOrd="0" presId="urn:microsoft.com/office/officeart/2018/2/layout/IconCircleList"/>
+    <dgm:cxn modelId="{53CCF36F-36F5-4DFC-8044-EB9EAC2EE6D2}" type="presParOf" srcId="{53BA0114-4124-4E8B-BEAB-0B5E7B7D8A89}" destId="{8CF5CFF2-D261-42B2-AE9F-81606B4AEBF7}" srcOrd="2" destOrd="0" presId="urn:microsoft.com/office/officeart/2018/2/layout/IconCircleList"/>
+    <dgm:cxn modelId="{2EA7265B-5CE4-45CF-9658-62907DF9D620}" type="presParOf" srcId="{53BA0114-4124-4E8B-BEAB-0B5E7B7D8A89}" destId="{FBA95410-AF5D-4DAE-A852-F7FCB52E970E}" srcOrd="3" destOrd="0" presId="urn:microsoft.com/office/officeart/2018/2/layout/IconCircleList"/>
+    <dgm:cxn modelId="{E34AB81A-3AD1-4EBF-B19B-3935C4CECCE8}" type="presParOf" srcId="{A39A77F9-62AD-4CB9-83A3-15D5AD55E550}" destId="{E3A61F72-5649-45BF-A1B6-5D1BD7672208}" srcOrd="7" destOrd="0" presId="urn:microsoft.com/office/officeart/2018/2/layout/IconCircleList"/>
+    <dgm:cxn modelId="{66D84D90-9804-4A9C-B8CF-44C05AFA5820}" type="presParOf" srcId="{A39A77F9-62AD-4CB9-83A3-15D5AD55E550}" destId="{EEFA6AEA-8C86-4689-A586-0EE6AAD7D552}" srcOrd="8" destOrd="0" presId="urn:microsoft.com/office/officeart/2018/2/layout/IconCircleList"/>
+    <dgm:cxn modelId="{9AD65881-F84F-4565-9CA2-083B56F43856}" type="presParOf" srcId="{EEFA6AEA-8C86-4689-A586-0EE6AAD7D552}" destId="{A32F295C-6350-4245-B0C5-88479BA18886}" srcOrd="0" destOrd="0" presId="urn:microsoft.com/office/officeart/2018/2/layout/IconCircleList"/>
+    <dgm:cxn modelId="{85BF9547-2F2E-4382-9A48-27793FF53A59}" type="presParOf" srcId="{EEFA6AEA-8C86-4689-A586-0EE6AAD7D552}" destId="{E42DDB78-2B19-4FDE-B9C1-41E43982848B}" srcOrd="1" destOrd="0" presId="urn:microsoft.com/office/officeart/2018/2/layout/IconCircleList"/>
+    <dgm:cxn modelId="{5E5584CF-BCEC-4768-BD78-280C912AAE8B}" type="presParOf" srcId="{EEFA6AEA-8C86-4689-A586-0EE6AAD7D552}" destId="{67C6328B-8D3A-4BC7-8583-F5752D7EBFCD}" srcOrd="2" destOrd="0" presId="urn:microsoft.com/office/officeart/2018/2/layout/IconCircleList"/>
+    <dgm:cxn modelId="{8D160E21-DCCA-4307-8C01-34746B8B4113}" type="presParOf" srcId="{EEFA6AEA-8C86-4689-A586-0EE6AAD7D552}" destId="{4A13BC47-8DAA-4AB5-BF16-C336A408D669}" srcOrd="3" destOrd="0" presId="urn:microsoft.com/office/officeart/2018/2/layout/IconCircleList"/>
+    <dgm:cxn modelId="{9BCDD826-E223-48F7-AC33-3D48F5D0B30B}" type="presParOf" srcId="{A39A77F9-62AD-4CB9-83A3-15D5AD55E550}" destId="{99481123-E5A5-4A7A-BA99-280FECFCB2DB}" srcOrd="9" destOrd="0" presId="urn:microsoft.com/office/officeart/2018/2/layout/IconCircleList"/>
+    <dgm:cxn modelId="{A8B32070-77F3-4AA5-9295-E52646DEED95}" type="presParOf" srcId="{A39A77F9-62AD-4CB9-83A3-15D5AD55E550}" destId="{39D5934B-ADB6-458B-86C8-F4ABAF6CD405}" srcOrd="10" destOrd="0" presId="urn:microsoft.com/office/officeart/2018/2/layout/IconCircleList"/>
+    <dgm:cxn modelId="{A6E7E78B-8671-46B7-B545-FCE4DBEE93DF}" type="presParOf" srcId="{39D5934B-ADB6-458B-86C8-F4ABAF6CD405}" destId="{100B3918-8DE9-4A40-A73E-6DA33ABD6997}" srcOrd="0" destOrd="0" presId="urn:microsoft.com/office/officeart/2018/2/layout/IconCircleList"/>
+    <dgm:cxn modelId="{7E4569EA-930F-4DFE-B9B0-EC9AAF1CAB4C}" type="presParOf" srcId="{39D5934B-ADB6-458B-86C8-F4ABAF6CD405}" destId="{DC25B503-CDE2-4F82-BBA6-55A498AF0D22}" srcOrd="1" destOrd="0" presId="urn:microsoft.com/office/officeart/2018/2/layout/IconCircleList"/>
+    <dgm:cxn modelId="{A4CBE1B7-00F4-49AE-83A0-50F86DC471F3}" type="presParOf" srcId="{39D5934B-ADB6-458B-86C8-F4ABAF6CD405}" destId="{5941B03A-C23A-461E-B451-B2ABDD23CBCB}" srcOrd="2" destOrd="0" presId="urn:microsoft.com/office/officeart/2018/2/layout/IconCircleList"/>
+    <dgm:cxn modelId="{B35B51FF-4A00-40F9-AE22-9ECF5BAD9B63}" type="presParOf" srcId="{39D5934B-ADB6-458B-86C8-F4ABAF6CD405}" destId="{CE87D238-87AF-4D58-A543-F7E118FF822C}" srcOrd="3" destOrd="0" presId="urn:microsoft.com/office/officeart/2018/2/layout/IconCircleList"/>
+  </dgm:cxnLst>
+  <dgm:bg/>
+  <dgm:whole/>
+  <dgm:extLst>
+    <a:ext uri="http://schemas.microsoft.com/office/drawing/2008/diagram">
+      <dsp:dataModelExt xmlns:dsp="http://schemas.microsoft.com/office/drawing/2008/diagram" relId="rId7" minVer="http://schemas.openxmlformats.org/drawingml/2006/diagram"/>
+    </a:ext>
+  </dgm:extLst>
+</dgm:dataModel>
+</file>
+
+<file path=ppt/diagrams/data6.xml><?xml version="1.0" encoding="utf-8"?>
+<dgm:dataModel xmlns:dgm="http://schemas.openxmlformats.org/drawingml/2006/diagram" xmlns:a="http://schemas.openxmlformats.org/drawingml/2006/main">
+  <dgm:ptLst>
+    <dgm:pt modelId="{E09842F6-A7D0-49FE-A117-3922430EC1E8}" type="doc">
+      <dgm:prSet loTypeId="urn:microsoft.com/office/officeart/2018/5/layout/IconLeafLabelList" loCatId="icon" qsTypeId="urn:microsoft.com/office/officeart/2005/8/quickstyle/simple4" qsCatId="simple" csTypeId="urn:microsoft.com/office/officeart/2018/5/colors/Iconchunking_neutralbg_colorful5" csCatId="colorful" phldr="1"/>
+      <dgm:spPr/>
+      <dgm:t>
+        <a:bodyPr/>
+        <a:lstStyle/>
+        <a:p>
+          <a:endParaRPr lang="en-US"/>
+        </a:p>
+      </dgm:t>
+    </dgm:pt>
+    <dgm:pt modelId="{914757A5-7DBC-4DE9-8A60-EF49F35589D4}">
+      <dgm:prSet/>
+      <dgm:spPr/>
+      <dgm:t>
+        <a:bodyPr/>
+        <a:lstStyle/>
+        <a:p>
+          <a:pPr>
+            <a:defRPr cap="all"/>
+          </a:pPr>
+          <a:r>
+            <a:rPr lang="en-CA"/>
+            <a:t>To understand the business and legal side of esports</a:t>
+          </a:r>
+          <a:endParaRPr lang="en-US"/>
+        </a:p>
+      </dgm:t>
+    </dgm:pt>
+    <dgm:pt modelId="{E4D0ED3C-8359-4D13-92D8-02D2DEE3B316}" type="parTrans" cxnId="{6EE19F38-5992-41A8-B3CD-FA648F006E7D}">
+      <dgm:prSet/>
+      <dgm:spPr/>
+      <dgm:t>
+        <a:bodyPr/>
+        <a:lstStyle/>
+        <a:p>
+          <a:endParaRPr lang="en-US"/>
+        </a:p>
+      </dgm:t>
+    </dgm:pt>
+    <dgm:pt modelId="{0A3DD862-77C5-43FA-B395-674FC843E0C2}" type="sibTrans" cxnId="{6EE19F38-5992-41A8-B3CD-FA648F006E7D}">
+      <dgm:prSet/>
+      <dgm:spPr/>
+      <dgm:t>
+        <a:bodyPr/>
+        <a:lstStyle/>
+        <a:p>
+          <a:endParaRPr lang="en-US"/>
+        </a:p>
+      </dgm:t>
+    </dgm:pt>
+    <dgm:pt modelId="{12B13AD3-8F80-4D67-A611-20A7C9882131}">
+      <dgm:prSet/>
+      <dgm:spPr/>
+      <dgm:t>
+        <a:bodyPr/>
+        <a:lstStyle/>
+        <a:p>
+          <a:pPr>
+            <a:defRPr cap="all"/>
+          </a:pPr>
+          <a:r>
+            <a:rPr lang="en-CA"/>
+            <a:t>To manage an esports team efficiently </a:t>
+          </a:r>
+          <a:endParaRPr lang="en-US"/>
+        </a:p>
+      </dgm:t>
+    </dgm:pt>
+    <dgm:pt modelId="{BD51C0DA-B9A8-42D2-A961-A3C73C60D082}" type="parTrans" cxnId="{4331456A-AC07-47D5-B066-1C31AB210B68}">
+      <dgm:prSet/>
+      <dgm:spPr/>
+      <dgm:t>
+        <a:bodyPr/>
+        <a:lstStyle/>
+        <a:p>
+          <a:endParaRPr lang="en-US"/>
+        </a:p>
+      </dgm:t>
+    </dgm:pt>
+    <dgm:pt modelId="{73A71821-3488-430D-8A24-87205094245D}" type="sibTrans" cxnId="{4331456A-AC07-47D5-B066-1C31AB210B68}">
+      <dgm:prSet/>
+      <dgm:spPr/>
+      <dgm:t>
+        <a:bodyPr/>
+        <a:lstStyle/>
+        <a:p>
+          <a:endParaRPr lang="en-US"/>
+        </a:p>
+      </dgm:t>
+    </dgm:pt>
+    <dgm:pt modelId="{76D2C90D-E0E3-45B4-BB9C-96A8B817E0BF}">
+      <dgm:prSet/>
+      <dgm:spPr/>
+      <dgm:t>
+        <a:bodyPr/>
+        <a:lstStyle/>
+        <a:p>
+          <a:pPr>
+            <a:defRPr cap="all"/>
+          </a:pPr>
+          <a:r>
+            <a:rPr lang="en-CA" dirty="0"/>
+            <a:t>To support and take care of his players and support them in their careers</a:t>
+          </a:r>
+          <a:endParaRPr lang="en-US" dirty="0"/>
+        </a:p>
+      </dgm:t>
+    </dgm:pt>
+    <dgm:pt modelId="{DA0A1A44-2F63-4CF7-8A7A-48C11E547F99}" type="parTrans" cxnId="{E7D464B6-F3A1-490A-A157-DB3E6196AB53}">
+      <dgm:prSet/>
+      <dgm:spPr/>
+      <dgm:t>
+        <a:bodyPr/>
+        <a:lstStyle/>
+        <a:p>
+          <a:endParaRPr lang="en-US"/>
+        </a:p>
+      </dgm:t>
+    </dgm:pt>
+    <dgm:pt modelId="{1FBB1A32-136C-4E52-9469-39686CDCB237}" type="sibTrans" cxnId="{E7D464B6-F3A1-490A-A157-DB3E6196AB53}">
+      <dgm:prSet/>
+      <dgm:spPr/>
+      <dgm:t>
+        <a:bodyPr/>
+        <a:lstStyle/>
+        <a:p>
+          <a:endParaRPr lang="en-US"/>
+        </a:p>
+      </dgm:t>
+    </dgm:pt>
+    <dgm:pt modelId="{3A411F85-360E-4CC0-BAC1-964968BA9D7F}" type="pres">
+      <dgm:prSet presAssocID="{E09842F6-A7D0-49FE-A117-3922430EC1E8}" presName="root" presStyleCnt="0">
+        <dgm:presLayoutVars>
+          <dgm:dir/>
+          <dgm:resizeHandles val="exact"/>
+        </dgm:presLayoutVars>
+      </dgm:prSet>
+      <dgm:spPr/>
+    </dgm:pt>
+    <dgm:pt modelId="{F94EB896-628B-4836-9021-4F22249A01A3}" type="pres">
+      <dgm:prSet presAssocID="{914757A5-7DBC-4DE9-8A60-EF49F35589D4}" presName="compNode" presStyleCnt="0"/>
+      <dgm:spPr/>
+    </dgm:pt>
+    <dgm:pt modelId="{4D89E078-E7B8-4193-BD9C-598C2F190416}" type="pres">
+      <dgm:prSet presAssocID="{914757A5-7DBC-4DE9-8A60-EF49F35589D4}" presName="iconBgRect" presStyleLbl="bgShp" presStyleIdx="0" presStyleCnt="3"/>
+      <dgm:spPr>
+        <a:prstGeom prst="round2DiagRect">
+          <a:avLst>
+            <a:gd name="adj1" fmla="val 29727"/>
+            <a:gd name="adj2" fmla="val 0"/>
+          </a:avLst>
+        </a:prstGeom>
+      </dgm:spPr>
+    </dgm:pt>
+    <dgm:pt modelId="{3376EC63-AB4E-4F58-9DD1-22969840F94C}" type="pres">
+      <dgm:prSet presAssocID="{914757A5-7DBC-4DE9-8A60-EF49F35589D4}" presName="iconRect" presStyleLbl="node1" presStyleIdx="0" presStyleCnt="3"/>
+      <dgm:spPr>
+        <a:blipFill>
+          <a:blip xmlns:r="http://schemas.openxmlformats.org/officeDocument/2006/relationships" r:embed="rId1">
+            <a:extLst>
+              <a:ext uri="{28A0092B-C50C-407E-A947-70E740481C1C}">
+                <a14:useLocalDpi xmlns:a14="http://schemas.microsoft.com/office/drawing/2010/main" val="0"/>
+              </a:ext>
+              <a:ext uri="{96DAC541-7B7A-43D3-8B79-37D633B846F1}">
+                <asvg:svgBlip xmlns:asvg="http://schemas.microsoft.com/office/drawing/2016/SVG/main" r:embed="rId2"/>
+              </a:ext>
+            </a:extLst>
+          </a:blip>
+          <a:stretch>
+            <a:fillRect/>
+          </a:stretch>
+        </a:blipFill>
+        <a:ln>
+          <a:noFill/>
+        </a:ln>
+      </dgm:spPr>
+      <dgm:extLst>
+        <a:ext uri="{E40237B7-FDA0-4F09-8148-C483321AD2D9}">
+          <dgm14:cNvPr xmlns:dgm14="http://schemas.microsoft.com/office/drawing/2010/diagram" id="0" name="" descr="Scales of Justice"/>
+        </a:ext>
+      </dgm:extLst>
+    </dgm:pt>
+    <dgm:pt modelId="{B2B17C6F-B0DA-4FF6-8D29-BEF9C370079E}" type="pres">
+      <dgm:prSet presAssocID="{914757A5-7DBC-4DE9-8A60-EF49F35589D4}" presName="spaceRect" presStyleCnt="0"/>
+      <dgm:spPr/>
+    </dgm:pt>
+    <dgm:pt modelId="{21958266-6800-4D71-AE34-6ABD4112F48B}" type="pres">
+      <dgm:prSet presAssocID="{914757A5-7DBC-4DE9-8A60-EF49F35589D4}" presName="textRect" presStyleLbl="revTx" presStyleIdx="0" presStyleCnt="3">
+        <dgm:presLayoutVars>
+          <dgm:chMax val="1"/>
+          <dgm:chPref val="1"/>
+        </dgm:presLayoutVars>
+      </dgm:prSet>
+      <dgm:spPr/>
+    </dgm:pt>
+    <dgm:pt modelId="{BE3D0D8B-3037-4F12-929E-FC6E5ACDA5F1}" type="pres">
+      <dgm:prSet presAssocID="{0A3DD862-77C5-43FA-B395-674FC843E0C2}" presName="sibTrans" presStyleCnt="0"/>
+      <dgm:spPr/>
+    </dgm:pt>
+    <dgm:pt modelId="{15E1C5F2-0D5E-4A98-9DE7-AB02D1BB0224}" type="pres">
+      <dgm:prSet presAssocID="{12B13AD3-8F80-4D67-A611-20A7C9882131}" presName="compNode" presStyleCnt="0"/>
+      <dgm:spPr/>
+    </dgm:pt>
+    <dgm:pt modelId="{F2B7FE08-570D-48F8-88D9-F28CC09F1FF0}" type="pres">
+      <dgm:prSet presAssocID="{12B13AD3-8F80-4D67-A611-20A7C9882131}" presName="iconBgRect" presStyleLbl="bgShp" presStyleIdx="1" presStyleCnt="3"/>
+      <dgm:spPr>
+        <a:prstGeom prst="round2DiagRect">
+          <a:avLst>
+            <a:gd name="adj1" fmla="val 29727"/>
+            <a:gd name="adj2" fmla="val 0"/>
+          </a:avLst>
+        </a:prstGeom>
+      </dgm:spPr>
+    </dgm:pt>
+    <dgm:pt modelId="{03EA189A-CF54-4608-9CCE-51F401CB034D}" type="pres">
+      <dgm:prSet presAssocID="{12B13AD3-8F80-4D67-A611-20A7C9882131}" presName="iconRect" presStyleLbl="node1" presStyleIdx="1" presStyleCnt="3"/>
+      <dgm:spPr>
+        <a:blipFill>
+          <a:blip xmlns:r="http://schemas.openxmlformats.org/officeDocument/2006/relationships" r:embed="rId3">
+            <a:extLst>
+              <a:ext uri="{28A0092B-C50C-407E-A947-70E740481C1C}">
+                <a14:useLocalDpi xmlns:a14="http://schemas.microsoft.com/office/drawing/2010/main" val="0"/>
+              </a:ext>
+              <a:ext uri="{96DAC541-7B7A-43D3-8B79-37D633B846F1}">
+                <asvg:svgBlip xmlns:asvg="http://schemas.microsoft.com/office/drawing/2016/SVG/main" r:embed="rId4"/>
+              </a:ext>
+            </a:extLst>
+          </a:blip>
+          <a:stretch>
+            <a:fillRect/>
+          </a:stretch>
+        </a:blipFill>
+        <a:ln>
+          <a:noFill/>
+        </a:ln>
+      </dgm:spPr>
+      <dgm:extLst>
+        <a:ext uri="{E40237B7-FDA0-4F09-8148-C483321AD2D9}">
+          <dgm14:cNvPr xmlns:dgm14="http://schemas.microsoft.com/office/drawing/2010/diagram" id="0" name="" descr="Database"/>
+        </a:ext>
+      </dgm:extLst>
+    </dgm:pt>
+    <dgm:pt modelId="{B7E60930-AF14-4223-9136-9979901E1A22}" type="pres">
+      <dgm:prSet presAssocID="{12B13AD3-8F80-4D67-A611-20A7C9882131}" presName="spaceRect" presStyleCnt="0"/>
+      <dgm:spPr/>
+    </dgm:pt>
+    <dgm:pt modelId="{FE896A40-ED39-43AD-9FAE-496857C49670}" type="pres">
+      <dgm:prSet presAssocID="{12B13AD3-8F80-4D67-A611-20A7C9882131}" presName="textRect" presStyleLbl="revTx" presStyleIdx="1" presStyleCnt="3">
+        <dgm:presLayoutVars>
+          <dgm:chMax val="1"/>
+          <dgm:chPref val="1"/>
+        </dgm:presLayoutVars>
+      </dgm:prSet>
+      <dgm:spPr/>
+    </dgm:pt>
+    <dgm:pt modelId="{80DC4B85-08F4-45D6-BADF-8265C01E849D}" type="pres">
+      <dgm:prSet presAssocID="{73A71821-3488-430D-8A24-87205094245D}" presName="sibTrans" presStyleCnt="0"/>
+      <dgm:spPr/>
+    </dgm:pt>
+    <dgm:pt modelId="{A63E2821-A23F-424C-8BA5-E6C0D7BC540D}" type="pres">
+      <dgm:prSet presAssocID="{76D2C90D-E0E3-45B4-BB9C-96A8B817E0BF}" presName="compNode" presStyleCnt="0"/>
+      <dgm:spPr/>
+    </dgm:pt>
+    <dgm:pt modelId="{C000E3AC-8F58-407B-B449-6791A95D1725}" type="pres">
+      <dgm:prSet presAssocID="{76D2C90D-E0E3-45B4-BB9C-96A8B817E0BF}" presName="iconBgRect" presStyleLbl="bgShp" presStyleIdx="2" presStyleCnt="3"/>
+      <dgm:spPr>
+        <a:prstGeom prst="round2DiagRect">
+          <a:avLst>
+            <a:gd name="adj1" fmla="val 29727"/>
+            <a:gd name="adj2" fmla="val 0"/>
+          </a:avLst>
+        </a:prstGeom>
+      </dgm:spPr>
+    </dgm:pt>
+    <dgm:pt modelId="{76597E7E-52EC-4CB9-9637-3724AB6AF45B}" type="pres">
+      <dgm:prSet presAssocID="{76D2C90D-E0E3-45B4-BB9C-96A8B817E0BF}" presName="iconRect" presStyleLbl="node1" presStyleIdx="2" presStyleCnt="3"/>
+      <dgm:spPr>
+        <a:blipFill>
+          <a:blip xmlns:r="http://schemas.openxmlformats.org/officeDocument/2006/relationships" r:embed="rId5">
+            <a:extLst>
+              <a:ext uri="{28A0092B-C50C-407E-A947-70E740481C1C}">
+                <a14:useLocalDpi xmlns:a14="http://schemas.microsoft.com/office/drawing/2010/main" val="0"/>
+              </a:ext>
+              <a:ext uri="{96DAC541-7B7A-43D3-8B79-37D633B846F1}">
+                <asvg:svgBlip xmlns:asvg="http://schemas.microsoft.com/office/drawing/2016/SVG/main" r:embed="rId6"/>
+              </a:ext>
+            </a:extLst>
+          </a:blip>
+          <a:stretch>
+            <a:fillRect/>
+          </a:stretch>
+        </a:blipFill>
+        <a:ln>
+          <a:noFill/>
+        </a:ln>
+      </dgm:spPr>
+      <dgm:extLst>
+        <a:ext uri="{E40237B7-FDA0-4F09-8148-C483321AD2D9}">
+          <dgm14:cNvPr xmlns:dgm14="http://schemas.microsoft.com/office/drawing/2010/diagram" id="0" name="" descr="Medical"/>
+        </a:ext>
+      </dgm:extLst>
+    </dgm:pt>
+    <dgm:pt modelId="{496FB80E-D6FF-4664-AFCF-B478F622809E}" type="pres">
+      <dgm:prSet presAssocID="{76D2C90D-E0E3-45B4-BB9C-96A8B817E0BF}" presName="spaceRect" presStyleCnt="0"/>
+      <dgm:spPr/>
+    </dgm:pt>
+    <dgm:pt modelId="{FF067BB5-D3CA-4EB8-8D1D-21234C68D120}" type="pres">
+      <dgm:prSet presAssocID="{76D2C90D-E0E3-45B4-BB9C-96A8B817E0BF}" presName="textRect" presStyleLbl="revTx" presStyleIdx="2" presStyleCnt="3">
+        <dgm:presLayoutVars>
+          <dgm:chMax val="1"/>
+          <dgm:chPref val="1"/>
+        </dgm:presLayoutVars>
+      </dgm:prSet>
+      <dgm:spPr/>
+    </dgm:pt>
+  </dgm:ptLst>
+  <dgm:cxnLst>
+    <dgm:cxn modelId="{6EE19F38-5992-41A8-B3CD-FA648F006E7D}" srcId="{E09842F6-A7D0-49FE-A117-3922430EC1E8}" destId="{914757A5-7DBC-4DE9-8A60-EF49F35589D4}" srcOrd="0" destOrd="0" parTransId="{E4D0ED3C-8359-4D13-92D8-02D2DEE3B316}" sibTransId="{0A3DD862-77C5-43FA-B395-674FC843E0C2}"/>
+    <dgm:cxn modelId="{4331456A-AC07-47D5-B066-1C31AB210B68}" srcId="{E09842F6-A7D0-49FE-A117-3922430EC1E8}" destId="{12B13AD3-8F80-4D67-A611-20A7C9882131}" srcOrd="1" destOrd="0" parTransId="{BD51C0DA-B9A8-42D2-A961-A3C73C60D082}" sibTransId="{73A71821-3488-430D-8A24-87205094245D}"/>
+    <dgm:cxn modelId="{005AA37A-0B4C-46A7-B590-AC371B58A409}" type="presOf" srcId="{12B13AD3-8F80-4D67-A611-20A7C9882131}" destId="{FE896A40-ED39-43AD-9FAE-496857C49670}" srcOrd="0" destOrd="0" presId="urn:microsoft.com/office/officeart/2018/5/layout/IconLeafLabelList"/>
+    <dgm:cxn modelId="{48AE1A82-3BC0-451A-80B9-F72AA8566D59}" type="presOf" srcId="{E09842F6-A7D0-49FE-A117-3922430EC1E8}" destId="{3A411F85-360E-4CC0-BAC1-964968BA9D7F}" srcOrd="0" destOrd="0" presId="urn:microsoft.com/office/officeart/2018/5/layout/IconLeafLabelList"/>
+    <dgm:cxn modelId="{C273E082-B628-451F-AD7A-9EEA2654B1DC}" type="presOf" srcId="{76D2C90D-E0E3-45B4-BB9C-96A8B817E0BF}" destId="{FF067BB5-D3CA-4EB8-8D1D-21234C68D120}" srcOrd="0" destOrd="0" presId="urn:microsoft.com/office/officeart/2018/5/layout/IconLeafLabelList"/>
+    <dgm:cxn modelId="{E7D464B6-F3A1-490A-A157-DB3E6196AB53}" srcId="{E09842F6-A7D0-49FE-A117-3922430EC1E8}" destId="{76D2C90D-E0E3-45B4-BB9C-96A8B817E0BF}" srcOrd="2" destOrd="0" parTransId="{DA0A1A44-2F63-4CF7-8A7A-48C11E547F99}" sibTransId="{1FBB1A32-136C-4E52-9469-39686CDCB237}"/>
+    <dgm:cxn modelId="{8337FFC9-FADE-4FF1-872B-84181D0B6580}" type="presOf" srcId="{914757A5-7DBC-4DE9-8A60-EF49F35589D4}" destId="{21958266-6800-4D71-AE34-6ABD4112F48B}" srcOrd="0" destOrd="0" presId="urn:microsoft.com/office/officeart/2018/5/layout/IconLeafLabelList"/>
+    <dgm:cxn modelId="{8E2B95FD-43C6-49E1-9891-9472244975F4}" type="presParOf" srcId="{3A411F85-360E-4CC0-BAC1-964968BA9D7F}" destId="{F94EB896-628B-4836-9021-4F22249A01A3}" srcOrd="0" destOrd="0" presId="urn:microsoft.com/office/officeart/2018/5/layout/IconLeafLabelList"/>
+    <dgm:cxn modelId="{ED3D917D-6EC9-4232-B5AA-EF736B123A22}" type="presParOf" srcId="{F94EB896-628B-4836-9021-4F22249A01A3}" destId="{4D89E078-E7B8-4193-BD9C-598C2F190416}" srcOrd="0" destOrd="0" presId="urn:microsoft.com/office/officeart/2018/5/layout/IconLeafLabelList"/>
+    <dgm:cxn modelId="{A53E68DE-C835-4A16-A729-E30BB87FBD8B}" type="presParOf" srcId="{F94EB896-628B-4836-9021-4F22249A01A3}" destId="{3376EC63-AB4E-4F58-9DD1-22969840F94C}" srcOrd="1" destOrd="0" presId="urn:microsoft.com/office/officeart/2018/5/layout/IconLeafLabelList"/>
+    <dgm:cxn modelId="{A59C338D-254F-4DB9-B17B-2125BF99E384}" type="presParOf" srcId="{F94EB896-628B-4836-9021-4F22249A01A3}" destId="{B2B17C6F-B0DA-4FF6-8D29-BEF9C370079E}" srcOrd="2" destOrd="0" presId="urn:microsoft.com/office/officeart/2018/5/layout/IconLeafLabelList"/>
+    <dgm:cxn modelId="{D1608AA7-946E-4080-9A2A-449E0F533522}" type="presParOf" srcId="{F94EB896-628B-4836-9021-4F22249A01A3}" destId="{21958266-6800-4D71-AE34-6ABD4112F48B}" srcOrd="3" destOrd="0" presId="urn:microsoft.com/office/officeart/2018/5/layout/IconLeafLabelList"/>
+    <dgm:cxn modelId="{93507926-D85E-44D2-BA89-7C8B8799BF06}" type="presParOf" srcId="{3A411F85-360E-4CC0-BAC1-964968BA9D7F}" destId="{BE3D0D8B-3037-4F12-929E-FC6E5ACDA5F1}" srcOrd="1" destOrd="0" presId="urn:microsoft.com/office/officeart/2018/5/layout/IconLeafLabelList"/>
+    <dgm:cxn modelId="{651DB57C-607E-4387-8C2D-B99EFEED9465}" type="presParOf" srcId="{3A411F85-360E-4CC0-BAC1-964968BA9D7F}" destId="{15E1C5F2-0D5E-4A98-9DE7-AB02D1BB0224}" srcOrd="2" destOrd="0" presId="urn:microsoft.com/office/officeart/2018/5/layout/IconLeafLabelList"/>
+    <dgm:cxn modelId="{A0231F92-570A-439A-9A31-AAFEA60F0C92}" type="presParOf" srcId="{15E1C5F2-0D5E-4A98-9DE7-AB02D1BB0224}" destId="{F2B7FE08-570D-48F8-88D9-F28CC09F1FF0}" srcOrd="0" destOrd="0" presId="urn:microsoft.com/office/officeart/2018/5/layout/IconLeafLabelList"/>
+    <dgm:cxn modelId="{1D632470-6A2E-4557-A885-44C44976B6D2}" type="presParOf" srcId="{15E1C5F2-0D5E-4A98-9DE7-AB02D1BB0224}" destId="{03EA189A-CF54-4608-9CCE-51F401CB034D}" srcOrd="1" destOrd="0" presId="urn:microsoft.com/office/officeart/2018/5/layout/IconLeafLabelList"/>
+    <dgm:cxn modelId="{42E904C1-6A77-4592-BD17-8BE0CE2575F8}" type="presParOf" srcId="{15E1C5F2-0D5E-4A98-9DE7-AB02D1BB0224}" destId="{B7E60930-AF14-4223-9136-9979901E1A22}" srcOrd="2" destOrd="0" presId="urn:microsoft.com/office/officeart/2018/5/layout/IconLeafLabelList"/>
+    <dgm:cxn modelId="{4B576B5E-9931-48B8-AC18-BF435AECB124}" type="presParOf" srcId="{15E1C5F2-0D5E-4A98-9DE7-AB02D1BB0224}" destId="{FE896A40-ED39-43AD-9FAE-496857C49670}" srcOrd="3" destOrd="0" presId="urn:microsoft.com/office/officeart/2018/5/layout/IconLeafLabelList"/>
+    <dgm:cxn modelId="{E426A21B-03A0-4AB4-9B1F-7BA1346A209B}" type="presParOf" srcId="{3A411F85-360E-4CC0-BAC1-964968BA9D7F}" destId="{80DC4B85-08F4-45D6-BADF-8265C01E849D}" srcOrd="3" destOrd="0" presId="urn:microsoft.com/office/officeart/2018/5/layout/IconLeafLabelList"/>
+    <dgm:cxn modelId="{6C88237A-7492-4DC5-B308-A4109937AA8C}" type="presParOf" srcId="{3A411F85-360E-4CC0-BAC1-964968BA9D7F}" destId="{A63E2821-A23F-424C-8BA5-E6C0D7BC540D}" srcOrd="4" destOrd="0" presId="urn:microsoft.com/office/officeart/2018/5/layout/IconLeafLabelList"/>
+    <dgm:cxn modelId="{AEAD0FA4-AEA4-4AF1-866C-589E4F7A36A8}" type="presParOf" srcId="{A63E2821-A23F-424C-8BA5-E6C0D7BC540D}" destId="{C000E3AC-8F58-407B-B449-6791A95D1725}" srcOrd="0" destOrd="0" presId="urn:microsoft.com/office/officeart/2018/5/layout/IconLeafLabelList"/>
+    <dgm:cxn modelId="{60E4E59A-C938-4BCD-ABA9-6A566A18A3FE}" type="presParOf" srcId="{A63E2821-A23F-424C-8BA5-E6C0D7BC540D}" destId="{76597E7E-52EC-4CB9-9637-3724AB6AF45B}" srcOrd="1" destOrd="0" presId="urn:microsoft.com/office/officeart/2018/5/layout/IconLeafLabelList"/>
+    <dgm:cxn modelId="{3DD37BA1-DAB2-4670-B932-1EF29F9FAE0E}" type="presParOf" srcId="{A63E2821-A23F-424C-8BA5-E6C0D7BC540D}" destId="{496FB80E-D6FF-4664-AFCF-B478F622809E}" srcOrd="2" destOrd="0" presId="urn:microsoft.com/office/officeart/2018/5/layout/IconLeafLabelList"/>
+    <dgm:cxn modelId="{37ACC359-309D-4BD6-9A68-9D222A14EF5F}" type="presParOf" srcId="{A63E2821-A23F-424C-8BA5-E6C0D7BC540D}" destId="{FF067BB5-D3CA-4EB8-8D1D-21234C68D120}" srcOrd="3" destOrd="0" presId="urn:microsoft.com/office/officeart/2018/5/layout/IconLeafLabelList"/>
+  </dgm:cxnLst>
+  <dgm:bg/>
+  <dgm:whole/>
+  <dgm:extLst>
+    <a:ext uri="http://schemas.microsoft.com/office/drawing/2008/diagram">
+      <dsp:dataModelExt xmlns:dsp="http://schemas.microsoft.com/office/drawing/2008/diagram" relId="rId7" minVer="http://schemas.openxmlformats.org/drawingml/2006/diagram"/>
     </a:ext>
   </dgm:extLst>
 </dgm:dataModel>
@@ -6798,6 +9324,1537 @@
 </dsp:drawing>
 </file>
 
+<file path=ppt/diagrams/drawing5.xml><?xml version="1.0" encoding="utf-8"?>
+<dsp:drawing xmlns:dgm="http://schemas.openxmlformats.org/drawingml/2006/diagram" xmlns:dsp="http://schemas.microsoft.com/office/drawing/2008/diagram" xmlns:a="http://schemas.openxmlformats.org/drawingml/2006/main">
+  <dsp:spTree>
+    <dsp:nvGrpSpPr>
+      <dsp:cNvPr id="0" name=""/>
+      <dsp:cNvGrpSpPr/>
+    </dsp:nvGrpSpPr>
+    <dsp:grpSpPr/>
+    <dsp:sp modelId="{538B1702-1C91-4713-86B7-5E1F78D97FFC}">
+      <dsp:nvSpPr>
+        <dsp:cNvPr id="0" name=""/>
+        <dsp:cNvSpPr/>
+      </dsp:nvSpPr>
+      <dsp:spPr>
+        <a:xfrm>
+          <a:off x="76292" y="437430"/>
+          <a:ext cx="827609" cy="827609"/>
+        </a:xfrm>
+        <a:prstGeom prst="ellipse">
+          <a:avLst/>
+        </a:prstGeom>
+        <a:solidFill>
+          <a:schemeClr val="accent1">
+            <a:hueOff val="0"/>
+            <a:satOff val="0"/>
+            <a:lumOff val="0"/>
+            <a:alphaOff val="0"/>
+          </a:schemeClr>
+        </a:solidFill>
+        <a:ln>
+          <a:noFill/>
+        </a:ln>
+        <a:effectLst/>
+        <a:scene3d>
+          <a:camera prst="orthographicFront">
+            <a:rot lat="0" lon="0" rev="0"/>
+          </a:camera>
+          <a:lightRig rig="threePt" dir="t"/>
+        </a:scene3d>
+        <a:sp3d>
+          <a:bevelT w="25400" h="12700"/>
+        </a:sp3d>
+      </dsp:spPr>
+      <dsp:style>
+        <a:lnRef idx="0">
+          <a:scrgbClr r="0" g="0" b="0"/>
+        </a:lnRef>
+        <a:fillRef idx="1">
+          <a:scrgbClr r="0" g="0" b="0"/>
+        </a:fillRef>
+        <a:effectRef idx="2">
+          <a:scrgbClr r="0" g="0" b="0"/>
+        </a:effectRef>
+        <a:fontRef idx="minor"/>
+      </dsp:style>
+    </dsp:sp>
+    <dsp:sp modelId="{2DA1180E-CEAB-4F4B-B5BC-BE30E6347A71}">
+      <dsp:nvSpPr>
+        <dsp:cNvPr id="0" name=""/>
+        <dsp:cNvSpPr/>
+      </dsp:nvSpPr>
+      <dsp:spPr>
+        <a:xfrm>
+          <a:off x="250090" y="611228"/>
+          <a:ext cx="480013" cy="480013"/>
+        </a:xfrm>
+        <a:prstGeom prst="rect">
+          <a:avLst/>
+        </a:prstGeom>
+        <a:blipFill>
+          <a:blip xmlns:r="http://schemas.openxmlformats.org/officeDocument/2006/relationships" r:embed="rId1">
+            <a:extLst>
+              <a:ext uri="{28A0092B-C50C-407E-A947-70E740481C1C}">
+                <a14:useLocalDpi xmlns:a14="http://schemas.microsoft.com/office/drawing/2010/main" val="0"/>
+              </a:ext>
+              <a:ext uri="{96DAC541-7B7A-43D3-8B79-37D633B846F1}">
+                <asvg:svgBlip xmlns:asvg="http://schemas.microsoft.com/office/drawing/2016/SVG/main" r:embed="rId2"/>
+              </a:ext>
+            </a:extLst>
+          </a:blip>
+          <a:stretch>
+            <a:fillRect/>
+          </a:stretch>
+        </a:blipFill>
+        <a:ln>
+          <a:noFill/>
+        </a:ln>
+        <a:effectLst/>
+        <a:scene3d>
+          <a:camera prst="orthographicFront">
+            <a:rot lat="0" lon="0" rev="0"/>
+          </a:camera>
+          <a:lightRig rig="threePt" dir="t"/>
+        </a:scene3d>
+        <a:sp3d>
+          <a:bevelT w="25400" h="12700"/>
+        </a:sp3d>
+      </dsp:spPr>
+      <dsp:style>
+        <a:lnRef idx="0">
+          <a:scrgbClr r="0" g="0" b="0"/>
+        </a:lnRef>
+        <a:fillRef idx="3">
+          <a:scrgbClr r="0" g="0" b="0"/>
+        </a:fillRef>
+        <a:effectRef idx="2">
+          <a:scrgbClr r="0" g="0" b="0"/>
+        </a:effectRef>
+        <a:fontRef idx="minor">
+          <a:schemeClr val="lt1"/>
+        </a:fontRef>
+      </dsp:style>
+    </dsp:sp>
+    <dsp:sp modelId="{6A6B1469-1637-4468-89C5-63AB60B5A4CE}">
+      <dsp:nvSpPr>
+        <dsp:cNvPr id="0" name=""/>
+        <dsp:cNvSpPr/>
+      </dsp:nvSpPr>
+      <dsp:spPr>
+        <a:xfrm>
+          <a:off x="1081247" y="437430"/>
+          <a:ext cx="1950794" cy="827609"/>
+        </a:xfrm>
+        <a:prstGeom prst="rect">
+          <a:avLst/>
+        </a:prstGeom>
+        <a:noFill/>
+        <a:ln>
+          <a:noFill/>
+        </a:ln>
+        <a:effectLst/>
+      </dsp:spPr>
+      <dsp:style>
+        <a:lnRef idx="0">
+          <a:scrgbClr r="0" g="0" b="0"/>
+        </a:lnRef>
+        <a:fillRef idx="0">
+          <a:scrgbClr r="0" g="0" b="0"/>
+        </a:fillRef>
+        <a:effectRef idx="0">
+          <a:scrgbClr r="0" g="0" b="0"/>
+        </a:effectRef>
+        <a:fontRef idx="minor"/>
+      </dsp:style>
+      <dsp:txBody>
+        <a:bodyPr spcFirstLastPara="0" vert="horz" wrap="square" lIns="0" tIns="0" rIns="0" bIns="0" numCol="1" spcCol="1270" anchor="ctr" anchorCtr="0">
+          <a:noAutofit/>
+        </a:bodyPr>
+        <a:lstStyle/>
+        <a:p>
+          <a:pPr marL="0" lvl="0" indent="0" algn="l" defTabSz="755650">
+            <a:lnSpc>
+              <a:spcPct val="90000"/>
+            </a:lnSpc>
+            <a:spcBef>
+              <a:spcPct val="0"/>
+            </a:spcBef>
+            <a:spcAft>
+              <a:spcPct val="35000"/>
+            </a:spcAft>
+            <a:buNone/>
+          </a:pPr>
+          <a:r>
+            <a:rPr lang="en-US" sz="1700" kern="1200"/>
+            <a:t>retired e-sports professional</a:t>
+          </a:r>
+        </a:p>
+      </dsp:txBody>
+      <dsp:txXfrm>
+        <a:off x="1081247" y="437430"/>
+        <a:ext cx="1950794" cy="827609"/>
+      </dsp:txXfrm>
+    </dsp:sp>
+    <dsp:sp modelId="{DCB7CF60-F9C6-4652-984F-B93C79B21666}">
+      <dsp:nvSpPr>
+        <dsp:cNvPr id="0" name=""/>
+        <dsp:cNvSpPr/>
+      </dsp:nvSpPr>
+      <dsp:spPr>
+        <a:xfrm>
+          <a:off x="3371952" y="437430"/>
+          <a:ext cx="827609" cy="827609"/>
+        </a:xfrm>
+        <a:prstGeom prst="ellipse">
+          <a:avLst/>
+        </a:prstGeom>
+        <a:solidFill>
+          <a:schemeClr val="accent1">
+            <a:hueOff val="0"/>
+            <a:satOff val="0"/>
+            <a:lumOff val="0"/>
+            <a:alphaOff val="0"/>
+          </a:schemeClr>
+        </a:solidFill>
+        <a:ln>
+          <a:noFill/>
+        </a:ln>
+        <a:effectLst/>
+        <a:scene3d>
+          <a:camera prst="orthographicFront">
+            <a:rot lat="0" lon="0" rev="0"/>
+          </a:camera>
+          <a:lightRig rig="threePt" dir="t"/>
+        </a:scene3d>
+        <a:sp3d>
+          <a:bevelT w="25400" h="12700"/>
+        </a:sp3d>
+      </dsp:spPr>
+      <dsp:style>
+        <a:lnRef idx="0">
+          <a:scrgbClr r="0" g="0" b="0"/>
+        </a:lnRef>
+        <a:fillRef idx="1">
+          <a:scrgbClr r="0" g="0" b="0"/>
+        </a:fillRef>
+        <a:effectRef idx="2">
+          <a:scrgbClr r="0" g="0" b="0"/>
+        </a:effectRef>
+        <a:fontRef idx="minor"/>
+      </dsp:style>
+    </dsp:sp>
+    <dsp:sp modelId="{9778EC62-0A73-434F-8D38-9E86589356B4}">
+      <dsp:nvSpPr>
+        <dsp:cNvPr id="0" name=""/>
+        <dsp:cNvSpPr/>
+      </dsp:nvSpPr>
+      <dsp:spPr>
+        <a:xfrm>
+          <a:off x="3545750" y="611228"/>
+          <a:ext cx="480013" cy="480013"/>
+        </a:xfrm>
+        <a:prstGeom prst="rect">
+          <a:avLst/>
+        </a:prstGeom>
+        <a:blipFill>
+          <a:blip xmlns:r="http://schemas.openxmlformats.org/officeDocument/2006/relationships" r:embed="rId3">
+            <a:extLst>
+              <a:ext uri="{28A0092B-C50C-407E-A947-70E740481C1C}">
+                <a14:useLocalDpi xmlns:a14="http://schemas.microsoft.com/office/drawing/2010/main" val="0"/>
+              </a:ext>
+              <a:ext uri="{96DAC541-7B7A-43D3-8B79-37D633B846F1}">
+                <asvg:svgBlip xmlns:asvg="http://schemas.microsoft.com/office/drawing/2016/SVG/main" r:embed="rId4"/>
+              </a:ext>
+            </a:extLst>
+          </a:blip>
+          <a:stretch>
+            <a:fillRect/>
+          </a:stretch>
+        </a:blipFill>
+        <a:ln>
+          <a:noFill/>
+        </a:ln>
+        <a:effectLst/>
+        <a:scene3d>
+          <a:camera prst="orthographicFront">
+            <a:rot lat="0" lon="0" rev="0"/>
+          </a:camera>
+          <a:lightRig rig="threePt" dir="t"/>
+        </a:scene3d>
+        <a:sp3d>
+          <a:bevelT w="25400" h="12700"/>
+        </a:sp3d>
+      </dsp:spPr>
+      <dsp:style>
+        <a:lnRef idx="0">
+          <a:scrgbClr r="0" g="0" b="0"/>
+        </a:lnRef>
+        <a:fillRef idx="3">
+          <a:scrgbClr r="0" g="0" b="0"/>
+        </a:fillRef>
+        <a:effectRef idx="2">
+          <a:scrgbClr r="0" g="0" b="0"/>
+        </a:effectRef>
+        <a:fontRef idx="minor">
+          <a:schemeClr val="lt1"/>
+        </a:fontRef>
+      </dsp:style>
+    </dsp:sp>
+    <dsp:sp modelId="{1DB8CACD-0303-4099-8CA8-DC25383F8100}">
+      <dsp:nvSpPr>
+        <dsp:cNvPr id="0" name=""/>
+        <dsp:cNvSpPr/>
+      </dsp:nvSpPr>
+      <dsp:spPr>
+        <a:xfrm>
+          <a:off x="4376907" y="437430"/>
+          <a:ext cx="1950794" cy="827609"/>
+        </a:xfrm>
+        <a:prstGeom prst="rect">
+          <a:avLst/>
+        </a:prstGeom>
+        <a:noFill/>
+        <a:ln>
+          <a:noFill/>
+        </a:ln>
+        <a:effectLst/>
+      </dsp:spPr>
+      <dsp:style>
+        <a:lnRef idx="0">
+          <a:scrgbClr r="0" g="0" b="0"/>
+        </a:lnRef>
+        <a:fillRef idx="0">
+          <a:scrgbClr r="0" g="0" b="0"/>
+        </a:fillRef>
+        <a:effectRef idx="0">
+          <a:scrgbClr r="0" g="0" b="0"/>
+        </a:effectRef>
+        <a:fontRef idx="minor"/>
+      </dsp:style>
+      <dsp:txBody>
+        <a:bodyPr spcFirstLastPara="0" vert="horz" wrap="square" lIns="0" tIns="0" rIns="0" bIns="0" numCol="1" spcCol="1270" anchor="ctr" anchorCtr="0">
+          <a:noAutofit/>
+        </a:bodyPr>
+        <a:lstStyle/>
+        <a:p>
+          <a:pPr marL="0" lvl="0" indent="0" algn="l" defTabSz="755650">
+            <a:lnSpc>
+              <a:spcPct val="90000"/>
+            </a:lnSpc>
+            <a:spcBef>
+              <a:spcPct val="0"/>
+            </a:spcBef>
+            <a:spcAft>
+              <a:spcPct val="35000"/>
+            </a:spcAft>
+            <a:buNone/>
+          </a:pPr>
+          <a:r>
+            <a:rPr lang="en-US" sz="1700" kern="1200"/>
+            <a:t>Leader</a:t>
+          </a:r>
+        </a:p>
+      </dsp:txBody>
+      <dsp:txXfrm>
+        <a:off x="4376907" y="437430"/>
+        <a:ext cx="1950794" cy="827609"/>
+      </dsp:txXfrm>
+    </dsp:sp>
+    <dsp:sp modelId="{71635D27-A9CE-426E-A62D-C6F6CCAAEF93}">
+      <dsp:nvSpPr>
+        <dsp:cNvPr id="0" name=""/>
+        <dsp:cNvSpPr/>
+      </dsp:nvSpPr>
+      <dsp:spPr>
+        <a:xfrm>
+          <a:off x="76292" y="2129899"/>
+          <a:ext cx="827609" cy="827609"/>
+        </a:xfrm>
+        <a:prstGeom prst="ellipse">
+          <a:avLst/>
+        </a:prstGeom>
+        <a:solidFill>
+          <a:schemeClr val="accent1">
+            <a:hueOff val="0"/>
+            <a:satOff val="0"/>
+            <a:lumOff val="0"/>
+            <a:alphaOff val="0"/>
+          </a:schemeClr>
+        </a:solidFill>
+        <a:ln>
+          <a:noFill/>
+        </a:ln>
+        <a:effectLst/>
+        <a:scene3d>
+          <a:camera prst="orthographicFront">
+            <a:rot lat="0" lon="0" rev="0"/>
+          </a:camera>
+          <a:lightRig rig="threePt" dir="t"/>
+        </a:scene3d>
+        <a:sp3d>
+          <a:bevelT w="25400" h="12700"/>
+        </a:sp3d>
+      </dsp:spPr>
+      <dsp:style>
+        <a:lnRef idx="0">
+          <a:scrgbClr r="0" g="0" b="0"/>
+        </a:lnRef>
+        <a:fillRef idx="1">
+          <a:scrgbClr r="0" g="0" b="0"/>
+        </a:fillRef>
+        <a:effectRef idx="2">
+          <a:scrgbClr r="0" g="0" b="0"/>
+        </a:effectRef>
+        <a:fontRef idx="minor"/>
+      </dsp:style>
+    </dsp:sp>
+    <dsp:sp modelId="{EF1057F5-BDEE-4AA2-99A3-264ADF572099}">
+      <dsp:nvSpPr>
+        <dsp:cNvPr id="0" name=""/>
+        <dsp:cNvSpPr/>
+      </dsp:nvSpPr>
+      <dsp:spPr>
+        <a:xfrm>
+          <a:off x="250090" y="2303697"/>
+          <a:ext cx="480013" cy="480013"/>
+        </a:xfrm>
+        <a:prstGeom prst="rect">
+          <a:avLst/>
+        </a:prstGeom>
+        <a:blipFill>
+          <a:blip xmlns:r="http://schemas.openxmlformats.org/officeDocument/2006/relationships" r:embed="rId5">
+            <a:extLst>
+              <a:ext uri="{28A0092B-C50C-407E-A947-70E740481C1C}">
+                <a14:useLocalDpi xmlns:a14="http://schemas.microsoft.com/office/drawing/2010/main" val="0"/>
+              </a:ext>
+              <a:ext uri="{96DAC541-7B7A-43D3-8B79-37D633B846F1}">
+                <asvg:svgBlip xmlns:asvg="http://schemas.microsoft.com/office/drawing/2016/SVG/main" r:embed="rId6"/>
+              </a:ext>
+            </a:extLst>
+          </a:blip>
+          <a:stretch>
+            <a:fillRect/>
+          </a:stretch>
+        </a:blipFill>
+        <a:ln>
+          <a:noFill/>
+        </a:ln>
+        <a:effectLst/>
+        <a:scene3d>
+          <a:camera prst="orthographicFront">
+            <a:rot lat="0" lon="0" rev="0"/>
+          </a:camera>
+          <a:lightRig rig="threePt" dir="t"/>
+        </a:scene3d>
+        <a:sp3d>
+          <a:bevelT w="25400" h="12700"/>
+        </a:sp3d>
+      </dsp:spPr>
+      <dsp:style>
+        <a:lnRef idx="0">
+          <a:scrgbClr r="0" g="0" b="0"/>
+        </a:lnRef>
+        <a:fillRef idx="3">
+          <a:scrgbClr r="0" g="0" b="0"/>
+        </a:fillRef>
+        <a:effectRef idx="2">
+          <a:scrgbClr r="0" g="0" b="0"/>
+        </a:effectRef>
+        <a:fontRef idx="minor">
+          <a:schemeClr val="lt1"/>
+        </a:fontRef>
+      </dsp:style>
+    </dsp:sp>
+    <dsp:sp modelId="{23C683C4-5A1B-45B0-A5C6-D3A0A197A2E5}">
+      <dsp:nvSpPr>
+        <dsp:cNvPr id="0" name=""/>
+        <dsp:cNvSpPr/>
+      </dsp:nvSpPr>
+      <dsp:spPr>
+        <a:xfrm>
+          <a:off x="1081247" y="2129899"/>
+          <a:ext cx="1950794" cy="827609"/>
+        </a:xfrm>
+        <a:prstGeom prst="rect">
+          <a:avLst/>
+        </a:prstGeom>
+        <a:noFill/>
+        <a:ln>
+          <a:noFill/>
+        </a:ln>
+        <a:effectLst/>
+      </dsp:spPr>
+      <dsp:style>
+        <a:lnRef idx="0">
+          <a:scrgbClr r="0" g="0" b="0"/>
+        </a:lnRef>
+        <a:fillRef idx="0">
+          <a:scrgbClr r="0" g="0" b="0"/>
+        </a:fillRef>
+        <a:effectRef idx="0">
+          <a:scrgbClr r="0" g="0" b="0"/>
+        </a:effectRef>
+        <a:fontRef idx="minor"/>
+      </dsp:style>
+      <dsp:txBody>
+        <a:bodyPr spcFirstLastPara="0" vert="horz" wrap="square" lIns="0" tIns="0" rIns="0" bIns="0" numCol="1" spcCol="1270" anchor="ctr" anchorCtr="0">
+          <a:noAutofit/>
+        </a:bodyPr>
+        <a:lstStyle/>
+        <a:p>
+          <a:pPr marL="0" lvl="0" indent="0" algn="l" defTabSz="755650">
+            <a:lnSpc>
+              <a:spcPct val="90000"/>
+            </a:lnSpc>
+            <a:spcBef>
+              <a:spcPct val="0"/>
+            </a:spcBef>
+            <a:spcAft>
+              <a:spcPct val="35000"/>
+            </a:spcAft>
+            <a:buNone/>
+          </a:pPr>
+          <a:r>
+            <a:rPr lang="en-US" sz="1700" kern="1200"/>
+            <a:t>works well in team </a:t>
+          </a:r>
+        </a:p>
+      </dsp:txBody>
+      <dsp:txXfrm>
+        <a:off x="1081247" y="2129899"/>
+        <a:ext cx="1950794" cy="827609"/>
+      </dsp:txXfrm>
+    </dsp:sp>
+    <dsp:sp modelId="{33FBD606-1F76-4111-87C2-BA3C6BD1684C}">
+      <dsp:nvSpPr>
+        <dsp:cNvPr id="0" name=""/>
+        <dsp:cNvSpPr/>
+      </dsp:nvSpPr>
+      <dsp:spPr>
+        <a:xfrm>
+          <a:off x="3371952" y="2129899"/>
+          <a:ext cx="827609" cy="827609"/>
+        </a:xfrm>
+        <a:prstGeom prst="ellipse">
+          <a:avLst/>
+        </a:prstGeom>
+        <a:solidFill>
+          <a:schemeClr val="accent1">
+            <a:hueOff val="0"/>
+            <a:satOff val="0"/>
+            <a:lumOff val="0"/>
+            <a:alphaOff val="0"/>
+          </a:schemeClr>
+        </a:solidFill>
+        <a:ln>
+          <a:noFill/>
+        </a:ln>
+        <a:effectLst/>
+        <a:scene3d>
+          <a:camera prst="orthographicFront">
+            <a:rot lat="0" lon="0" rev="0"/>
+          </a:camera>
+          <a:lightRig rig="threePt" dir="t"/>
+        </a:scene3d>
+        <a:sp3d>
+          <a:bevelT w="25400" h="12700"/>
+        </a:sp3d>
+      </dsp:spPr>
+      <dsp:style>
+        <a:lnRef idx="0">
+          <a:scrgbClr r="0" g="0" b="0"/>
+        </a:lnRef>
+        <a:fillRef idx="1">
+          <a:scrgbClr r="0" g="0" b="0"/>
+        </a:fillRef>
+        <a:effectRef idx="2">
+          <a:scrgbClr r="0" g="0" b="0"/>
+        </a:effectRef>
+        <a:fontRef idx="minor"/>
+      </dsp:style>
+    </dsp:sp>
+    <dsp:sp modelId="{D683C019-271C-4E54-8AFE-2D86B08C3A04}">
+      <dsp:nvSpPr>
+        <dsp:cNvPr id="0" name=""/>
+        <dsp:cNvSpPr/>
+      </dsp:nvSpPr>
+      <dsp:spPr>
+        <a:xfrm>
+          <a:off x="3545750" y="2303697"/>
+          <a:ext cx="480013" cy="480013"/>
+        </a:xfrm>
+        <a:prstGeom prst="rect">
+          <a:avLst/>
+        </a:prstGeom>
+        <a:blipFill>
+          <a:blip xmlns:r="http://schemas.openxmlformats.org/officeDocument/2006/relationships" r:embed="rId7">
+            <a:extLst>
+              <a:ext uri="{28A0092B-C50C-407E-A947-70E740481C1C}">
+                <a14:useLocalDpi xmlns:a14="http://schemas.microsoft.com/office/drawing/2010/main" val="0"/>
+              </a:ext>
+              <a:ext uri="{96DAC541-7B7A-43D3-8B79-37D633B846F1}">
+                <asvg:svgBlip xmlns:asvg="http://schemas.microsoft.com/office/drawing/2016/SVG/main" r:embed="rId8"/>
+              </a:ext>
+            </a:extLst>
+          </a:blip>
+          <a:stretch>
+            <a:fillRect/>
+          </a:stretch>
+        </a:blipFill>
+        <a:ln>
+          <a:noFill/>
+        </a:ln>
+        <a:effectLst/>
+        <a:scene3d>
+          <a:camera prst="orthographicFront">
+            <a:rot lat="0" lon="0" rev="0"/>
+          </a:camera>
+          <a:lightRig rig="threePt" dir="t"/>
+        </a:scene3d>
+        <a:sp3d>
+          <a:bevelT w="25400" h="12700"/>
+        </a:sp3d>
+      </dsp:spPr>
+      <dsp:style>
+        <a:lnRef idx="0">
+          <a:scrgbClr r="0" g="0" b="0"/>
+        </a:lnRef>
+        <a:fillRef idx="3">
+          <a:scrgbClr r="0" g="0" b="0"/>
+        </a:fillRef>
+        <a:effectRef idx="2">
+          <a:scrgbClr r="0" g="0" b="0"/>
+        </a:effectRef>
+        <a:fontRef idx="minor">
+          <a:schemeClr val="lt1"/>
+        </a:fontRef>
+      </dsp:style>
+    </dsp:sp>
+    <dsp:sp modelId="{FBA95410-AF5D-4DAE-A852-F7FCB52E970E}">
+      <dsp:nvSpPr>
+        <dsp:cNvPr id="0" name=""/>
+        <dsp:cNvSpPr/>
+      </dsp:nvSpPr>
+      <dsp:spPr>
+        <a:xfrm>
+          <a:off x="4376907" y="2129899"/>
+          <a:ext cx="1950794" cy="827609"/>
+        </a:xfrm>
+        <a:prstGeom prst="rect">
+          <a:avLst/>
+        </a:prstGeom>
+        <a:noFill/>
+        <a:ln>
+          <a:noFill/>
+        </a:ln>
+        <a:effectLst/>
+      </dsp:spPr>
+      <dsp:style>
+        <a:lnRef idx="0">
+          <a:scrgbClr r="0" g="0" b="0"/>
+        </a:lnRef>
+        <a:fillRef idx="0">
+          <a:scrgbClr r="0" g="0" b="0"/>
+        </a:fillRef>
+        <a:effectRef idx="0">
+          <a:scrgbClr r="0" g="0" b="0"/>
+        </a:effectRef>
+        <a:fontRef idx="minor"/>
+      </dsp:style>
+      <dsp:txBody>
+        <a:bodyPr spcFirstLastPara="0" vert="horz" wrap="square" lIns="0" tIns="0" rIns="0" bIns="0" numCol="1" spcCol="1270" anchor="ctr" anchorCtr="0">
+          <a:noAutofit/>
+        </a:bodyPr>
+        <a:lstStyle/>
+        <a:p>
+          <a:pPr marL="0" lvl="0" indent="0" algn="l" defTabSz="755650">
+            <a:lnSpc>
+              <a:spcPct val="90000"/>
+            </a:lnSpc>
+            <a:spcBef>
+              <a:spcPct val="0"/>
+            </a:spcBef>
+            <a:spcAft>
+              <a:spcPct val="35000"/>
+            </a:spcAft>
+            <a:buNone/>
+          </a:pPr>
+          <a:r>
+            <a:rPr lang="en-US" sz="1700" kern="1200"/>
+            <a:t>Good people skills</a:t>
+          </a:r>
+        </a:p>
+      </dsp:txBody>
+      <dsp:txXfrm>
+        <a:off x="4376907" y="2129899"/>
+        <a:ext cx="1950794" cy="827609"/>
+      </dsp:txXfrm>
+    </dsp:sp>
+    <dsp:sp modelId="{A32F295C-6350-4245-B0C5-88479BA18886}">
+      <dsp:nvSpPr>
+        <dsp:cNvPr id="0" name=""/>
+        <dsp:cNvSpPr/>
+      </dsp:nvSpPr>
+      <dsp:spPr>
+        <a:xfrm>
+          <a:off x="76292" y="3822368"/>
+          <a:ext cx="827609" cy="827609"/>
+        </a:xfrm>
+        <a:prstGeom prst="ellipse">
+          <a:avLst/>
+        </a:prstGeom>
+        <a:solidFill>
+          <a:schemeClr val="accent1">
+            <a:hueOff val="0"/>
+            <a:satOff val="0"/>
+            <a:lumOff val="0"/>
+            <a:alphaOff val="0"/>
+          </a:schemeClr>
+        </a:solidFill>
+        <a:ln>
+          <a:noFill/>
+        </a:ln>
+        <a:effectLst/>
+        <a:scene3d>
+          <a:camera prst="orthographicFront">
+            <a:rot lat="0" lon="0" rev="0"/>
+          </a:camera>
+          <a:lightRig rig="threePt" dir="t"/>
+        </a:scene3d>
+        <a:sp3d>
+          <a:bevelT w="25400" h="12700"/>
+        </a:sp3d>
+      </dsp:spPr>
+      <dsp:style>
+        <a:lnRef idx="0">
+          <a:scrgbClr r="0" g="0" b="0"/>
+        </a:lnRef>
+        <a:fillRef idx="1">
+          <a:scrgbClr r="0" g="0" b="0"/>
+        </a:fillRef>
+        <a:effectRef idx="2">
+          <a:scrgbClr r="0" g="0" b="0"/>
+        </a:effectRef>
+        <a:fontRef idx="minor"/>
+      </dsp:style>
+    </dsp:sp>
+    <dsp:sp modelId="{E42DDB78-2B19-4FDE-B9C1-41E43982848B}">
+      <dsp:nvSpPr>
+        <dsp:cNvPr id="0" name=""/>
+        <dsp:cNvSpPr/>
+      </dsp:nvSpPr>
+      <dsp:spPr>
+        <a:xfrm>
+          <a:off x="250090" y="3996166"/>
+          <a:ext cx="480013" cy="480013"/>
+        </a:xfrm>
+        <a:prstGeom prst="rect">
+          <a:avLst/>
+        </a:prstGeom>
+        <a:blipFill>
+          <a:blip xmlns:r="http://schemas.openxmlformats.org/officeDocument/2006/relationships" r:embed="rId9">
+            <a:extLst>
+              <a:ext uri="{28A0092B-C50C-407E-A947-70E740481C1C}">
+                <a14:useLocalDpi xmlns:a14="http://schemas.microsoft.com/office/drawing/2010/main" val="0"/>
+              </a:ext>
+              <a:ext uri="{96DAC541-7B7A-43D3-8B79-37D633B846F1}">
+                <asvg:svgBlip xmlns:asvg="http://schemas.microsoft.com/office/drawing/2016/SVG/main" r:embed="rId10"/>
+              </a:ext>
+            </a:extLst>
+          </a:blip>
+          <a:stretch>
+            <a:fillRect/>
+          </a:stretch>
+        </a:blipFill>
+        <a:ln>
+          <a:noFill/>
+        </a:ln>
+        <a:effectLst/>
+        <a:scene3d>
+          <a:camera prst="orthographicFront">
+            <a:rot lat="0" lon="0" rev="0"/>
+          </a:camera>
+          <a:lightRig rig="threePt" dir="t"/>
+        </a:scene3d>
+        <a:sp3d>
+          <a:bevelT w="25400" h="12700"/>
+        </a:sp3d>
+      </dsp:spPr>
+      <dsp:style>
+        <a:lnRef idx="0">
+          <a:scrgbClr r="0" g="0" b="0"/>
+        </a:lnRef>
+        <a:fillRef idx="3">
+          <a:scrgbClr r="0" g="0" b="0"/>
+        </a:fillRef>
+        <a:effectRef idx="2">
+          <a:scrgbClr r="0" g="0" b="0"/>
+        </a:effectRef>
+        <a:fontRef idx="minor">
+          <a:schemeClr val="lt1"/>
+        </a:fontRef>
+      </dsp:style>
+    </dsp:sp>
+    <dsp:sp modelId="{4A13BC47-8DAA-4AB5-BF16-C336A408D669}">
+      <dsp:nvSpPr>
+        <dsp:cNvPr id="0" name=""/>
+        <dsp:cNvSpPr/>
+      </dsp:nvSpPr>
+      <dsp:spPr>
+        <a:xfrm>
+          <a:off x="1081247" y="3822368"/>
+          <a:ext cx="1950794" cy="827609"/>
+        </a:xfrm>
+        <a:prstGeom prst="rect">
+          <a:avLst/>
+        </a:prstGeom>
+        <a:noFill/>
+        <a:ln>
+          <a:noFill/>
+        </a:ln>
+        <a:effectLst/>
+      </dsp:spPr>
+      <dsp:style>
+        <a:lnRef idx="0">
+          <a:scrgbClr r="0" g="0" b="0"/>
+        </a:lnRef>
+        <a:fillRef idx="0">
+          <a:scrgbClr r="0" g="0" b="0"/>
+        </a:fillRef>
+        <a:effectRef idx="0">
+          <a:scrgbClr r="0" g="0" b="0"/>
+        </a:effectRef>
+        <a:fontRef idx="minor"/>
+      </dsp:style>
+      <dsp:txBody>
+        <a:bodyPr spcFirstLastPara="0" vert="horz" wrap="square" lIns="0" tIns="0" rIns="0" bIns="0" numCol="1" spcCol="1270" anchor="ctr" anchorCtr="0">
+          <a:noAutofit/>
+        </a:bodyPr>
+        <a:lstStyle/>
+        <a:p>
+          <a:pPr marL="0" lvl="0" indent="0" algn="l" defTabSz="755650">
+            <a:lnSpc>
+              <a:spcPct val="90000"/>
+            </a:lnSpc>
+            <a:spcBef>
+              <a:spcPct val="0"/>
+            </a:spcBef>
+            <a:spcAft>
+              <a:spcPct val="35000"/>
+            </a:spcAft>
+            <a:buNone/>
+          </a:pPr>
+          <a:r>
+            <a:rPr lang="en-US" sz="1700" kern="1200"/>
+            <a:t>Organized</a:t>
+          </a:r>
+        </a:p>
+      </dsp:txBody>
+      <dsp:txXfrm>
+        <a:off x="1081247" y="3822368"/>
+        <a:ext cx="1950794" cy="827609"/>
+      </dsp:txXfrm>
+    </dsp:sp>
+    <dsp:sp modelId="{100B3918-8DE9-4A40-A73E-6DA33ABD6997}">
+      <dsp:nvSpPr>
+        <dsp:cNvPr id="0" name=""/>
+        <dsp:cNvSpPr/>
+      </dsp:nvSpPr>
+      <dsp:spPr>
+        <a:xfrm>
+          <a:off x="3371952" y="3822368"/>
+          <a:ext cx="827609" cy="827609"/>
+        </a:xfrm>
+        <a:prstGeom prst="ellipse">
+          <a:avLst/>
+        </a:prstGeom>
+        <a:solidFill>
+          <a:schemeClr val="accent1">
+            <a:hueOff val="0"/>
+            <a:satOff val="0"/>
+            <a:lumOff val="0"/>
+            <a:alphaOff val="0"/>
+          </a:schemeClr>
+        </a:solidFill>
+        <a:ln>
+          <a:noFill/>
+        </a:ln>
+        <a:effectLst/>
+        <a:scene3d>
+          <a:camera prst="orthographicFront">
+            <a:rot lat="0" lon="0" rev="0"/>
+          </a:camera>
+          <a:lightRig rig="threePt" dir="t"/>
+        </a:scene3d>
+        <a:sp3d>
+          <a:bevelT w="25400" h="12700"/>
+        </a:sp3d>
+      </dsp:spPr>
+      <dsp:style>
+        <a:lnRef idx="0">
+          <a:scrgbClr r="0" g="0" b="0"/>
+        </a:lnRef>
+        <a:fillRef idx="1">
+          <a:scrgbClr r="0" g="0" b="0"/>
+        </a:fillRef>
+        <a:effectRef idx="2">
+          <a:scrgbClr r="0" g="0" b="0"/>
+        </a:effectRef>
+        <a:fontRef idx="minor"/>
+      </dsp:style>
+    </dsp:sp>
+    <dsp:sp modelId="{DC25B503-CDE2-4F82-BBA6-55A498AF0D22}">
+      <dsp:nvSpPr>
+        <dsp:cNvPr id="0" name=""/>
+        <dsp:cNvSpPr/>
+      </dsp:nvSpPr>
+      <dsp:spPr>
+        <a:xfrm>
+          <a:off x="3545750" y="3996166"/>
+          <a:ext cx="480013" cy="480013"/>
+        </a:xfrm>
+        <a:prstGeom prst="rect">
+          <a:avLst/>
+        </a:prstGeom>
+        <a:blipFill>
+          <a:blip xmlns:r="http://schemas.openxmlformats.org/officeDocument/2006/relationships" r:embed="rId11">
+            <a:extLst>
+              <a:ext uri="{28A0092B-C50C-407E-A947-70E740481C1C}">
+                <a14:useLocalDpi xmlns:a14="http://schemas.microsoft.com/office/drawing/2010/main" val="0"/>
+              </a:ext>
+              <a:ext uri="{96DAC541-7B7A-43D3-8B79-37D633B846F1}">
+                <asvg:svgBlip xmlns:asvg="http://schemas.microsoft.com/office/drawing/2016/SVG/main" r:embed="rId12"/>
+              </a:ext>
+            </a:extLst>
+          </a:blip>
+          <a:stretch>
+            <a:fillRect/>
+          </a:stretch>
+        </a:blipFill>
+        <a:ln>
+          <a:noFill/>
+        </a:ln>
+        <a:effectLst/>
+        <a:scene3d>
+          <a:camera prst="orthographicFront">
+            <a:rot lat="0" lon="0" rev="0"/>
+          </a:camera>
+          <a:lightRig rig="threePt" dir="t"/>
+        </a:scene3d>
+        <a:sp3d>
+          <a:bevelT w="25400" h="12700"/>
+        </a:sp3d>
+      </dsp:spPr>
+      <dsp:style>
+        <a:lnRef idx="0">
+          <a:scrgbClr r="0" g="0" b="0"/>
+        </a:lnRef>
+        <a:fillRef idx="3">
+          <a:scrgbClr r="0" g="0" b="0"/>
+        </a:fillRef>
+        <a:effectRef idx="2">
+          <a:scrgbClr r="0" g="0" b="0"/>
+        </a:effectRef>
+        <a:fontRef idx="minor">
+          <a:schemeClr val="lt1"/>
+        </a:fontRef>
+      </dsp:style>
+    </dsp:sp>
+    <dsp:sp modelId="{CE87D238-87AF-4D58-A543-F7E118FF822C}">
+      <dsp:nvSpPr>
+        <dsp:cNvPr id="0" name=""/>
+        <dsp:cNvSpPr/>
+      </dsp:nvSpPr>
+      <dsp:spPr>
+        <a:xfrm>
+          <a:off x="4376907" y="3822368"/>
+          <a:ext cx="1950794" cy="827609"/>
+        </a:xfrm>
+        <a:prstGeom prst="rect">
+          <a:avLst/>
+        </a:prstGeom>
+        <a:noFill/>
+        <a:ln>
+          <a:noFill/>
+        </a:ln>
+        <a:effectLst/>
+      </dsp:spPr>
+      <dsp:style>
+        <a:lnRef idx="0">
+          <a:scrgbClr r="0" g="0" b="0"/>
+        </a:lnRef>
+        <a:fillRef idx="0">
+          <a:scrgbClr r="0" g="0" b="0"/>
+        </a:fillRef>
+        <a:effectRef idx="0">
+          <a:scrgbClr r="0" g="0" b="0"/>
+        </a:effectRef>
+        <a:fontRef idx="minor"/>
+      </dsp:style>
+      <dsp:txBody>
+        <a:bodyPr spcFirstLastPara="0" vert="horz" wrap="square" lIns="0" tIns="0" rIns="0" bIns="0" numCol="1" spcCol="1270" anchor="ctr" anchorCtr="0">
+          <a:noAutofit/>
+        </a:bodyPr>
+        <a:lstStyle/>
+        <a:p>
+          <a:pPr marL="0" lvl="0" indent="0" algn="l" defTabSz="755650">
+            <a:lnSpc>
+              <a:spcPct val="90000"/>
+            </a:lnSpc>
+            <a:spcBef>
+              <a:spcPct val="0"/>
+            </a:spcBef>
+            <a:spcAft>
+              <a:spcPct val="35000"/>
+            </a:spcAft>
+            <a:buNone/>
+          </a:pPr>
+          <a:r>
+            <a:rPr lang="en-US" sz="1700" kern="1200"/>
+            <a:t>Lacks business/law knowledge</a:t>
+          </a:r>
+          <a:br>
+            <a:rPr lang="en-US" sz="1700" kern="1200"/>
+          </a:br>
+          <a:endParaRPr lang="en-US" sz="1700" kern="1200"/>
+        </a:p>
+      </dsp:txBody>
+      <dsp:txXfrm>
+        <a:off x="4376907" y="3822368"/>
+        <a:ext cx="1950794" cy="827609"/>
+      </dsp:txXfrm>
+    </dsp:sp>
+  </dsp:spTree>
+</dsp:drawing>
+</file>
+
+<file path=ppt/diagrams/drawing6.xml><?xml version="1.0" encoding="utf-8"?>
+<dsp:drawing xmlns:dgm="http://schemas.openxmlformats.org/drawingml/2006/diagram" xmlns:dsp="http://schemas.microsoft.com/office/drawing/2008/diagram" xmlns:a="http://schemas.openxmlformats.org/drawingml/2006/main">
+  <dsp:spTree>
+    <dsp:nvGrpSpPr>
+      <dsp:cNvPr id="0" name=""/>
+      <dsp:cNvGrpSpPr/>
+    </dsp:nvGrpSpPr>
+    <dsp:grpSpPr/>
+    <dsp:sp modelId="{4D89E078-E7B8-4193-BD9C-598C2F190416}">
+      <dsp:nvSpPr>
+        <dsp:cNvPr id="0" name=""/>
+        <dsp:cNvSpPr/>
+      </dsp:nvSpPr>
+      <dsp:spPr>
+        <a:xfrm>
+          <a:off x="1444887" y="2610"/>
+          <a:ext cx="1200937" cy="1200937"/>
+        </a:xfrm>
+        <a:prstGeom prst="round2DiagRect">
+          <a:avLst>
+            <a:gd name="adj1" fmla="val 29727"/>
+            <a:gd name="adj2" fmla="val 0"/>
+          </a:avLst>
+        </a:prstGeom>
+        <a:solidFill>
+          <a:schemeClr val="bg1">
+            <a:lumMod val="95000"/>
+            <a:hueOff val="0"/>
+            <a:satOff val="0"/>
+            <a:lumOff val="0"/>
+            <a:alphaOff val="0"/>
+          </a:schemeClr>
+        </a:solidFill>
+        <a:ln>
+          <a:noFill/>
+        </a:ln>
+        <a:effectLst/>
+        <a:scene3d>
+          <a:camera prst="orthographicFront">
+            <a:rot lat="0" lon="0" rev="0"/>
+          </a:camera>
+          <a:lightRig rig="threePt" dir="t"/>
+        </a:scene3d>
+        <a:sp3d>
+          <a:bevelT w="25400" h="12700"/>
+        </a:sp3d>
+      </dsp:spPr>
+      <dsp:style>
+        <a:lnRef idx="0">
+          <a:scrgbClr r="0" g="0" b="0"/>
+        </a:lnRef>
+        <a:fillRef idx="1">
+          <a:scrgbClr r="0" g="0" b="0"/>
+        </a:fillRef>
+        <a:effectRef idx="2">
+          <a:scrgbClr r="0" g="0" b="0"/>
+        </a:effectRef>
+        <a:fontRef idx="minor"/>
+      </dsp:style>
+    </dsp:sp>
+    <dsp:sp modelId="{3376EC63-AB4E-4F58-9DD1-22969840F94C}">
+      <dsp:nvSpPr>
+        <dsp:cNvPr id="0" name=""/>
+        <dsp:cNvSpPr/>
+      </dsp:nvSpPr>
+      <dsp:spPr>
+        <a:xfrm>
+          <a:off x="1700825" y="258548"/>
+          <a:ext cx="689062" cy="689062"/>
+        </a:xfrm>
+        <a:prstGeom prst="rect">
+          <a:avLst/>
+        </a:prstGeom>
+        <a:blipFill>
+          <a:blip xmlns:r="http://schemas.openxmlformats.org/officeDocument/2006/relationships" r:embed="rId1">
+            <a:extLst>
+              <a:ext uri="{28A0092B-C50C-407E-A947-70E740481C1C}">
+                <a14:useLocalDpi xmlns:a14="http://schemas.microsoft.com/office/drawing/2010/main" val="0"/>
+              </a:ext>
+              <a:ext uri="{96DAC541-7B7A-43D3-8B79-37D633B846F1}">
+                <asvg:svgBlip xmlns:asvg="http://schemas.microsoft.com/office/drawing/2016/SVG/main" r:embed="rId2"/>
+              </a:ext>
+            </a:extLst>
+          </a:blip>
+          <a:stretch>
+            <a:fillRect/>
+          </a:stretch>
+        </a:blipFill>
+        <a:ln>
+          <a:noFill/>
+        </a:ln>
+        <a:effectLst/>
+        <a:scene3d>
+          <a:camera prst="orthographicFront">
+            <a:rot lat="0" lon="0" rev="0"/>
+          </a:camera>
+          <a:lightRig rig="threePt" dir="t"/>
+        </a:scene3d>
+        <a:sp3d>
+          <a:bevelT w="25400" h="12700"/>
+        </a:sp3d>
+      </dsp:spPr>
+      <dsp:style>
+        <a:lnRef idx="0">
+          <a:scrgbClr r="0" g="0" b="0"/>
+        </a:lnRef>
+        <a:fillRef idx="3">
+          <a:scrgbClr r="0" g="0" b="0"/>
+        </a:fillRef>
+        <a:effectRef idx="2">
+          <a:scrgbClr r="0" g="0" b="0"/>
+        </a:effectRef>
+        <a:fontRef idx="minor">
+          <a:schemeClr val="lt1"/>
+        </a:fontRef>
+      </dsp:style>
+    </dsp:sp>
+    <dsp:sp modelId="{21958266-6800-4D71-AE34-6ABD4112F48B}">
+      <dsp:nvSpPr>
+        <dsp:cNvPr id="0" name=""/>
+        <dsp:cNvSpPr/>
+      </dsp:nvSpPr>
+      <dsp:spPr>
+        <a:xfrm>
+          <a:off x="1060981" y="1577610"/>
+          <a:ext cx="1968750" cy="720000"/>
+        </a:xfrm>
+        <a:prstGeom prst="rect">
+          <a:avLst/>
+        </a:prstGeom>
+        <a:noFill/>
+        <a:ln>
+          <a:noFill/>
+        </a:ln>
+        <a:effectLst/>
+      </dsp:spPr>
+      <dsp:style>
+        <a:lnRef idx="0">
+          <a:scrgbClr r="0" g="0" b="0"/>
+        </a:lnRef>
+        <a:fillRef idx="0">
+          <a:scrgbClr r="0" g="0" b="0"/>
+        </a:fillRef>
+        <a:effectRef idx="0">
+          <a:scrgbClr r="0" g="0" b="0"/>
+        </a:effectRef>
+        <a:fontRef idx="minor"/>
+      </dsp:style>
+      <dsp:txBody>
+        <a:bodyPr spcFirstLastPara="0" vert="horz" wrap="square" lIns="0" tIns="0" rIns="0" bIns="0" numCol="1" spcCol="1270" anchor="t" anchorCtr="0">
+          <a:noAutofit/>
+        </a:bodyPr>
+        <a:lstStyle/>
+        <a:p>
+          <a:pPr marL="0" lvl="0" indent="0" algn="ctr" defTabSz="533400">
+            <a:lnSpc>
+              <a:spcPct val="90000"/>
+            </a:lnSpc>
+            <a:spcBef>
+              <a:spcPct val="0"/>
+            </a:spcBef>
+            <a:spcAft>
+              <a:spcPct val="35000"/>
+            </a:spcAft>
+            <a:buNone/>
+            <a:defRPr cap="all"/>
+          </a:pPr>
+          <a:r>
+            <a:rPr lang="en-CA" sz="1200" kern="1200"/>
+            <a:t>To understand the business and legal side of esports</a:t>
+          </a:r>
+          <a:endParaRPr lang="en-US" sz="1200" kern="1200"/>
+        </a:p>
+      </dsp:txBody>
+      <dsp:txXfrm>
+        <a:off x="1060981" y="1577610"/>
+        <a:ext cx="1968750" cy="720000"/>
+      </dsp:txXfrm>
+    </dsp:sp>
+    <dsp:sp modelId="{F2B7FE08-570D-48F8-88D9-F28CC09F1FF0}">
+      <dsp:nvSpPr>
+        <dsp:cNvPr id="0" name=""/>
+        <dsp:cNvSpPr/>
+      </dsp:nvSpPr>
+      <dsp:spPr>
+        <a:xfrm>
+          <a:off x="3758168" y="2610"/>
+          <a:ext cx="1200937" cy="1200937"/>
+        </a:xfrm>
+        <a:prstGeom prst="round2DiagRect">
+          <a:avLst>
+            <a:gd name="adj1" fmla="val 29727"/>
+            <a:gd name="adj2" fmla="val 0"/>
+          </a:avLst>
+        </a:prstGeom>
+        <a:solidFill>
+          <a:schemeClr val="bg1">
+            <a:lumMod val="95000"/>
+            <a:hueOff val="0"/>
+            <a:satOff val="0"/>
+            <a:lumOff val="0"/>
+            <a:alphaOff val="0"/>
+          </a:schemeClr>
+        </a:solidFill>
+        <a:ln>
+          <a:noFill/>
+        </a:ln>
+        <a:effectLst/>
+        <a:scene3d>
+          <a:camera prst="orthographicFront">
+            <a:rot lat="0" lon="0" rev="0"/>
+          </a:camera>
+          <a:lightRig rig="threePt" dir="t"/>
+        </a:scene3d>
+        <a:sp3d>
+          <a:bevelT w="25400" h="12700"/>
+        </a:sp3d>
+      </dsp:spPr>
+      <dsp:style>
+        <a:lnRef idx="0">
+          <a:scrgbClr r="0" g="0" b="0"/>
+        </a:lnRef>
+        <a:fillRef idx="1">
+          <a:scrgbClr r="0" g="0" b="0"/>
+        </a:fillRef>
+        <a:effectRef idx="2">
+          <a:scrgbClr r="0" g="0" b="0"/>
+        </a:effectRef>
+        <a:fontRef idx="minor"/>
+      </dsp:style>
+    </dsp:sp>
+    <dsp:sp modelId="{03EA189A-CF54-4608-9CCE-51F401CB034D}">
+      <dsp:nvSpPr>
+        <dsp:cNvPr id="0" name=""/>
+        <dsp:cNvSpPr/>
+      </dsp:nvSpPr>
+      <dsp:spPr>
+        <a:xfrm>
+          <a:off x="4014106" y="258548"/>
+          <a:ext cx="689062" cy="689062"/>
+        </a:xfrm>
+        <a:prstGeom prst="rect">
+          <a:avLst/>
+        </a:prstGeom>
+        <a:blipFill>
+          <a:blip xmlns:r="http://schemas.openxmlformats.org/officeDocument/2006/relationships" r:embed="rId3">
+            <a:extLst>
+              <a:ext uri="{28A0092B-C50C-407E-A947-70E740481C1C}">
+                <a14:useLocalDpi xmlns:a14="http://schemas.microsoft.com/office/drawing/2010/main" val="0"/>
+              </a:ext>
+              <a:ext uri="{96DAC541-7B7A-43D3-8B79-37D633B846F1}">
+                <asvg:svgBlip xmlns:asvg="http://schemas.microsoft.com/office/drawing/2016/SVG/main" r:embed="rId4"/>
+              </a:ext>
+            </a:extLst>
+          </a:blip>
+          <a:stretch>
+            <a:fillRect/>
+          </a:stretch>
+        </a:blipFill>
+        <a:ln>
+          <a:noFill/>
+        </a:ln>
+        <a:effectLst/>
+        <a:scene3d>
+          <a:camera prst="orthographicFront">
+            <a:rot lat="0" lon="0" rev="0"/>
+          </a:camera>
+          <a:lightRig rig="threePt" dir="t"/>
+        </a:scene3d>
+        <a:sp3d>
+          <a:bevelT w="25400" h="12700"/>
+        </a:sp3d>
+      </dsp:spPr>
+      <dsp:style>
+        <a:lnRef idx="0">
+          <a:scrgbClr r="0" g="0" b="0"/>
+        </a:lnRef>
+        <a:fillRef idx="3">
+          <a:scrgbClr r="0" g="0" b="0"/>
+        </a:fillRef>
+        <a:effectRef idx="2">
+          <a:scrgbClr r="0" g="0" b="0"/>
+        </a:effectRef>
+        <a:fontRef idx="minor">
+          <a:schemeClr val="lt1"/>
+        </a:fontRef>
+      </dsp:style>
+    </dsp:sp>
+    <dsp:sp modelId="{FE896A40-ED39-43AD-9FAE-496857C49670}">
+      <dsp:nvSpPr>
+        <dsp:cNvPr id="0" name=""/>
+        <dsp:cNvSpPr/>
+      </dsp:nvSpPr>
+      <dsp:spPr>
+        <a:xfrm>
+          <a:off x="3374262" y="1577610"/>
+          <a:ext cx="1968750" cy="720000"/>
+        </a:xfrm>
+        <a:prstGeom prst="rect">
+          <a:avLst/>
+        </a:prstGeom>
+        <a:noFill/>
+        <a:ln>
+          <a:noFill/>
+        </a:ln>
+        <a:effectLst/>
+      </dsp:spPr>
+      <dsp:style>
+        <a:lnRef idx="0">
+          <a:scrgbClr r="0" g="0" b="0"/>
+        </a:lnRef>
+        <a:fillRef idx="0">
+          <a:scrgbClr r="0" g="0" b="0"/>
+        </a:fillRef>
+        <a:effectRef idx="0">
+          <a:scrgbClr r="0" g="0" b="0"/>
+        </a:effectRef>
+        <a:fontRef idx="minor"/>
+      </dsp:style>
+      <dsp:txBody>
+        <a:bodyPr spcFirstLastPara="0" vert="horz" wrap="square" lIns="0" tIns="0" rIns="0" bIns="0" numCol="1" spcCol="1270" anchor="t" anchorCtr="0">
+          <a:noAutofit/>
+        </a:bodyPr>
+        <a:lstStyle/>
+        <a:p>
+          <a:pPr marL="0" lvl="0" indent="0" algn="ctr" defTabSz="533400">
+            <a:lnSpc>
+              <a:spcPct val="90000"/>
+            </a:lnSpc>
+            <a:spcBef>
+              <a:spcPct val="0"/>
+            </a:spcBef>
+            <a:spcAft>
+              <a:spcPct val="35000"/>
+            </a:spcAft>
+            <a:buNone/>
+            <a:defRPr cap="all"/>
+          </a:pPr>
+          <a:r>
+            <a:rPr lang="en-CA" sz="1200" kern="1200"/>
+            <a:t>To manage an esports team efficiently </a:t>
+          </a:r>
+          <a:endParaRPr lang="en-US" sz="1200" kern="1200"/>
+        </a:p>
+      </dsp:txBody>
+      <dsp:txXfrm>
+        <a:off x="3374262" y="1577610"/>
+        <a:ext cx="1968750" cy="720000"/>
+      </dsp:txXfrm>
+    </dsp:sp>
+    <dsp:sp modelId="{C000E3AC-8F58-407B-B449-6791A95D1725}">
+      <dsp:nvSpPr>
+        <dsp:cNvPr id="0" name=""/>
+        <dsp:cNvSpPr/>
+      </dsp:nvSpPr>
+      <dsp:spPr>
+        <a:xfrm>
+          <a:off x="2601528" y="2789798"/>
+          <a:ext cx="1200937" cy="1200937"/>
+        </a:xfrm>
+        <a:prstGeom prst="round2DiagRect">
+          <a:avLst>
+            <a:gd name="adj1" fmla="val 29727"/>
+            <a:gd name="adj2" fmla="val 0"/>
+          </a:avLst>
+        </a:prstGeom>
+        <a:solidFill>
+          <a:schemeClr val="bg1">
+            <a:lumMod val="95000"/>
+            <a:hueOff val="0"/>
+            <a:satOff val="0"/>
+            <a:lumOff val="0"/>
+            <a:alphaOff val="0"/>
+          </a:schemeClr>
+        </a:solidFill>
+        <a:ln>
+          <a:noFill/>
+        </a:ln>
+        <a:effectLst/>
+        <a:scene3d>
+          <a:camera prst="orthographicFront">
+            <a:rot lat="0" lon="0" rev="0"/>
+          </a:camera>
+          <a:lightRig rig="threePt" dir="t"/>
+        </a:scene3d>
+        <a:sp3d>
+          <a:bevelT w="25400" h="12700"/>
+        </a:sp3d>
+      </dsp:spPr>
+      <dsp:style>
+        <a:lnRef idx="0">
+          <a:scrgbClr r="0" g="0" b="0"/>
+        </a:lnRef>
+        <a:fillRef idx="1">
+          <a:scrgbClr r="0" g="0" b="0"/>
+        </a:fillRef>
+        <a:effectRef idx="2">
+          <a:scrgbClr r="0" g="0" b="0"/>
+        </a:effectRef>
+        <a:fontRef idx="minor"/>
+      </dsp:style>
+    </dsp:sp>
+    <dsp:sp modelId="{76597E7E-52EC-4CB9-9637-3724AB6AF45B}">
+      <dsp:nvSpPr>
+        <dsp:cNvPr id="0" name=""/>
+        <dsp:cNvSpPr/>
+      </dsp:nvSpPr>
+      <dsp:spPr>
+        <a:xfrm>
+          <a:off x="2857465" y="3045735"/>
+          <a:ext cx="689062" cy="689062"/>
+        </a:xfrm>
+        <a:prstGeom prst="rect">
+          <a:avLst/>
+        </a:prstGeom>
+        <a:blipFill>
+          <a:blip xmlns:r="http://schemas.openxmlformats.org/officeDocument/2006/relationships" r:embed="rId5">
+            <a:extLst>
+              <a:ext uri="{28A0092B-C50C-407E-A947-70E740481C1C}">
+                <a14:useLocalDpi xmlns:a14="http://schemas.microsoft.com/office/drawing/2010/main" val="0"/>
+              </a:ext>
+              <a:ext uri="{96DAC541-7B7A-43D3-8B79-37D633B846F1}">
+                <asvg:svgBlip xmlns:asvg="http://schemas.microsoft.com/office/drawing/2016/SVG/main" r:embed="rId6"/>
+              </a:ext>
+            </a:extLst>
+          </a:blip>
+          <a:stretch>
+            <a:fillRect/>
+          </a:stretch>
+        </a:blipFill>
+        <a:ln>
+          <a:noFill/>
+        </a:ln>
+        <a:effectLst/>
+        <a:scene3d>
+          <a:camera prst="orthographicFront">
+            <a:rot lat="0" lon="0" rev="0"/>
+          </a:camera>
+          <a:lightRig rig="threePt" dir="t"/>
+        </a:scene3d>
+        <a:sp3d>
+          <a:bevelT w="25400" h="12700"/>
+        </a:sp3d>
+      </dsp:spPr>
+      <dsp:style>
+        <a:lnRef idx="0">
+          <a:scrgbClr r="0" g="0" b="0"/>
+        </a:lnRef>
+        <a:fillRef idx="3">
+          <a:scrgbClr r="0" g="0" b="0"/>
+        </a:fillRef>
+        <a:effectRef idx="2">
+          <a:scrgbClr r="0" g="0" b="0"/>
+        </a:effectRef>
+        <a:fontRef idx="minor">
+          <a:schemeClr val="lt1"/>
+        </a:fontRef>
+      </dsp:style>
+    </dsp:sp>
+    <dsp:sp modelId="{FF067BB5-D3CA-4EB8-8D1D-21234C68D120}">
+      <dsp:nvSpPr>
+        <dsp:cNvPr id="0" name=""/>
+        <dsp:cNvSpPr/>
+      </dsp:nvSpPr>
+      <dsp:spPr>
+        <a:xfrm>
+          <a:off x="2217622" y="4364798"/>
+          <a:ext cx="1968750" cy="720000"/>
+        </a:xfrm>
+        <a:prstGeom prst="rect">
+          <a:avLst/>
+        </a:prstGeom>
+        <a:noFill/>
+        <a:ln>
+          <a:noFill/>
+        </a:ln>
+        <a:effectLst/>
+      </dsp:spPr>
+      <dsp:style>
+        <a:lnRef idx="0">
+          <a:scrgbClr r="0" g="0" b="0"/>
+        </a:lnRef>
+        <a:fillRef idx="0">
+          <a:scrgbClr r="0" g="0" b="0"/>
+        </a:fillRef>
+        <a:effectRef idx="0">
+          <a:scrgbClr r="0" g="0" b="0"/>
+        </a:effectRef>
+        <a:fontRef idx="minor"/>
+      </dsp:style>
+      <dsp:txBody>
+        <a:bodyPr spcFirstLastPara="0" vert="horz" wrap="square" lIns="0" tIns="0" rIns="0" bIns="0" numCol="1" spcCol="1270" anchor="t" anchorCtr="0">
+          <a:noAutofit/>
+        </a:bodyPr>
+        <a:lstStyle/>
+        <a:p>
+          <a:pPr marL="0" lvl="0" indent="0" algn="ctr" defTabSz="533400">
+            <a:lnSpc>
+              <a:spcPct val="90000"/>
+            </a:lnSpc>
+            <a:spcBef>
+              <a:spcPct val="0"/>
+            </a:spcBef>
+            <a:spcAft>
+              <a:spcPct val="35000"/>
+            </a:spcAft>
+            <a:buNone/>
+            <a:defRPr cap="all"/>
+          </a:pPr>
+          <a:r>
+            <a:rPr lang="en-CA" sz="1200" kern="1200" dirty="0"/>
+            <a:t>To support and take care of his players and support them in their careers</a:t>
+          </a:r>
+          <a:endParaRPr lang="en-US" sz="1200" kern="1200" dirty="0"/>
+        </a:p>
+      </dsp:txBody>
+      <dsp:txXfrm>
+        <a:off x="2217622" y="4364798"/>
+        <a:ext cx="1968750" cy="720000"/>
+      </dsp:txXfrm>
+    </dsp:sp>
+  </dsp:spTree>
+</dsp:drawing>
+</file>
+
 <file path=ppt/diagrams/layout1.xml><?xml version="1.0" encoding="utf-8"?>
 <dgm:layoutDef xmlns:dgm="http://schemas.openxmlformats.org/drawingml/2006/diagram" xmlns:a="http://schemas.openxmlformats.org/drawingml/2006/main" uniqueId="urn:microsoft.com/office/officeart/2005/8/layout/cycle6">
   <dgm:title val=""/>
@@ -8619,6 +12676,445 @@
 </dgm:layoutDef>
 </file>
 
+<file path=ppt/diagrams/layout5.xml><?xml version="1.0" encoding="utf-8"?>
+<dgm:layoutDef xmlns:dgm="http://schemas.openxmlformats.org/drawingml/2006/diagram" xmlns:a="http://schemas.openxmlformats.org/drawingml/2006/main" uniqueId="urn:microsoft.com/office/officeart/2018/2/layout/IconCircleList">
+  <dgm:title val="Icon Circle List"/>
+  <dgm:desc val="Use to show non-sequential or grouped chunks of information accompanied by related visuals. Circular shapes can hold an icon or small picture and corresponding text box shows Level 1 text. Works best for icons or small pictures with medium-length descriptions."/>
+  <dgm:catLst>
+    <dgm:cat type="icon" pri="500"/>
+  </dgm:catLst>
+  <dgm:sampData useDef="1">
+    <dgm:dataModel>
+      <dgm:ptLst/>
+      <dgm:bg/>
+      <dgm:whole/>
+    </dgm:dataModel>
+  </dgm:sampData>
+  <dgm:styleData useDef="1">
+    <dgm:dataModel>
+      <dgm:ptLst/>
+      <dgm:bg/>
+      <dgm:whole/>
+    </dgm:dataModel>
+  </dgm:styleData>
+  <dgm:clrData useDef="1">
+    <dgm:dataModel>
+      <dgm:ptLst/>
+      <dgm:bg/>
+      <dgm:whole/>
+    </dgm:dataModel>
+  </dgm:clrData>
+  <dgm:layoutNode name="root">
+    <dgm:varLst>
+      <dgm:dir/>
+      <dgm:resizeHandles val="exact"/>
+    </dgm:varLst>
+    <dgm:alg type="sp"/>
+    <dgm:shape xmlns:r="http://schemas.openxmlformats.org/officeDocument/2006/relationships" r:blip="">
+      <dgm:adjLst/>
+    </dgm:shape>
+    <dgm:presOf/>
+    <dgm:choose name="Name0">
+      <dgm:if name="Name1" axis="ch" ptType="node" func="cnt" op="lte" val="3">
+        <dgm:constrLst>
+          <dgm:constr type="w" for="ch" forName="container" refType="w"/>
+          <dgm:constr type="h" for="ch" forName="container" refType="h" fact="0.4"/>
+        </dgm:constrLst>
+      </dgm:if>
+      <dgm:else name="Name2">
+        <dgm:constrLst>
+          <dgm:constr type="w" for="ch" forName="container" refType="w"/>
+          <dgm:constr type="h" for="ch" forName="container" refType="h"/>
+        </dgm:constrLst>
+      </dgm:else>
+    </dgm:choose>
+    <dgm:ruleLst>
+      <dgm:rule type="h" for="ch" forName="container" val="INF" fact="NaN" max="NaN"/>
+    </dgm:ruleLst>
+    <dgm:layoutNode name="container">
+      <dgm:varLst>
+        <dgm:dir/>
+        <dgm:resizeHandles val="exact"/>
+      </dgm:varLst>
+      <dgm:choose name="Name3">
+        <dgm:if name="Name4" axis="self" func="var" arg="dir" op="equ" val="norm">
+          <dgm:alg type="snake">
+            <dgm:param type="grDir" val="tL"/>
+            <dgm:param type="flowDir" val="row"/>
+            <dgm:param type="contDir" val="sameDir"/>
+          </dgm:alg>
+        </dgm:if>
+        <dgm:else name="Name5">
+          <dgm:alg type="snake">
+            <dgm:param type="grDir" val="tR"/>
+            <dgm:param type="flowDir" val="row"/>
+            <dgm:param type="contDir" val="sameDir"/>
+          </dgm:alg>
+        </dgm:else>
+      </dgm:choose>
+      <dgm:shape xmlns:r="http://schemas.openxmlformats.org/officeDocument/2006/relationships" r:blip="">
+        <dgm:adjLst/>
+      </dgm:shape>
+      <dgm:presOf/>
+      <dgm:constrLst>
+        <dgm:constr type="w" for="ch" forName="compNode" refType="w"/>
+        <dgm:constr type="h" for="ch" forName="compNode" refType="w" fact="0.28"/>
+        <dgm:constr type="w" for="ch" forName="sibTrans" refType="w" refFor="ch" refForName="compNode" fact="0.115"/>
+        <dgm:constr type="sp" refType="h" op="equ" fact="0.17"/>
+        <dgm:constr type="primFontSz" for="des" ptType="node" op="equ" val="24"/>
+        <dgm:constr type="h" for="des" forName="compNode" op="equ"/>
+        <dgm:constr type="h" for="des" forName="iconBgRect" op="equ"/>
+      </dgm:constrLst>
+      <dgm:ruleLst>
+        <dgm:rule type="w" for="ch" forName="compNode" val="60" fact="NaN" max="NaN"/>
+      </dgm:ruleLst>
+      <dgm:forEach name="Name6" axis="ch" ptType="node">
+        <dgm:layoutNode name="compNode">
+          <dgm:alg type="composite"/>
+          <dgm:shape xmlns:r="http://schemas.openxmlformats.org/officeDocument/2006/relationships" r:blip="">
+            <dgm:adjLst/>
+          </dgm:shape>
+          <dgm:presOf axis="self"/>
+          <dgm:constrLst>
+            <dgm:constr type="w" for="ch" forName="iconBgRect" refType="w" fact="0.28"/>
+            <dgm:constr type="h" for="ch" forName="iconBgRect" refType="w" refFor="ch" refForName="iconBgRect"/>
+            <dgm:constr type="t" for="ch" forName="iconBgRect"/>
+            <dgm:constr type="l" for="ch" forName="iconBgRect"/>
+            <dgm:constr type="w" for="ch" forName="iconRect" refType="w" refFor="ch" refForName="iconBgRect" fact="0.58"/>
+            <dgm:constr type="h" for="ch" forName="iconRect" refType="w" refFor="ch" refForName="iconRect"/>
+            <dgm:constr type="ctrX" for="ch" forName="iconRect" refType="ctrX" refFor="ch" refForName="iconBgRect"/>
+            <dgm:constr type="ctrY" for="ch" forName="iconRect" refType="ctrY" refFor="ch" refForName="iconBgRect"/>
+            <dgm:constr type="w" for="ch" forName="spaceRect" refType="w" fact="0.06"/>
+            <dgm:constr type="h" for="ch" forName="spaceRect" refType="h" refFor="ch" refForName="iconBgRect"/>
+            <dgm:constr type="t" for="ch" forName="spaceRect" refType="t" refFor="ch" refForName="iconBgRect"/>
+            <dgm:constr type="l" for="ch" forName="spaceRect" refType="r" refFor="ch" refForName="iconBgRect"/>
+            <dgm:constr type="h" for="ch" forName="textRect" refType="h" refFor="ch" refForName="iconBgRect"/>
+            <dgm:constr type="t" for="ch" forName="textRect" refType="t" refFor="ch" refForName="iconBgRect"/>
+            <dgm:constr type="l" for="ch" forName="textRect" refType="r" refFor="ch" refForName="spaceRect"/>
+          </dgm:constrLst>
+          <dgm:ruleLst/>
+          <dgm:layoutNode name="iconBgRect" styleLbl="bgShp">
+            <dgm:alg type="sp"/>
+            <dgm:shape xmlns:r="http://schemas.openxmlformats.org/officeDocument/2006/relationships" type="ellipse" r:blip="">
+              <dgm:adjLst/>
+            </dgm:shape>
+            <dgm:presOf/>
+            <dgm:constrLst/>
+            <dgm:ruleLst/>
+          </dgm:layoutNode>
+          <dgm:layoutNode name="iconRect" styleLbl="node1">
+            <dgm:alg type="sp"/>
+            <dgm:shape xmlns:r="http://schemas.openxmlformats.org/officeDocument/2006/relationships" type="rect" r:blip="" blipPhldr="1">
+              <dgm:adjLst/>
+            </dgm:shape>
+            <dgm:presOf/>
+            <dgm:constrLst/>
+            <dgm:ruleLst/>
+          </dgm:layoutNode>
+          <dgm:layoutNode name="spaceRect">
+            <dgm:alg type="sp"/>
+            <dgm:shape xmlns:r="http://schemas.openxmlformats.org/officeDocument/2006/relationships" r:blip="">
+              <dgm:adjLst/>
+            </dgm:shape>
+            <dgm:presOf/>
+            <dgm:constrLst/>
+            <dgm:ruleLst/>
+          </dgm:layoutNode>
+          <dgm:layoutNode name="textRect" styleLbl="revTx">
+            <dgm:varLst>
+              <dgm:chMax val="1"/>
+              <dgm:chPref val="1"/>
+            </dgm:varLst>
+            <dgm:choose name="Name7">
+              <dgm:if name="Name8" func="var" arg="dir" op="equ" val="norm">
+                <dgm:alg type="tx">
+                  <dgm:param type="txAnchorVert" val="mid"/>
+                  <dgm:param type="parTxLTRAlign" val="l"/>
+                  <dgm:param type="shpTxLTRAlignCh" val="l"/>
+                  <dgm:param type="parTxRTLAlign" val="l"/>
+                  <dgm:param type="shpTxRTLAlignCh" val="l"/>
+                </dgm:alg>
+              </dgm:if>
+              <dgm:else name="Name9">
+                <dgm:alg type="tx">
+                  <dgm:param type="txAnchorVert" val="mid"/>
+                  <dgm:param type="parTxLTRAlign" val="r"/>
+                  <dgm:param type="shpTxLTRAlignCh" val="r"/>
+                  <dgm:param type="parTxRTLAlign" val="r"/>
+                  <dgm:param type="shpTxRTLAlignCh" val="r"/>
+                </dgm:alg>
+              </dgm:else>
+            </dgm:choose>
+            <dgm:shape xmlns:r="http://schemas.openxmlformats.org/officeDocument/2006/relationships" type="rect" r:blip="">
+              <dgm:adjLst/>
+            </dgm:shape>
+            <dgm:presOf axis="self" ptType="node"/>
+            <dgm:constrLst>
+              <dgm:constr type="lMarg"/>
+              <dgm:constr type="rMarg"/>
+              <dgm:constr type="tMarg"/>
+              <dgm:constr type="bMarg"/>
+            </dgm:constrLst>
+            <dgm:ruleLst>
+              <dgm:rule type="primFontSz" val="11" fact="NaN" max="NaN"/>
+            </dgm:ruleLst>
+          </dgm:layoutNode>
+        </dgm:layoutNode>
+        <dgm:forEach name="Name10" axis="followSib" ptType="sibTrans" cnt="1">
+          <dgm:layoutNode name="sibTrans">
+            <dgm:alg type="sp"/>
+            <dgm:shape xmlns:r="http://schemas.openxmlformats.org/officeDocument/2006/relationships" type="rect" r:blip="" hideGeom="1">
+              <dgm:adjLst/>
+            </dgm:shape>
+            <dgm:presOf axis="self"/>
+            <dgm:constrLst/>
+            <dgm:ruleLst/>
+          </dgm:layoutNode>
+        </dgm:forEach>
+      </dgm:forEach>
+    </dgm:layoutNode>
+  </dgm:layoutNode>
+  <dgm:extLst>
+    <a:ext uri="{68A01E43-0DF5-4B5B-8FA6-DAF915123BFB}">
+      <dgm1612:lstStyle xmlns:dgm1612="http://schemas.microsoft.com/office/drawing/2016/12/diagram">
+        <a:lvl1pPr>
+          <a:lnSpc>
+            <a:spcPct val="100000"/>
+          </a:lnSpc>
+        </a:lvl1pPr>
+      </dgm1612:lstStyle>
+    </a:ext>
+  </dgm:extLst>
+</dgm:layoutDef>
+</file>
+
+<file path=ppt/diagrams/layout6.xml><?xml version="1.0" encoding="utf-8"?>
+<dgm:layoutDef xmlns:dgm="http://schemas.openxmlformats.org/drawingml/2006/diagram" xmlns:a="http://schemas.openxmlformats.org/drawingml/2006/main" uniqueId="urn:microsoft.com/office/officeart/2018/5/layout/IconLeafLabelList">
+  <dgm:title val="Icon Leaf Label List"/>
+  <dgm:desc val="Use to show non-sequential or grouped chunks of information accompanied by a related visuals. Works best with icons or small pictures with short text captions."/>
+  <dgm:catLst>
+    <dgm:cat type="icon" pri="500"/>
+  </dgm:catLst>
+  <dgm:sampData useDef="1">
+    <dgm:dataModel>
+      <dgm:ptLst/>
+      <dgm:bg/>
+      <dgm:whole/>
+    </dgm:dataModel>
+  </dgm:sampData>
+  <dgm:styleData useDef="1">
+    <dgm:dataModel>
+      <dgm:ptLst/>
+      <dgm:bg/>
+      <dgm:whole/>
+    </dgm:dataModel>
+  </dgm:styleData>
+  <dgm:clrData useDef="1">
+    <dgm:dataModel>
+      <dgm:ptLst/>
+      <dgm:bg/>
+      <dgm:whole/>
+    </dgm:dataModel>
+  </dgm:clrData>
+  <dgm:layoutNode name="root">
+    <dgm:varLst>
+      <dgm:dir/>
+      <dgm:resizeHandles val="exact"/>
+    </dgm:varLst>
+    <dgm:choose name="Name0">
+      <dgm:if name="Name1" axis="self" func="var" arg="dir" op="equ" val="norm">
+        <dgm:alg type="snake">
+          <dgm:param type="grDir" val="tL"/>
+          <dgm:param type="flowDir" val="row"/>
+          <dgm:param type="contDir" val="sameDir"/>
+          <dgm:param type="off" val="ctr"/>
+          <dgm:param type="vertAlign" val="mid"/>
+          <dgm:param type="horzAlign" val="ctr"/>
+        </dgm:alg>
+      </dgm:if>
+      <dgm:else name="Name2">
+        <dgm:alg type="snake">
+          <dgm:param type="grDir" val="tR"/>
+          <dgm:param type="flowDir" val="row"/>
+          <dgm:param type="contDir" val="sameDir"/>
+          <dgm:param type="off" val="ctr"/>
+          <dgm:param type="vertAlign" val="mid"/>
+          <dgm:param type="horzAlign" val="ctr"/>
+        </dgm:alg>
+      </dgm:else>
+    </dgm:choose>
+    <dgm:shape xmlns:r="http://schemas.openxmlformats.org/officeDocument/2006/relationships" r:blip="">
+      <dgm:adjLst/>
+    </dgm:shape>
+    <dgm:presOf/>
+    <dgm:choose name="Name3">
+      <dgm:if name="Name4" axis="ch" ptType="node" func="cnt" op="lte" val="2">
+        <dgm:constrLst>
+          <dgm:constr type="h" for="ch" forName="compNode" refType="h" fact="0.4"/>
+          <dgm:constr type="w" for="ch" forName="compNode" val="100"/>
+          <dgm:constr type="w" for="ch" forName="sibTrans" refType="w" refFor="ch" refForName="compNode" fact="0.175"/>
+          <dgm:constr type="sp" refType="w" refFor="ch" refForName="compNode" op="equ" fact="0.25"/>
+          <dgm:constr type="primFontSz" for="des" ptType="node" op="equ" val="44"/>
+          <dgm:constr type="h" for="des" forName="compNode" op="equ"/>
+          <dgm:constr type="h" for="des" forName="textRect" op="equ"/>
+        </dgm:constrLst>
+      </dgm:if>
+      <dgm:if name="Name5" axis="ch" ptType="node" func="cnt" op="lte" val="3">
+        <dgm:constrLst>
+          <dgm:constr type="h" for="ch" forName="compNode" refType="h" fact="0.4"/>
+          <dgm:constr type="w" for="ch" forName="compNode" val="100"/>
+          <dgm:constr type="w" for="ch" forName="sibTrans" refType="w" refFor="ch" refForName="compNode" fact="0.175"/>
+          <dgm:constr type="sp" refType="w" refFor="ch" refForName="compNode" op="equ" fact="0.25"/>
+          <dgm:constr type="primFontSz" for="des" ptType="node" op="equ" val="40"/>
+          <dgm:constr type="h" for="des" forName="compNode" op="equ"/>
+          <dgm:constr type="h" for="des" forName="textRect" op="equ"/>
+        </dgm:constrLst>
+      </dgm:if>
+      <dgm:if name="Name6" axis="ch" ptType="node" func="cnt" op="lte" val="4">
+        <dgm:constrLst>
+          <dgm:constr type="h" for="ch" forName="compNode" refType="h" fact="0.4"/>
+          <dgm:constr type="w" for="ch" forName="compNode" refType="w"/>
+          <dgm:constr type="w" for="ch" forName="sibTrans" refType="w" refFor="ch" refForName="compNode" fact="0.175"/>
+          <dgm:constr type="sp" refType="w" refFor="ch" refForName="compNode" op="equ" fact="0.25"/>
+          <dgm:constr type="primFontSz" for="des" ptType="node" op="equ" val="32"/>
+          <dgm:constr type="h" for="des" forName="compNode" op="equ"/>
+          <dgm:constr type="h" for="des" forName="textRect" op="equ"/>
+        </dgm:constrLst>
+      </dgm:if>
+      <dgm:else name="Name7">
+        <dgm:constrLst>
+          <dgm:constr type="h" for="ch" forName="compNode" refType="h" fact="0.4"/>
+          <dgm:constr type="w" for="ch" forName="compNode" refType="w"/>
+          <dgm:constr type="w" for="ch" forName="sibTrans" refType="w" refFor="ch" refForName="compNode" fact="0.175"/>
+          <dgm:constr type="sp" refType="w" refFor="ch" refForName="compNode" op="equ" fact="0.25"/>
+          <dgm:constr type="primFontSz" for="des" ptType="node" op="equ" val="24"/>
+          <dgm:constr type="h" for="des" forName="compNode" op="equ"/>
+          <dgm:constr type="h" for="des" forName="textRect" op="equ"/>
+        </dgm:constrLst>
+      </dgm:else>
+    </dgm:choose>
+    <dgm:ruleLst>
+      <dgm:rule type="w" for="ch" forName="compNode" val="50" fact="NaN" max="NaN"/>
+    </dgm:ruleLst>
+    <dgm:forEach name="Name8" axis="ch" ptType="node">
+      <dgm:layoutNode name="compNode">
+        <dgm:alg type="composite"/>
+        <dgm:shape xmlns:r="http://schemas.openxmlformats.org/officeDocument/2006/relationships" r:blip="">
+          <dgm:adjLst/>
+        </dgm:shape>
+        <dgm:presOf axis="self"/>
+        <dgm:constrLst>
+          <dgm:constr type="w" for="ch" forName="iconBgRect" refType="w" fact="0.61"/>
+          <dgm:constr type="h" for="ch" forName="iconBgRect" refType="w" refFor="ch" refForName="iconBgRect"/>
+          <dgm:constr type="t" for="ch" forName="iconBgRect"/>
+          <dgm:constr type="ctrX" for="ch" forName="iconBgRect" refType="w" fact="0.5"/>
+          <dgm:constr type="w" for="ch" forName="iconRect" refType="w" fact="0.35"/>
+          <dgm:constr type="h" for="ch" forName="iconRect" refType="w" refFor="ch" refForName="iconRect"/>
+          <dgm:constr type="ctrX" for="ch" forName="iconRect" refType="ctrX" refFor="ch" refForName="iconBgRect"/>
+          <dgm:constr type="ctrY" for="ch" forName="iconRect" refType="ctrY" refFor="ch" refForName="iconBgRect"/>
+          <dgm:constr type="h" for="ch" forName="spaceRect" refType="w" fact="0.19"/>
+          <dgm:constr type="w" for="ch" forName="spaceRect" refType="w"/>
+          <dgm:constr type="l" for="ch" forName="spaceRect"/>
+          <dgm:constr type="t" for="ch" forName="spaceRect" refType="b" refFor="ch" refForName="iconBgRect"/>
+          <dgm:constr type="h" for="ch" forName="textRect" val="20"/>
+          <dgm:constr type="w" for="ch" forName="textRect" refType="w"/>
+          <dgm:constr type="l" for="ch" forName="textRect"/>
+          <dgm:constr type="t" for="ch" forName="textRect" refType="b" refFor="ch" refForName="spaceRect"/>
+        </dgm:constrLst>
+        <dgm:ruleLst>
+          <dgm:rule type="h" val="INF" fact="NaN" max="NaN"/>
+        </dgm:ruleLst>
+        <dgm:layoutNode name="iconBgRect" styleLbl="bgShp">
+          <dgm:alg type="sp"/>
+          <dgm:shape xmlns:r="http://schemas.openxmlformats.org/officeDocument/2006/relationships" type="round2DiagRect" r:blip="">
+            <dgm:adjLst/>
+            <dgm:extLst>
+              <a:ext uri="{B698B0E9-8C71-41B9-8309-B3DCBF30829C}">
+                <dgm1612:spPr xmlns:dgm1612="http://schemas.microsoft.com/office/drawing/2016/12/diagram">
+                  <a:prstGeom prst="round2DiagRect">
+                    <a:avLst>
+                      <a:gd name="adj1" fmla="val 29727"/>
+                      <a:gd name="adj2" fmla="val 0"/>
+                    </a:avLst>
+                  </a:prstGeom>
+                </dgm1612:spPr>
+              </a:ext>
+            </dgm:extLst>
+          </dgm:shape>
+          <dgm:presOf/>
+          <dgm:constrLst/>
+          <dgm:ruleLst/>
+        </dgm:layoutNode>
+        <dgm:layoutNode name="iconRect" styleLbl="node1">
+          <dgm:alg type="sp"/>
+          <dgm:shape xmlns:r="http://schemas.openxmlformats.org/officeDocument/2006/relationships" type="rect" r:blip="" blipPhldr="1">
+            <dgm:adjLst/>
+          </dgm:shape>
+          <dgm:presOf/>
+          <dgm:constrLst/>
+          <dgm:ruleLst/>
+        </dgm:layoutNode>
+        <dgm:layoutNode name="spaceRect">
+          <dgm:alg type="sp"/>
+          <dgm:shape xmlns:r="http://schemas.openxmlformats.org/officeDocument/2006/relationships" r:blip="">
+            <dgm:adjLst/>
+          </dgm:shape>
+          <dgm:presOf/>
+          <dgm:constrLst/>
+          <dgm:ruleLst/>
+        </dgm:layoutNode>
+        <dgm:layoutNode name="textRect" styleLbl="revTx">
+          <dgm:varLst>
+            <dgm:chMax val="1"/>
+            <dgm:chPref val="1"/>
+          </dgm:varLst>
+          <dgm:alg type="tx">
+            <dgm:param type="txAnchorVert" val="t"/>
+          </dgm:alg>
+          <dgm:shape xmlns:r="http://schemas.openxmlformats.org/officeDocument/2006/relationships" type="rect" r:blip="">
+            <dgm:adjLst/>
+          </dgm:shape>
+          <dgm:presOf axis="self" ptType="node"/>
+          <dgm:constrLst>
+            <dgm:constr type="lMarg"/>
+            <dgm:constr type="rMarg"/>
+            <dgm:constr type="tMarg"/>
+            <dgm:constr type="bMarg"/>
+          </dgm:constrLst>
+          <dgm:ruleLst>
+            <dgm:rule type="primFontSz" val="11" fact="NaN" max="NaN"/>
+            <dgm:rule type="h" val="INF" fact="NaN" max="NaN"/>
+          </dgm:ruleLst>
+        </dgm:layoutNode>
+      </dgm:layoutNode>
+      <dgm:forEach name="Name9" axis="followSib" ptType="sibTrans" cnt="1">
+        <dgm:layoutNode name="sibTrans">
+          <dgm:alg type="sp"/>
+          <dgm:shape xmlns:r="http://schemas.openxmlformats.org/officeDocument/2006/relationships" r:blip="">
+            <dgm:adjLst/>
+          </dgm:shape>
+          <dgm:presOf axis="self"/>
+          <dgm:constrLst/>
+          <dgm:ruleLst/>
+        </dgm:layoutNode>
+      </dgm:forEach>
+    </dgm:forEach>
+  </dgm:layoutNode>
+  <dgm:extLst>
+    <a:ext uri="{68A01E43-0DF5-4B5B-8FA6-DAF915123BFB}">
+      <dgm1612:lstStyle xmlns:dgm1612="http://schemas.microsoft.com/office/drawing/2016/12/diagram">
+        <a:lvl1pPr>
+          <a:lnSpc>
+            <a:spcPct val="100000"/>
+          </a:lnSpc>
+          <a:defRPr cap="all"/>
+        </a:lvl1pPr>
+      </dgm1612:lstStyle>
+    </a:ext>
+  </dgm:extLst>
+</dgm:layoutDef>
+</file>
+
 <file path=ppt/diagrams/quickStyle1.xml><?xml version="1.0" encoding="utf-8"?>
 <dgm:styleDef xmlns:dgm="http://schemas.openxmlformats.org/drawingml/2006/diagram" xmlns:a="http://schemas.openxmlformats.org/drawingml/2006/main" uniqueId="urn:microsoft.com/office/officeart/2005/8/quickstyle/simple2">
   <dgm:title val=""/>
@@ -11748,6 +16244,2074 @@
 </file>
 
 <file path=ppt/diagrams/quickStyle4.xml><?xml version="1.0" encoding="utf-8"?>
+<dgm:styleDef xmlns:dgm="http://schemas.openxmlformats.org/drawingml/2006/diagram" xmlns:a="http://schemas.openxmlformats.org/drawingml/2006/main" uniqueId="urn:microsoft.com/office/officeart/2005/8/quickstyle/simple4">
+  <dgm:title val=""/>
+  <dgm:desc val=""/>
+  <dgm:catLst>
+    <dgm:cat type="simple" pri="10400"/>
+  </dgm:catLst>
+  <dgm:scene3d>
+    <a:camera prst="orthographicFront"/>
+    <a:lightRig rig="threePt" dir="t"/>
+  </dgm:scene3d>
+  <dgm:styleLbl name="node0">
+    <dgm:scene3d>
+      <a:camera prst="orthographicFront"/>
+      <a:lightRig rig="threePt" dir="t"/>
+    </dgm:scene3d>
+    <dgm:sp3d/>
+    <dgm:txPr/>
+    <dgm:style>
+      <a:lnRef idx="0">
+        <a:scrgbClr r="0" g="0" b="0"/>
+      </a:lnRef>
+      <a:fillRef idx="3">
+        <a:scrgbClr r="0" g="0" b="0"/>
+      </a:fillRef>
+      <a:effectRef idx="2">
+        <a:scrgbClr r="0" g="0" b="0"/>
+      </a:effectRef>
+      <a:fontRef idx="minor">
+        <a:schemeClr val="lt1"/>
+      </a:fontRef>
+    </dgm:style>
+  </dgm:styleLbl>
+  <dgm:styleLbl name="lnNode1">
+    <dgm:scene3d>
+      <a:camera prst="orthographicFront"/>
+      <a:lightRig rig="threePt" dir="t"/>
+    </dgm:scene3d>
+    <dgm:sp3d/>
+    <dgm:txPr/>
+    <dgm:style>
+      <a:lnRef idx="1">
+        <a:scrgbClr r="0" g="0" b="0"/>
+      </a:lnRef>
+      <a:fillRef idx="3">
+        <a:scrgbClr r="0" g="0" b="0"/>
+      </a:fillRef>
+      <a:effectRef idx="2">
+        <a:scrgbClr r="0" g="0" b="0"/>
+      </a:effectRef>
+      <a:fontRef idx="minor">
+        <a:schemeClr val="lt1"/>
+      </a:fontRef>
+    </dgm:style>
+  </dgm:styleLbl>
+  <dgm:styleLbl name="vennNode1">
+    <dgm:scene3d>
+      <a:camera prst="orthographicFront"/>
+      <a:lightRig rig="threePt" dir="t"/>
+    </dgm:scene3d>
+    <dgm:sp3d/>
+    <dgm:txPr/>
+    <dgm:style>
+      <a:lnRef idx="0">
+        <a:scrgbClr r="0" g="0" b="0"/>
+      </a:lnRef>
+      <a:fillRef idx="3">
+        <a:scrgbClr r="0" g="0" b="0"/>
+      </a:fillRef>
+      <a:effectRef idx="0">
+        <a:scrgbClr r="0" g="0" b="0"/>
+      </a:effectRef>
+      <a:fontRef idx="minor">
+        <a:schemeClr val="tx1"/>
+      </a:fontRef>
+    </dgm:style>
+  </dgm:styleLbl>
+  <dgm:styleLbl name="alignNode1">
+    <dgm:scene3d>
+      <a:camera prst="orthographicFront"/>
+      <a:lightRig rig="threePt" dir="t"/>
+    </dgm:scene3d>
+    <dgm:sp3d/>
+    <dgm:txPr/>
+    <dgm:style>
+      <a:lnRef idx="1">
+        <a:scrgbClr r="0" g="0" b="0"/>
+      </a:lnRef>
+      <a:fillRef idx="3">
+        <a:scrgbClr r="0" g="0" b="0"/>
+      </a:fillRef>
+      <a:effectRef idx="2">
+        <a:scrgbClr r="0" g="0" b="0"/>
+      </a:effectRef>
+      <a:fontRef idx="minor">
+        <a:schemeClr val="lt1"/>
+      </a:fontRef>
+    </dgm:style>
+  </dgm:styleLbl>
+  <dgm:styleLbl name="node1">
+    <dgm:scene3d>
+      <a:camera prst="orthographicFront"/>
+      <a:lightRig rig="threePt" dir="t"/>
+    </dgm:scene3d>
+    <dgm:sp3d/>
+    <dgm:txPr/>
+    <dgm:style>
+      <a:lnRef idx="0">
+        <a:scrgbClr r="0" g="0" b="0"/>
+      </a:lnRef>
+      <a:fillRef idx="3">
+        <a:scrgbClr r="0" g="0" b="0"/>
+      </a:fillRef>
+      <a:effectRef idx="2">
+        <a:scrgbClr r="0" g="0" b="0"/>
+      </a:effectRef>
+      <a:fontRef idx="minor">
+        <a:schemeClr val="lt1"/>
+      </a:fontRef>
+    </dgm:style>
+  </dgm:styleLbl>
+  <dgm:styleLbl name="node2">
+    <dgm:scene3d>
+      <a:camera prst="orthographicFront"/>
+      <a:lightRig rig="threePt" dir="t"/>
+    </dgm:scene3d>
+    <dgm:sp3d/>
+    <dgm:txPr/>
+    <dgm:style>
+      <a:lnRef idx="0">
+        <a:scrgbClr r="0" g="0" b="0"/>
+      </a:lnRef>
+      <a:fillRef idx="3">
+        <a:scrgbClr r="0" g="0" b="0"/>
+      </a:fillRef>
+      <a:effectRef idx="2">
+        <a:scrgbClr r="0" g="0" b="0"/>
+      </a:effectRef>
+      <a:fontRef idx="minor">
+        <a:schemeClr val="lt1"/>
+      </a:fontRef>
+    </dgm:style>
+  </dgm:styleLbl>
+  <dgm:styleLbl name="node3">
+    <dgm:scene3d>
+      <a:camera prst="orthographicFront"/>
+      <a:lightRig rig="threePt" dir="t"/>
+    </dgm:scene3d>
+    <dgm:sp3d/>
+    <dgm:txPr/>
+    <dgm:style>
+      <a:lnRef idx="0">
+        <a:scrgbClr r="0" g="0" b="0"/>
+      </a:lnRef>
+      <a:fillRef idx="3">
+        <a:scrgbClr r="0" g="0" b="0"/>
+      </a:fillRef>
+      <a:effectRef idx="2">
+        <a:scrgbClr r="0" g="0" b="0"/>
+      </a:effectRef>
+      <a:fontRef idx="minor">
+        <a:schemeClr val="lt1"/>
+      </a:fontRef>
+    </dgm:style>
+  </dgm:styleLbl>
+  <dgm:styleLbl name="node4">
+    <dgm:scene3d>
+      <a:camera prst="orthographicFront"/>
+      <a:lightRig rig="threePt" dir="t"/>
+    </dgm:scene3d>
+    <dgm:sp3d/>
+    <dgm:txPr/>
+    <dgm:style>
+      <a:lnRef idx="0">
+        <a:scrgbClr r="0" g="0" b="0"/>
+      </a:lnRef>
+      <a:fillRef idx="3">
+        <a:scrgbClr r="0" g="0" b="0"/>
+      </a:fillRef>
+      <a:effectRef idx="2">
+        <a:scrgbClr r="0" g="0" b="0"/>
+      </a:effectRef>
+      <a:fontRef idx="minor">
+        <a:schemeClr val="lt1"/>
+      </a:fontRef>
+    </dgm:style>
+  </dgm:styleLbl>
+  <dgm:styleLbl name="fgImgPlace1">
+    <dgm:scene3d>
+      <a:camera prst="orthographicFront"/>
+      <a:lightRig rig="threePt" dir="t"/>
+    </dgm:scene3d>
+    <dgm:sp3d/>
+    <dgm:txPr/>
+    <dgm:style>
+      <a:lnRef idx="0">
+        <a:scrgbClr r="0" g="0" b="0"/>
+      </a:lnRef>
+      <a:fillRef idx="1">
+        <a:scrgbClr r="0" g="0" b="0"/>
+      </a:fillRef>
+      <a:effectRef idx="2">
+        <a:scrgbClr r="0" g="0" b="0"/>
+      </a:effectRef>
+      <a:fontRef idx="minor"/>
+    </dgm:style>
+  </dgm:styleLbl>
+  <dgm:styleLbl name="alignImgPlace1">
+    <dgm:scene3d>
+      <a:camera prst="orthographicFront"/>
+      <a:lightRig rig="threePt" dir="t"/>
+    </dgm:scene3d>
+    <dgm:sp3d/>
+    <dgm:txPr/>
+    <dgm:style>
+      <a:lnRef idx="0">
+        <a:scrgbClr r="0" g="0" b="0"/>
+      </a:lnRef>
+      <a:fillRef idx="1">
+        <a:scrgbClr r="0" g="0" b="0"/>
+      </a:fillRef>
+      <a:effectRef idx="2">
+        <a:scrgbClr r="0" g="0" b="0"/>
+      </a:effectRef>
+      <a:fontRef idx="minor"/>
+    </dgm:style>
+  </dgm:styleLbl>
+  <dgm:styleLbl name="bgImgPlace1">
+    <dgm:scene3d>
+      <a:camera prst="orthographicFront"/>
+      <a:lightRig rig="threePt" dir="t"/>
+    </dgm:scene3d>
+    <dgm:sp3d/>
+    <dgm:txPr/>
+    <dgm:style>
+      <a:lnRef idx="0">
+        <a:scrgbClr r="0" g="0" b="0"/>
+      </a:lnRef>
+      <a:fillRef idx="1">
+        <a:scrgbClr r="0" g="0" b="0"/>
+      </a:fillRef>
+      <a:effectRef idx="2">
+        <a:scrgbClr r="0" g="0" b="0"/>
+      </a:effectRef>
+      <a:fontRef idx="minor"/>
+    </dgm:style>
+  </dgm:styleLbl>
+  <dgm:styleLbl name="sibTrans2D1">
+    <dgm:scene3d>
+      <a:camera prst="orthographicFront"/>
+      <a:lightRig rig="threePt" dir="t"/>
+    </dgm:scene3d>
+    <dgm:sp3d/>
+    <dgm:txPr/>
+    <dgm:style>
+      <a:lnRef idx="0">
+        <a:scrgbClr r="0" g="0" b="0"/>
+      </a:lnRef>
+      <a:fillRef idx="3">
+        <a:scrgbClr r="0" g="0" b="0"/>
+      </a:fillRef>
+      <a:effectRef idx="2">
+        <a:scrgbClr r="0" g="0" b="0"/>
+      </a:effectRef>
+      <a:fontRef idx="minor">
+        <a:schemeClr val="lt1"/>
+      </a:fontRef>
+    </dgm:style>
+  </dgm:styleLbl>
+  <dgm:styleLbl name="fgSibTrans2D1">
+    <dgm:scene3d>
+      <a:camera prst="orthographicFront"/>
+      <a:lightRig rig="threePt" dir="t"/>
+    </dgm:scene3d>
+    <dgm:sp3d/>
+    <dgm:txPr/>
+    <dgm:style>
+      <a:lnRef idx="0">
+        <a:scrgbClr r="0" g="0" b="0"/>
+      </a:lnRef>
+      <a:fillRef idx="3">
+        <a:scrgbClr r="0" g="0" b="0"/>
+      </a:fillRef>
+      <a:effectRef idx="2">
+        <a:scrgbClr r="0" g="0" b="0"/>
+      </a:effectRef>
+      <a:fontRef idx="minor">
+        <a:schemeClr val="lt1"/>
+      </a:fontRef>
+    </dgm:style>
+  </dgm:styleLbl>
+  <dgm:styleLbl name="bgSibTrans2D1">
+    <dgm:scene3d>
+      <a:camera prst="orthographicFront"/>
+      <a:lightRig rig="threePt" dir="t"/>
+    </dgm:scene3d>
+    <dgm:sp3d/>
+    <dgm:txPr/>
+    <dgm:style>
+      <a:lnRef idx="0">
+        <a:scrgbClr r="0" g="0" b="0"/>
+      </a:lnRef>
+      <a:fillRef idx="3">
+        <a:scrgbClr r="0" g="0" b="0"/>
+      </a:fillRef>
+      <a:effectRef idx="2">
+        <a:scrgbClr r="0" g="0" b="0"/>
+      </a:effectRef>
+      <a:fontRef idx="minor">
+        <a:schemeClr val="lt1"/>
+      </a:fontRef>
+    </dgm:style>
+  </dgm:styleLbl>
+  <dgm:styleLbl name="sibTrans1D1">
+    <dgm:scene3d>
+      <a:camera prst="orthographicFront"/>
+      <a:lightRig rig="threePt" dir="t"/>
+    </dgm:scene3d>
+    <dgm:sp3d/>
+    <dgm:txPr/>
+    <dgm:style>
+      <a:lnRef idx="1">
+        <a:scrgbClr r="0" g="0" b="0"/>
+      </a:lnRef>
+      <a:fillRef idx="0">
+        <a:scrgbClr r="0" g="0" b="0"/>
+      </a:fillRef>
+      <a:effectRef idx="0">
+        <a:scrgbClr r="0" g="0" b="0"/>
+      </a:effectRef>
+      <a:fontRef idx="minor"/>
+    </dgm:style>
+  </dgm:styleLbl>
+  <dgm:styleLbl name="callout">
+    <dgm:scene3d>
+      <a:camera prst="orthographicFront"/>
+      <a:lightRig rig="threePt" dir="t"/>
+    </dgm:scene3d>
+    <dgm:sp3d/>
+    <dgm:txPr/>
+    <dgm:style>
+      <a:lnRef idx="2">
+        <a:scrgbClr r="0" g="0" b="0"/>
+      </a:lnRef>
+      <a:fillRef idx="1">
+        <a:scrgbClr r="0" g="0" b="0"/>
+      </a:fillRef>
+      <a:effectRef idx="1">
+        <a:scrgbClr r="0" g="0" b="0"/>
+      </a:effectRef>
+      <a:fontRef idx="minor"/>
+    </dgm:style>
+  </dgm:styleLbl>
+  <dgm:styleLbl name="asst0">
+    <dgm:scene3d>
+      <a:camera prst="orthographicFront"/>
+      <a:lightRig rig="threePt" dir="t"/>
+    </dgm:scene3d>
+    <dgm:sp3d/>
+    <dgm:txPr/>
+    <dgm:style>
+      <a:lnRef idx="0">
+        <a:scrgbClr r="0" g="0" b="0"/>
+      </a:lnRef>
+      <a:fillRef idx="3">
+        <a:scrgbClr r="0" g="0" b="0"/>
+      </a:fillRef>
+      <a:effectRef idx="2">
+        <a:scrgbClr r="0" g="0" b="0"/>
+      </a:effectRef>
+      <a:fontRef idx="minor">
+        <a:schemeClr val="lt1"/>
+      </a:fontRef>
+    </dgm:style>
+  </dgm:styleLbl>
+  <dgm:styleLbl name="asst1">
+    <dgm:scene3d>
+      <a:camera prst="orthographicFront"/>
+      <a:lightRig rig="threePt" dir="t"/>
+    </dgm:scene3d>
+    <dgm:sp3d/>
+    <dgm:txPr/>
+    <dgm:style>
+      <a:lnRef idx="0">
+        <a:scrgbClr r="0" g="0" b="0"/>
+      </a:lnRef>
+      <a:fillRef idx="3">
+        <a:scrgbClr r="0" g="0" b="0"/>
+      </a:fillRef>
+      <a:effectRef idx="2">
+        <a:scrgbClr r="0" g="0" b="0"/>
+      </a:effectRef>
+      <a:fontRef idx="minor">
+        <a:schemeClr val="lt1"/>
+      </a:fontRef>
+    </dgm:style>
+  </dgm:styleLbl>
+  <dgm:styleLbl name="asst2">
+    <dgm:scene3d>
+      <a:camera prst="orthographicFront"/>
+      <a:lightRig rig="threePt" dir="t"/>
+    </dgm:scene3d>
+    <dgm:sp3d/>
+    <dgm:txPr/>
+    <dgm:style>
+      <a:lnRef idx="0">
+        <a:scrgbClr r="0" g="0" b="0"/>
+      </a:lnRef>
+      <a:fillRef idx="3">
+        <a:scrgbClr r="0" g="0" b="0"/>
+      </a:fillRef>
+      <a:effectRef idx="2">
+        <a:scrgbClr r="0" g="0" b="0"/>
+      </a:effectRef>
+      <a:fontRef idx="minor">
+        <a:schemeClr val="lt1"/>
+      </a:fontRef>
+    </dgm:style>
+  </dgm:styleLbl>
+  <dgm:styleLbl name="asst3">
+    <dgm:scene3d>
+      <a:camera prst="orthographicFront"/>
+      <a:lightRig rig="threePt" dir="t"/>
+    </dgm:scene3d>
+    <dgm:sp3d/>
+    <dgm:txPr/>
+    <dgm:style>
+      <a:lnRef idx="0">
+        <a:scrgbClr r="0" g="0" b="0"/>
+      </a:lnRef>
+      <a:fillRef idx="3">
+        <a:scrgbClr r="0" g="0" b="0"/>
+      </a:fillRef>
+      <a:effectRef idx="2">
+        <a:scrgbClr r="0" g="0" b="0"/>
+      </a:effectRef>
+      <a:fontRef idx="minor">
+        <a:schemeClr val="lt1"/>
+      </a:fontRef>
+    </dgm:style>
+  </dgm:styleLbl>
+  <dgm:styleLbl name="asst4">
+    <dgm:scene3d>
+      <a:camera prst="orthographicFront"/>
+      <a:lightRig rig="threePt" dir="t"/>
+    </dgm:scene3d>
+    <dgm:sp3d/>
+    <dgm:txPr/>
+    <dgm:style>
+      <a:lnRef idx="0">
+        <a:scrgbClr r="0" g="0" b="0"/>
+      </a:lnRef>
+      <a:fillRef idx="3">
+        <a:scrgbClr r="0" g="0" b="0"/>
+      </a:fillRef>
+      <a:effectRef idx="2">
+        <a:scrgbClr r="0" g="0" b="0"/>
+      </a:effectRef>
+      <a:fontRef idx="minor">
+        <a:schemeClr val="lt1"/>
+      </a:fontRef>
+    </dgm:style>
+  </dgm:styleLbl>
+  <dgm:styleLbl name="parChTrans2D1">
+    <dgm:scene3d>
+      <a:camera prst="orthographicFront"/>
+      <a:lightRig rig="threePt" dir="t"/>
+    </dgm:scene3d>
+    <dgm:sp3d/>
+    <dgm:txPr/>
+    <dgm:style>
+      <a:lnRef idx="0">
+        <a:scrgbClr r="0" g="0" b="0"/>
+      </a:lnRef>
+      <a:fillRef idx="3">
+        <a:scrgbClr r="0" g="0" b="0"/>
+      </a:fillRef>
+      <a:effectRef idx="2">
+        <a:scrgbClr r="0" g="0" b="0"/>
+      </a:effectRef>
+      <a:fontRef idx="minor">
+        <a:schemeClr val="lt1"/>
+      </a:fontRef>
+    </dgm:style>
+  </dgm:styleLbl>
+  <dgm:styleLbl name="parChTrans2D2">
+    <dgm:scene3d>
+      <a:camera prst="orthographicFront"/>
+      <a:lightRig rig="threePt" dir="t"/>
+    </dgm:scene3d>
+    <dgm:sp3d/>
+    <dgm:txPr/>
+    <dgm:style>
+      <a:lnRef idx="0">
+        <a:scrgbClr r="0" g="0" b="0"/>
+      </a:lnRef>
+      <a:fillRef idx="3">
+        <a:scrgbClr r="0" g="0" b="0"/>
+      </a:fillRef>
+      <a:effectRef idx="2">
+        <a:scrgbClr r="0" g="0" b="0"/>
+      </a:effectRef>
+      <a:fontRef idx="minor">
+        <a:schemeClr val="lt1"/>
+      </a:fontRef>
+    </dgm:style>
+  </dgm:styleLbl>
+  <dgm:styleLbl name="parChTrans2D3">
+    <dgm:scene3d>
+      <a:camera prst="orthographicFront"/>
+      <a:lightRig rig="threePt" dir="t"/>
+    </dgm:scene3d>
+    <dgm:sp3d/>
+    <dgm:txPr/>
+    <dgm:style>
+      <a:lnRef idx="1">
+        <a:scrgbClr r="0" g="0" b="0"/>
+      </a:lnRef>
+      <a:fillRef idx="3">
+        <a:scrgbClr r="0" g="0" b="0"/>
+      </a:fillRef>
+      <a:effectRef idx="2">
+        <a:scrgbClr r="0" g="0" b="0"/>
+      </a:effectRef>
+      <a:fontRef idx="minor">
+        <a:schemeClr val="lt1"/>
+      </a:fontRef>
+    </dgm:style>
+  </dgm:styleLbl>
+  <dgm:styleLbl name="parChTrans2D4">
+    <dgm:scene3d>
+      <a:camera prst="orthographicFront"/>
+      <a:lightRig rig="threePt" dir="t"/>
+    </dgm:scene3d>
+    <dgm:sp3d/>
+    <dgm:txPr/>
+    <dgm:style>
+      <a:lnRef idx="1">
+        <a:scrgbClr r="0" g="0" b="0"/>
+      </a:lnRef>
+      <a:fillRef idx="3">
+        <a:scrgbClr r="0" g="0" b="0"/>
+      </a:fillRef>
+      <a:effectRef idx="2">
+        <a:scrgbClr r="0" g="0" b="0"/>
+      </a:effectRef>
+      <a:fontRef idx="minor">
+        <a:schemeClr val="lt1"/>
+      </a:fontRef>
+    </dgm:style>
+  </dgm:styleLbl>
+  <dgm:styleLbl name="parChTrans1D1">
+    <dgm:scene3d>
+      <a:camera prst="orthographicFront"/>
+      <a:lightRig rig="threePt" dir="t"/>
+    </dgm:scene3d>
+    <dgm:sp3d/>
+    <dgm:txPr/>
+    <dgm:style>
+      <a:lnRef idx="1">
+        <a:scrgbClr r="0" g="0" b="0"/>
+      </a:lnRef>
+      <a:fillRef idx="0">
+        <a:scrgbClr r="0" g="0" b="0"/>
+      </a:fillRef>
+      <a:effectRef idx="0">
+        <a:scrgbClr r="0" g="0" b="0"/>
+      </a:effectRef>
+      <a:fontRef idx="minor"/>
+    </dgm:style>
+  </dgm:styleLbl>
+  <dgm:styleLbl name="parChTrans1D2">
+    <dgm:scene3d>
+      <a:camera prst="orthographicFront"/>
+      <a:lightRig rig="threePt" dir="t"/>
+    </dgm:scene3d>
+    <dgm:sp3d/>
+    <dgm:txPr/>
+    <dgm:style>
+      <a:lnRef idx="1">
+        <a:scrgbClr r="0" g="0" b="0"/>
+      </a:lnRef>
+      <a:fillRef idx="0">
+        <a:scrgbClr r="0" g="0" b="0"/>
+      </a:fillRef>
+      <a:effectRef idx="0">
+        <a:scrgbClr r="0" g="0" b="0"/>
+      </a:effectRef>
+      <a:fontRef idx="minor"/>
+    </dgm:style>
+  </dgm:styleLbl>
+  <dgm:styleLbl name="parChTrans1D3">
+    <dgm:scene3d>
+      <a:camera prst="orthographicFront"/>
+      <a:lightRig rig="threePt" dir="t"/>
+    </dgm:scene3d>
+    <dgm:sp3d/>
+    <dgm:txPr/>
+    <dgm:style>
+      <a:lnRef idx="1">
+        <a:scrgbClr r="0" g="0" b="0"/>
+      </a:lnRef>
+      <a:fillRef idx="0">
+        <a:scrgbClr r="0" g="0" b="0"/>
+      </a:fillRef>
+      <a:effectRef idx="0">
+        <a:scrgbClr r="0" g="0" b="0"/>
+      </a:effectRef>
+      <a:fontRef idx="minor"/>
+    </dgm:style>
+  </dgm:styleLbl>
+  <dgm:styleLbl name="parChTrans1D4">
+    <dgm:scene3d>
+      <a:camera prst="orthographicFront"/>
+      <a:lightRig rig="threePt" dir="t"/>
+    </dgm:scene3d>
+    <dgm:sp3d/>
+    <dgm:txPr/>
+    <dgm:style>
+      <a:lnRef idx="1">
+        <a:scrgbClr r="0" g="0" b="0"/>
+      </a:lnRef>
+      <a:fillRef idx="0">
+        <a:scrgbClr r="0" g="0" b="0"/>
+      </a:fillRef>
+      <a:effectRef idx="0">
+        <a:scrgbClr r="0" g="0" b="0"/>
+      </a:effectRef>
+      <a:fontRef idx="minor"/>
+    </dgm:style>
+  </dgm:styleLbl>
+  <dgm:styleLbl name="fgAcc1">
+    <dgm:scene3d>
+      <a:camera prst="orthographicFront"/>
+      <a:lightRig rig="threePt" dir="t"/>
+    </dgm:scene3d>
+    <dgm:sp3d/>
+    <dgm:txPr/>
+    <dgm:style>
+      <a:lnRef idx="1">
+        <a:scrgbClr r="0" g="0" b="0"/>
+      </a:lnRef>
+      <a:fillRef idx="1">
+        <a:scrgbClr r="0" g="0" b="0"/>
+      </a:fillRef>
+      <a:effectRef idx="0">
+        <a:scrgbClr r="0" g="0" b="0"/>
+      </a:effectRef>
+      <a:fontRef idx="minor"/>
+    </dgm:style>
+  </dgm:styleLbl>
+  <dgm:styleLbl name="conFgAcc1">
+    <dgm:scene3d>
+      <a:camera prst="orthographicFront"/>
+      <a:lightRig rig="threePt" dir="t"/>
+    </dgm:scene3d>
+    <dgm:sp3d/>
+    <dgm:txPr/>
+    <dgm:style>
+      <a:lnRef idx="1">
+        <a:scrgbClr r="0" g="0" b="0"/>
+      </a:lnRef>
+      <a:fillRef idx="1">
+        <a:scrgbClr r="0" g="0" b="0"/>
+      </a:fillRef>
+      <a:effectRef idx="0">
+        <a:scrgbClr r="0" g="0" b="0"/>
+      </a:effectRef>
+      <a:fontRef idx="minor"/>
+    </dgm:style>
+  </dgm:styleLbl>
+  <dgm:styleLbl name="alignAcc1">
+    <dgm:scene3d>
+      <a:camera prst="orthographicFront"/>
+      <a:lightRig rig="threePt" dir="t"/>
+    </dgm:scene3d>
+    <dgm:sp3d/>
+    <dgm:txPr/>
+    <dgm:style>
+      <a:lnRef idx="1">
+        <a:scrgbClr r="0" g="0" b="0"/>
+      </a:lnRef>
+      <a:fillRef idx="1">
+        <a:scrgbClr r="0" g="0" b="0"/>
+      </a:fillRef>
+      <a:effectRef idx="0">
+        <a:scrgbClr r="0" g="0" b="0"/>
+      </a:effectRef>
+      <a:fontRef idx="minor"/>
+    </dgm:style>
+  </dgm:styleLbl>
+  <dgm:styleLbl name="trAlignAcc1">
+    <dgm:scene3d>
+      <a:camera prst="orthographicFront"/>
+      <a:lightRig rig="threePt" dir="t"/>
+    </dgm:scene3d>
+    <dgm:sp3d/>
+    <dgm:txPr/>
+    <dgm:style>
+      <a:lnRef idx="1">
+        <a:scrgbClr r="0" g="0" b="0"/>
+      </a:lnRef>
+      <a:fillRef idx="1">
+        <a:scrgbClr r="0" g="0" b="0"/>
+      </a:fillRef>
+      <a:effectRef idx="0">
+        <a:scrgbClr r="0" g="0" b="0"/>
+      </a:effectRef>
+      <a:fontRef idx="minor"/>
+    </dgm:style>
+  </dgm:styleLbl>
+  <dgm:styleLbl name="bgAcc1">
+    <dgm:scene3d>
+      <a:camera prst="orthographicFront"/>
+      <a:lightRig rig="threePt" dir="t"/>
+    </dgm:scene3d>
+    <dgm:sp3d/>
+    <dgm:txPr/>
+    <dgm:style>
+      <a:lnRef idx="1">
+        <a:scrgbClr r="0" g="0" b="0"/>
+      </a:lnRef>
+      <a:fillRef idx="1">
+        <a:scrgbClr r="0" g="0" b="0"/>
+      </a:fillRef>
+      <a:effectRef idx="0">
+        <a:scrgbClr r="0" g="0" b="0"/>
+      </a:effectRef>
+      <a:fontRef idx="minor"/>
+    </dgm:style>
+  </dgm:styleLbl>
+  <dgm:styleLbl name="solidFgAcc1">
+    <dgm:scene3d>
+      <a:camera prst="orthographicFront"/>
+      <a:lightRig rig="threePt" dir="t"/>
+    </dgm:scene3d>
+    <dgm:sp3d/>
+    <dgm:txPr/>
+    <dgm:style>
+      <a:lnRef idx="1">
+        <a:scrgbClr r="0" g="0" b="0"/>
+      </a:lnRef>
+      <a:fillRef idx="1">
+        <a:scrgbClr r="0" g="0" b="0"/>
+      </a:fillRef>
+      <a:effectRef idx="0">
+        <a:scrgbClr r="0" g="0" b="0"/>
+      </a:effectRef>
+      <a:fontRef idx="minor"/>
+    </dgm:style>
+  </dgm:styleLbl>
+  <dgm:styleLbl name="solidAlignAcc1">
+    <dgm:scene3d>
+      <a:camera prst="orthographicFront"/>
+      <a:lightRig rig="threePt" dir="t"/>
+    </dgm:scene3d>
+    <dgm:sp3d/>
+    <dgm:txPr/>
+    <dgm:style>
+      <a:lnRef idx="1">
+        <a:scrgbClr r="0" g="0" b="0"/>
+      </a:lnRef>
+      <a:fillRef idx="1">
+        <a:scrgbClr r="0" g="0" b="0"/>
+      </a:fillRef>
+      <a:effectRef idx="0">
+        <a:scrgbClr r="0" g="0" b="0"/>
+      </a:effectRef>
+      <a:fontRef idx="minor"/>
+    </dgm:style>
+  </dgm:styleLbl>
+  <dgm:styleLbl name="solidBgAcc1">
+    <dgm:scene3d>
+      <a:camera prst="orthographicFront"/>
+      <a:lightRig rig="threePt" dir="t"/>
+    </dgm:scene3d>
+    <dgm:sp3d/>
+    <dgm:txPr/>
+    <dgm:style>
+      <a:lnRef idx="1">
+        <a:scrgbClr r="0" g="0" b="0"/>
+      </a:lnRef>
+      <a:fillRef idx="1">
+        <a:scrgbClr r="0" g="0" b="0"/>
+      </a:fillRef>
+      <a:effectRef idx="0">
+        <a:scrgbClr r="0" g="0" b="0"/>
+      </a:effectRef>
+      <a:fontRef idx="minor"/>
+    </dgm:style>
+  </dgm:styleLbl>
+  <dgm:styleLbl name="fgAccFollowNode1">
+    <dgm:scene3d>
+      <a:camera prst="orthographicFront"/>
+      <a:lightRig rig="threePt" dir="t"/>
+    </dgm:scene3d>
+    <dgm:sp3d/>
+    <dgm:txPr/>
+    <dgm:style>
+      <a:lnRef idx="1">
+        <a:scrgbClr r="0" g="0" b="0"/>
+      </a:lnRef>
+      <a:fillRef idx="1">
+        <a:scrgbClr r="0" g="0" b="0"/>
+      </a:fillRef>
+      <a:effectRef idx="0">
+        <a:scrgbClr r="0" g="0" b="0"/>
+      </a:effectRef>
+      <a:fontRef idx="minor"/>
+    </dgm:style>
+  </dgm:styleLbl>
+  <dgm:styleLbl name="alignAccFollowNode1">
+    <dgm:scene3d>
+      <a:camera prst="orthographicFront"/>
+      <a:lightRig rig="threePt" dir="t"/>
+    </dgm:scene3d>
+    <dgm:sp3d/>
+    <dgm:txPr/>
+    <dgm:style>
+      <a:lnRef idx="1">
+        <a:scrgbClr r="0" g="0" b="0"/>
+      </a:lnRef>
+      <a:fillRef idx="1">
+        <a:scrgbClr r="0" g="0" b="0"/>
+      </a:fillRef>
+      <a:effectRef idx="0">
+        <a:scrgbClr r="0" g="0" b="0"/>
+      </a:effectRef>
+      <a:fontRef idx="minor"/>
+    </dgm:style>
+  </dgm:styleLbl>
+  <dgm:styleLbl name="bgAccFollowNode1">
+    <dgm:scene3d>
+      <a:camera prst="orthographicFront"/>
+      <a:lightRig rig="threePt" dir="t"/>
+    </dgm:scene3d>
+    <dgm:sp3d/>
+    <dgm:txPr/>
+    <dgm:style>
+      <a:lnRef idx="1">
+        <a:scrgbClr r="0" g="0" b="0"/>
+      </a:lnRef>
+      <a:fillRef idx="1">
+        <a:scrgbClr r="0" g="0" b="0"/>
+      </a:fillRef>
+      <a:effectRef idx="0">
+        <a:scrgbClr r="0" g="0" b="0"/>
+      </a:effectRef>
+      <a:fontRef idx="minor"/>
+    </dgm:style>
+  </dgm:styleLbl>
+  <dgm:styleLbl name="fgAcc0">
+    <dgm:scene3d>
+      <a:camera prst="orthographicFront"/>
+      <a:lightRig rig="threePt" dir="t"/>
+    </dgm:scene3d>
+    <dgm:sp3d/>
+    <dgm:txPr/>
+    <dgm:style>
+      <a:lnRef idx="1">
+        <a:scrgbClr r="0" g="0" b="0"/>
+      </a:lnRef>
+      <a:fillRef idx="1">
+        <a:scrgbClr r="0" g="0" b="0"/>
+      </a:fillRef>
+      <a:effectRef idx="0">
+        <a:scrgbClr r="0" g="0" b="0"/>
+      </a:effectRef>
+      <a:fontRef idx="minor"/>
+    </dgm:style>
+  </dgm:styleLbl>
+  <dgm:styleLbl name="fgAcc2">
+    <dgm:scene3d>
+      <a:camera prst="orthographicFront"/>
+      <a:lightRig rig="threePt" dir="t"/>
+    </dgm:scene3d>
+    <dgm:sp3d/>
+    <dgm:txPr/>
+    <dgm:style>
+      <a:lnRef idx="1">
+        <a:scrgbClr r="0" g="0" b="0"/>
+      </a:lnRef>
+      <a:fillRef idx="1">
+        <a:scrgbClr r="0" g="0" b="0"/>
+      </a:fillRef>
+      <a:effectRef idx="0">
+        <a:scrgbClr r="0" g="0" b="0"/>
+      </a:effectRef>
+      <a:fontRef idx="minor"/>
+    </dgm:style>
+  </dgm:styleLbl>
+  <dgm:styleLbl name="fgAcc3">
+    <dgm:scene3d>
+      <a:camera prst="orthographicFront"/>
+      <a:lightRig rig="threePt" dir="t"/>
+    </dgm:scene3d>
+    <dgm:sp3d/>
+    <dgm:txPr/>
+    <dgm:style>
+      <a:lnRef idx="1">
+        <a:scrgbClr r="0" g="0" b="0"/>
+      </a:lnRef>
+      <a:fillRef idx="1">
+        <a:scrgbClr r="0" g="0" b="0"/>
+      </a:fillRef>
+      <a:effectRef idx="0">
+        <a:scrgbClr r="0" g="0" b="0"/>
+      </a:effectRef>
+      <a:fontRef idx="minor"/>
+    </dgm:style>
+  </dgm:styleLbl>
+  <dgm:styleLbl name="fgAcc4">
+    <dgm:scene3d>
+      <a:camera prst="orthographicFront"/>
+      <a:lightRig rig="threePt" dir="t"/>
+    </dgm:scene3d>
+    <dgm:sp3d/>
+    <dgm:txPr/>
+    <dgm:style>
+      <a:lnRef idx="1">
+        <a:scrgbClr r="0" g="0" b="0"/>
+      </a:lnRef>
+      <a:fillRef idx="1">
+        <a:scrgbClr r="0" g="0" b="0"/>
+      </a:fillRef>
+      <a:effectRef idx="0">
+        <a:scrgbClr r="0" g="0" b="0"/>
+      </a:effectRef>
+      <a:fontRef idx="minor"/>
+    </dgm:style>
+  </dgm:styleLbl>
+  <dgm:styleLbl name="bgShp">
+    <dgm:scene3d>
+      <a:camera prst="orthographicFront"/>
+      <a:lightRig rig="threePt" dir="t"/>
+    </dgm:scene3d>
+    <dgm:sp3d/>
+    <dgm:txPr/>
+    <dgm:style>
+      <a:lnRef idx="0">
+        <a:scrgbClr r="0" g="0" b="0"/>
+      </a:lnRef>
+      <a:fillRef idx="1">
+        <a:scrgbClr r="0" g="0" b="0"/>
+      </a:fillRef>
+      <a:effectRef idx="2">
+        <a:scrgbClr r="0" g="0" b="0"/>
+      </a:effectRef>
+      <a:fontRef idx="minor"/>
+    </dgm:style>
+  </dgm:styleLbl>
+  <dgm:styleLbl name="dkBgShp">
+    <dgm:scene3d>
+      <a:camera prst="orthographicFront"/>
+      <a:lightRig rig="threePt" dir="t"/>
+    </dgm:scene3d>
+    <dgm:sp3d/>
+    <dgm:txPr/>
+    <dgm:style>
+      <a:lnRef idx="0">
+        <a:scrgbClr r="0" g="0" b="0"/>
+      </a:lnRef>
+      <a:fillRef idx="1">
+        <a:scrgbClr r="0" g="0" b="0"/>
+      </a:fillRef>
+      <a:effectRef idx="2">
+        <a:scrgbClr r="0" g="0" b="0"/>
+      </a:effectRef>
+      <a:fontRef idx="minor"/>
+    </dgm:style>
+  </dgm:styleLbl>
+  <dgm:styleLbl name="trBgShp">
+    <dgm:scene3d>
+      <a:camera prst="orthographicFront"/>
+      <a:lightRig rig="threePt" dir="t"/>
+    </dgm:scene3d>
+    <dgm:sp3d/>
+    <dgm:txPr/>
+    <dgm:style>
+      <a:lnRef idx="0">
+        <a:scrgbClr r="0" g="0" b="0"/>
+      </a:lnRef>
+      <a:fillRef idx="1">
+        <a:scrgbClr r="0" g="0" b="0"/>
+      </a:fillRef>
+      <a:effectRef idx="0">
+        <a:scrgbClr r="0" g="0" b="0"/>
+      </a:effectRef>
+      <a:fontRef idx="minor"/>
+    </dgm:style>
+  </dgm:styleLbl>
+  <dgm:styleLbl name="fgShp">
+    <dgm:scene3d>
+      <a:camera prst="orthographicFront"/>
+      <a:lightRig rig="threePt" dir="t"/>
+    </dgm:scene3d>
+    <dgm:sp3d/>
+    <dgm:txPr/>
+    <dgm:style>
+      <a:lnRef idx="0">
+        <a:scrgbClr r="0" g="0" b="0"/>
+      </a:lnRef>
+      <a:fillRef idx="3">
+        <a:scrgbClr r="0" g="0" b="0"/>
+      </a:fillRef>
+      <a:effectRef idx="2">
+        <a:scrgbClr r="0" g="0" b="0"/>
+      </a:effectRef>
+      <a:fontRef idx="minor"/>
+    </dgm:style>
+  </dgm:styleLbl>
+  <dgm:styleLbl name="revTx">
+    <dgm:scene3d>
+      <a:camera prst="orthographicFront"/>
+      <a:lightRig rig="threePt" dir="t"/>
+    </dgm:scene3d>
+    <dgm:sp3d/>
+    <dgm:txPr/>
+    <dgm:style>
+      <a:lnRef idx="0">
+        <a:scrgbClr r="0" g="0" b="0"/>
+      </a:lnRef>
+      <a:fillRef idx="0">
+        <a:scrgbClr r="0" g="0" b="0"/>
+      </a:fillRef>
+      <a:effectRef idx="0">
+        <a:scrgbClr r="0" g="0" b="0"/>
+      </a:effectRef>
+      <a:fontRef idx="minor"/>
+    </dgm:style>
+  </dgm:styleLbl>
+</dgm:styleDef>
+</file>
+
+<file path=ppt/diagrams/quickStyle5.xml><?xml version="1.0" encoding="utf-8"?>
+<dgm:styleDef xmlns:dgm="http://schemas.openxmlformats.org/drawingml/2006/diagram" xmlns:a="http://schemas.openxmlformats.org/drawingml/2006/main" uniqueId="urn:microsoft.com/office/officeart/2005/8/quickstyle/simple4">
+  <dgm:title val=""/>
+  <dgm:desc val=""/>
+  <dgm:catLst>
+    <dgm:cat type="simple" pri="10400"/>
+  </dgm:catLst>
+  <dgm:scene3d>
+    <a:camera prst="orthographicFront"/>
+    <a:lightRig rig="threePt" dir="t"/>
+  </dgm:scene3d>
+  <dgm:styleLbl name="node0">
+    <dgm:scene3d>
+      <a:camera prst="orthographicFront"/>
+      <a:lightRig rig="threePt" dir="t"/>
+    </dgm:scene3d>
+    <dgm:sp3d/>
+    <dgm:txPr/>
+    <dgm:style>
+      <a:lnRef idx="0">
+        <a:scrgbClr r="0" g="0" b="0"/>
+      </a:lnRef>
+      <a:fillRef idx="3">
+        <a:scrgbClr r="0" g="0" b="0"/>
+      </a:fillRef>
+      <a:effectRef idx="2">
+        <a:scrgbClr r="0" g="0" b="0"/>
+      </a:effectRef>
+      <a:fontRef idx="minor">
+        <a:schemeClr val="lt1"/>
+      </a:fontRef>
+    </dgm:style>
+  </dgm:styleLbl>
+  <dgm:styleLbl name="lnNode1">
+    <dgm:scene3d>
+      <a:camera prst="orthographicFront"/>
+      <a:lightRig rig="threePt" dir="t"/>
+    </dgm:scene3d>
+    <dgm:sp3d/>
+    <dgm:txPr/>
+    <dgm:style>
+      <a:lnRef idx="1">
+        <a:scrgbClr r="0" g="0" b="0"/>
+      </a:lnRef>
+      <a:fillRef idx="3">
+        <a:scrgbClr r="0" g="0" b="0"/>
+      </a:fillRef>
+      <a:effectRef idx="2">
+        <a:scrgbClr r="0" g="0" b="0"/>
+      </a:effectRef>
+      <a:fontRef idx="minor">
+        <a:schemeClr val="lt1"/>
+      </a:fontRef>
+    </dgm:style>
+  </dgm:styleLbl>
+  <dgm:styleLbl name="vennNode1">
+    <dgm:scene3d>
+      <a:camera prst="orthographicFront"/>
+      <a:lightRig rig="threePt" dir="t"/>
+    </dgm:scene3d>
+    <dgm:sp3d/>
+    <dgm:txPr/>
+    <dgm:style>
+      <a:lnRef idx="0">
+        <a:scrgbClr r="0" g="0" b="0"/>
+      </a:lnRef>
+      <a:fillRef idx="3">
+        <a:scrgbClr r="0" g="0" b="0"/>
+      </a:fillRef>
+      <a:effectRef idx="0">
+        <a:scrgbClr r="0" g="0" b="0"/>
+      </a:effectRef>
+      <a:fontRef idx="minor">
+        <a:schemeClr val="tx1"/>
+      </a:fontRef>
+    </dgm:style>
+  </dgm:styleLbl>
+  <dgm:styleLbl name="alignNode1">
+    <dgm:scene3d>
+      <a:camera prst="orthographicFront"/>
+      <a:lightRig rig="threePt" dir="t"/>
+    </dgm:scene3d>
+    <dgm:sp3d/>
+    <dgm:txPr/>
+    <dgm:style>
+      <a:lnRef idx="1">
+        <a:scrgbClr r="0" g="0" b="0"/>
+      </a:lnRef>
+      <a:fillRef idx="3">
+        <a:scrgbClr r="0" g="0" b="0"/>
+      </a:fillRef>
+      <a:effectRef idx="2">
+        <a:scrgbClr r="0" g="0" b="0"/>
+      </a:effectRef>
+      <a:fontRef idx="minor">
+        <a:schemeClr val="lt1"/>
+      </a:fontRef>
+    </dgm:style>
+  </dgm:styleLbl>
+  <dgm:styleLbl name="node1">
+    <dgm:scene3d>
+      <a:camera prst="orthographicFront"/>
+      <a:lightRig rig="threePt" dir="t"/>
+    </dgm:scene3d>
+    <dgm:sp3d/>
+    <dgm:txPr/>
+    <dgm:style>
+      <a:lnRef idx="0">
+        <a:scrgbClr r="0" g="0" b="0"/>
+      </a:lnRef>
+      <a:fillRef idx="3">
+        <a:scrgbClr r="0" g="0" b="0"/>
+      </a:fillRef>
+      <a:effectRef idx="2">
+        <a:scrgbClr r="0" g="0" b="0"/>
+      </a:effectRef>
+      <a:fontRef idx="minor">
+        <a:schemeClr val="lt1"/>
+      </a:fontRef>
+    </dgm:style>
+  </dgm:styleLbl>
+  <dgm:styleLbl name="node2">
+    <dgm:scene3d>
+      <a:camera prst="orthographicFront"/>
+      <a:lightRig rig="threePt" dir="t"/>
+    </dgm:scene3d>
+    <dgm:sp3d/>
+    <dgm:txPr/>
+    <dgm:style>
+      <a:lnRef idx="0">
+        <a:scrgbClr r="0" g="0" b="0"/>
+      </a:lnRef>
+      <a:fillRef idx="3">
+        <a:scrgbClr r="0" g="0" b="0"/>
+      </a:fillRef>
+      <a:effectRef idx="2">
+        <a:scrgbClr r="0" g="0" b="0"/>
+      </a:effectRef>
+      <a:fontRef idx="minor">
+        <a:schemeClr val="lt1"/>
+      </a:fontRef>
+    </dgm:style>
+  </dgm:styleLbl>
+  <dgm:styleLbl name="node3">
+    <dgm:scene3d>
+      <a:camera prst="orthographicFront"/>
+      <a:lightRig rig="threePt" dir="t"/>
+    </dgm:scene3d>
+    <dgm:sp3d/>
+    <dgm:txPr/>
+    <dgm:style>
+      <a:lnRef idx="0">
+        <a:scrgbClr r="0" g="0" b="0"/>
+      </a:lnRef>
+      <a:fillRef idx="3">
+        <a:scrgbClr r="0" g="0" b="0"/>
+      </a:fillRef>
+      <a:effectRef idx="2">
+        <a:scrgbClr r="0" g="0" b="0"/>
+      </a:effectRef>
+      <a:fontRef idx="minor">
+        <a:schemeClr val="lt1"/>
+      </a:fontRef>
+    </dgm:style>
+  </dgm:styleLbl>
+  <dgm:styleLbl name="node4">
+    <dgm:scene3d>
+      <a:camera prst="orthographicFront"/>
+      <a:lightRig rig="threePt" dir="t"/>
+    </dgm:scene3d>
+    <dgm:sp3d/>
+    <dgm:txPr/>
+    <dgm:style>
+      <a:lnRef idx="0">
+        <a:scrgbClr r="0" g="0" b="0"/>
+      </a:lnRef>
+      <a:fillRef idx="3">
+        <a:scrgbClr r="0" g="0" b="0"/>
+      </a:fillRef>
+      <a:effectRef idx="2">
+        <a:scrgbClr r="0" g="0" b="0"/>
+      </a:effectRef>
+      <a:fontRef idx="minor">
+        <a:schemeClr val="lt1"/>
+      </a:fontRef>
+    </dgm:style>
+  </dgm:styleLbl>
+  <dgm:styleLbl name="fgImgPlace1">
+    <dgm:scene3d>
+      <a:camera prst="orthographicFront"/>
+      <a:lightRig rig="threePt" dir="t"/>
+    </dgm:scene3d>
+    <dgm:sp3d/>
+    <dgm:txPr/>
+    <dgm:style>
+      <a:lnRef idx="0">
+        <a:scrgbClr r="0" g="0" b="0"/>
+      </a:lnRef>
+      <a:fillRef idx="1">
+        <a:scrgbClr r="0" g="0" b="0"/>
+      </a:fillRef>
+      <a:effectRef idx="2">
+        <a:scrgbClr r="0" g="0" b="0"/>
+      </a:effectRef>
+      <a:fontRef idx="minor"/>
+    </dgm:style>
+  </dgm:styleLbl>
+  <dgm:styleLbl name="alignImgPlace1">
+    <dgm:scene3d>
+      <a:camera prst="orthographicFront"/>
+      <a:lightRig rig="threePt" dir="t"/>
+    </dgm:scene3d>
+    <dgm:sp3d/>
+    <dgm:txPr/>
+    <dgm:style>
+      <a:lnRef idx="0">
+        <a:scrgbClr r="0" g="0" b="0"/>
+      </a:lnRef>
+      <a:fillRef idx="1">
+        <a:scrgbClr r="0" g="0" b="0"/>
+      </a:fillRef>
+      <a:effectRef idx="2">
+        <a:scrgbClr r="0" g="0" b="0"/>
+      </a:effectRef>
+      <a:fontRef idx="minor"/>
+    </dgm:style>
+  </dgm:styleLbl>
+  <dgm:styleLbl name="bgImgPlace1">
+    <dgm:scene3d>
+      <a:camera prst="orthographicFront"/>
+      <a:lightRig rig="threePt" dir="t"/>
+    </dgm:scene3d>
+    <dgm:sp3d/>
+    <dgm:txPr/>
+    <dgm:style>
+      <a:lnRef idx="0">
+        <a:scrgbClr r="0" g="0" b="0"/>
+      </a:lnRef>
+      <a:fillRef idx="1">
+        <a:scrgbClr r="0" g="0" b="0"/>
+      </a:fillRef>
+      <a:effectRef idx="2">
+        <a:scrgbClr r="0" g="0" b="0"/>
+      </a:effectRef>
+      <a:fontRef idx="minor"/>
+    </dgm:style>
+  </dgm:styleLbl>
+  <dgm:styleLbl name="sibTrans2D1">
+    <dgm:scene3d>
+      <a:camera prst="orthographicFront"/>
+      <a:lightRig rig="threePt" dir="t"/>
+    </dgm:scene3d>
+    <dgm:sp3d/>
+    <dgm:txPr/>
+    <dgm:style>
+      <a:lnRef idx="0">
+        <a:scrgbClr r="0" g="0" b="0"/>
+      </a:lnRef>
+      <a:fillRef idx="3">
+        <a:scrgbClr r="0" g="0" b="0"/>
+      </a:fillRef>
+      <a:effectRef idx="2">
+        <a:scrgbClr r="0" g="0" b="0"/>
+      </a:effectRef>
+      <a:fontRef idx="minor">
+        <a:schemeClr val="lt1"/>
+      </a:fontRef>
+    </dgm:style>
+  </dgm:styleLbl>
+  <dgm:styleLbl name="fgSibTrans2D1">
+    <dgm:scene3d>
+      <a:camera prst="orthographicFront"/>
+      <a:lightRig rig="threePt" dir="t"/>
+    </dgm:scene3d>
+    <dgm:sp3d/>
+    <dgm:txPr/>
+    <dgm:style>
+      <a:lnRef idx="0">
+        <a:scrgbClr r="0" g="0" b="0"/>
+      </a:lnRef>
+      <a:fillRef idx="3">
+        <a:scrgbClr r="0" g="0" b="0"/>
+      </a:fillRef>
+      <a:effectRef idx="2">
+        <a:scrgbClr r="0" g="0" b="0"/>
+      </a:effectRef>
+      <a:fontRef idx="minor">
+        <a:schemeClr val="lt1"/>
+      </a:fontRef>
+    </dgm:style>
+  </dgm:styleLbl>
+  <dgm:styleLbl name="bgSibTrans2D1">
+    <dgm:scene3d>
+      <a:camera prst="orthographicFront"/>
+      <a:lightRig rig="threePt" dir="t"/>
+    </dgm:scene3d>
+    <dgm:sp3d/>
+    <dgm:txPr/>
+    <dgm:style>
+      <a:lnRef idx="0">
+        <a:scrgbClr r="0" g="0" b="0"/>
+      </a:lnRef>
+      <a:fillRef idx="3">
+        <a:scrgbClr r="0" g="0" b="0"/>
+      </a:fillRef>
+      <a:effectRef idx="2">
+        <a:scrgbClr r="0" g="0" b="0"/>
+      </a:effectRef>
+      <a:fontRef idx="minor">
+        <a:schemeClr val="lt1"/>
+      </a:fontRef>
+    </dgm:style>
+  </dgm:styleLbl>
+  <dgm:styleLbl name="sibTrans1D1">
+    <dgm:scene3d>
+      <a:camera prst="orthographicFront"/>
+      <a:lightRig rig="threePt" dir="t"/>
+    </dgm:scene3d>
+    <dgm:sp3d/>
+    <dgm:txPr/>
+    <dgm:style>
+      <a:lnRef idx="1">
+        <a:scrgbClr r="0" g="0" b="0"/>
+      </a:lnRef>
+      <a:fillRef idx="0">
+        <a:scrgbClr r="0" g="0" b="0"/>
+      </a:fillRef>
+      <a:effectRef idx="0">
+        <a:scrgbClr r="0" g="0" b="0"/>
+      </a:effectRef>
+      <a:fontRef idx="minor"/>
+    </dgm:style>
+  </dgm:styleLbl>
+  <dgm:styleLbl name="callout">
+    <dgm:scene3d>
+      <a:camera prst="orthographicFront"/>
+      <a:lightRig rig="threePt" dir="t"/>
+    </dgm:scene3d>
+    <dgm:sp3d/>
+    <dgm:txPr/>
+    <dgm:style>
+      <a:lnRef idx="2">
+        <a:scrgbClr r="0" g="0" b="0"/>
+      </a:lnRef>
+      <a:fillRef idx="1">
+        <a:scrgbClr r="0" g="0" b="0"/>
+      </a:fillRef>
+      <a:effectRef idx="1">
+        <a:scrgbClr r="0" g="0" b="0"/>
+      </a:effectRef>
+      <a:fontRef idx="minor"/>
+    </dgm:style>
+  </dgm:styleLbl>
+  <dgm:styleLbl name="asst0">
+    <dgm:scene3d>
+      <a:camera prst="orthographicFront"/>
+      <a:lightRig rig="threePt" dir="t"/>
+    </dgm:scene3d>
+    <dgm:sp3d/>
+    <dgm:txPr/>
+    <dgm:style>
+      <a:lnRef idx="0">
+        <a:scrgbClr r="0" g="0" b="0"/>
+      </a:lnRef>
+      <a:fillRef idx="3">
+        <a:scrgbClr r="0" g="0" b="0"/>
+      </a:fillRef>
+      <a:effectRef idx="2">
+        <a:scrgbClr r="0" g="0" b="0"/>
+      </a:effectRef>
+      <a:fontRef idx="minor">
+        <a:schemeClr val="lt1"/>
+      </a:fontRef>
+    </dgm:style>
+  </dgm:styleLbl>
+  <dgm:styleLbl name="asst1">
+    <dgm:scene3d>
+      <a:camera prst="orthographicFront"/>
+      <a:lightRig rig="threePt" dir="t"/>
+    </dgm:scene3d>
+    <dgm:sp3d/>
+    <dgm:txPr/>
+    <dgm:style>
+      <a:lnRef idx="0">
+        <a:scrgbClr r="0" g="0" b="0"/>
+      </a:lnRef>
+      <a:fillRef idx="3">
+        <a:scrgbClr r="0" g="0" b="0"/>
+      </a:fillRef>
+      <a:effectRef idx="2">
+        <a:scrgbClr r="0" g="0" b="0"/>
+      </a:effectRef>
+      <a:fontRef idx="minor">
+        <a:schemeClr val="lt1"/>
+      </a:fontRef>
+    </dgm:style>
+  </dgm:styleLbl>
+  <dgm:styleLbl name="asst2">
+    <dgm:scene3d>
+      <a:camera prst="orthographicFront"/>
+      <a:lightRig rig="threePt" dir="t"/>
+    </dgm:scene3d>
+    <dgm:sp3d/>
+    <dgm:txPr/>
+    <dgm:style>
+      <a:lnRef idx="0">
+        <a:scrgbClr r="0" g="0" b="0"/>
+      </a:lnRef>
+      <a:fillRef idx="3">
+        <a:scrgbClr r="0" g="0" b="0"/>
+      </a:fillRef>
+      <a:effectRef idx="2">
+        <a:scrgbClr r="0" g="0" b="0"/>
+      </a:effectRef>
+      <a:fontRef idx="minor">
+        <a:schemeClr val="lt1"/>
+      </a:fontRef>
+    </dgm:style>
+  </dgm:styleLbl>
+  <dgm:styleLbl name="asst3">
+    <dgm:scene3d>
+      <a:camera prst="orthographicFront"/>
+      <a:lightRig rig="threePt" dir="t"/>
+    </dgm:scene3d>
+    <dgm:sp3d/>
+    <dgm:txPr/>
+    <dgm:style>
+      <a:lnRef idx="0">
+        <a:scrgbClr r="0" g="0" b="0"/>
+      </a:lnRef>
+      <a:fillRef idx="3">
+        <a:scrgbClr r="0" g="0" b="0"/>
+      </a:fillRef>
+      <a:effectRef idx="2">
+        <a:scrgbClr r="0" g="0" b="0"/>
+      </a:effectRef>
+      <a:fontRef idx="minor">
+        <a:schemeClr val="lt1"/>
+      </a:fontRef>
+    </dgm:style>
+  </dgm:styleLbl>
+  <dgm:styleLbl name="asst4">
+    <dgm:scene3d>
+      <a:camera prst="orthographicFront"/>
+      <a:lightRig rig="threePt" dir="t"/>
+    </dgm:scene3d>
+    <dgm:sp3d/>
+    <dgm:txPr/>
+    <dgm:style>
+      <a:lnRef idx="0">
+        <a:scrgbClr r="0" g="0" b="0"/>
+      </a:lnRef>
+      <a:fillRef idx="3">
+        <a:scrgbClr r="0" g="0" b="0"/>
+      </a:fillRef>
+      <a:effectRef idx="2">
+        <a:scrgbClr r="0" g="0" b="0"/>
+      </a:effectRef>
+      <a:fontRef idx="minor">
+        <a:schemeClr val="lt1"/>
+      </a:fontRef>
+    </dgm:style>
+  </dgm:styleLbl>
+  <dgm:styleLbl name="parChTrans2D1">
+    <dgm:scene3d>
+      <a:camera prst="orthographicFront"/>
+      <a:lightRig rig="threePt" dir="t"/>
+    </dgm:scene3d>
+    <dgm:sp3d/>
+    <dgm:txPr/>
+    <dgm:style>
+      <a:lnRef idx="0">
+        <a:scrgbClr r="0" g="0" b="0"/>
+      </a:lnRef>
+      <a:fillRef idx="3">
+        <a:scrgbClr r="0" g="0" b="0"/>
+      </a:fillRef>
+      <a:effectRef idx="2">
+        <a:scrgbClr r="0" g="0" b="0"/>
+      </a:effectRef>
+      <a:fontRef idx="minor">
+        <a:schemeClr val="lt1"/>
+      </a:fontRef>
+    </dgm:style>
+  </dgm:styleLbl>
+  <dgm:styleLbl name="parChTrans2D2">
+    <dgm:scene3d>
+      <a:camera prst="orthographicFront"/>
+      <a:lightRig rig="threePt" dir="t"/>
+    </dgm:scene3d>
+    <dgm:sp3d/>
+    <dgm:txPr/>
+    <dgm:style>
+      <a:lnRef idx="0">
+        <a:scrgbClr r="0" g="0" b="0"/>
+      </a:lnRef>
+      <a:fillRef idx="3">
+        <a:scrgbClr r="0" g="0" b="0"/>
+      </a:fillRef>
+      <a:effectRef idx="2">
+        <a:scrgbClr r="0" g="0" b="0"/>
+      </a:effectRef>
+      <a:fontRef idx="minor">
+        <a:schemeClr val="lt1"/>
+      </a:fontRef>
+    </dgm:style>
+  </dgm:styleLbl>
+  <dgm:styleLbl name="parChTrans2D3">
+    <dgm:scene3d>
+      <a:camera prst="orthographicFront"/>
+      <a:lightRig rig="threePt" dir="t"/>
+    </dgm:scene3d>
+    <dgm:sp3d/>
+    <dgm:txPr/>
+    <dgm:style>
+      <a:lnRef idx="1">
+        <a:scrgbClr r="0" g="0" b="0"/>
+      </a:lnRef>
+      <a:fillRef idx="3">
+        <a:scrgbClr r="0" g="0" b="0"/>
+      </a:fillRef>
+      <a:effectRef idx="2">
+        <a:scrgbClr r="0" g="0" b="0"/>
+      </a:effectRef>
+      <a:fontRef idx="minor">
+        <a:schemeClr val="lt1"/>
+      </a:fontRef>
+    </dgm:style>
+  </dgm:styleLbl>
+  <dgm:styleLbl name="parChTrans2D4">
+    <dgm:scene3d>
+      <a:camera prst="orthographicFront"/>
+      <a:lightRig rig="threePt" dir="t"/>
+    </dgm:scene3d>
+    <dgm:sp3d/>
+    <dgm:txPr/>
+    <dgm:style>
+      <a:lnRef idx="1">
+        <a:scrgbClr r="0" g="0" b="0"/>
+      </a:lnRef>
+      <a:fillRef idx="3">
+        <a:scrgbClr r="0" g="0" b="0"/>
+      </a:fillRef>
+      <a:effectRef idx="2">
+        <a:scrgbClr r="0" g="0" b="0"/>
+      </a:effectRef>
+      <a:fontRef idx="minor">
+        <a:schemeClr val="lt1"/>
+      </a:fontRef>
+    </dgm:style>
+  </dgm:styleLbl>
+  <dgm:styleLbl name="parChTrans1D1">
+    <dgm:scene3d>
+      <a:camera prst="orthographicFront"/>
+      <a:lightRig rig="threePt" dir="t"/>
+    </dgm:scene3d>
+    <dgm:sp3d/>
+    <dgm:txPr/>
+    <dgm:style>
+      <a:lnRef idx="1">
+        <a:scrgbClr r="0" g="0" b="0"/>
+      </a:lnRef>
+      <a:fillRef idx="0">
+        <a:scrgbClr r="0" g="0" b="0"/>
+      </a:fillRef>
+      <a:effectRef idx="0">
+        <a:scrgbClr r="0" g="0" b="0"/>
+      </a:effectRef>
+      <a:fontRef idx="minor"/>
+    </dgm:style>
+  </dgm:styleLbl>
+  <dgm:styleLbl name="parChTrans1D2">
+    <dgm:scene3d>
+      <a:camera prst="orthographicFront"/>
+      <a:lightRig rig="threePt" dir="t"/>
+    </dgm:scene3d>
+    <dgm:sp3d/>
+    <dgm:txPr/>
+    <dgm:style>
+      <a:lnRef idx="1">
+        <a:scrgbClr r="0" g="0" b="0"/>
+      </a:lnRef>
+      <a:fillRef idx="0">
+        <a:scrgbClr r="0" g="0" b="0"/>
+      </a:fillRef>
+      <a:effectRef idx="0">
+        <a:scrgbClr r="0" g="0" b="0"/>
+      </a:effectRef>
+      <a:fontRef idx="minor"/>
+    </dgm:style>
+  </dgm:styleLbl>
+  <dgm:styleLbl name="parChTrans1D3">
+    <dgm:scene3d>
+      <a:camera prst="orthographicFront"/>
+      <a:lightRig rig="threePt" dir="t"/>
+    </dgm:scene3d>
+    <dgm:sp3d/>
+    <dgm:txPr/>
+    <dgm:style>
+      <a:lnRef idx="1">
+        <a:scrgbClr r="0" g="0" b="0"/>
+      </a:lnRef>
+      <a:fillRef idx="0">
+        <a:scrgbClr r="0" g="0" b="0"/>
+      </a:fillRef>
+      <a:effectRef idx="0">
+        <a:scrgbClr r="0" g="0" b="0"/>
+      </a:effectRef>
+      <a:fontRef idx="minor"/>
+    </dgm:style>
+  </dgm:styleLbl>
+  <dgm:styleLbl name="parChTrans1D4">
+    <dgm:scene3d>
+      <a:camera prst="orthographicFront"/>
+      <a:lightRig rig="threePt" dir="t"/>
+    </dgm:scene3d>
+    <dgm:sp3d/>
+    <dgm:txPr/>
+    <dgm:style>
+      <a:lnRef idx="1">
+        <a:scrgbClr r="0" g="0" b="0"/>
+      </a:lnRef>
+      <a:fillRef idx="0">
+        <a:scrgbClr r="0" g="0" b="0"/>
+      </a:fillRef>
+      <a:effectRef idx="0">
+        <a:scrgbClr r="0" g="0" b="0"/>
+      </a:effectRef>
+      <a:fontRef idx="minor"/>
+    </dgm:style>
+  </dgm:styleLbl>
+  <dgm:styleLbl name="fgAcc1">
+    <dgm:scene3d>
+      <a:camera prst="orthographicFront"/>
+      <a:lightRig rig="threePt" dir="t"/>
+    </dgm:scene3d>
+    <dgm:sp3d/>
+    <dgm:txPr/>
+    <dgm:style>
+      <a:lnRef idx="1">
+        <a:scrgbClr r="0" g="0" b="0"/>
+      </a:lnRef>
+      <a:fillRef idx="1">
+        <a:scrgbClr r="0" g="0" b="0"/>
+      </a:fillRef>
+      <a:effectRef idx="0">
+        <a:scrgbClr r="0" g="0" b="0"/>
+      </a:effectRef>
+      <a:fontRef idx="minor"/>
+    </dgm:style>
+  </dgm:styleLbl>
+  <dgm:styleLbl name="conFgAcc1">
+    <dgm:scene3d>
+      <a:camera prst="orthographicFront"/>
+      <a:lightRig rig="threePt" dir="t"/>
+    </dgm:scene3d>
+    <dgm:sp3d/>
+    <dgm:txPr/>
+    <dgm:style>
+      <a:lnRef idx="1">
+        <a:scrgbClr r="0" g="0" b="0"/>
+      </a:lnRef>
+      <a:fillRef idx="1">
+        <a:scrgbClr r="0" g="0" b="0"/>
+      </a:fillRef>
+      <a:effectRef idx="0">
+        <a:scrgbClr r="0" g="0" b="0"/>
+      </a:effectRef>
+      <a:fontRef idx="minor"/>
+    </dgm:style>
+  </dgm:styleLbl>
+  <dgm:styleLbl name="alignAcc1">
+    <dgm:scene3d>
+      <a:camera prst="orthographicFront"/>
+      <a:lightRig rig="threePt" dir="t"/>
+    </dgm:scene3d>
+    <dgm:sp3d/>
+    <dgm:txPr/>
+    <dgm:style>
+      <a:lnRef idx="1">
+        <a:scrgbClr r="0" g="0" b="0"/>
+      </a:lnRef>
+      <a:fillRef idx="1">
+        <a:scrgbClr r="0" g="0" b="0"/>
+      </a:fillRef>
+      <a:effectRef idx="0">
+        <a:scrgbClr r="0" g="0" b="0"/>
+      </a:effectRef>
+      <a:fontRef idx="minor"/>
+    </dgm:style>
+  </dgm:styleLbl>
+  <dgm:styleLbl name="trAlignAcc1">
+    <dgm:scene3d>
+      <a:camera prst="orthographicFront"/>
+      <a:lightRig rig="threePt" dir="t"/>
+    </dgm:scene3d>
+    <dgm:sp3d/>
+    <dgm:txPr/>
+    <dgm:style>
+      <a:lnRef idx="1">
+        <a:scrgbClr r="0" g="0" b="0"/>
+      </a:lnRef>
+      <a:fillRef idx="1">
+        <a:scrgbClr r="0" g="0" b="0"/>
+      </a:fillRef>
+      <a:effectRef idx="0">
+        <a:scrgbClr r="0" g="0" b="0"/>
+      </a:effectRef>
+      <a:fontRef idx="minor"/>
+    </dgm:style>
+  </dgm:styleLbl>
+  <dgm:styleLbl name="bgAcc1">
+    <dgm:scene3d>
+      <a:camera prst="orthographicFront"/>
+      <a:lightRig rig="threePt" dir="t"/>
+    </dgm:scene3d>
+    <dgm:sp3d/>
+    <dgm:txPr/>
+    <dgm:style>
+      <a:lnRef idx="1">
+        <a:scrgbClr r="0" g="0" b="0"/>
+      </a:lnRef>
+      <a:fillRef idx="1">
+        <a:scrgbClr r="0" g="0" b="0"/>
+      </a:fillRef>
+      <a:effectRef idx="0">
+        <a:scrgbClr r="0" g="0" b="0"/>
+      </a:effectRef>
+      <a:fontRef idx="minor"/>
+    </dgm:style>
+  </dgm:styleLbl>
+  <dgm:styleLbl name="solidFgAcc1">
+    <dgm:scene3d>
+      <a:camera prst="orthographicFront"/>
+      <a:lightRig rig="threePt" dir="t"/>
+    </dgm:scene3d>
+    <dgm:sp3d/>
+    <dgm:txPr/>
+    <dgm:style>
+      <a:lnRef idx="1">
+        <a:scrgbClr r="0" g="0" b="0"/>
+      </a:lnRef>
+      <a:fillRef idx="1">
+        <a:scrgbClr r="0" g="0" b="0"/>
+      </a:fillRef>
+      <a:effectRef idx="0">
+        <a:scrgbClr r="0" g="0" b="0"/>
+      </a:effectRef>
+      <a:fontRef idx="minor"/>
+    </dgm:style>
+  </dgm:styleLbl>
+  <dgm:styleLbl name="solidAlignAcc1">
+    <dgm:scene3d>
+      <a:camera prst="orthographicFront"/>
+      <a:lightRig rig="threePt" dir="t"/>
+    </dgm:scene3d>
+    <dgm:sp3d/>
+    <dgm:txPr/>
+    <dgm:style>
+      <a:lnRef idx="1">
+        <a:scrgbClr r="0" g="0" b="0"/>
+      </a:lnRef>
+      <a:fillRef idx="1">
+        <a:scrgbClr r="0" g="0" b="0"/>
+      </a:fillRef>
+      <a:effectRef idx="0">
+        <a:scrgbClr r="0" g="0" b="0"/>
+      </a:effectRef>
+      <a:fontRef idx="minor"/>
+    </dgm:style>
+  </dgm:styleLbl>
+  <dgm:styleLbl name="solidBgAcc1">
+    <dgm:scene3d>
+      <a:camera prst="orthographicFront"/>
+      <a:lightRig rig="threePt" dir="t"/>
+    </dgm:scene3d>
+    <dgm:sp3d/>
+    <dgm:txPr/>
+    <dgm:style>
+      <a:lnRef idx="1">
+        <a:scrgbClr r="0" g="0" b="0"/>
+      </a:lnRef>
+      <a:fillRef idx="1">
+        <a:scrgbClr r="0" g="0" b="0"/>
+      </a:fillRef>
+      <a:effectRef idx="0">
+        <a:scrgbClr r="0" g="0" b="0"/>
+      </a:effectRef>
+      <a:fontRef idx="minor"/>
+    </dgm:style>
+  </dgm:styleLbl>
+  <dgm:styleLbl name="fgAccFollowNode1">
+    <dgm:scene3d>
+      <a:camera prst="orthographicFront"/>
+      <a:lightRig rig="threePt" dir="t"/>
+    </dgm:scene3d>
+    <dgm:sp3d/>
+    <dgm:txPr/>
+    <dgm:style>
+      <a:lnRef idx="1">
+        <a:scrgbClr r="0" g="0" b="0"/>
+      </a:lnRef>
+      <a:fillRef idx="1">
+        <a:scrgbClr r="0" g="0" b="0"/>
+      </a:fillRef>
+      <a:effectRef idx="0">
+        <a:scrgbClr r="0" g="0" b="0"/>
+      </a:effectRef>
+      <a:fontRef idx="minor"/>
+    </dgm:style>
+  </dgm:styleLbl>
+  <dgm:styleLbl name="alignAccFollowNode1">
+    <dgm:scene3d>
+      <a:camera prst="orthographicFront"/>
+      <a:lightRig rig="threePt" dir="t"/>
+    </dgm:scene3d>
+    <dgm:sp3d/>
+    <dgm:txPr/>
+    <dgm:style>
+      <a:lnRef idx="1">
+        <a:scrgbClr r="0" g="0" b="0"/>
+      </a:lnRef>
+      <a:fillRef idx="1">
+        <a:scrgbClr r="0" g="0" b="0"/>
+      </a:fillRef>
+      <a:effectRef idx="0">
+        <a:scrgbClr r="0" g="0" b="0"/>
+      </a:effectRef>
+      <a:fontRef idx="minor"/>
+    </dgm:style>
+  </dgm:styleLbl>
+  <dgm:styleLbl name="bgAccFollowNode1">
+    <dgm:scene3d>
+      <a:camera prst="orthographicFront"/>
+      <a:lightRig rig="threePt" dir="t"/>
+    </dgm:scene3d>
+    <dgm:sp3d/>
+    <dgm:txPr/>
+    <dgm:style>
+      <a:lnRef idx="1">
+        <a:scrgbClr r="0" g="0" b="0"/>
+      </a:lnRef>
+      <a:fillRef idx="1">
+        <a:scrgbClr r="0" g="0" b="0"/>
+      </a:fillRef>
+      <a:effectRef idx="0">
+        <a:scrgbClr r="0" g="0" b="0"/>
+      </a:effectRef>
+      <a:fontRef idx="minor"/>
+    </dgm:style>
+  </dgm:styleLbl>
+  <dgm:styleLbl name="fgAcc0">
+    <dgm:scene3d>
+      <a:camera prst="orthographicFront"/>
+      <a:lightRig rig="threePt" dir="t"/>
+    </dgm:scene3d>
+    <dgm:sp3d/>
+    <dgm:txPr/>
+    <dgm:style>
+      <a:lnRef idx="1">
+        <a:scrgbClr r="0" g="0" b="0"/>
+      </a:lnRef>
+      <a:fillRef idx="1">
+        <a:scrgbClr r="0" g="0" b="0"/>
+      </a:fillRef>
+      <a:effectRef idx="0">
+        <a:scrgbClr r="0" g="0" b="0"/>
+      </a:effectRef>
+      <a:fontRef idx="minor"/>
+    </dgm:style>
+  </dgm:styleLbl>
+  <dgm:styleLbl name="fgAcc2">
+    <dgm:scene3d>
+      <a:camera prst="orthographicFront"/>
+      <a:lightRig rig="threePt" dir="t"/>
+    </dgm:scene3d>
+    <dgm:sp3d/>
+    <dgm:txPr/>
+    <dgm:style>
+      <a:lnRef idx="1">
+        <a:scrgbClr r="0" g="0" b="0"/>
+      </a:lnRef>
+      <a:fillRef idx="1">
+        <a:scrgbClr r="0" g="0" b="0"/>
+      </a:fillRef>
+      <a:effectRef idx="0">
+        <a:scrgbClr r="0" g="0" b="0"/>
+      </a:effectRef>
+      <a:fontRef idx="minor"/>
+    </dgm:style>
+  </dgm:styleLbl>
+  <dgm:styleLbl name="fgAcc3">
+    <dgm:scene3d>
+      <a:camera prst="orthographicFront"/>
+      <a:lightRig rig="threePt" dir="t"/>
+    </dgm:scene3d>
+    <dgm:sp3d/>
+    <dgm:txPr/>
+    <dgm:style>
+      <a:lnRef idx="1">
+        <a:scrgbClr r="0" g="0" b="0"/>
+      </a:lnRef>
+      <a:fillRef idx="1">
+        <a:scrgbClr r="0" g="0" b="0"/>
+      </a:fillRef>
+      <a:effectRef idx="0">
+        <a:scrgbClr r="0" g="0" b="0"/>
+      </a:effectRef>
+      <a:fontRef idx="minor"/>
+    </dgm:style>
+  </dgm:styleLbl>
+  <dgm:styleLbl name="fgAcc4">
+    <dgm:scene3d>
+      <a:camera prst="orthographicFront"/>
+      <a:lightRig rig="threePt" dir="t"/>
+    </dgm:scene3d>
+    <dgm:sp3d/>
+    <dgm:txPr/>
+    <dgm:style>
+      <a:lnRef idx="1">
+        <a:scrgbClr r="0" g="0" b="0"/>
+      </a:lnRef>
+      <a:fillRef idx="1">
+        <a:scrgbClr r="0" g="0" b="0"/>
+      </a:fillRef>
+      <a:effectRef idx="0">
+        <a:scrgbClr r="0" g="0" b="0"/>
+      </a:effectRef>
+      <a:fontRef idx="minor"/>
+    </dgm:style>
+  </dgm:styleLbl>
+  <dgm:styleLbl name="bgShp">
+    <dgm:scene3d>
+      <a:camera prst="orthographicFront"/>
+      <a:lightRig rig="threePt" dir="t"/>
+    </dgm:scene3d>
+    <dgm:sp3d/>
+    <dgm:txPr/>
+    <dgm:style>
+      <a:lnRef idx="0">
+        <a:scrgbClr r="0" g="0" b="0"/>
+      </a:lnRef>
+      <a:fillRef idx="1">
+        <a:scrgbClr r="0" g="0" b="0"/>
+      </a:fillRef>
+      <a:effectRef idx="2">
+        <a:scrgbClr r="0" g="0" b="0"/>
+      </a:effectRef>
+      <a:fontRef idx="minor"/>
+    </dgm:style>
+  </dgm:styleLbl>
+  <dgm:styleLbl name="dkBgShp">
+    <dgm:scene3d>
+      <a:camera prst="orthographicFront"/>
+      <a:lightRig rig="threePt" dir="t"/>
+    </dgm:scene3d>
+    <dgm:sp3d/>
+    <dgm:txPr/>
+    <dgm:style>
+      <a:lnRef idx="0">
+        <a:scrgbClr r="0" g="0" b="0"/>
+      </a:lnRef>
+      <a:fillRef idx="1">
+        <a:scrgbClr r="0" g="0" b="0"/>
+      </a:fillRef>
+      <a:effectRef idx="2">
+        <a:scrgbClr r="0" g="0" b="0"/>
+      </a:effectRef>
+      <a:fontRef idx="minor"/>
+    </dgm:style>
+  </dgm:styleLbl>
+  <dgm:styleLbl name="trBgShp">
+    <dgm:scene3d>
+      <a:camera prst="orthographicFront"/>
+      <a:lightRig rig="threePt" dir="t"/>
+    </dgm:scene3d>
+    <dgm:sp3d/>
+    <dgm:txPr/>
+    <dgm:style>
+      <a:lnRef idx="0">
+        <a:scrgbClr r="0" g="0" b="0"/>
+      </a:lnRef>
+      <a:fillRef idx="1">
+        <a:scrgbClr r="0" g="0" b="0"/>
+      </a:fillRef>
+      <a:effectRef idx="0">
+        <a:scrgbClr r="0" g="0" b="0"/>
+      </a:effectRef>
+      <a:fontRef idx="minor"/>
+    </dgm:style>
+  </dgm:styleLbl>
+  <dgm:styleLbl name="fgShp">
+    <dgm:scene3d>
+      <a:camera prst="orthographicFront"/>
+      <a:lightRig rig="threePt" dir="t"/>
+    </dgm:scene3d>
+    <dgm:sp3d/>
+    <dgm:txPr/>
+    <dgm:style>
+      <a:lnRef idx="0">
+        <a:scrgbClr r="0" g="0" b="0"/>
+      </a:lnRef>
+      <a:fillRef idx="3">
+        <a:scrgbClr r="0" g="0" b="0"/>
+      </a:fillRef>
+      <a:effectRef idx="2">
+        <a:scrgbClr r="0" g="0" b="0"/>
+      </a:effectRef>
+      <a:fontRef idx="minor"/>
+    </dgm:style>
+  </dgm:styleLbl>
+  <dgm:styleLbl name="revTx">
+    <dgm:scene3d>
+      <a:camera prst="orthographicFront"/>
+      <a:lightRig rig="threePt" dir="t"/>
+    </dgm:scene3d>
+    <dgm:sp3d/>
+    <dgm:txPr/>
+    <dgm:style>
+      <a:lnRef idx="0">
+        <a:scrgbClr r="0" g="0" b="0"/>
+      </a:lnRef>
+      <a:fillRef idx="0">
+        <a:scrgbClr r="0" g="0" b="0"/>
+      </a:fillRef>
+      <a:effectRef idx="0">
+        <a:scrgbClr r="0" g="0" b="0"/>
+      </a:effectRef>
+      <a:fontRef idx="minor"/>
+    </dgm:style>
+  </dgm:styleLbl>
+</dgm:styleDef>
+</file>
+
+<file path=ppt/diagrams/quickStyle6.xml><?xml version="1.0" encoding="utf-8"?>
 <dgm:styleDef xmlns:dgm="http://schemas.openxmlformats.org/drawingml/2006/diagram" xmlns:a="http://schemas.openxmlformats.org/drawingml/2006/main" uniqueId="urn:microsoft.com/office/officeart/2005/8/quickstyle/simple4">
   <dgm:title val=""/>
   <dgm:desc val=""/>
@@ -20084,86 +26648,12 @@
           <a:chExt cx="0" cy="0"/>
         </a:xfrm>
       </p:grpSpPr>
-      <p:sp>
+      <p:sp useBgFill="1">
         <p:nvSpPr>
-          <p:cNvPr id="2" name="Title 1">
+          <p:cNvPr id="31" name="Rounded Rectangle 14">
             <a:extLst>
               <a:ext uri="{FF2B5EF4-FFF2-40B4-BE49-F238E27FC236}">
-                <a16:creationId xmlns:a16="http://schemas.microsoft.com/office/drawing/2014/main" id="{C0012968-7C8C-4CDD-97B6-902A7555D4E0}"/>
-              </a:ext>
-            </a:extLst>
-          </p:cNvPr>
-          <p:cNvSpPr>
-            <a:spLocks noGrp="1"/>
-          </p:cNvSpPr>
-          <p:nvPr>
-            <p:ph type="title"/>
-          </p:nvPr>
-        </p:nvSpPr>
-        <p:spPr>
-          <a:xfrm>
-            <a:off x="685799" y="1323173"/>
-            <a:ext cx="3977639" cy="1600200"/>
-          </a:xfrm>
-        </p:spPr>
-        <p:txBody>
-          <a:bodyPr anchor="b">
-            <a:normAutofit/>
-          </a:bodyPr>
-          <a:lstStyle/>
-          <a:p>
-            <a:r>
-              <a:rPr lang="en-CA" sz="4800" dirty="0"/>
-              <a:t>Target</a:t>
-            </a:r>
-          </a:p>
-        </p:txBody>
-      </p:sp>
-      <p:sp>
-        <p:nvSpPr>
-          <p:cNvPr id="3" name="Content Placeholder 2">
-            <a:extLst>
-              <a:ext uri="{FF2B5EF4-FFF2-40B4-BE49-F238E27FC236}">
-                <a16:creationId xmlns:a16="http://schemas.microsoft.com/office/drawing/2014/main" id="{A687CC1B-A7CC-46FB-9302-09A7091C47D1}"/>
-              </a:ext>
-            </a:extLst>
-          </p:cNvPr>
-          <p:cNvSpPr>
-            <a:spLocks noGrp="1"/>
-          </p:cNvSpPr>
-          <p:nvPr>
-            <p:ph idx="1"/>
-          </p:nvPr>
-        </p:nvSpPr>
-        <p:spPr>
-          <a:xfrm>
-            <a:off x="797356" y="3003888"/>
-            <a:ext cx="3977639" cy="3854112"/>
-          </a:xfrm>
-        </p:spPr>
-        <p:txBody>
-          <a:bodyPr>
-            <a:normAutofit/>
-          </a:bodyPr>
-          <a:lstStyle/>
-          <a:p>
-            <a:pPr algn="r"/>
-            <a:r>
-              <a:rPr lang="en-CA" sz="2000" dirty="0"/>
-              <a:t>E-sports Player manger</a:t>
-            </a:r>
-          </a:p>
-          <a:p>
-            <a:endParaRPr lang="en-CA" sz="1600" dirty="0"/>
-          </a:p>
-        </p:txBody>
-      </p:sp>
-      <p:sp useBgFill="1">
-        <p:nvSpPr>
-          <p:cNvPr id="10" name="Rectangle 9">
-            <a:extLst>
-              <a:ext uri="{FF2B5EF4-FFF2-40B4-BE49-F238E27FC236}">
-                <a16:creationId xmlns:a16="http://schemas.microsoft.com/office/drawing/2014/main" id="{8D25211A-4CA0-4B53-82BB-1EE7C7F3C725}"/>
+                <a16:creationId xmlns:a16="http://schemas.microsoft.com/office/drawing/2014/main" id="{1FDFF85F-F105-40D5-9793-90419158C3BD}"/>
               </a:ext>
               <a:ext uri="{C183D7F6-B498-43B3-948B-1728B52AA6E4}">
                 <adec:decorative xmlns:adec="http://schemas.microsoft.com/office/drawing/2017/decorative" val="1"/>
@@ -20183,8 +26673,441 @@
         </p:nvSpPr>
         <p:spPr>
           <a:xfrm>
-            <a:off x="4951379" y="0"/>
-            <a:ext cx="7240615" cy="6858000"/>
+            <a:off x="4636008" y="0"/>
+            <a:ext cx="7555992" cy="6858000"/>
+          </a:xfrm>
+          <a:prstGeom prst="roundRect">
+            <a:avLst>
+              <a:gd name="adj" fmla="val 0"/>
+            </a:avLst>
+          </a:prstGeom>
+          <a:ln>
+            <a:noFill/>
+          </a:ln>
+          <a:effectLst/>
+        </p:spPr>
+        <p:style>
+          <a:lnRef idx="2">
+            <a:schemeClr val="accent1">
+              <a:shade val="50000"/>
+            </a:schemeClr>
+          </a:lnRef>
+          <a:fillRef idx="1">
+            <a:schemeClr val="accent1"/>
+          </a:fillRef>
+          <a:effectRef idx="0">
+            <a:schemeClr val="accent1"/>
+          </a:effectRef>
+          <a:fontRef idx="minor">
+            <a:schemeClr val="lt1"/>
+          </a:fontRef>
+        </p:style>
+        <p:txBody>
+          <a:bodyPr rtlCol="0" anchor="ctr"/>
+          <a:lstStyle/>
+          <a:p>
+            <a:pPr marL="0" marR="0" lvl="0" indent="0" algn="ctr" defTabSz="457200" rtl="0" eaLnBrk="1" fontAlgn="auto" latinLnBrk="0" hangingPunct="1">
+              <a:lnSpc>
+                <a:spcPct val="100000"/>
+              </a:lnSpc>
+              <a:spcBef>
+                <a:spcPts val="0"/>
+              </a:spcBef>
+              <a:spcAft>
+                <a:spcPts val="0"/>
+              </a:spcAft>
+              <a:buClrTx/>
+              <a:buSzTx/>
+              <a:buFontTx/>
+              <a:buNone/>
+              <a:tabLst/>
+              <a:defRPr/>
+            </a:pPr>
+            <a:endParaRPr kumimoji="0" lang="en-US" sz="1800" b="0" i="0" u="none" strike="noStrike" kern="1200" cap="none" spc="0" normalizeH="0" baseline="0" noProof="0">
+              <a:ln>
+                <a:noFill/>
+              </a:ln>
+              <a:solidFill>
+                <a:prstClr val="white"/>
+              </a:solidFill>
+              <a:effectLst/>
+              <a:uLnTx/>
+              <a:uFillTx/>
+              <a:latin typeface="Century Gothic" panose="020B0502020202020204"/>
+              <a:ea typeface="+mn-ea"/>
+              <a:cs typeface="+mn-cs"/>
+            </a:endParaRPr>
+          </a:p>
+        </p:txBody>
+      </p:sp>
+      <p:sp>
+        <p:nvSpPr>
+          <p:cNvPr id="33" name="Rectangle 32">
+            <a:extLst>
+              <a:ext uri="{FF2B5EF4-FFF2-40B4-BE49-F238E27FC236}">
+                <a16:creationId xmlns:a16="http://schemas.microsoft.com/office/drawing/2014/main" id="{35AB47A4-BA8C-4250-88BD-D49C68C5F9E9}"/>
+              </a:ext>
+              <a:ext uri="{C183D7F6-B498-43B3-948B-1728B52AA6E4}">
+                <adec:decorative xmlns:adec="http://schemas.microsoft.com/office/drawing/2017/decorative" val="1"/>
+              </a:ext>
+            </a:extLst>
+          </p:cNvPr>
+          <p:cNvSpPr>
+            <a:spLocks noGrp="1" noRot="1" noChangeAspect="1" noMove="1" noResize="1" noEditPoints="1" noAdjustHandles="1" noChangeArrowheads="1" noChangeShapeType="1" noTextEdit="1"/>
+          </p:cNvSpPr>
+          <p:nvPr>
+            <p:extLst>
+              <p:ext uri="{386F3935-93C4-4BCD-93E2-E3B085C9AB24}">
+                <p16:designElem xmlns:p16="http://schemas.microsoft.com/office/powerpoint/2015/main" val="1"/>
+              </p:ext>
+            </p:extLst>
+          </p:nvPr>
+        </p:nvSpPr>
+        <p:spPr>
+          <a:xfrm>
+            <a:off x="0" y="0"/>
+            <a:ext cx="4636008" cy="6858000"/>
+          </a:xfrm>
+          <a:prstGeom prst="rect">
+            <a:avLst/>
+          </a:prstGeom>
+          <a:solidFill>
+            <a:schemeClr val="tx1"/>
+          </a:solidFill>
+          <a:ln>
+            <a:noFill/>
+          </a:ln>
+          <a:effectLst>
+            <a:outerShdw blurRad="63500" dist="38100" algn="l" rotWithShape="0">
+              <a:prstClr val="black">
+                <a:alpha val="40000"/>
+              </a:prstClr>
+            </a:outerShdw>
+          </a:effectLst>
+        </p:spPr>
+        <p:style>
+          <a:lnRef idx="2">
+            <a:schemeClr val="accent1">
+              <a:shade val="50000"/>
+            </a:schemeClr>
+          </a:lnRef>
+          <a:fillRef idx="1">
+            <a:schemeClr val="accent1"/>
+          </a:fillRef>
+          <a:effectRef idx="0">
+            <a:schemeClr val="accent1"/>
+          </a:effectRef>
+          <a:fontRef idx="minor">
+            <a:schemeClr val="lt1"/>
+          </a:fontRef>
+        </p:style>
+        <p:txBody>
+          <a:bodyPr rtlCol="0" anchor="ctr"/>
+          <a:lstStyle/>
+          <a:p>
+            <a:pPr marL="0" marR="0" lvl="0" indent="0" algn="ctr" defTabSz="457200" rtl="0" eaLnBrk="1" fontAlgn="auto" latinLnBrk="0" hangingPunct="1">
+              <a:lnSpc>
+                <a:spcPct val="100000"/>
+              </a:lnSpc>
+              <a:spcBef>
+                <a:spcPts val="0"/>
+              </a:spcBef>
+              <a:spcAft>
+                <a:spcPts val="0"/>
+              </a:spcAft>
+              <a:buClrTx/>
+              <a:buSzTx/>
+              <a:buFontTx/>
+              <a:buNone/>
+              <a:tabLst/>
+              <a:defRPr/>
+            </a:pPr>
+            <a:endParaRPr kumimoji="0" lang="en-US" sz="1800" b="0" i="0" u="none" strike="noStrike" kern="1200" cap="none" spc="0" normalizeH="0" baseline="0" noProof="0">
+              <a:ln>
+                <a:noFill/>
+              </a:ln>
+              <a:solidFill>
+                <a:prstClr val="white"/>
+              </a:solidFill>
+              <a:effectLst/>
+              <a:uLnTx/>
+              <a:uFillTx/>
+              <a:latin typeface="Century Gothic" panose="020B0502020202020204"/>
+              <a:ea typeface="+mn-ea"/>
+              <a:cs typeface="+mn-cs"/>
+            </a:endParaRPr>
+          </a:p>
+        </p:txBody>
+      </p:sp>
+      <p:pic>
+        <p:nvPicPr>
+          <p:cNvPr id="35" name="Picture 34">
+            <a:extLst>
+              <a:ext uri="{FF2B5EF4-FFF2-40B4-BE49-F238E27FC236}">
+                <a16:creationId xmlns:a16="http://schemas.microsoft.com/office/drawing/2014/main" id="{66C8958D-EB99-414F-B735-863B67BB14D3}"/>
+              </a:ext>
+              <a:ext uri="{C183D7F6-B498-43B3-948B-1728B52AA6E4}">
+                <adec:decorative xmlns:adec="http://schemas.microsoft.com/office/drawing/2017/decorative" val="1"/>
+              </a:ext>
+            </a:extLst>
+          </p:cNvPr>
+          <p:cNvPicPr>
+            <a:picLocks noGrp="1" noRot="1" noChangeAspect="1" noMove="1" noResize="1" noEditPoints="1" noAdjustHandles="1" noChangeArrowheads="1" noChangeShapeType="1" noCrop="1"/>
+          </p:cNvPicPr>
+          <p:nvPr>
+            <p:extLst>
+              <p:ext uri="{386F3935-93C4-4BCD-93E2-E3B085C9AB24}">
+                <p16:designElem xmlns:p16="http://schemas.microsoft.com/office/powerpoint/2015/main" val="1"/>
+              </p:ext>
+            </p:extLst>
+          </p:nvPr>
+        </p:nvPicPr>
+        <p:blipFill rotWithShape="1">
+          <a:blip r:embed="rId2">
+            <a:extLst>
+              <a:ext uri="{28A0092B-C50C-407E-A947-70E740481C1C}">
+                <a14:useLocalDpi xmlns:a14="http://schemas.microsoft.com/office/drawing/2010/main" val="0"/>
+              </a:ext>
+            </a:extLst>
+          </a:blip>
+          <a:srcRect r="61975"/>
+          <a:stretch/>
+        </p:blipFill>
+        <p:spPr>
+          <a:xfrm>
+            <a:off x="0" y="0"/>
+            <a:ext cx="4636008" cy="1441450"/>
+          </a:xfrm>
+          <a:prstGeom prst="rect">
+            <a:avLst/>
+          </a:prstGeom>
+        </p:spPr>
+      </p:pic>
+      <p:sp>
+        <p:nvSpPr>
+          <p:cNvPr id="2" name="Title 1">
+            <a:extLst>
+              <a:ext uri="{FF2B5EF4-FFF2-40B4-BE49-F238E27FC236}">
+                <a16:creationId xmlns:a16="http://schemas.microsoft.com/office/drawing/2014/main" id="{C0012968-7C8C-4CDD-97B6-902A7555D4E0}"/>
+              </a:ext>
+            </a:extLst>
+          </p:cNvPr>
+          <p:cNvSpPr>
+            <a:spLocks noGrp="1"/>
+          </p:cNvSpPr>
+          <p:nvPr>
+            <p:ph type="title"/>
+          </p:nvPr>
+        </p:nvSpPr>
+        <p:spPr>
+          <a:xfrm>
+            <a:off x="685800" y="764373"/>
+            <a:ext cx="3687417" cy="1920372"/>
+          </a:xfrm>
+        </p:spPr>
+        <p:txBody>
+          <a:bodyPr>
+            <a:normAutofit/>
+          </a:bodyPr>
+          <a:lstStyle/>
+          <a:p>
+            <a:pPr algn="l"/>
+            <a:r>
+              <a:rPr lang="en-CA" sz="3600" dirty="0">
+                <a:solidFill>
+                  <a:schemeClr val="bg1"/>
+                </a:solidFill>
+              </a:rPr>
+              <a:t>Target</a:t>
+            </a:r>
+          </a:p>
+        </p:txBody>
+      </p:sp>
+      <p:pic>
+        <p:nvPicPr>
+          <p:cNvPr id="37" name="Picture 36">
+            <a:extLst>
+              <a:ext uri="{FF2B5EF4-FFF2-40B4-BE49-F238E27FC236}">
+                <a16:creationId xmlns:a16="http://schemas.microsoft.com/office/drawing/2014/main" id="{39E5F3CB-7BDD-4E64-B274-CD900F08C6F3}"/>
+              </a:ext>
+              <a:ext uri="{C183D7F6-B498-43B3-948B-1728B52AA6E4}">
+                <adec:decorative xmlns:adec="http://schemas.microsoft.com/office/drawing/2017/decorative" val="1"/>
+              </a:ext>
+            </a:extLst>
+          </p:cNvPr>
+          <p:cNvPicPr>
+            <a:picLocks noGrp="1" noRot="1" noChangeAspect="1" noMove="1" noResize="1" noEditPoints="1" noAdjustHandles="1" noChangeArrowheads="1" noChangeShapeType="1" noCrop="1"/>
+          </p:cNvPicPr>
+          <p:nvPr>
+            <p:extLst>
+              <p:ext uri="{386F3935-93C4-4BCD-93E2-E3B085C9AB24}">
+                <p16:designElem xmlns:p16="http://schemas.microsoft.com/office/powerpoint/2015/main" val="1"/>
+              </p:ext>
+            </p:extLst>
+          </p:nvPr>
+        </p:nvPicPr>
+        <p:blipFill rotWithShape="1">
+          <a:blip r:embed="rId3">
+            <a:extLst>
+              <a:ext uri="{28A0092B-C50C-407E-A947-70E740481C1C}">
+                <a14:useLocalDpi xmlns:a14="http://schemas.microsoft.com/office/drawing/2010/main" val="0"/>
+              </a:ext>
+            </a:extLst>
+          </a:blip>
+          <a:srcRect r="61975"/>
+          <a:stretch/>
+        </p:blipFill>
+        <p:spPr>
+          <a:xfrm>
+            <a:off x="0" y="4375150"/>
+            <a:ext cx="4636008" cy="2482850"/>
+          </a:xfrm>
+          <a:prstGeom prst="rect">
+            <a:avLst/>
+          </a:prstGeom>
+        </p:spPr>
+      </p:pic>
+      <p:sp>
+        <p:nvSpPr>
+          <p:cNvPr id="3" name="Content Placeholder 2">
+            <a:extLst>
+              <a:ext uri="{FF2B5EF4-FFF2-40B4-BE49-F238E27FC236}">
+                <a16:creationId xmlns:a16="http://schemas.microsoft.com/office/drawing/2014/main" id="{A687CC1B-A7CC-46FB-9302-09A7091C47D1}"/>
+              </a:ext>
+            </a:extLst>
+          </p:cNvPr>
+          <p:cNvSpPr>
+            <a:spLocks noGrp="1"/>
+          </p:cNvSpPr>
+          <p:nvPr>
+            <p:ph idx="1"/>
+          </p:nvPr>
+        </p:nvSpPr>
+        <p:spPr>
+          <a:xfrm>
+            <a:off x="685800" y="2821774"/>
+            <a:ext cx="3687417" cy="3148329"/>
+          </a:xfrm>
+        </p:spPr>
+        <p:txBody>
+          <a:bodyPr>
+            <a:normAutofit/>
+          </a:bodyPr>
+          <a:lstStyle/>
+          <a:p>
+            <a:r>
+              <a:rPr lang="en-CA" sz="1600" dirty="0">
+                <a:solidFill>
+                  <a:schemeClr val="bg1"/>
+                </a:solidFill>
+              </a:rPr>
+              <a:t>E-sports Player manager</a:t>
+            </a:r>
+          </a:p>
+          <a:p>
+            <a:endParaRPr lang="en-CA" sz="1600" dirty="0">
+              <a:solidFill>
+                <a:schemeClr val="bg1"/>
+              </a:solidFill>
+            </a:endParaRPr>
+          </a:p>
+        </p:txBody>
+      </p:sp>
+      <p:pic>
+        <p:nvPicPr>
+          <p:cNvPr id="8" name="Picture 7">
+            <a:extLst>
+              <a:ext uri="{FF2B5EF4-FFF2-40B4-BE49-F238E27FC236}">
+                <a16:creationId xmlns:a16="http://schemas.microsoft.com/office/drawing/2014/main" id="{6215C4BA-1A0C-417F-A536-C6DFDEF5BBD1}"/>
+              </a:ext>
+            </a:extLst>
+          </p:cNvPr>
+          <p:cNvPicPr>
+            <a:picLocks noChangeAspect="1"/>
+          </p:cNvPicPr>
+          <p:nvPr/>
+        </p:nvPicPr>
+        <p:blipFill>
+          <a:blip r:embed="rId4"/>
+          <a:stretch>
+            <a:fillRect/>
+          </a:stretch>
+        </p:blipFill>
+        <p:spPr>
+          <a:xfrm>
+            <a:off x="5279475" y="2018462"/>
+            <a:ext cx="6269058" cy="2821076"/>
+          </a:xfrm>
+          <a:prstGeom prst="rect">
+            <a:avLst/>
+          </a:prstGeom>
+        </p:spPr>
+      </p:pic>
+    </p:spTree>
+    <p:extLst>
+      <p:ext uri="{BB962C8B-B14F-4D97-AF65-F5344CB8AC3E}">
+        <p14:creationId xmlns:p14="http://schemas.microsoft.com/office/powerpoint/2010/main" val="2496220051"/>
+      </p:ext>
+    </p:extLst>
+  </p:cSld>
+  <p:clrMapOvr>
+    <a:overrideClrMapping bg1="lt1" tx1="dk1" bg2="lt2" tx2="dk2" accent1="accent1" accent2="accent2" accent3="accent3" accent4="accent4" accent5="accent5" accent6="accent6" hlink="hlink" folHlink="folHlink"/>
+  </p:clrMapOvr>
+</p:sld>
+</file>
+
+<file path=ppt/slides/slide18.xml><?xml version="1.0" encoding="utf-8"?>
+<p:sld xmlns:a="http://schemas.openxmlformats.org/drawingml/2006/main" xmlns:r="http://schemas.openxmlformats.org/officeDocument/2006/relationships" xmlns:p="http://schemas.openxmlformats.org/presentationml/2006/main">
+  <p:cSld>
+    <p:bg>
+      <p:bgPr>
+        <a:solidFill>
+          <a:schemeClr val="bg1"/>
+        </a:solidFill>
+        <a:effectLst/>
+      </p:bgPr>
+    </p:bg>
+    <p:spTree>
+      <p:nvGrpSpPr>
+        <p:cNvPr id="1" name=""/>
+        <p:cNvGrpSpPr/>
+        <p:nvPr/>
+      </p:nvGrpSpPr>
+      <p:grpSpPr>
+        <a:xfrm>
+          <a:off x="0" y="0"/>
+          <a:ext cx="0" cy="0"/>
+          <a:chOff x="0" y="0"/>
+          <a:chExt cx="0" cy="0"/>
+        </a:xfrm>
+      </p:grpSpPr>
+      <p:sp useBgFill="1">
+        <p:nvSpPr>
+          <p:cNvPr id="10" name="Rectangle 9">
+            <a:extLst>
+              <a:ext uri="{FF2B5EF4-FFF2-40B4-BE49-F238E27FC236}">
+                <a16:creationId xmlns:a16="http://schemas.microsoft.com/office/drawing/2014/main" id="{30BD2399-7475-404C-BAC9-E55E1676926A}"/>
+              </a:ext>
+              <a:ext uri="{C183D7F6-B498-43B3-948B-1728B52AA6E4}">
+                <adec:decorative xmlns:adec="http://schemas.microsoft.com/office/drawing/2017/decorative" val="1"/>
+              </a:ext>
+            </a:extLst>
+          </p:cNvPr>
+          <p:cNvSpPr>
+            <a:spLocks noGrp="1" noRot="1" noChangeAspect="1" noMove="1" noResize="1" noEditPoints="1" noAdjustHandles="1" noChangeArrowheads="1" noChangeShapeType="1" noTextEdit="1"/>
+          </p:cNvSpPr>
+          <p:nvPr>
+            <p:extLst>
+              <p:ext uri="{386F3935-93C4-4BCD-93E2-E3B085C9AB24}">
+                <p16:designElem xmlns:p16="http://schemas.microsoft.com/office/powerpoint/2015/main" val="1"/>
+              </p:ext>
+            </p:extLst>
+          </p:nvPr>
+        </p:nvSpPr>
+        <p:spPr>
+          <a:xfrm>
+            <a:off x="0" y="0"/>
+            <a:ext cx="12192000" cy="6858000"/>
           </a:xfrm>
           <a:prstGeom prst="rect">
             <a:avLst/>
@@ -20220,63 +27143,49 @@
       </p:sp>
       <p:pic>
         <p:nvPicPr>
-          <p:cNvPr id="5" name="Picture 4">
+          <p:cNvPr id="12" name="Picture 11">
             <a:extLst>
               <a:ext uri="{FF2B5EF4-FFF2-40B4-BE49-F238E27FC236}">
-                <a16:creationId xmlns:a16="http://schemas.microsoft.com/office/drawing/2014/main" id="{9D8A0C46-CE78-456B-B5C0-ACC02733DBA7}"/>
+                <a16:creationId xmlns:a16="http://schemas.microsoft.com/office/drawing/2014/main" id="{0D748104-6E76-4AD9-9940-82154F97E7C1}"/>
+              </a:ext>
+              <a:ext uri="{C183D7F6-B498-43B3-948B-1728B52AA6E4}">
+                <adec:decorative xmlns:adec="http://schemas.microsoft.com/office/drawing/2017/decorative" val="1"/>
               </a:ext>
             </a:extLst>
           </p:cNvPr>
           <p:cNvPicPr>
-            <a:picLocks noChangeAspect="1"/>
+            <a:picLocks noGrp="1" noRot="1" noChangeAspect="1" noMove="1" noResize="1" noEditPoints="1" noAdjustHandles="1" noChangeArrowheads="1" noChangeShapeType="1" noCrop="1"/>
           </p:cNvPicPr>
-          <p:nvPr/>
+          <p:nvPr>
+            <p:extLst>
+              <p:ext uri="{386F3935-93C4-4BCD-93E2-E3B085C9AB24}">
+                <p16:designElem xmlns:p16="http://schemas.microsoft.com/office/powerpoint/2015/main" val="1"/>
+              </p:ext>
+            </p:extLst>
+          </p:nvPr>
         </p:nvPicPr>
-        <p:blipFill rotWithShape="1">
-          <a:blip r:embed="rId2"/>
-          <a:srcRect r="10361"/>
-          <a:stretch/>
+        <p:blipFill>
+          <a:blip r:embed="rId2">
+            <a:extLst>
+              <a:ext uri="{28A0092B-C50C-407E-A947-70E740481C1C}">
+                <a14:useLocalDpi xmlns:a14="http://schemas.microsoft.com/office/drawing/2010/main" val="0"/>
+              </a:ext>
+            </a:extLst>
+          </a:blip>
+          <a:stretch>
+            <a:fillRect/>
+          </a:stretch>
         </p:blipFill>
         <p:spPr>
           <a:xfrm>
-            <a:off x="5304147" y="10"/>
-            <a:ext cx="6887853" cy="6857990"/>
+            <a:off x="0" y="0"/>
+            <a:ext cx="12192000" cy="1441450"/>
           </a:xfrm>
           <a:prstGeom prst="rect">
             <a:avLst/>
           </a:prstGeom>
         </p:spPr>
       </p:pic>
-    </p:spTree>
-    <p:extLst>
-      <p:ext uri="{BB962C8B-B14F-4D97-AF65-F5344CB8AC3E}">
-        <p14:creationId xmlns:p14="http://schemas.microsoft.com/office/powerpoint/2010/main" val="2496220051"/>
-      </p:ext>
-    </p:extLst>
-  </p:cSld>
-  <p:clrMapOvr>
-    <a:masterClrMapping/>
-  </p:clrMapOvr>
-</p:sld>
-</file>
-
-<file path=ppt/slides/slide18.xml><?xml version="1.0" encoding="utf-8"?>
-<p:sld xmlns:a="http://schemas.openxmlformats.org/drawingml/2006/main" xmlns:r="http://schemas.openxmlformats.org/officeDocument/2006/relationships" xmlns:p="http://schemas.openxmlformats.org/presentationml/2006/main">
-  <p:cSld>
-    <p:spTree>
-      <p:nvGrpSpPr>
-        <p:cNvPr id="1" name=""/>
-        <p:cNvGrpSpPr/>
-        <p:nvPr/>
-      </p:nvGrpSpPr>
-      <p:grpSpPr>
-        <a:xfrm>
-          <a:off x="0" y="0"/>
-          <a:ext cx="0" cy="0"/>
-          <a:chOff x="0" y="0"/>
-          <a:chExt cx="0" cy="0"/>
-        </a:xfrm>
-      </p:grpSpPr>
       <p:sp>
         <p:nvSpPr>
           <p:cNvPr id="2" name="Title 1">
@@ -20293,43 +27202,56 @@
             <p:ph type="title"/>
           </p:nvPr>
         </p:nvSpPr>
-        <p:spPr/>
+        <p:spPr>
+          <a:xfrm>
+            <a:off x="685800" y="1066163"/>
+            <a:ext cx="3306744" cy="5148371"/>
+          </a:xfrm>
+        </p:spPr>
         <p:txBody>
-          <a:bodyPr/>
+          <a:bodyPr>
+            <a:normAutofit/>
+          </a:bodyPr>
           <a:lstStyle/>
           <a:p>
             <a:r>
-              <a:rPr lang="en-CA" dirty="0"/>
-              <a:t>Talk to your user</a:t>
+              <a:rPr lang="en-CA" sz="2700"/>
+              <a:t>characteristics</a:t>
             </a:r>
           </a:p>
         </p:txBody>
       </p:sp>
-      <p:sp>
-        <p:nvSpPr>
-          <p:cNvPr id="3" name="Content Placeholder 2">
+      <p:graphicFrame>
+        <p:nvGraphicFramePr>
+          <p:cNvPr id="5" name="Content Placeholder 2">
             <a:extLst>
               <a:ext uri="{FF2B5EF4-FFF2-40B4-BE49-F238E27FC236}">
-                <a16:creationId xmlns:a16="http://schemas.microsoft.com/office/drawing/2014/main" id="{0FEDF32F-3E49-424C-BB0E-E68353F38682}"/>
+                <a16:creationId xmlns:a16="http://schemas.microsoft.com/office/drawing/2014/main" id="{0DF4D0D1-6753-4B56-992A-A51DC58B0999}"/>
               </a:ext>
             </a:extLst>
           </p:cNvPr>
-          <p:cNvSpPr>
-            <a:spLocks noGrp="1"/>
-          </p:cNvSpPr>
+          <p:cNvGraphicFramePr>
+            <a:graphicFrameLocks noGrp="1"/>
+          </p:cNvGraphicFramePr>
           <p:nvPr>
             <p:ph idx="1"/>
+            <p:extLst>
+              <p:ext uri="{D42A27DB-BD31-4B8C-83A1-F6EECF244321}">
+                <p14:modId xmlns:p14="http://schemas.microsoft.com/office/powerpoint/2010/main" val="2765374412"/>
+              </p:ext>
+            </p:extLst>
           </p:nvPr>
-        </p:nvSpPr>
-        <p:spPr/>
-        <p:txBody>
-          <a:bodyPr/>
-          <a:lstStyle/>
-          <a:p>
-            <a:endParaRPr lang="en-CA"/>
-          </a:p>
-        </p:txBody>
-      </p:sp>
+        </p:nvGraphicFramePr>
+        <p:xfrm>
+          <a:off x="4678344" y="1127125"/>
+          <a:ext cx="6403994" cy="5087409"/>
+        </p:xfrm>
+        <a:graphic>
+          <a:graphicData uri="http://schemas.openxmlformats.org/drawingml/2006/diagram">
+            <dgm:relIds xmlns:dgm="http://schemas.openxmlformats.org/drawingml/2006/diagram" xmlns:r="http://schemas.openxmlformats.org/officeDocument/2006/relationships" r:dm="rId3" r:lo="rId4" r:qs="rId5" r:cs="rId6"/>
+          </a:graphicData>
+        </a:graphic>
+      </p:graphicFrame>
     </p:spTree>
     <p:extLst>
       <p:ext uri="{BB962C8B-B14F-4D97-AF65-F5344CB8AC3E}">
@@ -20346,6 +27268,14 @@
 <file path=ppt/slides/slide19.xml><?xml version="1.0" encoding="utf-8"?>
 <p:sld xmlns:a="http://schemas.openxmlformats.org/drawingml/2006/main" xmlns:r="http://schemas.openxmlformats.org/officeDocument/2006/relationships" xmlns:p="http://schemas.openxmlformats.org/presentationml/2006/main">
   <p:cSld>
+    <p:bg>
+      <p:bgPr>
+        <a:solidFill>
+          <a:schemeClr val="bg1"/>
+        </a:solidFill>
+        <a:effectLst/>
+      </p:bgPr>
+    </p:bg>
     <p:spTree>
       <p:nvGrpSpPr>
         <p:cNvPr id="1" name=""/>
@@ -20360,12 +27290,117 @@
           <a:chExt cx="0" cy="0"/>
         </a:xfrm>
       </p:grpSpPr>
+      <p:sp useBgFill="1">
+        <p:nvSpPr>
+          <p:cNvPr id="10" name="Rectangle 9">
+            <a:extLst>
+              <a:ext uri="{FF2B5EF4-FFF2-40B4-BE49-F238E27FC236}">
+                <a16:creationId xmlns:a16="http://schemas.microsoft.com/office/drawing/2014/main" id="{30BD2399-7475-404C-BAC9-E55E1676926A}"/>
+              </a:ext>
+              <a:ext uri="{C183D7F6-B498-43B3-948B-1728B52AA6E4}">
+                <adec:decorative xmlns:adec="http://schemas.microsoft.com/office/drawing/2017/decorative" val="1"/>
+              </a:ext>
+            </a:extLst>
+          </p:cNvPr>
+          <p:cNvSpPr>
+            <a:spLocks noGrp="1" noRot="1" noChangeAspect="1" noMove="1" noResize="1" noEditPoints="1" noAdjustHandles="1" noChangeArrowheads="1" noChangeShapeType="1" noTextEdit="1"/>
+          </p:cNvSpPr>
+          <p:nvPr>
+            <p:extLst>
+              <p:ext uri="{386F3935-93C4-4BCD-93E2-E3B085C9AB24}">
+                <p16:designElem xmlns:p16="http://schemas.microsoft.com/office/powerpoint/2015/main" val="1"/>
+              </p:ext>
+            </p:extLst>
+          </p:nvPr>
+        </p:nvSpPr>
+        <p:spPr>
+          <a:xfrm>
+            <a:off x="0" y="0"/>
+            <a:ext cx="12192000" cy="6858000"/>
+          </a:xfrm>
+          <a:prstGeom prst="rect">
+            <a:avLst/>
+          </a:prstGeom>
+          <a:ln>
+            <a:noFill/>
+          </a:ln>
+        </p:spPr>
+        <p:style>
+          <a:lnRef idx="2">
+            <a:schemeClr val="accent1">
+              <a:shade val="50000"/>
+            </a:schemeClr>
+          </a:lnRef>
+          <a:fillRef idx="1">
+            <a:schemeClr val="accent1"/>
+          </a:fillRef>
+          <a:effectRef idx="0">
+            <a:schemeClr val="accent1"/>
+          </a:effectRef>
+          <a:fontRef idx="minor">
+            <a:schemeClr val="lt1"/>
+          </a:fontRef>
+        </p:style>
+        <p:txBody>
+          <a:bodyPr rtlCol="0" anchor="ctr"/>
+          <a:lstStyle/>
+          <a:p>
+            <a:pPr algn="ctr"/>
+            <a:endParaRPr lang="en-US"/>
+          </a:p>
+        </p:txBody>
+      </p:sp>
+      <p:pic>
+        <p:nvPicPr>
+          <p:cNvPr id="12" name="Picture 11">
+            <a:extLst>
+              <a:ext uri="{FF2B5EF4-FFF2-40B4-BE49-F238E27FC236}">
+                <a16:creationId xmlns:a16="http://schemas.microsoft.com/office/drawing/2014/main" id="{0D748104-6E76-4AD9-9940-82154F97E7C1}"/>
+              </a:ext>
+              <a:ext uri="{C183D7F6-B498-43B3-948B-1728B52AA6E4}">
+                <adec:decorative xmlns:adec="http://schemas.microsoft.com/office/drawing/2017/decorative" val="1"/>
+              </a:ext>
+            </a:extLst>
+          </p:cNvPr>
+          <p:cNvPicPr>
+            <a:picLocks noGrp="1" noRot="1" noChangeAspect="1" noMove="1" noResize="1" noEditPoints="1" noAdjustHandles="1" noChangeArrowheads="1" noChangeShapeType="1" noCrop="1"/>
+          </p:cNvPicPr>
+          <p:nvPr>
+            <p:extLst>
+              <p:ext uri="{386F3935-93C4-4BCD-93E2-E3B085C9AB24}">
+                <p16:designElem xmlns:p16="http://schemas.microsoft.com/office/powerpoint/2015/main" val="1"/>
+              </p:ext>
+            </p:extLst>
+          </p:nvPr>
+        </p:nvPicPr>
+        <p:blipFill>
+          <a:blip r:embed="rId2">
+            <a:extLst>
+              <a:ext uri="{28A0092B-C50C-407E-A947-70E740481C1C}">
+                <a14:useLocalDpi xmlns:a14="http://schemas.microsoft.com/office/drawing/2010/main" val="0"/>
+              </a:ext>
+            </a:extLst>
+          </a:blip>
+          <a:stretch>
+            <a:fillRect/>
+          </a:stretch>
+        </p:blipFill>
+        <p:spPr>
+          <a:xfrm>
+            <a:off x="0" y="0"/>
+            <a:ext cx="12192000" cy="1441450"/>
+          </a:xfrm>
+          <a:prstGeom prst="rect">
+            <a:avLst/>
+          </a:prstGeom>
+        </p:spPr>
+      </p:pic>
       <p:sp>
         <p:nvSpPr>
           <p:cNvPr id="2" name="Title 1">
             <a:extLst>
               <a:ext uri="{FF2B5EF4-FFF2-40B4-BE49-F238E27FC236}">
-                <a16:creationId xmlns:a16="http://schemas.microsoft.com/office/drawing/2014/main" id="{60FBE992-B63A-4C88-B8A4-BFA1087398DD}"/>
+                <a16:creationId xmlns:a16="http://schemas.microsoft.com/office/drawing/2014/main" id="{5052E9FB-DC39-423A-90AC-FE4A3A6F86F3}"/>
               </a:ext>
             </a:extLst>
           </p:cNvPr>
@@ -20376,80 +27411,60 @@
             <p:ph type="title"/>
           </p:nvPr>
         </p:nvSpPr>
-        <p:spPr/>
+        <p:spPr>
+          <a:xfrm>
+            <a:off x="685800" y="1066163"/>
+            <a:ext cx="3306744" cy="5148371"/>
+          </a:xfrm>
+        </p:spPr>
         <p:txBody>
-          <a:bodyPr/>
+          <a:bodyPr>
+            <a:normAutofit/>
+          </a:bodyPr>
           <a:lstStyle/>
           <a:p>
             <a:r>
-              <a:rPr lang="en-CA" dirty="0"/>
-              <a:t>Solution 1</a:t>
+              <a:rPr lang="en-CA" sz="3200"/>
+              <a:t>Goals</a:t>
             </a:r>
           </a:p>
         </p:txBody>
       </p:sp>
-      <p:sp>
-        <p:nvSpPr>
-          <p:cNvPr id="3" name="Content Placeholder 2">
+      <p:graphicFrame>
+        <p:nvGraphicFramePr>
+          <p:cNvPr id="5" name="Content Placeholder 2">
             <a:extLst>
               <a:ext uri="{FF2B5EF4-FFF2-40B4-BE49-F238E27FC236}">
-                <a16:creationId xmlns:a16="http://schemas.microsoft.com/office/drawing/2014/main" id="{F44E741A-FE57-4D53-865D-34CC64A6F4D1}"/>
+                <a16:creationId xmlns:a16="http://schemas.microsoft.com/office/drawing/2014/main" id="{68FB55A3-52E2-4BE4-AA93-D0BAC8E50259}"/>
               </a:ext>
             </a:extLst>
           </p:cNvPr>
-          <p:cNvSpPr>
-            <a:spLocks noGrp="1"/>
-          </p:cNvSpPr>
+          <p:cNvGraphicFramePr>
+            <a:graphicFrameLocks noGrp="1"/>
+          </p:cNvGraphicFramePr>
           <p:nvPr>
             <p:ph idx="1"/>
+            <p:extLst>
+              <p:ext uri="{D42A27DB-BD31-4B8C-83A1-F6EECF244321}">
+                <p14:modId xmlns:p14="http://schemas.microsoft.com/office/powerpoint/2010/main" val="1816962562"/>
+              </p:ext>
+            </p:extLst>
           </p:nvPr>
-        </p:nvSpPr>
-        <p:spPr/>
-        <p:txBody>
-          <a:bodyPr/>
-          <a:lstStyle/>
-          <a:p>
-            <a:r>
-              <a:rPr lang="en-CA" dirty="0"/>
-              <a:t>Provide a legal resource for player-managers that will contain:</a:t>
-            </a:r>
-          </a:p>
-          <a:p>
-            <a:r>
-              <a:rPr lang="en-CA" dirty="0"/>
-              <a:t>-legal documentation</a:t>
-            </a:r>
-          </a:p>
-          <a:p>
-            <a:r>
-              <a:rPr lang="en-CA" dirty="0"/>
-              <a:t>-labor law documentation.</a:t>
-            </a:r>
-          </a:p>
-          <a:p>
-            <a:r>
-              <a:rPr lang="en-CA" dirty="0"/>
-              <a:t>-Attorney contact.</a:t>
-            </a:r>
-          </a:p>
-          <a:p>
-            <a:r>
-              <a:rPr lang="en-CA" dirty="0"/>
-              <a:t>-contract aide.</a:t>
-            </a:r>
-          </a:p>
-          <a:p>
-            <a:pPr marL="0" indent="0">
-              <a:buNone/>
-            </a:pPr>
-            <a:endParaRPr lang="en-CA" dirty="0"/>
-          </a:p>
-        </p:txBody>
-      </p:sp>
+        </p:nvGraphicFramePr>
+        <p:xfrm>
+          <a:off x="4678344" y="1127125"/>
+          <a:ext cx="6403994" cy="5087409"/>
+        </p:xfrm>
+        <a:graphic>
+          <a:graphicData uri="http://schemas.openxmlformats.org/drawingml/2006/diagram">
+            <dgm:relIds xmlns:dgm="http://schemas.openxmlformats.org/drawingml/2006/diagram" xmlns:r="http://schemas.openxmlformats.org/officeDocument/2006/relationships" r:dm="rId3" r:lo="rId4" r:qs="rId5" r:cs="rId6"/>
+          </a:graphicData>
+        </a:graphic>
+      </p:graphicFrame>
     </p:spTree>
     <p:extLst>
       <p:ext uri="{BB962C8B-B14F-4D97-AF65-F5344CB8AC3E}">
-        <p14:creationId xmlns:p14="http://schemas.microsoft.com/office/powerpoint/2010/main" val="882208448"/>
+        <p14:creationId xmlns:p14="http://schemas.microsoft.com/office/powerpoint/2010/main" val="3549101446"/>
       </p:ext>
     </p:extLst>
   </p:cSld>
@@ -20789,6 +27804,933 @@
 <file path=ppt/slides/slide20.xml><?xml version="1.0" encoding="utf-8"?>
 <p:sld xmlns:a="http://schemas.openxmlformats.org/drawingml/2006/main" xmlns:r="http://schemas.openxmlformats.org/officeDocument/2006/relationships" xmlns:p="http://schemas.openxmlformats.org/presentationml/2006/main">
   <p:cSld>
+    <p:bg>
+      <p:bgPr>
+        <a:solidFill>
+          <a:schemeClr val="bg1"/>
+        </a:solidFill>
+        <a:effectLst/>
+      </p:bgPr>
+    </p:bg>
+    <p:spTree>
+      <p:nvGrpSpPr>
+        <p:cNvPr id="1" name=""/>
+        <p:cNvGrpSpPr/>
+        <p:nvPr/>
+      </p:nvGrpSpPr>
+      <p:grpSpPr>
+        <a:xfrm>
+          <a:off x="0" y="0"/>
+          <a:ext cx="0" cy="0"/>
+          <a:chOff x="0" y="0"/>
+          <a:chExt cx="0" cy="0"/>
+        </a:xfrm>
+      </p:grpSpPr>
+      <p:sp>
+        <p:nvSpPr>
+          <p:cNvPr id="13" name="Rounded Rectangle 14">
+            <a:extLst>
+              <a:ext uri="{FF2B5EF4-FFF2-40B4-BE49-F238E27FC236}">
+                <a16:creationId xmlns:a16="http://schemas.microsoft.com/office/drawing/2014/main" id="{637BD688-14A6-4B96-B8A2-3CD81C054FCE}"/>
+              </a:ext>
+              <a:ext uri="{C183D7F6-B498-43B3-948B-1728B52AA6E4}">
+                <adec:decorative xmlns:adec="http://schemas.microsoft.com/office/drawing/2017/decorative" val="1"/>
+              </a:ext>
+            </a:extLst>
+          </p:cNvPr>
+          <p:cNvSpPr>
+            <a:spLocks noGrp="1" noRot="1" noChangeAspect="1" noMove="1" noResize="1" noEditPoints="1" noAdjustHandles="1" noChangeArrowheads="1" noChangeShapeType="1" noTextEdit="1"/>
+          </p:cNvSpPr>
+          <p:nvPr>
+            <p:extLst>
+              <p:ext uri="{386F3935-93C4-4BCD-93E2-E3B085C9AB24}">
+                <p16:designElem xmlns:p16="http://schemas.microsoft.com/office/powerpoint/2015/main" val="1"/>
+              </p:ext>
+            </p:extLst>
+          </p:nvPr>
+        </p:nvSpPr>
+        <p:spPr>
+          <a:xfrm>
+            <a:off x="4636008" y="0"/>
+            <a:ext cx="7555992" cy="6858000"/>
+          </a:xfrm>
+          <a:prstGeom prst="rect">
+            <a:avLst/>
+          </a:prstGeom>
+          <a:solidFill>
+            <a:schemeClr val="bg2"/>
+          </a:solidFill>
+          <a:ln>
+            <a:noFill/>
+          </a:ln>
+          <a:effectLst/>
+        </p:spPr>
+        <p:style>
+          <a:lnRef idx="2">
+            <a:schemeClr val="accent1">
+              <a:shade val="50000"/>
+            </a:schemeClr>
+          </a:lnRef>
+          <a:fillRef idx="1">
+            <a:schemeClr val="accent1"/>
+          </a:fillRef>
+          <a:effectRef idx="0">
+            <a:schemeClr val="accent1"/>
+          </a:effectRef>
+          <a:fontRef idx="minor">
+            <a:schemeClr val="lt1"/>
+          </a:fontRef>
+        </p:style>
+        <p:txBody>
+          <a:bodyPr rtlCol="0" anchor="ctr"/>
+          <a:lstStyle/>
+          <a:p>
+            <a:pPr marL="0" marR="0" lvl="0" indent="0" algn="ctr" defTabSz="457200" rtl="0" eaLnBrk="1" fontAlgn="auto" latinLnBrk="0" hangingPunct="1">
+              <a:lnSpc>
+                <a:spcPct val="100000"/>
+              </a:lnSpc>
+              <a:spcBef>
+                <a:spcPts val="0"/>
+              </a:spcBef>
+              <a:spcAft>
+                <a:spcPts val="0"/>
+              </a:spcAft>
+              <a:buClrTx/>
+              <a:buSzTx/>
+              <a:buFontTx/>
+              <a:buNone/>
+              <a:tabLst/>
+              <a:defRPr/>
+            </a:pPr>
+            <a:endParaRPr kumimoji="0" lang="en-US" sz="1800" b="0" i="0" u="none" strike="noStrike" kern="1200" cap="none" spc="0" normalizeH="0" baseline="0" noProof="0">
+              <a:ln>
+                <a:noFill/>
+              </a:ln>
+              <a:solidFill>
+                <a:prstClr val="white"/>
+              </a:solidFill>
+              <a:effectLst/>
+              <a:uLnTx/>
+              <a:uFillTx/>
+              <a:latin typeface="Century Gothic" panose="020B0502020202020204"/>
+              <a:ea typeface="+mn-ea"/>
+              <a:cs typeface="+mn-cs"/>
+            </a:endParaRPr>
+          </a:p>
+        </p:txBody>
+      </p:sp>
+      <p:sp useBgFill="1">
+        <p:nvSpPr>
+          <p:cNvPr id="14" name="Rectangle 9">
+            <a:extLst>
+              <a:ext uri="{FF2B5EF4-FFF2-40B4-BE49-F238E27FC236}">
+                <a16:creationId xmlns:a16="http://schemas.microsoft.com/office/drawing/2014/main" id="{B7B2544F-CA5E-40F6-9525-716A90C83FC5}"/>
+              </a:ext>
+              <a:ext uri="{C183D7F6-B498-43B3-948B-1728B52AA6E4}">
+                <adec:decorative xmlns:adec="http://schemas.microsoft.com/office/drawing/2017/decorative" val="1"/>
+              </a:ext>
+            </a:extLst>
+          </p:cNvPr>
+          <p:cNvSpPr>
+            <a:spLocks noGrp="1" noRot="1" noChangeAspect="1" noMove="1" noResize="1" noEditPoints="1" noAdjustHandles="1" noChangeArrowheads="1" noChangeShapeType="1" noTextEdit="1"/>
+          </p:cNvSpPr>
+          <p:nvPr>
+            <p:extLst>
+              <p:ext uri="{386F3935-93C4-4BCD-93E2-E3B085C9AB24}">
+                <p16:designElem xmlns:p16="http://schemas.microsoft.com/office/powerpoint/2015/main" val="1"/>
+              </p:ext>
+            </p:extLst>
+          </p:nvPr>
+        </p:nvSpPr>
+        <p:spPr>
+          <a:xfrm>
+            <a:off x="0" y="0"/>
+            <a:ext cx="4636008" cy="6858000"/>
+          </a:xfrm>
+          <a:prstGeom prst="rect">
+            <a:avLst/>
+          </a:prstGeom>
+          <a:ln>
+            <a:noFill/>
+          </a:ln>
+          <a:effectLst>
+            <a:outerShdw blurRad="63500" dist="38100" algn="l" rotWithShape="0">
+              <a:prstClr val="black">
+                <a:alpha val="40000"/>
+              </a:prstClr>
+            </a:outerShdw>
+          </a:effectLst>
+        </p:spPr>
+        <p:style>
+          <a:lnRef idx="2">
+            <a:schemeClr val="accent1">
+              <a:shade val="50000"/>
+            </a:schemeClr>
+          </a:lnRef>
+          <a:fillRef idx="1">
+            <a:schemeClr val="accent1"/>
+          </a:fillRef>
+          <a:effectRef idx="0">
+            <a:schemeClr val="accent1"/>
+          </a:effectRef>
+          <a:fontRef idx="minor">
+            <a:schemeClr val="lt1"/>
+          </a:fontRef>
+        </p:style>
+        <p:txBody>
+          <a:bodyPr rtlCol="0" anchor="ctr"/>
+          <a:lstStyle/>
+          <a:p>
+            <a:pPr marL="0" marR="0" lvl="0" indent="0" algn="ctr" defTabSz="457200" rtl="0" eaLnBrk="1" fontAlgn="auto" latinLnBrk="0" hangingPunct="1">
+              <a:lnSpc>
+                <a:spcPct val="100000"/>
+              </a:lnSpc>
+              <a:spcBef>
+                <a:spcPts val="0"/>
+              </a:spcBef>
+              <a:spcAft>
+                <a:spcPts val="0"/>
+              </a:spcAft>
+              <a:buClrTx/>
+              <a:buSzTx/>
+              <a:buFontTx/>
+              <a:buNone/>
+              <a:tabLst/>
+              <a:defRPr/>
+            </a:pPr>
+            <a:endParaRPr kumimoji="0" lang="en-US" sz="1800" b="0" i="0" u="none" strike="noStrike" kern="1200" cap="none" spc="0" normalizeH="0" baseline="0" noProof="0">
+              <a:ln>
+                <a:noFill/>
+              </a:ln>
+              <a:solidFill>
+                <a:prstClr val="white"/>
+              </a:solidFill>
+              <a:effectLst/>
+              <a:uLnTx/>
+              <a:uFillTx/>
+              <a:latin typeface="Century Gothic" panose="020B0502020202020204"/>
+              <a:ea typeface="+mn-ea"/>
+              <a:cs typeface="+mn-cs"/>
+            </a:endParaRPr>
+          </a:p>
+        </p:txBody>
+      </p:sp>
+      <p:pic>
+        <p:nvPicPr>
+          <p:cNvPr id="12" name="Picture 11">
+            <a:extLst>
+              <a:ext uri="{FF2B5EF4-FFF2-40B4-BE49-F238E27FC236}">
+                <a16:creationId xmlns:a16="http://schemas.microsoft.com/office/drawing/2014/main" id="{D2B93162-635C-46F5-97EC-E98C1659F1F0}"/>
+              </a:ext>
+              <a:ext uri="{C183D7F6-B498-43B3-948B-1728B52AA6E4}">
+                <adec:decorative xmlns:adec="http://schemas.microsoft.com/office/drawing/2017/decorative" val="1"/>
+              </a:ext>
+            </a:extLst>
+          </p:cNvPr>
+          <p:cNvPicPr>
+            <a:picLocks noGrp="1" noRot="1" noChangeAspect="1" noMove="1" noResize="1" noEditPoints="1" noAdjustHandles="1" noChangeArrowheads="1" noChangeShapeType="1" noCrop="1"/>
+          </p:cNvPicPr>
+          <p:nvPr>
+            <p:extLst>
+              <p:ext uri="{386F3935-93C4-4BCD-93E2-E3B085C9AB24}">
+                <p16:designElem xmlns:p16="http://schemas.microsoft.com/office/powerpoint/2015/main" val="1"/>
+              </p:ext>
+            </p:extLst>
+          </p:nvPr>
+        </p:nvPicPr>
+        <p:blipFill rotWithShape="1">
+          <a:blip r:embed="rId2">
+            <a:extLst>
+              <a:ext uri="{28A0092B-C50C-407E-A947-70E740481C1C}">
+                <a14:useLocalDpi xmlns:a14="http://schemas.microsoft.com/office/drawing/2010/main" val="0"/>
+              </a:ext>
+            </a:extLst>
+          </a:blip>
+          <a:srcRect r="61975"/>
+          <a:stretch/>
+        </p:blipFill>
+        <p:spPr>
+          <a:xfrm>
+            <a:off x="0" y="4375150"/>
+            <a:ext cx="4636008" cy="2482850"/>
+          </a:xfrm>
+          <a:prstGeom prst="rect">
+            <a:avLst/>
+          </a:prstGeom>
+        </p:spPr>
+      </p:pic>
+      <p:sp>
+        <p:nvSpPr>
+          <p:cNvPr id="2" name="Title 1">
+            <a:extLst>
+              <a:ext uri="{FF2B5EF4-FFF2-40B4-BE49-F238E27FC236}">
+                <a16:creationId xmlns:a16="http://schemas.microsoft.com/office/drawing/2014/main" id="{5052E9FB-DC39-423A-90AC-FE4A3A6F86F3}"/>
+              </a:ext>
+            </a:extLst>
+          </p:cNvPr>
+          <p:cNvSpPr>
+            <a:spLocks noGrp="1"/>
+          </p:cNvSpPr>
+          <p:nvPr>
+            <p:ph type="title"/>
+          </p:nvPr>
+        </p:nvSpPr>
+        <p:spPr>
+          <a:xfrm>
+            <a:off x="665922" y="987287"/>
+            <a:ext cx="3548269" cy="4697896"/>
+          </a:xfrm>
+        </p:spPr>
+        <p:txBody>
+          <a:bodyPr>
+            <a:normAutofit/>
+          </a:bodyPr>
+          <a:lstStyle/>
+          <a:p>
+            <a:r>
+              <a:rPr lang="en-CA" sz="3600" dirty="0"/>
+              <a:t>Needs</a:t>
+            </a:r>
+          </a:p>
+        </p:txBody>
+      </p:sp>
+      <p:sp>
+        <p:nvSpPr>
+          <p:cNvPr id="3" name="Content Placeholder 2">
+            <a:extLst>
+              <a:ext uri="{FF2B5EF4-FFF2-40B4-BE49-F238E27FC236}">
+                <a16:creationId xmlns:a16="http://schemas.microsoft.com/office/drawing/2014/main" id="{0FEDF32F-3E49-424C-BB0E-E68353F38682}"/>
+              </a:ext>
+            </a:extLst>
+          </p:cNvPr>
+          <p:cNvSpPr>
+            <a:spLocks noGrp="1"/>
+          </p:cNvSpPr>
+          <p:nvPr>
+            <p:ph idx="1"/>
+          </p:nvPr>
+        </p:nvSpPr>
+        <p:spPr>
+          <a:xfrm>
+            <a:off x="5057825" y="987287"/>
+            <a:ext cx="5755949" cy="4697895"/>
+          </a:xfrm>
+        </p:spPr>
+        <p:txBody>
+          <a:bodyPr anchor="ctr">
+            <a:normAutofit/>
+          </a:bodyPr>
+          <a:lstStyle/>
+          <a:p>
+            <a:r>
+              <a:rPr lang="en-CA" sz="1800"/>
+              <a:t>A resource for labor law information</a:t>
+            </a:r>
+          </a:p>
+          <a:p>
+            <a:r>
+              <a:rPr lang="en-CA" sz="1800"/>
+              <a:t>Technical information regarding business practices in the e-sports industry</a:t>
+            </a:r>
+          </a:p>
+          <a:p>
+            <a:r>
+              <a:rPr lang="en-CA" sz="1800"/>
+              <a:t>Access to professionals in the field of business and law </a:t>
+            </a:r>
+          </a:p>
+        </p:txBody>
+      </p:sp>
+    </p:spTree>
+    <p:extLst>
+      <p:ext uri="{BB962C8B-B14F-4D97-AF65-F5344CB8AC3E}">
+        <p14:creationId xmlns:p14="http://schemas.microsoft.com/office/powerpoint/2010/main" val="2321186269"/>
+      </p:ext>
+    </p:extLst>
+  </p:cSld>
+  <p:clrMapOvr>
+    <a:masterClrMapping/>
+  </p:clrMapOvr>
+</p:sld>
+</file>
+
+<file path=ppt/slides/slide21.xml><?xml version="1.0" encoding="utf-8"?>
+<p:sld xmlns:a="http://schemas.openxmlformats.org/drawingml/2006/main" xmlns:r="http://schemas.openxmlformats.org/officeDocument/2006/relationships" xmlns:p="http://schemas.openxmlformats.org/presentationml/2006/main">
+  <p:cSld>
+    <p:bg>
+      <p:bgPr>
+        <a:gradFill rotWithShape="1">
+          <a:gsLst>
+            <a:gs pos="0">
+              <a:schemeClr val="bg1">
+                <a:tint val="93000"/>
+                <a:shade val="98000"/>
+                <a:satMod val="150000"/>
+                <a:lumMod val="102000"/>
+              </a:schemeClr>
+            </a:gs>
+            <a:gs pos="50000">
+              <a:schemeClr val="bg1">
+                <a:tint val="98000"/>
+                <a:shade val="90000"/>
+                <a:satMod val="130000"/>
+                <a:lumMod val="103000"/>
+              </a:schemeClr>
+            </a:gs>
+            <a:gs pos="100000">
+              <a:schemeClr val="bg1">
+                <a:shade val="63000"/>
+                <a:satMod val="120000"/>
+              </a:schemeClr>
+            </a:gs>
+          </a:gsLst>
+          <a:lin ang="5400000" scaled="0"/>
+        </a:gradFill>
+        <a:effectLst/>
+      </p:bgPr>
+    </p:bg>
+    <p:spTree>
+      <p:nvGrpSpPr>
+        <p:cNvPr id="1" name=""/>
+        <p:cNvGrpSpPr/>
+        <p:nvPr/>
+      </p:nvGrpSpPr>
+      <p:grpSpPr>
+        <a:xfrm>
+          <a:off x="0" y="0"/>
+          <a:ext cx="0" cy="0"/>
+          <a:chOff x="0" y="0"/>
+          <a:chExt cx="0" cy="0"/>
+        </a:xfrm>
+      </p:grpSpPr>
+      <p:sp useBgFill="1">
+        <p:nvSpPr>
+          <p:cNvPr id="8" name="Rectangle 7">
+            <a:extLst>
+              <a:ext uri="{FF2B5EF4-FFF2-40B4-BE49-F238E27FC236}">
+                <a16:creationId xmlns:a16="http://schemas.microsoft.com/office/drawing/2014/main" id="{26A3F16E-CC60-4737-8CBB-9568A351D30B}"/>
+              </a:ext>
+              <a:ext uri="{C183D7F6-B498-43B3-948B-1728B52AA6E4}">
+                <adec:decorative xmlns:adec="http://schemas.microsoft.com/office/drawing/2017/decorative" val="1"/>
+              </a:ext>
+            </a:extLst>
+          </p:cNvPr>
+          <p:cNvSpPr>
+            <a:spLocks noGrp="1" noRot="1" noChangeAspect="1" noMove="1" noResize="1" noEditPoints="1" noAdjustHandles="1" noChangeArrowheads="1" noChangeShapeType="1" noTextEdit="1"/>
+          </p:cNvSpPr>
+          <p:nvPr>
+            <p:extLst>
+              <p:ext uri="{386F3935-93C4-4BCD-93E2-E3B085C9AB24}">
+                <p16:designElem xmlns:p16="http://schemas.microsoft.com/office/powerpoint/2015/main" val="1"/>
+              </p:ext>
+            </p:extLst>
+          </p:nvPr>
+        </p:nvSpPr>
+        <p:spPr>
+          <a:xfrm>
+            <a:off x="0" y="0"/>
+            <a:ext cx="12192000" cy="6858000"/>
+          </a:xfrm>
+          <a:prstGeom prst="rect">
+            <a:avLst/>
+          </a:prstGeom>
+          <a:ln>
+            <a:noFill/>
+          </a:ln>
+        </p:spPr>
+        <p:style>
+          <a:lnRef idx="2">
+            <a:schemeClr val="accent1">
+              <a:shade val="50000"/>
+            </a:schemeClr>
+          </a:lnRef>
+          <a:fillRef idx="1">
+            <a:schemeClr val="accent1"/>
+          </a:fillRef>
+          <a:effectRef idx="0">
+            <a:schemeClr val="accent1"/>
+          </a:effectRef>
+          <a:fontRef idx="minor">
+            <a:schemeClr val="lt1"/>
+          </a:fontRef>
+        </p:style>
+        <p:txBody>
+          <a:bodyPr rtlCol="0" anchor="ctr"/>
+          <a:lstStyle/>
+          <a:p>
+            <a:pPr algn="ctr"/>
+            <a:endParaRPr lang="en-US"/>
+          </a:p>
+        </p:txBody>
+      </p:sp>
+      <p:sp>
+        <p:nvSpPr>
+          <p:cNvPr id="2" name="Title 1">
+            <a:extLst>
+              <a:ext uri="{FF2B5EF4-FFF2-40B4-BE49-F238E27FC236}">
+                <a16:creationId xmlns:a16="http://schemas.microsoft.com/office/drawing/2014/main" id="{5052E9FB-DC39-423A-90AC-FE4A3A6F86F3}"/>
+              </a:ext>
+            </a:extLst>
+          </p:cNvPr>
+          <p:cNvSpPr>
+            <a:spLocks noGrp="1"/>
+          </p:cNvSpPr>
+          <p:nvPr>
+            <p:ph type="title"/>
+          </p:nvPr>
+        </p:nvSpPr>
+        <p:spPr>
+          <a:xfrm>
+            <a:off x="4090507" y="764372"/>
+            <a:ext cx="7434070" cy="1432289"/>
+          </a:xfrm>
+        </p:spPr>
+        <p:txBody>
+          <a:bodyPr>
+            <a:normAutofit/>
+          </a:bodyPr>
+          <a:lstStyle/>
+          <a:p>
+            <a:r>
+              <a:rPr lang="en-CA" dirty="0"/>
+              <a:t>Frustrations</a:t>
+            </a:r>
+          </a:p>
+        </p:txBody>
+      </p:sp>
+      <p:sp>
+        <p:nvSpPr>
+          <p:cNvPr id="10" name="Rectangle 9">
+            <a:extLst>
+              <a:ext uri="{FF2B5EF4-FFF2-40B4-BE49-F238E27FC236}">
+                <a16:creationId xmlns:a16="http://schemas.microsoft.com/office/drawing/2014/main" id="{C0DABE73-66EA-42B0-AB0A-9FB1C0AD7AEB}"/>
+              </a:ext>
+              <a:ext uri="{C183D7F6-B498-43B3-948B-1728B52AA6E4}">
+                <adec:decorative xmlns:adec="http://schemas.microsoft.com/office/drawing/2017/decorative" val="1"/>
+              </a:ext>
+            </a:extLst>
+          </p:cNvPr>
+          <p:cNvSpPr>
+            <a:spLocks noGrp="1" noRot="1" noChangeAspect="1" noMove="1" noResize="1" noEditPoints="1" noAdjustHandles="1" noChangeArrowheads="1" noChangeShapeType="1" noTextEdit="1"/>
+          </p:cNvSpPr>
+          <p:nvPr>
+            <p:extLst>
+              <p:ext uri="{386F3935-93C4-4BCD-93E2-E3B085C9AB24}">
+                <p16:designElem xmlns:p16="http://schemas.microsoft.com/office/powerpoint/2015/main" val="1"/>
+              </p:ext>
+            </p:extLst>
+          </p:nvPr>
+        </p:nvSpPr>
+        <p:spPr>
+          <a:xfrm>
+            <a:off x="0" y="0"/>
+            <a:ext cx="3406393" cy="6858000"/>
+          </a:xfrm>
+          <a:prstGeom prst="rect">
+            <a:avLst/>
+          </a:prstGeom>
+          <a:gradFill flip="none" rotWithShape="1">
+            <a:gsLst>
+              <a:gs pos="0">
+                <a:schemeClr val="accent1">
+                  <a:lumMod val="89000"/>
+                </a:schemeClr>
+              </a:gs>
+              <a:gs pos="23000">
+                <a:schemeClr val="accent1">
+                  <a:lumMod val="89000"/>
+                </a:schemeClr>
+              </a:gs>
+              <a:gs pos="69000">
+                <a:schemeClr val="accent1">
+                  <a:lumMod val="75000"/>
+                </a:schemeClr>
+              </a:gs>
+              <a:gs pos="97000">
+                <a:schemeClr val="accent1">
+                  <a:lumMod val="70000"/>
+                </a:schemeClr>
+              </a:gs>
+            </a:gsLst>
+            <a:path path="circle">
+              <a:fillToRect l="50000" t="50000" r="50000" b="50000"/>
+            </a:path>
+            <a:tileRect/>
+          </a:gradFill>
+          <a:ln>
+            <a:noFill/>
+          </a:ln>
+          <a:effectLst>
+            <a:outerShdw blurRad="63500" dist="38100" algn="l" rotWithShape="0">
+              <a:prstClr val="black">
+                <a:alpha val="40000"/>
+              </a:prstClr>
+            </a:outerShdw>
+          </a:effectLst>
+        </p:spPr>
+        <p:style>
+          <a:lnRef idx="2">
+            <a:schemeClr val="accent1">
+              <a:shade val="50000"/>
+            </a:schemeClr>
+          </a:lnRef>
+          <a:fillRef idx="1">
+            <a:schemeClr val="accent1"/>
+          </a:fillRef>
+          <a:effectRef idx="0">
+            <a:schemeClr val="accent1"/>
+          </a:effectRef>
+          <a:fontRef idx="minor">
+            <a:schemeClr val="lt1"/>
+          </a:fontRef>
+        </p:style>
+        <p:txBody>
+          <a:bodyPr rtlCol="0" anchor="ctr"/>
+          <a:lstStyle/>
+          <a:p>
+            <a:pPr marL="0" marR="0" lvl="0" indent="0" algn="ctr" defTabSz="457200" rtl="0" eaLnBrk="1" fontAlgn="auto" latinLnBrk="0" hangingPunct="1">
+              <a:lnSpc>
+                <a:spcPct val="100000"/>
+              </a:lnSpc>
+              <a:spcBef>
+                <a:spcPts val="0"/>
+              </a:spcBef>
+              <a:spcAft>
+                <a:spcPts val="0"/>
+              </a:spcAft>
+              <a:buClrTx/>
+              <a:buSzTx/>
+              <a:buFontTx/>
+              <a:buNone/>
+              <a:tabLst/>
+              <a:defRPr/>
+            </a:pPr>
+            <a:endParaRPr kumimoji="0" lang="en-US" sz="1800" b="0" i="0" u="none" strike="noStrike" kern="1200" cap="none" spc="0" normalizeH="0" baseline="0" noProof="0">
+              <a:ln>
+                <a:noFill/>
+              </a:ln>
+              <a:solidFill>
+                <a:prstClr val="white"/>
+              </a:solidFill>
+              <a:effectLst/>
+              <a:uLnTx/>
+              <a:uFillTx/>
+              <a:latin typeface="Century Gothic" panose="020B0502020202020204"/>
+              <a:ea typeface="+mn-ea"/>
+              <a:cs typeface="+mn-cs"/>
+            </a:endParaRPr>
+          </a:p>
+        </p:txBody>
+      </p:sp>
+      <p:pic>
+        <p:nvPicPr>
+          <p:cNvPr id="12" name="Picture 11">
+            <a:extLst>
+              <a:ext uri="{FF2B5EF4-FFF2-40B4-BE49-F238E27FC236}">
+                <a16:creationId xmlns:a16="http://schemas.microsoft.com/office/drawing/2014/main" id="{1E4917B9-5D95-4999-9E13-3568EDD42343}"/>
+              </a:ext>
+              <a:ext uri="{C183D7F6-B498-43B3-948B-1728B52AA6E4}">
+                <adec:decorative xmlns:adec="http://schemas.microsoft.com/office/drawing/2017/decorative" val="1"/>
+              </a:ext>
+            </a:extLst>
+          </p:cNvPr>
+          <p:cNvPicPr>
+            <a:picLocks noGrp="1" noRot="1" noChangeAspect="1" noMove="1" noResize="1" noEditPoints="1" noAdjustHandles="1" noChangeArrowheads="1" noChangeShapeType="1" noCrop="1"/>
+          </p:cNvPicPr>
+          <p:nvPr>
+            <p:extLst>
+              <p:ext uri="{386F3935-93C4-4BCD-93E2-E3B085C9AB24}">
+                <p16:designElem xmlns:p16="http://schemas.microsoft.com/office/powerpoint/2015/main" val="1"/>
+              </p:ext>
+            </p:extLst>
+          </p:nvPr>
+        </p:nvPicPr>
+        <p:blipFill rotWithShape="1">
+          <a:blip r:embed="rId2">
+            <a:extLst>
+              <a:ext uri="{28A0092B-C50C-407E-A947-70E740481C1C}">
+                <a14:useLocalDpi xmlns:a14="http://schemas.microsoft.com/office/drawing/2010/main" val="0"/>
+              </a:ext>
+            </a:extLst>
+          </a:blip>
+          <a:srcRect t="-531" r="43746" b="531"/>
+          <a:stretch/>
+        </p:blipFill>
+        <p:spPr>
+          <a:xfrm rot="5400000" flipH="1" flipV="1">
+            <a:off x="-1264032" y="2187576"/>
+            <a:ext cx="6857999" cy="2482850"/>
+          </a:xfrm>
+          <a:prstGeom prst="rect">
+            <a:avLst/>
+          </a:prstGeom>
+        </p:spPr>
+      </p:pic>
+      <p:sp>
+        <p:nvSpPr>
+          <p:cNvPr id="3" name="Content Placeholder 2">
+            <a:extLst>
+              <a:ext uri="{FF2B5EF4-FFF2-40B4-BE49-F238E27FC236}">
+                <a16:creationId xmlns:a16="http://schemas.microsoft.com/office/drawing/2014/main" id="{0FEDF32F-3E49-424C-BB0E-E68353F38682}"/>
+              </a:ext>
+            </a:extLst>
+          </p:cNvPr>
+          <p:cNvSpPr>
+            <a:spLocks noGrp="1"/>
+          </p:cNvSpPr>
+          <p:nvPr>
+            <p:ph idx="1"/>
+          </p:nvPr>
+        </p:nvSpPr>
+        <p:spPr>
+          <a:xfrm>
+            <a:off x="4090507" y="2628900"/>
+            <a:ext cx="7454077" cy="3589785"/>
+          </a:xfrm>
+        </p:spPr>
+        <p:txBody>
+          <a:bodyPr>
+            <a:normAutofit/>
+          </a:bodyPr>
+          <a:lstStyle/>
+          <a:p>
+            <a:r>
+              <a:rPr lang="en-CA" sz="2000"/>
+              <a:t>Rapid growth in the e-sports industry has lead to gaps in information barrier for players and the people running the organization</a:t>
+            </a:r>
+          </a:p>
+          <a:p>
+            <a:r>
+              <a:rPr lang="en-CA" sz="2000"/>
+              <a:t>Was put in a role that he is doesn’t have the required business/ legal know –how</a:t>
+            </a:r>
+          </a:p>
+          <a:p>
+            <a:r>
+              <a:rPr lang="en-CA" sz="2000"/>
+              <a:t>Lack of structure revolving around contracts, lifestyle, and work ethic of players.</a:t>
+            </a:r>
+          </a:p>
+          <a:p>
+            <a:endParaRPr lang="en-CA" sz="2000"/>
+          </a:p>
+        </p:txBody>
+      </p:sp>
+    </p:spTree>
+    <p:extLst>
+      <p:ext uri="{BB962C8B-B14F-4D97-AF65-F5344CB8AC3E}">
+        <p14:creationId xmlns:p14="http://schemas.microsoft.com/office/powerpoint/2010/main" val="4048935969"/>
+      </p:ext>
+    </p:extLst>
+  </p:cSld>
+  <p:clrMapOvr>
+    <a:overrideClrMapping bg1="lt1" tx1="dk1" bg2="lt2" tx2="dk2" accent1="accent1" accent2="accent2" accent3="accent3" accent4="accent4" accent5="accent5" accent6="accent6" hlink="hlink" folHlink="folHlink"/>
+  </p:clrMapOvr>
+</p:sld>
+</file>
+
+<file path=ppt/slides/slide22.xml><?xml version="1.0" encoding="utf-8"?>
+<p:sld xmlns:a="http://schemas.openxmlformats.org/drawingml/2006/main" xmlns:r="http://schemas.openxmlformats.org/officeDocument/2006/relationships" xmlns:p="http://schemas.openxmlformats.org/presentationml/2006/main">
+  <p:cSld>
+    <p:spTree>
+      <p:nvGrpSpPr>
+        <p:cNvPr id="1" name=""/>
+        <p:cNvGrpSpPr/>
+        <p:nvPr/>
+      </p:nvGrpSpPr>
+      <p:grpSpPr>
+        <a:xfrm>
+          <a:off x="0" y="0"/>
+          <a:ext cx="0" cy="0"/>
+          <a:chOff x="0" y="0"/>
+          <a:chExt cx="0" cy="0"/>
+        </a:xfrm>
+      </p:grpSpPr>
+      <p:sp>
+        <p:nvSpPr>
+          <p:cNvPr id="2" name="Title 1">
+            <a:extLst>
+              <a:ext uri="{FF2B5EF4-FFF2-40B4-BE49-F238E27FC236}">
+                <a16:creationId xmlns:a16="http://schemas.microsoft.com/office/drawing/2014/main" id="{5052E9FB-DC39-423A-90AC-FE4A3A6F86F3}"/>
+              </a:ext>
+            </a:extLst>
+          </p:cNvPr>
+          <p:cNvSpPr>
+            <a:spLocks noGrp="1"/>
+          </p:cNvSpPr>
+          <p:nvPr>
+            <p:ph type="title"/>
+          </p:nvPr>
+        </p:nvSpPr>
+        <p:spPr/>
+        <p:txBody>
+          <a:bodyPr/>
+          <a:lstStyle/>
+          <a:p>
+            <a:r>
+              <a:rPr lang="en-CA" dirty="0"/>
+              <a:t>Talk to your user</a:t>
+            </a:r>
+          </a:p>
+        </p:txBody>
+      </p:sp>
+      <p:sp>
+        <p:nvSpPr>
+          <p:cNvPr id="3" name="Content Placeholder 2">
+            <a:extLst>
+              <a:ext uri="{FF2B5EF4-FFF2-40B4-BE49-F238E27FC236}">
+                <a16:creationId xmlns:a16="http://schemas.microsoft.com/office/drawing/2014/main" id="{0FEDF32F-3E49-424C-BB0E-E68353F38682}"/>
+              </a:ext>
+            </a:extLst>
+          </p:cNvPr>
+          <p:cNvSpPr>
+            <a:spLocks noGrp="1"/>
+          </p:cNvSpPr>
+          <p:nvPr>
+            <p:ph idx="1"/>
+          </p:nvPr>
+        </p:nvSpPr>
+        <p:spPr/>
+        <p:txBody>
+          <a:bodyPr/>
+          <a:lstStyle/>
+          <a:p>
+            <a:endParaRPr lang="en-CA" dirty="0"/>
+          </a:p>
+        </p:txBody>
+      </p:sp>
+    </p:spTree>
+    <p:extLst>
+      <p:ext uri="{BB962C8B-B14F-4D97-AF65-F5344CB8AC3E}">
+        <p14:creationId xmlns:p14="http://schemas.microsoft.com/office/powerpoint/2010/main" val="3977050488"/>
+      </p:ext>
+    </p:extLst>
+  </p:cSld>
+  <p:clrMapOvr>
+    <a:masterClrMapping/>
+  </p:clrMapOvr>
+</p:sld>
+</file>
+
+<file path=ppt/slides/slide23.xml><?xml version="1.0" encoding="utf-8"?>
+<p:sld xmlns:a="http://schemas.openxmlformats.org/drawingml/2006/main" xmlns:r="http://schemas.openxmlformats.org/officeDocument/2006/relationships" xmlns:p="http://schemas.openxmlformats.org/presentationml/2006/main">
+  <p:cSld>
+    <p:spTree>
+      <p:nvGrpSpPr>
+        <p:cNvPr id="1" name=""/>
+        <p:cNvGrpSpPr/>
+        <p:nvPr/>
+      </p:nvGrpSpPr>
+      <p:grpSpPr>
+        <a:xfrm>
+          <a:off x="0" y="0"/>
+          <a:ext cx="0" cy="0"/>
+          <a:chOff x="0" y="0"/>
+          <a:chExt cx="0" cy="0"/>
+        </a:xfrm>
+      </p:grpSpPr>
+      <p:sp>
+        <p:nvSpPr>
+          <p:cNvPr id="2" name="Title 1">
+            <a:extLst>
+              <a:ext uri="{FF2B5EF4-FFF2-40B4-BE49-F238E27FC236}">
+                <a16:creationId xmlns:a16="http://schemas.microsoft.com/office/drawing/2014/main" id="{60FBE992-B63A-4C88-B8A4-BFA1087398DD}"/>
+              </a:ext>
+            </a:extLst>
+          </p:cNvPr>
+          <p:cNvSpPr>
+            <a:spLocks noGrp="1"/>
+          </p:cNvSpPr>
+          <p:nvPr>
+            <p:ph type="title"/>
+          </p:nvPr>
+        </p:nvSpPr>
+        <p:spPr/>
+        <p:txBody>
+          <a:bodyPr/>
+          <a:lstStyle/>
+          <a:p>
+            <a:r>
+              <a:rPr lang="en-CA" dirty="0"/>
+              <a:t>Solution 1</a:t>
+            </a:r>
+          </a:p>
+        </p:txBody>
+      </p:sp>
+      <p:sp>
+        <p:nvSpPr>
+          <p:cNvPr id="3" name="Content Placeholder 2">
+            <a:extLst>
+              <a:ext uri="{FF2B5EF4-FFF2-40B4-BE49-F238E27FC236}">
+                <a16:creationId xmlns:a16="http://schemas.microsoft.com/office/drawing/2014/main" id="{F44E741A-FE57-4D53-865D-34CC64A6F4D1}"/>
+              </a:ext>
+            </a:extLst>
+          </p:cNvPr>
+          <p:cNvSpPr>
+            <a:spLocks noGrp="1"/>
+          </p:cNvSpPr>
+          <p:nvPr>
+            <p:ph idx="1"/>
+          </p:nvPr>
+        </p:nvSpPr>
+        <p:spPr/>
+        <p:txBody>
+          <a:bodyPr/>
+          <a:lstStyle/>
+          <a:p>
+            <a:r>
+              <a:rPr lang="en-CA" dirty="0"/>
+              <a:t>Provide a legal resource for player-managers that will contain:</a:t>
+            </a:r>
+          </a:p>
+          <a:p>
+            <a:r>
+              <a:rPr lang="en-CA" dirty="0"/>
+              <a:t>-legal documentation</a:t>
+            </a:r>
+          </a:p>
+          <a:p>
+            <a:r>
+              <a:rPr lang="en-CA" dirty="0"/>
+              <a:t>-labor law documentation.</a:t>
+            </a:r>
+          </a:p>
+          <a:p>
+            <a:r>
+              <a:rPr lang="en-CA" dirty="0"/>
+              <a:t>-Attorney contact.</a:t>
+            </a:r>
+          </a:p>
+          <a:p>
+            <a:r>
+              <a:rPr lang="en-CA" dirty="0"/>
+              <a:t>-contract aide.</a:t>
+            </a:r>
+          </a:p>
+          <a:p>
+            <a:pPr marL="0" indent="0">
+              <a:buNone/>
+            </a:pPr>
+            <a:endParaRPr lang="en-CA" dirty="0"/>
+          </a:p>
+        </p:txBody>
+      </p:sp>
+    </p:spTree>
+    <p:extLst>
+      <p:ext uri="{BB962C8B-B14F-4D97-AF65-F5344CB8AC3E}">
+        <p14:creationId xmlns:p14="http://schemas.microsoft.com/office/powerpoint/2010/main" val="882208448"/>
+      </p:ext>
+    </p:extLst>
+  </p:cSld>
+  <p:clrMapOvr>
+    <a:masterClrMapping/>
+  </p:clrMapOvr>
+</p:sld>
+</file>
+
+<file path=ppt/slides/slide24.xml><?xml version="1.0" encoding="utf-8"?>
+<p:sld xmlns:a="http://schemas.openxmlformats.org/drawingml/2006/main" xmlns:r="http://schemas.openxmlformats.org/officeDocument/2006/relationships" xmlns:p="http://schemas.openxmlformats.org/presentationml/2006/main">
+  <p:cSld>
     <p:spTree>
       <p:nvGrpSpPr>
         <p:cNvPr id="1" name=""/>
@@ -20869,7 +28811,7 @@
 </p:sld>
 </file>
 
-<file path=ppt/slides/slide21.xml><?xml version="1.0" encoding="utf-8"?>
+<file path=ppt/slides/slide25.xml><?xml version="1.0" encoding="utf-8"?>
 <p:sld xmlns:a="http://schemas.openxmlformats.org/drawingml/2006/main" xmlns:r="http://schemas.openxmlformats.org/officeDocument/2006/relationships" xmlns:p="http://schemas.openxmlformats.org/presentationml/2006/main">
   <p:cSld>
     <p:spTree>
@@ -20952,7 +28894,7 @@
 </p:sld>
 </file>
 
-<file path=ppt/slides/slide22.xml><?xml version="1.0" encoding="utf-8"?>
+<file path=ppt/slides/slide26.xml><?xml version="1.0" encoding="utf-8"?>
 <p:sld xmlns:a="http://schemas.openxmlformats.org/drawingml/2006/main" xmlns:r="http://schemas.openxmlformats.org/officeDocument/2006/relationships" xmlns:p="http://schemas.openxmlformats.org/presentationml/2006/main">
   <p:cSld>
     <p:spTree>
